--- a/pics/2022-01-05-complex_number_basic/pics.pptx
+++ b/pics/2022-01-05-complex_number_basic/pics.pptx
@@ -8,6 +8,8 @@
     <p:sldId id="256" r:id="rId2"/>
     <p:sldId id="257" r:id="rId3"/>
     <p:sldId id="258" r:id="rId4"/>
+    <p:sldId id="259" r:id="rId5"/>
+    <p:sldId id="260" r:id="rId6"/>
   </p:sldIdLst>
   <p:sldSz cx="9144000" cy="6858000" type="screen4x3"/>
   <p:notesSz cx="6858000" cy="9144000"/>
@@ -3302,6 +3304,245 @@
 </p:sld>
 </file>
 
+<file path=ppt/slides/slide4.xml><?xml version="1.0" encoding="utf-8"?>
+<p:sld xmlns:a="http://schemas.openxmlformats.org/drawingml/2006/main" xmlns:r="http://schemas.openxmlformats.org/officeDocument/2006/relationships" xmlns:p="http://schemas.openxmlformats.org/presentationml/2006/main">
+  <p:cSld>
+    <p:spTree>
+      <p:nvGrpSpPr>
+        <p:cNvPr id="1" name=""/>
+        <p:cNvGrpSpPr/>
+        <p:nvPr/>
+      </p:nvGrpSpPr>
+      <p:grpSpPr>
+        <a:xfrm>
+          <a:off x="0" y="0"/>
+          <a:ext cx="0" cy="0"/>
+          <a:chOff x="0" y="0"/>
+          <a:chExt cx="0" cy="0"/>
+        </a:xfrm>
+      </p:grpSpPr>
+      <p:pic>
+        <p:nvPicPr>
+          <p:cNvPr id="1026" name="Picture 2"/>
+          <p:cNvPicPr>
+            <a:picLocks noChangeAspect="1" noChangeArrowheads="1"/>
+          </p:cNvPicPr>
+          <p:nvPr/>
+        </p:nvPicPr>
+        <p:blipFill>
+          <a:blip r:embed="rId2">
+            <a:extLst>
+              <a:ext uri="{28A0092B-C50C-407E-A947-70E740481C1C}">
+                <a14:useLocalDpi xmlns:a14="http://schemas.microsoft.com/office/drawing/2010/main" val="0"/>
+              </a:ext>
+            </a:extLst>
+          </a:blip>
+          <a:srcRect/>
+          <a:stretch>
+            <a:fillRect/>
+          </a:stretch>
+        </p:blipFill>
+        <p:spPr bwMode="auto">
+          <a:xfrm>
+            <a:off x="-185738" y="338138"/>
+            <a:ext cx="9515476" cy="6181725"/>
+          </a:xfrm>
+          <a:prstGeom prst="rect">
+            <a:avLst/>
+          </a:prstGeom>
+          <a:noFill/>
+          <a:ln>
+            <a:noFill/>
+          </a:ln>
+          <a:effectLst/>
+          <a:extLst>
+            <a:ext uri="{909E8E84-426E-40DD-AFC4-6F175D3DCCD1}">
+              <a14:hiddenFill xmlns:a14="http://schemas.microsoft.com/office/drawing/2010/main">
+                <a:solidFill>
+                  <a:schemeClr val="accent1"/>
+                </a:solidFill>
+              </a14:hiddenFill>
+            </a:ext>
+            <a:ext uri="{91240B29-F687-4F45-9708-019B960494DF}">
+              <a14:hiddenLine xmlns:a14="http://schemas.microsoft.com/office/drawing/2010/main" w="9525">
+                <a:solidFill>
+                  <a:schemeClr val="tx1"/>
+                </a:solidFill>
+                <a:miter lim="800000"/>
+                <a:headEnd/>
+                <a:tailEnd/>
+              </a14:hiddenLine>
+            </a:ext>
+            <a:ext uri="{AF507438-7753-43E0-B8FC-AC1667EBCBE1}">
+              <a14:hiddenEffects xmlns:a14="http://schemas.microsoft.com/office/drawing/2010/main">
+                <a:effectLst>
+                  <a:outerShdw dist="35921" dir="2700000" algn="ctr" rotWithShape="0">
+                    <a:schemeClr val="bg2"/>
+                  </a:outerShdw>
+                </a:effectLst>
+              </a14:hiddenEffects>
+            </a:ext>
+          </a:extLst>
+        </p:spPr>
+      </p:pic>
+    </p:spTree>
+    <p:extLst>
+      <p:ext uri="{BB962C8B-B14F-4D97-AF65-F5344CB8AC3E}">
+        <p14:creationId xmlns:p14="http://schemas.microsoft.com/office/powerpoint/2010/main" val="3686394017"/>
+      </p:ext>
+    </p:extLst>
+  </p:cSld>
+  <p:clrMapOvr>
+    <a:masterClrMapping/>
+  </p:clrMapOvr>
+</p:sld>
+</file>
+
+<file path=ppt/slides/slide5.xml><?xml version="1.0" encoding="utf-8"?>
+<p:sld xmlns:a="http://schemas.openxmlformats.org/drawingml/2006/main" xmlns:r="http://schemas.openxmlformats.org/officeDocument/2006/relationships" xmlns:p="http://schemas.openxmlformats.org/presentationml/2006/main">
+  <p:cSld>
+    <p:spTree>
+      <p:nvGrpSpPr>
+        <p:cNvPr id="1" name=""/>
+        <p:cNvGrpSpPr/>
+        <p:nvPr/>
+      </p:nvGrpSpPr>
+      <p:grpSpPr>
+        <a:xfrm>
+          <a:off x="0" y="0"/>
+          <a:ext cx="0" cy="0"/>
+          <a:chOff x="0" y="0"/>
+          <a:chExt cx="0" cy="0"/>
+        </a:xfrm>
+      </p:grpSpPr>
+      <p:pic>
+        <p:nvPicPr>
+          <p:cNvPr id="1026" name="Picture 2"/>
+          <p:cNvPicPr>
+            <a:picLocks noChangeAspect="1" noChangeArrowheads="1"/>
+          </p:cNvPicPr>
+          <p:nvPr/>
+        </p:nvPicPr>
+        <p:blipFill>
+          <a:blip r:embed="rId2">
+            <a:extLst>
+              <a:ext uri="{28A0092B-C50C-407E-A947-70E740481C1C}">
+                <a14:useLocalDpi xmlns:a14="http://schemas.microsoft.com/office/drawing/2010/main" val="0"/>
+              </a:ext>
+            </a:extLst>
+          </a:blip>
+          <a:srcRect/>
+          <a:stretch>
+            <a:fillRect/>
+          </a:stretch>
+        </p:blipFill>
+        <p:spPr bwMode="auto">
+          <a:xfrm>
+            <a:off x="-185738" y="338137"/>
+            <a:ext cx="9515476" cy="6181725"/>
+          </a:xfrm>
+          <a:prstGeom prst="rect">
+            <a:avLst/>
+          </a:prstGeom>
+          <a:noFill/>
+          <a:ln>
+            <a:noFill/>
+          </a:ln>
+          <a:effectLst/>
+          <a:extLst>
+            <a:ext uri="{909E8E84-426E-40DD-AFC4-6F175D3DCCD1}">
+              <a14:hiddenFill xmlns:a14="http://schemas.microsoft.com/office/drawing/2010/main">
+                <a:solidFill>
+                  <a:schemeClr val="accent1"/>
+                </a:solidFill>
+              </a14:hiddenFill>
+            </a:ext>
+            <a:ext uri="{91240B29-F687-4F45-9708-019B960494DF}">
+              <a14:hiddenLine xmlns:a14="http://schemas.microsoft.com/office/drawing/2010/main" w="9525">
+                <a:solidFill>
+                  <a:schemeClr val="tx1"/>
+                </a:solidFill>
+                <a:miter lim="800000"/>
+                <a:headEnd/>
+                <a:tailEnd/>
+              </a14:hiddenLine>
+            </a:ext>
+            <a:ext uri="{AF507438-7753-43E0-B8FC-AC1667EBCBE1}">
+              <a14:hiddenEffects xmlns:a14="http://schemas.microsoft.com/office/drawing/2010/main">
+                <a:effectLst>
+                  <a:outerShdw dist="35921" dir="2700000" algn="ctr" rotWithShape="0">
+                    <a:schemeClr val="bg2"/>
+                  </a:outerShdw>
+                </a:effectLst>
+              </a14:hiddenEffects>
+            </a:ext>
+          </a:extLst>
+        </p:spPr>
+      </p:pic>
+      <p:sp>
+        <p:nvSpPr>
+          <p:cNvPr id="4" name="원호 3"/>
+          <p:cNvSpPr/>
+          <p:nvPr/>
+        </p:nvSpPr>
+        <p:spPr>
+          <a:xfrm rot="1003698">
+            <a:off x="2771206" y="1306216"/>
+            <a:ext cx="3975881" cy="4055796"/>
+          </a:xfrm>
+          <a:prstGeom prst="arc">
+            <a:avLst>
+              <a:gd name="adj1" fmla="val 18287702"/>
+              <a:gd name="adj2" fmla="val 19406499"/>
+            </a:avLst>
+          </a:prstGeom>
+          <a:ln w="76200">
+            <a:solidFill>
+              <a:schemeClr val="tx1">
+                <a:lumMod val="75000"/>
+                <a:lumOff val="25000"/>
+              </a:schemeClr>
+            </a:solidFill>
+            <a:headEnd type="triangle" w="med" len="med"/>
+            <a:tailEnd type="none" w="med" len="med"/>
+          </a:ln>
+        </p:spPr>
+        <p:style>
+          <a:lnRef idx="1">
+            <a:schemeClr val="accent1"/>
+          </a:lnRef>
+          <a:fillRef idx="0">
+            <a:schemeClr val="accent1"/>
+          </a:fillRef>
+          <a:effectRef idx="0">
+            <a:schemeClr val="accent1"/>
+          </a:effectRef>
+          <a:fontRef idx="minor">
+            <a:schemeClr val="tx1"/>
+          </a:fontRef>
+        </p:style>
+        <p:txBody>
+          <a:bodyPr rtlCol="0" anchor="ctr"/>
+          <a:lstStyle/>
+          <a:p>
+            <a:pPr algn="ctr"/>
+            <a:endParaRPr lang="ko-KR" altLang="en-US"/>
+          </a:p>
+        </p:txBody>
+      </p:sp>
+    </p:spTree>
+    <p:extLst>
+      <p:ext uri="{BB962C8B-B14F-4D97-AF65-F5344CB8AC3E}">
+        <p14:creationId xmlns:p14="http://schemas.microsoft.com/office/powerpoint/2010/main" val="3291891287"/>
+      </p:ext>
+    </p:extLst>
+  </p:cSld>
+  <p:clrMapOvr>
+    <a:masterClrMapping/>
+  </p:clrMapOvr>
+</p:sld>
+</file>
+
 <file path=ppt/theme/theme1.xml><?xml version="1.0" encoding="utf-8"?>
 <a:theme xmlns:a="http://schemas.openxmlformats.org/drawingml/2006/main" name="Office 테마">
   <a:themeElements>

--- a/pics/2022-01-05-complex_number_basic/pics.pptx
+++ b/pics/2022-01-05-complex_number_basic/pics.pptx
@@ -10,6 +10,7 @@
     <p:sldId id="258" r:id="rId4"/>
     <p:sldId id="259" r:id="rId5"/>
     <p:sldId id="260" r:id="rId6"/>
+    <p:sldId id="261" r:id="rId7"/>
   </p:sldIdLst>
   <p:sldSz cx="9144000" cy="6858000" type="screen4x3"/>
   <p:notesSz cx="6858000" cy="9144000"/>
@@ -292,7 +293,7 @@
           <a:p>
             <a:fld id="{FB30EDBD-1C2D-4C1E-B459-B60219FAB484}" type="datetimeFigureOut">
               <a:rPr lang="ko-KR" altLang="en-US" smtClean="0"/>
-              <a:t>2022-01-06</a:t>
+              <a:t>2022-01-07</a:t>
             </a:fld>
             <a:endParaRPr lang="ko-KR" altLang="en-US"/>
           </a:p>
@@ -457,7 +458,7 @@
           <a:p>
             <a:fld id="{FB30EDBD-1C2D-4C1E-B459-B60219FAB484}" type="datetimeFigureOut">
               <a:rPr lang="ko-KR" altLang="en-US" smtClean="0"/>
-              <a:t>2022-01-06</a:t>
+              <a:t>2022-01-07</a:t>
             </a:fld>
             <a:endParaRPr lang="ko-KR" altLang="en-US"/>
           </a:p>
@@ -632,7 +633,7 @@
           <a:p>
             <a:fld id="{FB30EDBD-1C2D-4C1E-B459-B60219FAB484}" type="datetimeFigureOut">
               <a:rPr lang="ko-KR" altLang="en-US" smtClean="0"/>
-              <a:t>2022-01-06</a:t>
+              <a:t>2022-01-07</a:t>
             </a:fld>
             <a:endParaRPr lang="ko-KR" altLang="en-US"/>
           </a:p>
@@ -797,7 +798,7 @@
           <a:p>
             <a:fld id="{FB30EDBD-1C2D-4C1E-B459-B60219FAB484}" type="datetimeFigureOut">
               <a:rPr lang="ko-KR" altLang="en-US" smtClean="0"/>
-              <a:t>2022-01-06</a:t>
+              <a:t>2022-01-07</a:t>
             </a:fld>
             <a:endParaRPr lang="ko-KR" altLang="en-US"/>
           </a:p>
@@ -1038,7 +1039,7 @@
           <a:p>
             <a:fld id="{FB30EDBD-1C2D-4C1E-B459-B60219FAB484}" type="datetimeFigureOut">
               <a:rPr lang="ko-KR" altLang="en-US" smtClean="0"/>
-              <a:t>2022-01-06</a:t>
+              <a:t>2022-01-07</a:t>
             </a:fld>
             <a:endParaRPr lang="ko-KR" altLang="en-US"/>
           </a:p>
@@ -1321,7 +1322,7 @@
           <a:p>
             <a:fld id="{FB30EDBD-1C2D-4C1E-B459-B60219FAB484}" type="datetimeFigureOut">
               <a:rPr lang="ko-KR" altLang="en-US" smtClean="0"/>
-              <a:t>2022-01-06</a:t>
+              <a:t>2022-01-07</a:t>
             </a:fld>
             <a:endParaRPr lang="ko-KR" altLang="en-US"/>
           </a:p>
@@ -1738,7 +1739,7 @@
           <a:p>
             <a:fld id="{FB30EDBD-1C2D-4C1E-B459-B60219FAB484}" type="datetimeFigureOut">
               <a:rPr lang="ko-KR" altLang="en-US" smtClean="0"/>
-              <a:t>2022-01-06</a:t>
+              <a:t>2022-01-07</a:t>
             </a:fld>
             <a:endParaRPr lang="ko-KR" altLang="en-US"/>
           </a:p>
@@ -1851,7 +1852,7 @@
           <a:p>
             <a:fld id="{FB30EDBD-1C2D-4C1E-B459-B60219FAB484}" type="datetimeFigureOut">
               <a:rPr lang="ko-KR" altLang="en-US" smtClean="0"/>
-              <a:t>2022-01-06</a:t>
+              <a:t>2022-01-07</a:t>
             </a:fld>
             <a:endParaRPr lang="ko-KR" altLang="en-US"/>
           </a:p>
@@ -1941,7 +1942,7 @@
           <a:p>
             <a:fld id="{FB30EDBD-1C2D-4C1E-B459-B60219FAB484}" type="datetimeFigureOut">
               <a:rPr lang="ko-KR" altLang="en-US" smtClean="0"/>
-              <a:t>2022-01-06</a:t>
+              <a:t>2022-01-07</a:t>
             </a:fld>
             <a:endParaRPr lang="ko-KR" altLang="en-US"/>
           </a:p>
@@ -2213,7 +2214,7 @@
           <a:p>
             <a:fld id="{FB30EDBD-1C2D-4C1E-B459-B60219FAB484}" type="datetimeFigureOut">
               <a:rPr lang="ko-KR" altLang="en-US" smtClean="0"/>
-              <a:t>2022-01-06</a:t>
+              <a:t>2022-01-07</a:t>
             </a:fld>
             <a:endParaRPr lang="ko-KR" altLang="en-US"/>
           </a:p>
@@ -2461,7 +2462,7 @@
           <a:p>
             <a:fld id="{FB30EDBD-1C2D-4C1E-B459-B60219FAB484}" type="datetimeFigureOut">
               <a:rPr lang="ko-KR" altLang="en-US" smtClean="0"/>
-              <a:t>2022-01-06</a:t>
+              <a:t>2022-01-07</a:t>
             </a:fld>
             <a:endParaRPr lang="ko-KR" altLang="en-US"/>
           </a:p>
@@ -2669,7 +2670,7 @@
           <a:p>
             <a:fld id="{FB30EDBD-1C2D-4C1E-B459-B60219FAB484}" type="datetimeFigureOut">
               <a:rPr lang="ko-KR" altLang="en-US" smtClean="0"/>
-              <a:t>2022-01-06</a:t>
+              <a:t>2022-01-07</a:t>
             </a:fld>
             <a:endParaRPr lang="ko-KR" altLang="en-US"/>
           </a:p>
@@ -3543,6 +3544,405 @@
 </p:sld>
 </file>
 
+<file path=ppt/slides/slide6.xml><?xml version="1.0" encoding="utf-8"?>
+<p:sld xmlns:a="http://schemas.openxmlformats.org/drawingml/2006/main" xmlns:r="http://schemas.openxmlformats.org/officeDocument/2006/relationships" xmlns:p="http://schemas.openxmlformats.org/presentationml/2006/main">
+  <p:cSld>
+    <p:spTree>
+      <p:nvGrpSpPr>
+        <p:cNvPr id="1" name=""/>
+        <p:cNvGrpSpPr/>
+        <p:nvPr/>
+      </p:nvGrpSpPr>
+      <p:grpSpPr>
+        <a:xfrm>
+          <a:off x="0" y="0"/>
+          <a:ext cx="0" cy="0"/>
+          <a:chOff x="0" y="0"/>
+          <a:chExt cx="0" cy="0"/>
+        </a:xfrm>
+      </p:grpSpPr>
+      <p:pic>
+        <p:nvPicPr>
+          <p:cNvPr id="1027" name="Picture 3"/>
+          <p:cNvPicPr>
+            <a:picLocks noChangeAspect="1" noChangeArrowheads="1"/>
+          </p:cNvPicPr>
+          <p:nvPr/>
+        </p:nvPicPr>
+        <p:blipFill>
+          <a:blip r:embed="rId2">
+            <a:extLst>
+              <a:ext uri="{28A0092B-C50C-407E-A947-70E740481C1C}">
+                <a14:useLocalDpi xmlns:a14="http://schemas.microsoft.com/office/drawing/2010/main" val="0"/>
+              </a:ext>
+            </a:extLst>
+          </a:blip>
+          <a:srcRect/>
+          <a:stretch>
+            <a:fillRect/>
+          </a:stretch>
+        </p:blipFill>
+        <p:spPr bwMode="auto">
+          <a:xfrm>
+            <a:off x="1624013" y="1766888"/>
+            <a:ext cx="5895975" cy="3324225"/>
+          </a:xfrm>
+          <a:prstGeom prst="rect">
+            <a:avLst/>
+          </a:prstGeom>
+          <a:noFill/>
+          <a:ln>
+            <a:noFill/>
+          </a:ln>
+          <a:effectLst/>
+          <a:extLst>
+            <a:ext uri="{909E8E84-426E-40DD-AFC4-6F175D3DCCD1}">
+              <a14:hiddenFill xmlns:a14="http://schemas.microsoft.com/office/drawing/2010/main">
+                <a:solidFill>
+                  <a:schemeClr val="accent1"/>
+                </a:solidFill>
+              </a14:hiddenFill>
+            </a:ext>
+            <a:ext uri="{91240B29-F687-4F45-9708-019B960494DF}">
+              <a14:hiddenLine xmlns:a14="http://schemas.microsoft.com/office/drawing/2010/main" w="9525">
+                <a:solidFill>
+                  <a:schemeClr val="tx1"/>
+                </a:solidFill>
+                <a:miter lim="800000"/>
+                <a:headEnd/>
+                <a:tailEnd/>
+              </a14:hiddenLine>
+            </a:ext>
+            <a:ext uri="{AF507438-7753-43E0-B8FC-AC1667EBCBE1}">
+              <a14:hiddenEffects xmlns:a14="http://schemas.microsoft.com/office/drawing/2010/main">
+                <a:effectLst>
+                  <a:outerShdw dist="35921" dir="2700000" algn="ctr" rotWithShape="0">
+                    <a:schemeClr val="bg2"/>
+                  </a:outerShdw>
+                </a:effectLst>
+              </a14:hiddenEffects>
+            </a:ext>
+          </a:extLst>
+        </p:spPr>
+      </p:pic>
+      <mc:AlternateContent xmlns:mc="http://schemas.openxmlformats.org/markup-compatibility/2006">
+        <mc:Choice xmlns:a14="http://schemas.microsoft.com/office/drawing/2010/main" Requires="a14">
+          <p:sp>
+            <p:nvSpPr>
+              <p:cNvPr id="4" name="TextBox 3"/>
+              <p:cNvSpPr txBox="1"/>
+              <p:nvPr/>
+            </p:nvSpPr>
+            <p:spPr>
+              <a:xfrm rot="19860000">
+                <a:off x="3989015" y="3063444"/>
+                <a:ext cx="1010469" cy="369332"/>
+              </a:xfrm>
+              <a:prstGeom prst="rect">
+                <a:avLst/>
+              </a:prstGeom>
+              <a:solidFill>
+                <a:schemeClr val="accent1"/>
+              </a:solidFill>
+            </p:spPr>
+            <p:txBody>
+              <a:bodyPr wrap="none" rtlCol="0">
+                <a:spAutoFit/>
+              </a:bodyPr>
+              <a:lstStyle/>
+              <a:p>
+                <a14:m>
+                  <m:oMath xmlns:m="http://schemas.openxmlformats.org/officeDocument/2006/math">
+                    <m:r>
+                      <a:rPr lang="en-US" altLang="ko-KR" b="0" i="1" smtClean="0">
+                        <a:solidFill>
+                          <a:schemeClr val="bg1"/>
+                        </a:solidFill>
+                        <a:latin typeface="Cambria Math"/>
+                      </a:rPr>
+                      <m:t>𝑟</m:t>
+                    </m:r>
+                  </m:oMath>
+                </a14:m>
+                <a:r>
+                  <a:rPr lang="ko-KR" altLang="en-US" dirty="0" smtClean="0">
+                    <a:solidFill>
+                      <a:schemeClr val="bg1"/>
+                    </a:solidFill>
+                    <a:latin typeface="나눔고딕" pitchFamily="50" charset="-127"/>
+                    <a:ea typeface="나눔고딕" pitchFamily="50" charset="-127"/>
+                  </a:rPr>
+                  <a:t> </a:t>
+                </a:r>
+                <a:r>
+                  <a:rPr lang="en-US" altLang="ko-KR" dirty="0" smtClean="0">
+                    <a:solidFill>
+                      <a:schemeClr val="bg1"/>
+                    </a:solidFill>
+                    <a:latin typeface="나눔고딕" pitchFamily="50" charset="-127"/>
+                    <a:ea typeface="나눔고딕" pitchFamily="50" charset="-127"/>
+                  </a:rPr>
+                  <a:t>= </a:t>
+                </a:r>
+                <a:r>
+                  <a:rPr lang="ko-KR" altLang="en-US" dirty="0" smtClean="0">
+                    <a:solidFill>
+                      <a:schemeClr val="bg1"/>
+                    </a:solidFill>
+                    <a:latin typeface="나눔고딕" pitchFamily="50" charset="-127"/>
+                    <a:ea typeface="나눔고딕" pitchFamily="50" charset="-127"/>
+                  </a:rPr>
+                  <a:t>길이</a:t>
+                </a:r>
+                <a:endParaRPr lang="ko-KR" altLang="en-US" dirty="0">
+                  <a:solidFill>
+                    <a:schemeClr val="bg1"/>
+                  </a:solidFill>
+                  <a:latin typeface="나눔고딕" pitchFamily="50" charset="-127"/>
+                  <a:ea typeface="나눔고딕" pitchFamily="50" charset="-127"/>
+                </a:endParaRPr>
+              </a:p>
+            </p:txBody>
+          </p:sp>
+        </mc:Choice>
+        <mc:Fallback>
+          <p:sp>
+            <p:nvSpPr>
+              <p:cNvPr id="4" name="TextBox 3"/>
+              <p:cNvSpPr txBox="1">
+                <a:spLocks noRot="1" noChangeAspect="1" noMove="1" noResize="1" noEditPoints="1" noAdjustHandles="1" noChangeArrowheads="1" noChangeShapeType="1" noTextEdit="1"/>
+              </p:cNvSpPr>
+              <p:nvPr/>
+            </p:nvSpPr>
+            <p:spPr>
+              <a:xfrm rot="19860000">
+                <a:off x="3989015" y="3063444"/>
+                <a:ext cx="1010469" cy="369332"/>
+              </a:xfrm>
+              <a:prstGeom prst="rect">
+                <a:avLst/>
+              </a:prstGeom>
+              <a:blipFill rotWithShape="1">
+                <a:blip r:embed="rId3"/>
+                <a:stretch>
+                  <a:fillRect t="-5970" r="-8000" b="-2239"/>
+                </a:stretch>
+              </a:blipFill>
+            </p:spPr>
+            <p:txBody>
+              <a:bodyPr/>
+              <a:lstStyle/>
+              <a:p>
+                <a:r>
+                  <a:rPr lang="ko-KR" altLang="en-US">
+                    <a:noFill/>
+                  </a:rPr>
+                  <a:t> </a:t>
+                </a:r>
+              </a:p>
+            </p:txBody>
+          </p:sp>
+        </mc:Fallback>
+      </mc:AlternateContent>
+      <mc:AlternateContent xmlns:mc="http://schemas.openxmlformats.org/markup-compatibility/2006">
+        <mc:Choice xmlns:a14="http://schemas.microsoft.com/office/drawing/2010/main" Requires="a14">
+          <p:sp>
+            <p:nvSpPr>
+              <p:cNvPr id="6" name="TextBox 5"/>
+              <p:cNvSpPr txBox="1"/>
+              <p:nvPr/>
+            </p:nvSpPr>
+            <p:spPr>
+              <a:xfrm>
+                <a:off x="3635896" y="4055489"/>
+                <a:ext cx="1816844" cy="369332"/>
+              </a:xfrm>
+              <a:prstGeom prst="rect">
+                <a:avLst/>
+              </a:prstGeom>
+              <a:solidFill>
+                <a:schemeClr val="accent1"/>
+              </a:solidFill>
+            </p:spPr>
+            <p:txBody>
+              <a:bodyPr wrap="none" rtlCol="0">
+                <a:spAutoFit/>
+              </a:bodyPr>
+              <a:lstStyle/>
+              <a:p>
+                <a14:m>
+                  <m:oMath xmlns:m="http://schemas.openxmlformats.org/officeDocument/2006/math">
+                    <m:r>
+                      <a:rPr lang="en-US" altLang="ko-KR" b="0" i="1" smtClean="0">
+                        <a:solidFill>
+                          <a:schemeClr val="bg1"/>
+                        </a:solidFill>
+                        <a:latin typeface="Cambria Math"/>
+                      </a:rPr>
+                      <m:t>𝜃</m:t>
+                    </m:r>
+                  </m:oMath>
+                </a14:m>
+                <a:r>
+                  <a:rPr lang="ko-KR" altLang="en-US" dirty="0" smtClean="0">
+                    <a:solidFill>
+                      <a:schemeClr val="bg1"/>
+                    </a:solidFill>
+                    <a:latin typeface="나눔고딕" pitchFamily="50" charset="-127"/>
+                    <a:ea typeface="나눔고딕" pitchFamily="50" charset="-127"/>
+                  </a:rPr>
+                  <a:t> </a:t>
+                </a:r>
+                <a:r>
+                  <a:rPr lang="en-US" altLang="ko-KR" dirty="0" smtClean="0">
+                    <a:solidFill>
+                      <a:schemeClr val="bg1"/>
+                    </a:solidFill>
+                    <a:latin typeface="나눔고딕" pitchFamily="50" charset="-127"/>
+                    <a:ea typeface="나눔고딕" pitchFamily="50" charset="-127"/>
+                  </a:rPr>
+                  <a:t>= </a:t>
+                </a:r>
+                <a:r>
+                  <a:rPr lang="ko-KR" altLang="en-US" dirty="0" smtClean="0">
+                    <a:solidFill>
+                      <a:schemeClr val="bg1"/>
+                    </a:solidFill>
+                    <a:latin typeface="나눔고딕" pitchFamily="50" charset="-127"/>
+                    <a:ea typeface="나눔고딕" pitchFamily="50" charset="-127"/>
+                  </a:rPr>
+                  <a:t>각도 </a:t>
+                </a:r>
+                <a:r>
+                  <a:rPr lang="en-US" altLang="ko-KR" dirty="0" smtClean="0">
+                    <a:solidFill>
+                      <a:schemeClr val="bg1"/>
+                    </a:solidFill>
+                    <a:latin typeface="나눔고딕" pitchFamily="50" charset="-127"/>
+                    <a:ea typeface="나눔고딕" pitchFamily="50" charset="-127"/>
+                  </a:rPr>
+                  <a:t>or </a:t>
+                </a:r>
+                <a:r>
+                  <a:rPr lang="ko-KR" altLang="en-US" dirty="0" smtClean="0">
+                    <a:solidFill>
+                      <a:schemeClr val="bg1"/>
+                    </a:solidFill>
+                    <a:latin typeface="나눔고딕" pitchFamily="50" charset="-127"/>
+                    <a:ea typeface="나눔고딕" pitchFamily="50" charset="-127"/>
+                  </a:rPr>
+                  <a:t>방향</a:t>
+                </a:r>
+                <a:endParaRPr lang="ko-KR" altLang="en-US" dirty="0">
+                  <a:solidFill>
+                    <a:schemeClr val="bg1"/>
+                  </a:solidFill>
+                  <a:latin typeface="나눔고딕" pitchFamily="50" charset="-127"/>
+                  <a:ea typeface="나눔고딕" pitchFamily="50" charset="-127"/>
+                </a:endParaRPr>
+              </a:p>
+            </p:txBody>
+          </p:sp>
+        </mc:Choice>
+        <mc:Fallback>
+          <p:sp>
+            <p:nvSpPr>
+              <p:cNvPr id="6" name="TextBox 5"/>
+              <p:cNvSpPr txBox="1">
+                <a:spLocks noRot="1" noChangeAspect="1" noMove="1" noResize="1" noEditPoints="1" noAdjustHandles="1" noChangeArrowheads="1" noChangeShapeType="1" noTextEdit="1"/>
+              </p:cNvSpPr>
+              <p:nvPr/>
+            </p:nvSpPr>
+            <p:spPr>
+              <a:xfrm>
+                <a:off x="3635896" y="4055489"/>
+                <a:ext cx="1816844" cy="369332"/>
+              </a:xfrm>
+              <a:prstGeom prst="rect">
+                <a:avLst/>
+              </a:prstGeom>
+              <a:blipFill rotWithShape="1">
+                <a:blip r:embed="rId4"/>
+                <a:stretch>
+                  <a:fillRect t="-8197" r="-2685" b="-24590"/>
+                </a:stretch>
+              </a:blipFill>
+            </p:spPr>
+            <p:txBody>
+              <a:bodyPr/>
+              <a:lstStyle/>
+              <a:p>
+                <a:r>
+                  <a:rPr lang="ko-KR" altLang="en-US">
+                    <a:noFill/>
+                  </a:rPr>
+                  <a:t> </a:t>
+                </a:r>
+              </a:p>
+            </p:txBody>
+          </p:sp>
+        </mc:Fallback>
+      </mc:AlternateContent>
+      <p:sp>
+        <p:nvSpPr>
+          <p:cNvPr id="5" name="원호 4"/>
+          <p:cNvSpPr/>
+          <p:nvPr/>
+        </p:nvSpPr>
+        <p:spPr>
+          <a:xfrm>
+            <a:off x="1839464" y="3654566"/>
+            <a:ext cx="1656184" cy="1656184"/>
+          </a:xfrm>
+          <a:prstGeom prst="arc">
+            <a:avLst>
+              <a:gd name="adj1" fmla="val 20041085"/>
+              <a:gd name="adj2" fmla="val 21482768"/>
+            </a:avLst>
+          </a:prstGeom>
+          <a:ln w="19050">
+            <a:solidFill>
+              <a:schemeClr val="tx1"/>
+            </a:solidFill>
+            <a:prstDash val="sysDash"/>
+          </a:ln>
+        </p:spPr>
+        <p:style>
+          <a:lnRef idx="1">
+            <a:schemeClr val="accent1"/>
+          </a:lnRef>
+          <a:fillRef idx="0">
+            <a:schemeClr val="accent1"/>
+          </a:fillRef>
+          <a:effectRef idx="0">
+            <a:schemeClr val="accent1"/>
+          </a:effectRef>
+          <a:fontRef idx="minor">
+            <a:schemeClr val="tx1"/>
+          </a:fontRef>
+        </p:style>
+        <p:txBody>
+          <a:bodyPr rtlCol="0" anchor="ctr"/>
+          <a:lstStyle/>
+          <a:p>
+            <a:pPr algn="ctr"/>
+            <a:endParaRPr lang="ko-KR" altLang="en-US"/>
+          </a:p>
+        </p:txBody>
+      </p:sp>
+    </p:spTree>
+    <p:extLst>
+      <p:ext uri="{BB962C8B-B14F-4D97-AF65-F5344CB8AC3E}">
+        <p14:creationId xmlns:p14="http://schemas.microsoft.com/office/powerpoint/2010/main" val="222064999"/>
+      </p:ext>
+    </p:extLst>
+  </p:cSld>
+  <p:clrMapOvr>
+    <a:masterClrMapping/>
+  </p:clrMapOvr>
+</p:sld>
+</file>
+
 <file path=ppt/theme/theme1.xml><?xml version="1.0" encoding="utf-8"?>
 <a:theme xmlns:a="http://schemas.openxmlformats.org/drawingml/2006/main" name="Office 테마">
   <a:themeElements>

--- a/pics/2022-01-05-complex_number_basic/pics.pptx
+++ b/pics/2022-01-05-complex_number_basic/pics.pptx
@@ -11,6 +11,9 @@
     <p:sldId id="259" r:id="rId5"/>
     <p:sldId id="260" r:id="rId6"/>
     <p:sldId id="261" r:id="rId7"/>
+    <p:sldId id="262" r:id="rId8"/>
+    <p:sldId id="263" r:id="rId9"/>
+    <p:sldId id="264" r:id="rId10"/>
   </p:sldIdLst>
   <p:sldSz cx="9144000" cy="6858000" type="screen4x3"/>
   <p:notesSz cx="6858000" cy="9144000"/>
@@ -3625,8 +3628,8 @@
           </a:extLst>
         </p:spPr>
       </p:pic>
-      <mc:AlternateContent xmlns:mc="http://schemas.openxmlformats.org/markup-compatibility/2006">
-        <mc:Choice xmlns:a14="http://schemas.microsoft.com/office/drawing/2010/main" Requires="a14">
+      <mc:AlternateContent xmlns:mc="http://schemas.openxmlformats.org/markup-compatibility/2006" xmlns:a14="http://schemas.microsoft.com/office/drawing/2010/main">
+        <mc:Choice Requires="a14">
           <p:sp>
             <p:nvSpPr>
               <p:cNvPr id="4" name="TextBox 3"/>
@@ -3705,7 +3708,7 @@
             </p:txBody>
           </p:sp>
         </mc:Choice>
-        <mc:Fallback>
+        <mc:Fallback xmlns="">
           <p:sp>
             <p:nvSpPr>
               <p:cNvPr id="4" name="TextBox 3"/>
@@ -3744,8 +3747,8 @@
           </p:sp>
         </mc:Fallback>
       </mc:AlternateContent>
-      <mc:AlternateContent xmlns:mc="http://schemas.openxmlformats.org/markup-compatibility/2006">
-        <mc:Choice xmlns:a14="http://schemas.microsoft.com/office/drawing/2010/main" Requires="a14">
+      <mc:AlternateContent xmlns:mc="http://schemas.openxmlformats.org/markup-compatibility/2006" xmlns:a14="http://schemas.microsoft.com/office/drawing/2010/main">
+        <mc:Choice Requires="a14">
           <p:sp>
             <p:nvSpPr>
               <p:cNvPr id="6" name="TextBox 5"/>
@@ -3844,7 +3847,7 @@
             </p:txBody>
           </p:sp>
         </mc:Choice>
-        <mc:Fallback>
+        <mc:Fallback xmlns="">
           <p:sp>
             <p:nvSpPr>
               <p:cNvPr id="6" name="TextBox 5"/>
@@ -3934,6 +3937,3059 @@
     <p:extLst>
       <p:ext uri="{BB962C8B-B14F-4D97-AF65-F5344CB8AC3E}">
         <p14:creationId xmlns:p14="http://schemas.microsoft.com/office/powerpoint/2010/main" val="222064999"/>
+      </p:ext>
+    </p:extLst>
+  </p:cSld>
+  <p:clrMapOvr>
+    <a:masterClrMapping/>
+  </p:clrMapOvr>
+</p:sld>
+</file>
+
+<file path=ppt/slides/slide7.xml><?xml version="1.0" encoding="utf-8"?>
+<p:sld xmlns:a="http://schemas.openxmlformats.org/drawingml/2006/main" xmlns:r="http://schemas.openxmlformats.org/officeDocument/2006/relationships" xmlns:p="http://schemas.openxmlformats.org/presentationml/2006/main">
+  <p:cSld>
+    <p:spTree>
+      <p:nvGrpSpPr>
+        <p:cNvPr id="1" name=""/>
+        <p:cNvGrpSpPr/>
+        <p:nvPr/>
+      </p:nvGrpSpPr>
+      <p:grpSpPr>
+        <a:xfrm>
+          <a:off x="0" y="0"/>
+          <a:ext cx="0" cy="0"/>
+          <a:chOff x="0" y="0"/>
+          <a:chExt cx="0" cy="0"/>
+        </a:xfrm>
+      </p:grpSpPr>
+      <p:pic>
+        <p:nvPicPr>
+          <p:cNvPr id="1026" name="Picture 2"/>
+          <p:cNvPicPr>
+            <a:picLocks noChangeAspect="1" noChangeArrowheads="1"/>
+          </p:cNvPicPr>
+          <p:nvPr/>
+        </p:nvPicPr>
+        <p:blipFill rotWithShape="1">
+          <a:blip r:embed="rId2">
+            <a:extLst>
+              <a:ext uri="{28A0092B-C50C-407E-A947-70E740481C1C}">
+                <a14:useLocalDpi xmlns:a14="http://schemas.microsoft.com/office/drawing/2010/main" val="0"/>
+              </a:ext>
+            </a:extLst>
+          </a:blip>
+          <a:srcRect l="43563" b="7926"/>
+          <a:stretch/>
+        </p:blipFill>
+        <p:spPr bwMode="auto">
+          <a:xfrm>
+            <a:off x="2474951" y="338139"/>
+            <a:ext cx="5370213" cy="5691726"/>
+          </a:xfrm>
+          <a:prstGeom prst="rect">
+            <a:avLst/>
+          </a:prstGeom>
+          <a:noFill/>
+          <a:ln>
+            <a:noFill/>
+          </a:ln>
+          <a:effectLst/>
+          <a:extLst>
+            <a:ext uri="{909E8E84-426E-40DD-AFC4-6F175D3DCCD1}">
+              <a14:hiddenFill xmlns:a14="http://schemas.microsoft.com/office/drawing/2010/main">
+                <a:solidFill>
+                  <a:schemeClr val="accent1"/>
+                </a:solidFill>
+              </a14:hiddenFill>
+            </a:ext>
+            <a:ext uri="{91240B29-F687-4F45-9708-019B960494DF}">
+              <a14:hiddenLine xmlns:a14="http://schemas.microsoft.com/office/drawing/2010/main" w="9525">
+                <a:solidFill>
+                  <a:schemeClr val="tx1"/>
+                </a:solidFill>
+                <a:miter lim="800000"/>
+                <a:headEnd/>
+                <a:tailEnd/>
+              </a14:hiddenLine>
+            </a:ext>
+            <a:ext uri="{AF507438-7753-43E0-B8FC-AC1667EBCBE1}">
+              <a14:hiddenEffects xmlns:a14="http://schemas.microsoft.com/office/drawing/2010/main">
+                <a:effectLst>
+                  <a:outerShdw dist="35921" dir="2700000" algn="ctr" rotWithShape="0">
+                    <a:schemeClr val="bg2"/>
+                  </a:outerShdw>
+                </a:effectLst>
+              </a14:hiddenEffects>
+            </a:ext>
+          </a:extLst>
+        </p:spPr>
+      </p:pic>
+      <mc:AlternateContent xmlns:mc="http://schemas.openxmlformats.org/markup-compatibility/2006">
+        <mc:Choice xmlns:a14="http://schemas.microsoft.com/office/drawing/2010/main" Requires="a14">
+          <p:sp>
+            <p:nvSpPr>
+              <p:cNvPr id="4" name="TextBox 3"/>
+              <p:cNvSpPr txBox="1"/>
+              <p:nvPr/>
+            </p:nvSpPr>
+            <p:spPr>
+              <a:xfrm>
+                <a:off x="3807507" y="4149080"/>
+                <a:ext cx="1568250" cy="369332"/>
+              </a:xfrm>
+              <a:prstGeom prst="rect">
+                <a:avLst/>
+              </a:prstGeom>
+              <a:noFill/>
+            </p:spPr>
+            <p:txBody>
+              <a:bodyPr wrap="none" rtlCol="0">
+                <a:spAutoFit/>
+              </a:bodyPr>
+              <a:lstStyle/>
+              <a:p>
+                <a14:m>
+                  <m:oMathPara xmlns:m="http://schemas.openxmlformats.org/officeDocument/2006/math">
+                    <m:oMathParaPr>
+                      <m:jc m:val="centerGroup"/>
+                    </m:oMathParaPr>
+                    <m:oMath xmlns:m="http://schemas.openxmlformats.org/officeDocument/2006/math">
+                      <m:sSub>
+                        <m:sSubPr>
+                          <m:ctrlPr>
+                            <a:rPr lang="en-US" altLang="ko-KR" b="0" i="1" smtClean="0">
+                              <a:latin typeface="Cambria Math"/>
+                            </a:rPr>
+                          </m:ctrlPr>
+                        </m:sSubPr>
+                        <m:e>
+                          <m:r>
+                            <a:rPr lang="en-US" altLang="ko-KR" b="0" i="1" smtClean="0">
+                              <a:latin typeface="Cambria Math"/>
+                            </a:rPr>
+                            <m:t>𝑧</m:t>
+                          </m:r>
+                        </m:e>
+                        <m:sub>
+                          <m:r>
+                            <a:rPr lang="en-US" altLang="ko-KR" b="0" i="1" smtClean="0">
+                              <a:latin typeface="Cambria Math"/>
+                            </a:rPr>
+                            <m:t>1</m:t>
+                          </m:r>
+                        </m:sub>
+                      </m:sSub>
+                      <m:r>
+                        <a:rPr lang="en-US" altLang="ko-KR" b="0" i="1" smtClean="0">
+                          <a:latin typeface="Cambria Math"/>
+                        </a:rPr>
+                        <m:t>=0.5−</m:t>
+                      </m:r>
+                      <m:r>
+                        <a:rPr lang="en-US" altLang="ko-KR" b="0" i="1" smtClean="0">
+                          <a:latin typeface="Cambria Math"/>
+                        </a:rPr>
+                        <m:t>𝑗</m:t>
+                      </m:r>
+                      <m:r>
+                        <a:rPr lang="en-US" altLang="ko-KR" b="0" i="1" smtClean="0">
+                          <a:latin typeface="Cambria Math"/>
+                        </a:rPr>
+                        <m:t>1</m:t>
+                      </m:r>
+                    </m:oMath>
+                  </m:oMathPara>
+                </a14:m>
+                <a:endParaRPr lang="ko-KR" altLang="en-US" dirty="0"/>
+              </a:p>
+            </p:txBody>
+          </p:sp>
+        </mc:Choice>
+        <mc:Fallback>
+          <p:sp>
+            <p:nvSpPr>
+              <p:cNvPr id="4" name="TextBox 3"/>
+              <p:cNvSpPr txBox="1">
+                <a:spLocks noRot="1" noChangeAspect="1" noMove="1" noResize="1" noEditPoints="1" noAdjustHandles="1" noChangeArrowheads="1" noChangeShapeType="1" noTextEdit="1"/>
+              </p:cNvSpPr>
+              <p:nvPr/>
+            </p:nvSpPr>
+            <p:spPr>
+              <a:xfrm>
+                <a:off x="3807507" y="4149080"/>
+                <a:ext cx="1568250" cy="369332"/>
+              </a:xfrm>
+              <a:prstGeom prst="rect">
+                <a:avLst/>
+              </a:prstGeom>
+              <a:blipFill rotWithShape="1">
+                <a:blip r:embed="rId3"/>
+                <a:stretch>
+                  <a:fillRect b="-16667"/>
+                </a:stretch>
+              </a:blipFill>
+            </p:spPr>
+            <p:txBody>
+              <a:bodyPr/>
+              <a:lstStyle/>
+              <a:p>
+                <a:r>
+                  <a:rPr lang="ko-KR" altLang="en-US">
+                    <a:noFill/>
+                  </a:rPr>
+                  <a:t> </a:t>
+                </a:r>
+              </a:p>
+            </p:txBody>
+          </p:sp>
+        </mc:Fallback>
+      </mc:AlternateContent>
+      <mc:AlternateContent xmlns:mc="http://schemas.openxmlformats.org/markup-compatibility/2006">
+        <mc:Choice xmlns:a14="http://schemas.microsoft.com/office/drawing/2010/main" Requires="a14">
+          <p:sp>
+            <p:nvSpPr>
+              <p:cNvPr id="6" name="TextBox 5"/>
+              <p:cNvSpPr txBox="1"/>
+              <p:nvPr/>
+            </p:nvSpPr>
+            <p:spPr>
+              <a:xfrm>
+                <a:off x="3807507" y="908720"/>
+                <a:ext cx="1317861" cy="369332"/>
+              </a:xfrm>
+              <a:prstGeom prst="rect">
+                <a:avLst/>
+              </a:prstGeom>
+              <a:noFill/>
+            </p:spPr>
+            <p:txBody>
+              <a:bodyPr wrap="none" rtlCol="0">
+                <a:spAutoFit/>
+              </a:bodyPr>
+              <a:lstStyle/>
+              <a:p>
+                <a14:m>
+                  <m:oMath xmlns:m="http://schemas.openxmlformats.org/officeDocument/2006/math">
+                    <m:sSub>
+                      <m:sSubPr>
+                        <m:ctrlPr>
+                          <a:rPr lang="en-US" altLang="ko-KR" b="0" i="1" smtClean="0">
+                            <a:latin typeface="Cambria Math"/>
+                          </a:rPr>
+                        </m:ctrlPr>
+                      </m:sSubPr>
+                      <m:e>
+                        <m:r>
+                          <a:rPr lang="en-US" altLang="ko-KR" b="0" i="1" smtClean="0">
+                            <a:latin typeface="Cambria Math"/>
+                          </a:rPr>
+                          <m:t>𝑧</m:t>
+                        </m:r>
+                      </m:e>
+                      <m:sub>
+                        <m:r>
+                          <a:rPr lang="en-US" altLang="ko-KR" b="0" i="1" smtClean="0">
+                            <a:latin typeface="Cambria Math"/>
+                          </a:rPr>
+                          <m:t>2</m:t>
+                        </m:r>
+                      </m:sub>
+                    </m:sSub>
+                    <m:r>
+                      <a:rPr lang="en-US" altLang="ko-KR" b="0" i="1" smtClean="0">
+                        <a:latin typeface="Cambria Math"/>
+                      </a:rPr>
+                      <m:t>=1+</m:t>
+                    </m:r>
+                    <m:r>
+                      <a:rPr lang="en-US" altLang="ko-KR" b="0" i="1" smtClean="0">
+                        <a:latin typeface="Cambria Math"/>
+                      </a:rPr>
+                      <m:t>𝑗</m:t>
+                    </m:r>
+                  </m:oMath>
+                </a14:m>
+                <a:r>
+                  <a:rPr lang="en-US" altLang="ko-KR" dirty="0" smtClean="0"/>
+                  <a:t>2</a:t>
+                </a:r>
+                <a:endParaRPr lang="ko-KR" altLang="en-US" dirty="0"/>
+              </a:p>
+            </p:txBody>
+          </p:sp>
+        </mc:Choice>
+        <mc:Fallback>
+          <p:sp>
+            <p:nvSpPr>
+              <p:cNvPr id="6" name="TextBox 5"/>
+              <p:cNvSpPr txBox="1">
+                <a:spLocks noRot="1" noChangeAspect="1" noMove="1" noResize="1" noEditPoints="1" noAdjustHandles="1" noChangeArrowheads="1" noChangeShapeType="1" noTextEdit="1"/>
+              </p:cNvSpPr>
+              <p:nvPr/>
+            </p:nvSpPr>
+            <p:spPr>
+              <a:xfrm>
+                <a:off x="3807507" y="908720"/>
+                <a:ext cx="1317861" cy="369332"/>
+              </a:xfrm>
+              <a:prstGeom prst="rect">
+                <a:avLst/>
+              </a:prstGeom>
+              <a:blipFill rotWithShape="1">
+                <a:blip r:embed="rId4"/>
+                <a:stretch>
+                  <a:fillRect t="-8197" r="-3241" b="-24590"/>
+                </a:stretch>
+              </a:blipFill>
+            </p:spPr>
+            <p:txBody>
+              <a:bodyPr/>
+              <a:lstStyle/>
+              <a:p>
+                <a:r>
+                  <a:rPr lang="ko-KR" altLang="en-US">
+                    <a:noFill/>
+                  </a:rPr>
+                  <a:t> </a:t>
+                </a:r>
+              </a:p>
+            </p:txBody>
+          </p:sp>
+        </mc:Fallback>
+      </mc:AlternateContent>
+      <mc:AlternateContent xmlns:mc="http://schemas.openxmlformats.org/markup-compatibility/2006">
+        <mc:Choice xmlns:a14="http://schemas.microsoft.com/office/drawing/2010/main" Requires="a14">
+          <p:sp>
+            <p:nvSpPr>
+              <p:cNvPr id="7" name="TextBox 6"/>
+              <p:cNvSpPr txBox="1"/>
+              <p:nvPr/>
+            </p:nvSpPr>
+            <p:spPr>
+              <a:xfrm>
+                <a:off x="4815619" y="2132856"/>
+                <a:ext cx="2055498" cy="369332"/>
+              </a:xfrm>
+              <a:prstGeom prst="rect">
+                <a:avLst/>
+              </a:prstGeom>
+              <a:noFill/>
+            </p:spPr>
+            <p:txBody>
+              <a:bodyPr wrap="none" rtlCol="0">
+                <a:spAutoFit/>
+              </a:bodyPr>
+              <a:lstStyle/>
+              <a:p>
+                <a14:m>
+                  <m:oMathPara xmlns:m="http://schemas.openxmlformats.org/officeDocument/2006/math">
+                    <m:oMathParaPr>
+                      <m:jc m:val="centerGroup"/>
+                    </m:oMathParaPr>
+                    <m:oMath xmlns:m="http://schemas.openxmlformats.org/officeDocument/2006/math">
+                      <m:sSub>
+                        <m:sSubPr>
+                          <m:ctrlPr>
+                            <a:rPr lang="en-US" altLang="ko-KR" b="0" i="1" smtClean="0">
+                              <a:solidFill>
+                                <a:srgbClr val="FF0000"/>
+                              </a:solidFill>
+                              <a:latin typeface="Cambria Math"/>
+                            </a:rPr>
+                          </m:ctrlPr>
+                        </m:sSubPr>
+                        <m:e>
+                          <m:r>
+                            <m:rPr>
+                              <m:sty m:val="p"/>
+                            </m:rPr>
+                            <a:rPr lang="en-US" altLang="ko-KR" i="1" smtClean="0">
+                              <a:solidFill>
+                                <a:srgbClr val="FF0000"/>
+                              </a:solidFill>
+                              <a:latin typeface="Cambria Math"/>
+                            </a:rPr>
+                            <m:t>z</m:t>
+                          </m:r>
+                        </m:e>
+                        <m:sub>
+                          <m:r>
+                            <a:rPr lang="en-US" altLang="ko-KR" b="0" i="1" smtClean="0">
+                              <a:solidFill>
+                                <a:srgbClr val="FF0000"/>
+                              </a:solidFill>
+                              <a:latin typeface="Cambria Math"/>
+                            </a:rPr>
+                            <m:t>1</m:t>
+                          </m:r>
+                        </m:sub>
+                      </m:sSub>
+                      <m:r>
+                        <a:rPr lang="en-US" altLang="ko-KR" b="0" i="1" smtClean="0">
+                          <a:solidFill>
+                            <a:srgbClr val="FF0000"/>
+                          </a:solidFill>
+                          <a:latin typeface="Cambria Math"/>
+                        </a:rPr>
+                        <m:t>+</m:t>
+                      </m:r>
+                      <m:sSub>
+                        <m:sSubPr>
+                          <m:ctrlPr>
+                            <a:rPr lang="en-US" altLang="ko-KR" b="0" i="1" smtClean="0">
+                              <a:solidFill>
+                                <a:srgbClr val="FF0000"/>
+                              </a:solidFill>
+                              <a:latin typeface="Cambria Math"/>
+                            </a:rPr>
+                          </m:ctrlPr>
+                        </m:sSubPr>
+                        <m:e>
+                          <m:r>
+                            <a:rPr lang="en-US" altLang="ko-KR" b="0" i="1" smtClean="0">
+                              <a:solidFill>
+                                <a:srgbClr val="FF0000"/>
+                              </a:solidFill>
+                              <a:latin typeface="Cambria Math"/>
+                            </a:rPr>
+                            <m:t>𝑧</m:t>
+                          </m:r>
+                        </m:e>
+                        <m:sub>
+                          <m:r>
+                            <a:rPr lang="en-US" altLang="ko-KR" b="0" i="1" smtClean="0">
+                              <a:solidFill>
+                                <a:srgbClr val="FF0000"/>
+                              </a:solidFill>
+                              <a:latin typeface="Cambria Math"/>
+                            </a:rPr>
+                            <m:t>2</m:t>
+                          </m:r>
+                        </m:sub>
+                      </m:sSub>
+                      <m:r>
+                        <a:rPr lang="en-US" altLang="ko-KR" b="0" i="1" smtClean="0">
+                          <a:solidFill>
+                            <a:srgbClr val="FF0000"/>
+                          </a:solidFill>
+                          <a:latin typeface="Cambria Math"/>
+                        </a:rPr>
+                        <m:t>=1.5+</m:t>
+                      </m:r>
+                      <m:r>
+                        <a:rPr lang="en-US" altLang="ko-KR" b="0" i="1" smtClean="0">
+                          <a:solidFill>
+                            <a:srgbClr val="FF0000"/>
+                          </a:solidFill>
+                          <a:latin typeface="Cambria Math"/>
+                        </a:rPr>
+                        <m:t>𝑗</m:t>
+                      </m:r>
+                      <m:r>
+                        <a:rPr lang="en-US" altLang="ko-KR" b="0" i="1" smtClean="0">
+                          <a:solidFill>
+                            <a:srgbClr val="FF0000"/>
+                          </a:solidFill>
+                          <a:latin typeface="Cambria Math"/>
+                        </a:rPr>
+                        <m:t>1</m:t>
+                      </m:r>
+                    </m:oMath>
+                  </m:oMathPara>
+                </a14:m>
+                <a:endParaRPr lang="ko-KR" altLang="en-US" dirty="0">
+                  <a:solidFill>
+                    <a:srgbClr val="FF0000"/>
+                  </a:solidFill>
+                </a:endParaRPr>
+              </a:p>
+            </p:txBody>
+          </p:sp>
+        </mc:Choice>
+        <mc:Fallback>
+          <p:sp>
+            <p:nvSpPr>
+              <p:cNvPr id="7" name="TextBox 6"/>
+              <p:cNvSpPr txBox="1">
+                <a:spLocks noRot="1" noChangeAspect="1" noMove="1" noResize="1" noEditPoints="1" noAdjustHandles="1" noChangeArrowheads="1" noChangeShapeType="1" noTextEdit="1"/>
+              </p:cNvSpPr>
+              <p:nvPr/>
+            </p:nvSpPr>
+            <p:spPr>
+              <a:xfrm>
+                <a:off x="4815619" y="2132856"/>
+                <a:ext cx="2055498" cy="369332"/>
+              </a:xfrm>
+              <a:prstGeom prst="rect">
+                <a:avLst/>
+              </a:prstGeom>
+              <a:blipFill rotWithShape="1">
+                <a:blip r:embed="rId5"/>
+                <a:stretch>
+                  <a:fillRect b="-16667"/>
+                </a:stretch>
+              </a:blipFill>
+            </p:spPr>
+            <p:txBody>
+              <a:bodyPr/>
+              <a:lstStyle/>
+              <a:p>
+                <a:r>
+                  <a:rPr lang="ko-KR" altLang="en-US">
+                    <a:noFill/>
+                  </a:rPr>
+                  <a:t> </a:t>
+                </a:r>
+              </a:p>
+            </p:txBody>
+          </p:sp>
+        </mc:Fallback>
+      </mc:AlternateContent>
+      <mc:AlternateContent xmlns:mc="http://schemas.openxmlformats.org/markup-compatibility/2006">
+        <mc:Choice xmlns:a14="http://schemas.microsoft.com/office/drawing/2010/main" Requires="a14">
+          <p:sp>
+            <p:nvSpPr>
+              <p:cNvPr id="8" name="TextBox 7"/>
+              <p:cNvSpPr txBox="1"/>
+              <p:nvPr/>
+            </p:nvSpPr>
+            <p:spPr>
+              <a:xfrm>
+                <a:off x="5602405" y="1187460"/>
+                <a:ext cx="1167499" cy="369332"/>
+              </a:xfrm>
+              <a:prstGeom prst="rect">
+                <a:avLst/>
+              </a:prstGeom>
+              <a:solidFill>
+                <a:schemeClr val="accent5">
+                  <a:lumMod val="20000"/>
+                  <a:lumOff val="80000"/>
+                </a:schemeClr>
+              </a:solidFill>
+            </p:spPr>
+            <p:txBody>
+              <a:bodyPr wrap="none" rtlCol="0">
+                <a:spAutoFit/>
+              </a:bodyPr>
+              <a:lstStyle/>
+              <a:p>
+                <a14:m>
+                  <m:oMath xmlns:m="http://schemas.openxmlformats.org/officeDocument/2006/math">
+                    <m:sSub>
+                      <m:sSubPr>
+                        <m:ctrlPr>
+                          <a:rPr lang="en-US" altLang="ko-KR" b="0" i="1" smtClean="0">
+                            <a:solidFill>
+                              <a:srgbClr val="0000FF"/>
+                            </a:solidFill>
+                            <a:latin typeface="Cambria Math"/>
+                          </a:rPr>
+                        </m:ctrlPr>
+                      </m:sSubPr>
+                      <m:e>
+                        <m:r>
+                          <a:rPr lang="en-US" altLang="ko-KR" b="0" i="1" smtClean="0">
+                            <a:solidFill>
+                              <a:srgbClr val="0000FF"/>
+                            </a:solidFill>
+                            <a:latin typeface="Cambria Math"/>
+                          </a:rPr>
+                          <m:t>𝑧</m:t>
+                        </m:r>
+                      </m:e>
+                      <m:sub>
+                        <m:r>
+                          <a:rPr lang="en-US" altLang="ko-KR" b="0" i="1" smtClean="0">
+                            <a:solidFill>
+                              <a:srgbClr val="0000FF"/>
+                            </a:solidFill>
+                            <a:latin typeface="Cambria Math"/>
+                          </a:rPr>
+                          <m:t>1</m:t>
+                        </m:r>
+                      </m:sub>
+                    </m:sSub>
+                  </m:oMath>
+                </a14:m>
+                <a:r>
+                  <a:rPr lang="ko-KR" altLang="en-US" dirty="0" smtClean="0">
+                    <a:solidFill>
+                      <a:srgbClr val="0000FF"/>
+                    </a:solidFill>
+                  </a:rPr>
+                  <a:t>의 사본</a:t>
+                </a:r>
+                <a:endParaRPr lang="ko-KR" altLang="en-US" dirty="0">
+                  <a:solidFill>
+                    <a:srgbClr val="0000FF"/>
+                  </a:solidFill>
+                </a:endParaRPr>
+              </a:p>
+            </p:txBody>
+          </p:sp>
+        </mc:Choice>
+        <mc:Fallback>
+          <p:sp>
+            <p:nvSpPr>
+              <p:cNvPr id="8" name="TextBox 7"/>
+              <p:cNvSpPr txBox="1">
+                <a:spLocks noRot="1" noChangeAspect="1" noMove="1" noResize="1" noEditPoints="1" noAdjustHandles="1" noChangeArrowheads="1" noChangeShapeType="1" noTextEdit="1"/>
+              </p:cNvSpPr>
+              <p:nvPr/>
+            </p:nvSpPr>
+            <p:spPr>
+              <a:xfrm>
+                <a:off x="5602405" y="1187460"/>
+                <a:ext cx="1167499" cy="369332"/>
+              </a:xfrm>
+              <a:prstGeom prst="rect">
+                <a:avLst/>
+              </a:prstGeom>
+              <a:blipFill rotWithShape="1">
+                <a:blip r:embed="rId6"/>
+                <a:stretch>
+                  <a:fillRect t="-8333" r="-4167" b="-26667"/>
+                </a:stretch>
+              </a:blipFill>
+            </p:spPr>
+            <p:txBody>
+              <a:bodyPr/>
+              <a:lstStyle/>
+              <a:p>
+                <a:r>
+                  <a:rPr lang="ko-KR" altLang="en-US">
+                    <a:noFill/>
+                  </a:rPr>
+                  <a:t> </a:t>
+                </a:r>
+              </a:p>
+            </p:txBody>
+          </p:sp>
+        </mc:Fallback>
+      </mc:AlternateContent>
+      <p:sp>
+        <p:nvSpPr>
+          <p:cNvPr id="5" name="자유형 4"/>
+          <p:cNvSpPr/>
+          <p:nvPr/>
+        </p:nvSpPr>
+        <p:spPr>
+          <a:xfrm>
+            <a:off x="4510785" y="1380226"/>
+            <a:ext cx="1095555" cy="388189"/>
+          </a:xfrm>
+          <a:custGeom>
+            <a:avLst/>
+            <a:gdLst>
+              <a:gd name="connsiteX0" fmla="*/ 1095555 w 1095555"/>
+              <a:gd name="connsiteY0" fmla="*/ 0 h 388189"/>
+              <a:gd name="connsiteX1" fmla="*/ 612476 w 1095555"/>
+              <a:gd name="connsiteY1" fmla="*/ 284672 h 388189"/>
+              <a:gd name="connsiteX2" fmla="*/ 552091 w 1095555"/>
+              <a:gd name="connsiteY2" fmla="*/ 34506 h 388189"/>
+              <a:gd name="connsiteX3" fmla="*/ 0 w 1095555"/>
+              <a:gd name="connsiteY3" fmla="*/ 388189 h 388189"/>
+            </a:gdLst>
+            <a:ahLst/>
+            <a:cxnLst>
+              <a:cxn ang="0">
+                <a:pos x="connsiteX0" y="connsiteY0"/>
+              </a:cxn>
+              <a:cxn ang="0">
+                <a:pos x="connsiteX1" y="connsiteY1"/>
+              </a:cxn>
+              <a:cxn ang="0">
+                <a:pos x="connsiteX2" y="connsiteY2"/>
+              </a:cxn>
+              <a:cxn ang="0">
+                <a:pos x="connsiteX3" y="connsiteY3"/>
+              </a:cxn>
+            </a:cxnLst>
+            <a:rect l="l" t="t" r="r" b="b"/>
+            <a:pathLst>
+              <a:path w="1095555" h="388189">
+                <a:moveTo>
+                  <a:pt x="1095555" y="0"/>
+                </a:moveTo>
+                <a:cubicBezTo>
+                  <a:pt x="899304" y="139460"/>
+                  <a:pt x="703053" y="278921"/>
+                  <a:pt x="612476" y="284672"/>
+                </a:cubicBezTo>
+                <a:cubicBezTo>
+                  <a:pt x="521899" y="290423"/>
+                  <a:pt x="654170" y="17253"/>
+                  <a:pt x="552091" y="34506"/>
+                </a:cubicBezTo>
+                <a:cubicBezTo>
+                  <a:pt x="450012" y="51759"/>
+                  <a:pt x="93453" y="323491"/>
+                  <a:pt x="0" y="388189"/>
+                </a:cubicBezTo>
+              </a:path>
+            </a:pathLst>
+          </a:custGeom>
+          <a:ln>
+            <a:headEnd type="none" w="med" len="med"/>
+            <a:tailEnd type="arrow" w="med" len="med"/>
+          </a:ln>
+        </p:spPr>
+        <p:style>
+          <a:lnRef idx="1">
+            <a:schemeClr val="accent1"/>
+          </a:lnRef>
+          <a:fillRef idx="0">
+            <a:schemeClr val="accent1"/>
+          </a:fillRef>
+          <a:effectRef idx="0">
+            <a:schemeClr val="accent1"/>
+          </a:effectRef>
+          <a:fontRef idx="minor">
+            <a:schemeClr val="tx1"/>
+          </a:fontRef>
+        </p:style>
+        <p:txBody>
+          <a:bodyPr rtlCol="0" anchor="ctr"/>
+          <a:lstStyle/>
+          <a:p>
+            <a:pPr algn="ctr"/>
+            <a:endParaRPr lang="ko-KR" altLang="en-US"/>
+          </a:p>
+        </p:txBody>
+      </p:sp>
+    </p:spTree>
+    <p:extLst>
+      <p:ext uri="{BB962C8B-B14F-4D97-AF65-F5344CB8AC3E}">
+        <p14:creationId xmlns:p14="http://schemas.microsoft.com/office/powerpoint/2010/main" val="2741851232"/>
+      </p:ext>
+    </p:extLst>
+  </p:cSld>
+  <p:clrMapOvr>
+    <a:masterClrMapping/>
+  </p:clrMapOvr>
+</p:sld>
+</file>
+
+<file path=ppt/slides/slide8.xml><?xml version="1.0" encoding="utf-8"?>
+<p:sld xmlns:a="http://schemas.openxmlformats.org/drawingml/2006/main" xmlns:r="http://schemas.openxmlformats.org/officeDocument/2006/relationships" xmlns:p="http://schemas.openxmlformats.org/presentationml/2006/main">
+  <p:cSld>
+    <p:spTree>
+      <p:nvGrpSpPr>
+        <p:cNvPr id="1" name=""/>
+        <p:cNvGrpSpPr/>
+        <p:nvPr/>
+      </p:nvGrpSpPr>
+      <p:grpSpPr>
+        <a:xfrm>
+          <a:off x="0" y="0"/>
+          <a:ext cx="0" cy="0"/>
+          <a:chOff x="0" y="0"/>
+          <a:chExt cx="0" cy="0"/>
+        </a:xfrm>
+      </p:grpSpPr>
+      <p:pic>
+        <p:nvPicPr>
+          <p:cNvPr id="2050" name="Picture 2"/>
+          <p:cNvPicPr>
+            <a:picLocks noChangeAspect="1" noChangeArrowheads="1"/>
+          </p:cNvPicPr>
+          <p:nvPr/>
+        </p:nvPicPr>
+        <p:blipFill rotWithShape="1">
+          <a:blip r:embed="rId2">
+            <a:extLst>
+              <a:ext uri="{28A0092B-C50C-407E-A947-70E740481C1C}">
+                <a14:useLocalDpi xmlns:a14="http://schemas.microsoft.com/office/drawing/2010/main" val="0"/>
+              </a:ext>
+            </a:extLst>
+          </a:blip>
+          <a:srcRect l="35676"/>
+          <a:stretch/>
+        </p:blipFill>
+        <p:spPr bwMode="auto">
+          <a:xfrm>
+            <a:off x="2267744" y="370964"/>
+            <a:ext cx="6120712" cy="6181725"/>
+          </a:xfrm>
+          <a:prstGeom prst="rect">
+            <a:avLst/>
+          </a:prstGeom>
+          <a:noFill/>
+          <a:ln>
+            <a:noFill/>
+          </a:ln>
+          <a:effectLst/>
+          <a:extLst>
+            <a:ext uri="{909E8E84-426E-40DD-AFC4-6F175D3DCCD1}">
+              <a14:hiddenFill xmlns:a14="http://schemas.microsoft.com/office/drawing/2010/main">
+                <a:solidFill>
+                  <a:schemeClr val="accent1"/>
+                </a:solidFill>
+              </a14:hiddenFill>
+            </a:ext>
+            <a:ext uri="{91240B29-F687-4F45-9708-019B960494DF}">
+              <a14:hiddenLine xmlns:a14="http://schemas.microsoft.com/office/drawing/2010/main" w="9525">
+                <a:solidFill>
+                  <a:schemeClr val="tx1"/>
+                </a:solidFill>
+                <a:miter lim="800000"/>
+                <a:headEnd/>
+                <a:tailEnd/>
+              </a14:hiddenLine>
+            </a:ext>
+            <a:ext uri="{AF507438-7753-43E0-B8FC-AC1667EBCBE1}">
+              <a14:hiddenEffects xmlns:a14="http://schemas.microsoft.com/office/drawing/2010/main">
+                <a:effectLst>
+                  <a:outerShdw dist="35921" dir="2700000" algn="ctr" rotWithShape="0">
+                    <a:schemeClr val="bg2"/>
+                  </a:outerShdw>
+                </a:effectLst>
+              </a14:hiddenEffects>
+            </a:ext>
+          </a:extLst>
+        </p:spPr>
+      </p:pic>
+      <mc:AlternateContent xmlns:mc="http://schemas.openxmlformats.org/markup-compatibility/2006">
+        <mc:Choice xmlns:a14="http://schemas.microsoft.com/office/drawing/2010/main" Requires="a14">
+          <p:sp>
+            <p:nvSpPr>
+              <p:cNvPr id="5" name="TextBox 4"/>
+              <p:cNvSpPr txBox="1"/>
+              <p:nvPr/>
+            </p:nvSpPr>
+            <p:spPr>
+              <a:xfrm>
+                <a:off x="3990758" y="4397930"/>
+                <a:ext cx="1568250" cy="369332"/>
+              </a:xfrm>
+              <a:prstGeom prst="rect">
+                <a:avLst/>
+              </a:prstGeom>
+              <a:noFill/>
+            </p:spPr>
+            <p:txBody>
+              <a:bodyPr wrap="none" rtlCol="0">
+                <a:spAutoFit/>
+              </a:bodyPr>
+              <a:lstStyle/>
+              <a:p>
+                <a14:m>
+                  <m:oMathPara xmlns:m="http://schemas.openxmlformats.org/officeDocument/2006/math">
+                    <m:oMathParaPr>
+                      <m:jc m:val="centerGroup"/>
+                    </m:oMathParaPr>
+                    <m:oMath xmlns:m="http://schemas.openxmlformats.org/officeDocument/2006/math">
+                      <m:sSub>
+                        <m:sSubPr>
+                          <m:ctrlPr>
+                            <a:rPr lang="en-US" altLang="ko-KR" b="0" i="1" smtClean="0">
+                              <a:latin typeface="Cambria Math"/>
+                            </a:rPr>
+                          </m:ctrlPr>
+                        </m:sSubPr>
+                        <m:e>
+                          <m:r>
+                            <a:rPr lang="en-US" altLang="ko-KR" b="0" i="1" smtClean="0">
+                              <a:latin typeface="Cambria Math"/>
+                            </a:rPr>
+                            <m:t>𝑧</m:t>
+                          </m:r>
+                        </m:e>
+                        <m:sub>
+                          <m:r>
+                            <a:rPr lang="en-US" altLang="ko-KR" b="0" i="1" smtClean="0">
+                              <a:latin typeface="Cambria Math"/>
+                            </a:rPr>
+                            <m:t>1</m:t>
+                          </m:r>
+                        </m:sub>
+                      </m:sSub>
+                      <m:r>
+                        <a:rPr lang="en-US" altLang="ko-KR" b="0" i="1" smtClean="0">
+                          <a:latin typeface="Cambria Math"/>
+                        </a:rPr>
+                        <m:t>=0.5−</m:t>
+                      </m:r>
+                      <m:r>
+                        <a:rPr lang="en-US" altLang="ko-KR" b="0" i="1" smtClean="0">
+                          <a:latin typeface="Cambria Math"/>
+                        </a:rPr>
+                        <m:t>𝑗</m:t>
+                      </m:r>
+                      <m:r>
+                        <a:rPr lang="en-US" altLang="ko-KR" b="0" i="1" smtClean="0">
+                          <a:latin typeface="Cambria Math"/>
+                        </a:rPr>
+                        <m:t>1</m:t>
+                      </m:r>
+                    </m:oMath>
+                  </m:oMathPara>
+                </a14:m>
+                <a:endParaRPr lang="ko-KR" altLang="en-US" dirty="0"/>
+              </a:p>
+            </p:txBody>
+          </p:sp>
+        </mc:Choice>
+        <mc:Fallback>
+          <p:sp>
+            <p:nvSpPr>
+              <p:cNvPr id="5" name="TextBox 4"/>
+              <p:cNvSpPr txBox="1">
+                <a:spLocks noRot="1" noChangeAspect="1" noMove="1" noResize="1" noEditPoints="1" noAdjustHandles="1" noChangeArrowheads="1" noChangeShapeType="1" noTextEdit="1"/>
+              </p:cNvSpPr>
+              <p:nvPr/>
+            </p:nvSpPr>
+            <p:spPr>
+              <a:xfrm>
+                <a:off x="3990758" y="4397930"/>
+                <a:ext cx="1568250" cy="369332"/>
+              </a:xfrm>
+              <a:prstGeom prst="rect">
+                <a:avLst/>
+              </a:prstGeom>
+              <a:blipFill rotWithShape="1">
+                <a:blip r:embed="rId3"/>
+                <a:stretch>
+                  <a:fillRect b="-14754"/>
+                </a:stretch>
+              </a:blipFill>
+            </p:spPr>
+            <p:txBody>
+              <a:bodyPr/>
+              <a:lstStyle/>
+              <a:p>
+                <a:r>
+                  <a:rPr lang="ko-KR" altLang="en-US">
+                    <a:noFill/>
+                  </a:rPr>
+                  <a:t> </a:t>
+                </a:r>
+              </a:p>
+            </p:txBody>
+          </p:sp>
+        </mc:Fallback>
+      </mc:AlternateContent>
+      <mc:AlternateContent xmlns:mc="http://schemas.openxmlformats.org/markup-compatibility/2006">
+        <mc:Choice xmlns:a14="http://schemas.microsoft.com/office/drawing/2010/main" Requires="a14">
+          <p:sp>
+            <p:nvSpPr>
+              <p:cNvPr id="6" name="TextBox 5"/>
+              <p:cNvSpPr txBox="1"/>
+              <p:nvPr/>
+            </p:nvSpPr>
+            <p:spPr>
+              <a:xfrm>
+                <a:off x="4926862" y="2165682"/>
+                <a:ext cx="1391920" cy="369332"/>
+              </a:xfrm>
+              <a:prstGeom prst="rect">
+                <a:avLst/>
+              </a:prstGeom>
+              <a:noFill/>
+            </p:spPr>
+            <p:txBody>
+              <a:bodyPr wrap="none" rtlCol="0">
+                <a:spAutoFit/>
+              </a:bodyPr>
+              <a:lstStyle/>
+              <a:p>
+                <a14:m>
+                  <m:oMathPara xmlns:m="http://schemas.openxmlformats.org/officeDocument/2006/math">
+                    <m:oMathParaPr>
+                      <m:jc m:val="centerGroup"/>
+                    </m:oMathParaPr>
+                    <m:oMath xmlns:m="http://schemas.openxmlformats.org/officeDocument/2006/math">
+                      <m:sSub>
+                        <m:sSubPr>
+                          <m:ctrlPr>
+                            <a:rPr lang="en-US" altLang="ko-KR" b="0" i="1" smtClean="0">
+                              <a:latin typeface="Cambria Math"/>
+                            </a:rPr>
+                          </m:ctrlPr>
+                        </m:sSubPr>
+                        <m:e>
+                          <m:r>
+                            <a:rPr lang="en-US" altLang="ko-KR" b="0" i="1" smtClean="0">
+                              <a:latin typeface="Cambria Math"/>
+                            </a:rPr>
+                            <m:t>𝑧</m:t>
+                          </m:r>
+                        </m:e>
+                        <m:sub>
+                          <m:r>
+                            <a:rPr lang="en-US" altLang="ko-KR" b="0" i="1" smtClean="0">
+                              <a:latin typeface="Cambria Math"/>
+                            </a:rPr>
+                            <m:t>2</m:t>
+                          </m:r>
+                        </m:sub>
+                      </m:sSub>
+                      <m:r>
+                        <a:rPr lang="en-US" altLang="ko-KR" b="0" i="1" smtClean="0">
+                          <a:latin typeface="Cambria Math"/>
+                        </a:rPr>
+                        <m:t>=1+</m:t>
+                      </m:r>
+                      <m:r>
+                        <a:rPr lang="en-US" altLang="ko-KR" b="0" i="1" smtClean="0">
+                          <a:latin typeface="Cambria Math"/>
+                        </a:rPr>
+                        <m:t>𝑗</m:t>
+                      </m:r>
+                      <m:r>
+                        <a:rPr lang="en-US" altLang="ko-KR" b="0" i="1" smtClean="0">
+                          <a:latin typeface="Cambria Math"/>
+                        </a:rPr>
+                        <m:t>1</m:t>
+                      </m:r>
+                    </m:oMath>
+                  </m:oMathPara>
+                </a14:m>
+                <a:endParaRPr lang="ko-KR" altLang="en-US" dirty="0"/>
+              </a:p>
+            </p:txBody>
+          </p:sp>
+        </mc:Choice>
+        <mc:Fallback>
+          <p:sp>
+            <p:nvSpPr>
+              <p:cNvPr id="6" name="TextBox 5"/>
+              <p:cNvSpPr txBox="1">
+                <a:spLocks noRot="1" noChangeAspect="1" noMove="1" noResize="1" noEditPoints="1" noAdjustHandles="1" noChangeArrowheads="1" noChangeShapeType="1" noTextEdit="1"/>
+              </p:cNvSpPr>
+              <p:nvPr/>
+            </p:nvSpPr>
+            <p:spPr>
+              <a:xfrm>
+                <a:off x="4926862" y="2165682"/>
+                <a:ext cx="1391920" cy="369332"/>
+              </a:xfrm>
+              <a:prstGeom prst="rect">
+                <a:avLst/>
+              </a:prstGeom>
+              <a:blipFill rotWithShape="1">
+                <a:blip r:embed="rId4"/>
+                <a:stretch>
+                  <a:fillRect b="-14754"/>
+                </a:stretch>
+              </a:blipFill>
+            </p:spPr>
+            <p:txBody>
+              <a:bodyPr/>
+              <a:lstStyle/>
+              <a:p>
+                <a:r>
+                  <a:rPr lang="ko-KR" altLang="en-US">
+                    <a:noFill/>
+                  </a:rPr>
+                  <a:t> </a:t>
+                </a:r>
+              </a:p>
+            </p:txBody>
+          </p:sp>
+        </mc:Fallback>
+      </mc:AlternateContent>
+      <mc:AlternateContent xmlns:mc="http://schemas.openxmlformats.org/markup-compatibility/2006">
+        <mc:Choice xmlns:a14="http://schemas.microsoft.com/office/drawing/2010/main" Requires="a14">
+          <p:sp>
+            <p:nvSpPr>
+              <p:cNvPr id="7" name="TextBox 6"/>
+              <p:cNvSpPr txBox="1"/>
+              <p:nvPr/>
+            </p:nvSpPr>
+            <p:spPr>
+              <a:xfrm>
+                <a:off x="2910638" y="1940767"/>
+                <a:ext cx="648126" cy="369332"/>
+              </a:xfrm>
+              <a:prstGeom prst="rect">
+                <a:avLst/>
+              </a:prstGeom>
+              <a:noFill/>
+            </p:spPr>
+            <p:txBody>
+              <a:bodyPr wrap="none" rtlCol="0">
+                <a:spAutoFit/>
+              </a:bodyPr>
+              <a:lstStyle/>
+              <a:p>
+                <a14:m>
+                  <m:oMathPara xmlns:m="http://schemas.openxmlformats.org/officeDocument/2006/math">
+                    <m:oMathParaPr>
+                      <m:jc m:val="centerGroup"/>
+                    </m:oMathParaPr>
+                    <m:oMath xmlns:m="http://schemas.openxmlformats.org/officeDocument/2006/math">
+                      <m:r>
+                        <a:rPr lang="en-US" altLang="ko-KR" b="0" i="1" smtClean="0">
+                          <a:solidFill>
+                            <a:schemeClr val="bg1">
+                              <a:lumMod val="50000"/>
+                            </a:schemeClr>
+                          </a:solidFill>
+                          <a:latin typeface="Cambria Math"/>
+                        </a:rPr>
+                        <m:t>−</m:t>
+                      </m:r>
+                      <m:sSub>
+                        <m:sSubPr>
+                          <m:ctrlPr>
+                            <a:rPr lang="en-US" altLang="ko-KR" b="0" i="1" smtClean="0">
+                              <a:solidFill>
+                                <a:schemeClr val="bg1">
+                                  <a:lumMod val="50000"/>
+                                </a:schemeClr>
+                              </a:solidFill>
+                              <a:latin typeface="Cambria Math"/>
+                            </a:rPr>
+                          </m:ctrlPr>
+                        </m:sSubPr>
+                        <m:e>
+                          <m:r>
+                            <a:rPr lang="en-US" altLang="ko-KR" b="0" i="1" smtClean="0">
+                              <a:solidFill>
+                                <a:schemeClr val="bg1">
+                                  <a:lumMod val="50000"/>
+                                </a:schemeClr>
+                              </a:solidFill>
+                              <a:latin typeface="Cambria Math"/>
+                            </a:rPr>
+                            <m:t>𝑧</m:t>
+                          </m:r>
+                        </m:e>
+                        <m:sub>
+                          <m:r>
+                            <a:rPr lang="en-US" altLang="ko-KR" b="0" i="1" smtClean="0">
+                              <a:solidFill>
+                                <a:schemeClr val="bg1">
+                                  <a:lumMod val="50000"/>
+                                </a:schemeClr>
+                              </a:solidFill>
+                              <a:latin typeface="Cambria Math"/>
+                            </a:rPr>
+                            <m:t>1</m:t>
+                          </m:r>
+                        </m:sub>
+                      </m:sSub>
+                    </m:oMath>
+                  </m:oMathPara>
+                </a14:m>
+                <a:endParaRPr lang="ko-KR" altLang="en-US" dirty="0">
+                  <a:solidFill>
+                    <a:schemeClr val="bg1">
+                      <a:lumMod val="50000"/>
+                    </a:schemeClr>
+                  </a:solidFill>
+                </a:endParaRPr>
+              </a:p>
+            </p:txBody>
+          </p:sp>
+        </mc:Choice>
+        <mc:Fallback>
+          <p:sp>
+            <p:nvSpPr>
+              <p:cNvPr id="7" name="TextBox 6"/>
+              <p:cNvSpPr txBox="1">
+                <a:spLocks noRot="1" noChangeAspect="1" noMove="1" noResize="1" noEditPoints="1" noAdjustHandles="1" noChangeArrowheads="1" noChangeShapeType="1" noTextEdit="1"/>
+              </p:cNvSpPr>
+              <p:nvPr/>
+            </p:nvSpPr>
+            <p:spPr>
+              <a:xfrm>
+                <a:off x="2910638" y="1940767"/>
+                <a:ext cx="648126" cy="369332"/>
+              </a:xfrm>
+              <a:prstGeom prst="rect">
+                <a:avLst/>
+              </a:prstGeom>
+              <a:blipFill rotWithShape="1">
+                <a:blip r:embed="rId5"/>
+                <a:stretch>
+                  <a:fillRect b="-1639"/>
+                </a:stretch>
+              </a:blipFill>
+            </p:spPr>
+            <p:txBody>
+              <a:bodyPr/>
+              <a:lstStyle/>
+              <a:p>
+                <a:r>
+                  <a:rPr lang="ko-KR" altLang="en-US">
+                    <a:noFill/>
+                  </a:rPr>
+                  <a:t> </a:t>
+                </a:r>
+              </a:p>
+            </p:txBody>
+          </p:sp>
+        </mc:Fallback>
+      </mc:AlternateContent>
+      <mc:AlternateContent xmlns:mc="http://schemas.openxmlformats.org/markup-compatibility/2006">
+        <mc:Choice xmlns:a14="http://schemas.microsoft.com/office/drawing/2010/main" Requires="a14">
+          <p:sp>
+            <p:nvSpPr>
+              <p:cNvPr id="9" name="TextBox 8"/>
+              <p:cNvSpPr txBox="1"/>
+              <p:nvPr/>
+            </p:nvSpPr>
+            <p:spPr>
+              <a:xfrm>
+                <a:off x="5735032" y="1372476"/>
+                <a:ext cx="1340623" cy="369332"/>
+              </a:xfrm>
+              <a:prstGeom prst="rect">
+                <a:avLst/>
+              </a:prstGeom>
+              <a:solidFill>
+                <a:schemeClr val="accent5">
+                  <a:lumMod val="20000"/>
+                  <a:lumOff val="80000"/>
+                </a:schemeClr>
+              </a:solidFill>
+            </p:spPr>
+            <p:txBody>
+              <a:bodyPr wrap="none" rtlCol="0">
+                <a:spAutoFit/>
+              </a:bodyPr>
+              <a:lstStyle/>
+              <a:p>
+                <a14:m>
+                  <m:oMath xmlns:m="http://schemas.openxmlformats.org/officeDocument/2006/math">
+                    <m:sSub>
+                      <m:sSubPr>
+                        <m:ctrlPr>
+                          <a:rPr lang="en-US" altLang="ko-KR" b="0" i="1" smtClean="0">
+                            <a:solidFill>
+                              <a:srgbClr val="0000FF"/>
+                            </a:solidFill>
+                            <a:latin typeface="Cambria Math"/>
+                          </a:rPr>
+                        </m:ctrlPr>
+                      </m:sSubPr>
+                      <m:e>
+                        <m:r>
+                          <a:rPr lang="en-US" altLang="ko-KR" b="0" i="1" smtClean="0">
+                            <a:solidFill>
+                              <a:srgbClr val="0000FF"/>
+                            </a:solidFill>
+                            <a:latin typeface="Cambria Math"/>
+                          </a:rPr>
+                          <m:t>−</m:t>
+                        </m:r>
+                        <m:r>
+                          <a:rPr lang="en-US" altLang="ko-KR" b="0" i="1" smtClean="0">
+                            <a:solidFill>
+                              <a:srgbClr val="0000FF"/>
+                            </a:solidFill>
+                            <a:latin typeface="Cambria Math"/>
+                          </a:rPr>
+                          <m:t>𝑧</m:t>
+                        </m:r>
+                      </m:e>
+                      <m:sub>
+                        <m:r>
+                          <a:rPr lang="en-US" altLang="ko-KR" b="0" i="1" smtClean="0">
+                            <a:solidFill>
+                              <a:srgbClr val="0000FF"/>
+                            </a:solidFill>
+                            <a:latin typeface="Cambria Math"/>
+                          </a:rPr>
+                          <m:t>1</m:t>
+                        </m:r>
+                      </m:sub>
+                    </m:sSub>
+                  </m:oMath>
+                </a14:m>
+                <a:r>
+                  <a:rPr lang="ko-KR" altLang="en-US" dirty="0" smtClean="0">
+                    <a:solidFill>
+                      <a:srgbClr val="0000FF"/>
+                    </a:solidFill>
+                  </a:rPr>
+                  <a:t>의 사본</a:t>
+                </a:r>
+                <a:endParaRPr lang="ko-KR" altLang="en-US" dirty="0">
+                  <a:solidFill>
+                    <a:srgbClr val="0000FF"/>
+                  </a:solidFill>
+                </a:endParaRPr>
+              </a:p>
+            </p:txBody>
+          </p:sp>
+        </mc:Choice>
+        <mc:Fallback>
+          <p:sp>
+            <p:nvSpPr>
+              <p:cNvPr id="9" name="TextBox 8"/>
+              <p:cNvSpPr txBox="1">
+                <a:spLocks noRot="1" noChangeAspect="1" noMove="1" noResize="1" noEditPoints="1" noAdjustHandles="1" noChangeArrowheads="1" noChangeShapeType="1" noTextEdit="1"/>
+              </p:cNvSpPr>
+              <p:nvPr/>
+            </p:nvSpPr>
+            <p:spPr>
+              <a:xfrm>
+                <a:off x="5735032" y="1372476"/>
+                <a:ext cx="1340623" cy="369332"/>
+              </a:xfrm>
+              <a:prstGeom prst="rect">
+                <a:avLst/>
+              </a:prstGeom>
+              <a:blipFill rotWithShape="1">
+                <a:blip r:embed="rId6"/>
+                <a:stretch>
+                  <a:fillRect t="-8197" r="-3182" b="-24590"/>
+                </a:stretch>
+              </a:blipFill>
+            </p:spPr>
+            <p:txBody>
+              <a:bodyPr/>
+              <a:lstStyle/>
+              <a:p>
+                <a:r>
+                  <a:rPr lang="ko-KR" altLang="en-US">
+                    <a:noFill/>
+                  </a:rPr>
+                  <a:t> </a:t>
+                </a:r>
+              </a:p>
+            </p:txBody>
+          </p:sp>
+        </mc:Fallback>
+      </mc:AlternateContent>
+      <p:sp>
+        <p:nvSpPr>
+          <p:cNvPr id="10" name="자유형 9"/>
+          <p:cNvSpPr/>
+          <p:nvPr/>
+        </p:nvSpPr>
+        <p:spPr>
+          <a:xfrm>
+            <a:off x="4643412" y="1565242"/>
+            <a:ext cx="1095555" cy="388189"/>
+          </a:xfrm>
+          <a:custGeom>
+            <a:avLst/>
+            <a:gdLst>
+              <a:gd name="connsiteX0" fmla="*/ 1095555 w 1095555"/>
+              <a:gd name="connsiteY0" fmla="*/ 0 h 388189"/>
+              <a:gd name="connsiteX1" fmla="*/ 612476 w 1095555"/>
+              <a:gd name="connsiteY1" fmla="*/ 284672 h 388189"/>
+              <a:gd name="connsiteX2" fmla="*/ 552091 w 1095555"/>
+              <a:gd name="connsiteY2" fmla="*/ 34506 h 388189"/>
+              <a:gd name="connsiteX3" fmla="*/ 0 w 1095555"/>
+              <a:gd name="connsiteY3" fmla="*/ 388189 h 388189"/>
+            </a:gdLst>
+            <a:ahLst/>
+            <a:cxnLst>
+              <a:cxn ang="0">
+                <a:pos x="connsiteX0" y="connsiteY0"/>
+              </a:cxn>
+              <a:cxn ang="0">
+                <a:pos x="connsiteX1" y="connsiteY1"/>
+              </a:cxn>
+              <a:cxn ang="0">
+                <a:pos x="connsiteX2" y="connsiteY2"/>
+              </a:cxn>
+              <a:cxn ang="0">
+                <a:pos x="connsiteX3" y="connsiteY3"/>
+              </a:cxn>
+            </a:cxnLst>
+            <a:rect l="l" t="t" r="r" b="b"/>
+            <a:pathLst>
+              <a:path w="1095555" h="388189">
+                <a:moveTo>
+                  <a:pt x="1095555" y="0"/>
+                </a:moveTo>
+                <a:cubicBezTo>
+                  <a:pt x="899304" y="139460"/>
+                  <a:pt x="703053" y="278921"/>
+                  <a:pt x="612476" y="284672"/>
+                </a:cubicBezTo>
+                <a:cubicBezTo>
+                  <a:pt x="521899" y="290423"/>
+                  <a:pt x="654170" y="17253"/>
+                  <a:pt x="552091" y="34506"/>
+                </a:cubicBezTo>
+                <a:cubicBezTo>
+                  <a:pt x="450012" y="51759"/>
+                  <a:pt x="93453" y="323491"/>
+                  <a:pt x="0" y="388189"/>
+                </a:cubicBezTo>
+              </a:path>
+            </a:pathLst>
+          </a:custGeom>
+          <a:ln>
+            <a:headEnd type="none" w="med" len="med"/>
+            <a:tailEnd type="arrow" w="med" len="med"/>
+          </a:ln>
+        </p:spPr>
+        <p:style>
+          <a:lnRef idx="1">
+            <a:schemeClr val="accent1"/>
+          </a:lnRef>
+          <a:fillRef idx="0">
+            <a:schemeClr val="accent1"/>
+          </a:fillRef>
+          <a:effectRef idx="0">
+            <a:schemeClr val="accent1"/>
+          </a:effectRef>
+          <a:fontRef idx="minor">
+            <a:schemeClr val="tx1"/>
+          </a:fontRef>
+        </p:style>
+        <p:txBody>
+          <a:bodyPr rtlCol="0" anchor="ctr"/>
+          <a:lstStyle/>
+          <a:p>
+            <a:pPr algn="ctr"/>
+            <a:endParaRPr lang="ko-KR" altLang="en-US"/>
+          </a:p>
+        </p:txBody>
+      </p:sp>
+      <mc:AlternateContent xmlns:mc="http://schemas.openxmlformats.org/markup-compatibility/2006">
+        <mc:Choice xmlns:a14="http://schemas.microsoft.com/office/drawing/2010/main" Requires="a14">
+          <p:sp>
+            <p:nvSpPr>
+              <p:cNvPr id="11" name="TextBox 10"/>
+              <p:cNvSpPr txBox="1"/>
+              <p:nvPr/>
+            </p:nvSpPr>
+            <p:spPr>
+              <a:xfrm>
+                <a:off x="3918750" y="941546"/>
+                <a:ext cx="2057871" cy="369332"/>
+              </a:xfrm>
+              <a:prstGeom prst="rect">
+                <a:avLst/>
+              </a:prstGeom>
+              <a:noFill/>
+            </p:spPr>
+            <p:txBody>
+              <a:bodyPr wrap="none" rtlCol="0">
+                <a:spAutoFit/>
+              </a:bodyPr>
+              <a:lstStyle/>
+              <a:p>
+                <a14:m>
+                  <m:oMathPara xmlns:m="http://schemas.openxmlformats.org/officeDocument/2006/math">
+                    <m:oMathParaPr>
+                      <m:jc m:val="centerGroup"/>
+                    </m:oMathParaPr>
+                    <m:oMath xmlns:m="http://schemas.openxmlformats.org/officeDocument/2006/math">
+                      <m:sSub>
+                        <m:sSubPr>
+                          <m:ctrlPr>
+                            <a:rPr lang="en-US" altLang="ko-KR" b="0" i="1" smtClean="0">
+                              <a:solidFill>
+                                <a:srgbClr val="FF0000"/>
+                              </a:solidFill>
+                              <a:latin typeface="Cambria Math"/>
+                            </a:rPr>
+                          </m:ctrlPr>
+                        </m:sSubPr>
+                        <m:e>
+                          <m:r>
+                            <a:rPr lang="en-US" altLang="ko-KR" b="0" i="1" smtClean="0">
+                              <a:solidFill>
+                                <a:srgbClr val="FF0000"/>
+                              </a:solidFill>
+                              <a:latin typeface="Cambria Math"/>
+                            </a:rPr>
+                            <m:t>𝑧</m:t>
+                          </m:r>
+                        </m:e>
+                        <m:sub>
+                          <m:r>
+                            <a:rPr lang="en-US" altLang="ko-KR" b="0" i="1" smtClean="0">
+                              <a:solidFill>
+                                <a:srgbClr val="FF0000"/>
+                              </a:solidFill>
+                              <a:latin typeface="Cambria Math"/>
+                            </a:rPr>
+                            <m:t>2</m:t>
+                          </m:r>
+                        </m:sub>
+                      </m:sSub>
+                      <m:r>
+                        <a:rPr lang="en-US" altLang="ko-KR" b="0" i="1" smtClean="0">
+                          <a:solidFill>
+                            <a:srgbClr val="FF0000"/>
+                          </a:solidFill>
+                          <a:latin typeface="Cambria Math"/>
+                        </a:rPr>
+                        <m:t>−</m:t>
+                      </m:r>
+                      <m:sSub>
+                        <m:sSubPr>
+                          <m:ctrlPr>
+                            <a:rPr lang="en-US" altLang="ko-KR" b="0" i="1" smtClean="0">
+                              <a:solidFill>
+                                <a:srgbClr val="FF0000"/>
+                              </a:solidFill>
+                              <a:latin typeface="Cambria Math"/>
+                            </a:rPr>
+                          </m:ctrlPr>
+                        </m:sSubPr>
+                        <m:e>
+                          <m:r>
+                            <a:rPr lang="en-US" altLang="ko-KR" b="0" i="1" smtClean="0">
+                              <a:solidFill>
+                                <a:srgbClr val="FF0000"/>
+                              </a:solidFill>
+                              <a:latin typeface="Cambria Math"/>
+                            </a:rPr>
+                            <m:t>𝑧</m:t>
+                          </m:r>
+                        </m:e>
+                        <m:sub>
+                          <m:r>
+                            <a:rPr lang="en-US" altLang="ko-KR" b="0" i="1" smtClean="0">
+                              <a:solidFill>
+                                <a:srgbClr val="FF0000"/>
+                              </a:solidFill>
+                              <a:latin typeface="Cambria Math"/>
+                            </a:rPr>
+                            <m:t>1</m:t>
+                          </m:r>
+                        </m:sub>
+                      </m:sSub>
+                      <m:r>
+                        <a:rPr lang="en-US" altLang="ko-KR" b="0" i="1" smtClean="0">
+                          <a:solidFill>
+                            <a:srgbClr val="FF0000"/>
+                          </a:solidFill>
+                          <a:latin typeface="Cambria Math"/>
+                        </a:rPr>
+                        <m:t>=0.5+</m:t>
+                      </m:r>
+                      <m:r>
+                        <a:rPr lang="en-US" altLang="ko-KR" b="0" i="1" smtClean="0">
+                          <a:solidFill>
+                            <a:srgbClr val="FF0000"/>
+                          </a:solidFill>
+                          <a:latin typeface="Cambria Math"/>
+                        </a:rPr>
+                        <m:t>𝑗</m:t>
+                      </m:r>
+                      <m:r>
+                        <a:rPr lang="en-US" altLang="ko-KR" b="0" i="1" smtClean="0">
+                          <a:solidFill>
+                            <a:srgbClr val="FF0000"/>
+                          </a:solidFill>
+                          <a:latin typeface="Cambria Math"/>
+                        </a:rPr>
+                        <m:t>2</m:t>
+                      </m:r>
+                    </m:oMath>
+                  </m:oMathPara>
+                </a14:m>
+                <a:endParaRPr lang="ko-KR" altLang="en-US" dirty="0">
+                  <a:solidFill>
+                    <a:srgbClr val="FF0000"/>
+                  </a:solidFill>
+                </a:endParaRPr>
+              </a:p>
+            </p:txBody>
+          </p:sp>
+        </mc:Choice>
+        <mc:Fallback>
+          <p:sp>
+            <p:nvSpPr>
+              <p:cNvPr id="11" name="TextBox 10"/>
+              <p:cNvSpPr txBox="1">
+                <a:spLocks noRot="1" noChangeAspect="1" noMove="1" noResize="1" noEditPoints="1" noAdjustHandles="1" noChangeArrowheads="1" noChangeShapeType="1" noTextEdit="1"/>
+              </p:cNvSpPr>
+              <p:nvPr/>
+            </p:nvSpPr>
+            <p:spPr>
+              <a:xfrm>
+                <a:off x="3918750" y="941546"/>
+                <a:ext cx="2057871" cy="369332"/>
+              </a:xfrm>
+              <a:prstGeom prst="rect">
+                <a:avLst/>
+              </a:prstGeom>
+              <a:blipFill rotWithShape="1">
+                <a:blip r:embed="rId7"/>
+                <a:stretch>
+                  <a:fillRect b="-14754"/>
+                </a:stretch>
+              </a:blipFill>
+            </p:spPr>
+            <p:txBody>
+              <a:bodyPr/>
+              <a:lstStyle/>
+              <a:p>
+                <a:r>
+                  <a:rPr lang="ko-KR" altLang="en-US">
+                    <a:noFill/>
+                  </a:rPr>
+                  <a:t> </a:t>
+                </a:r>
+              </a:p>
+            </p:txBody>
+          </p:sp>
+        </mc:Fallback>
+      </mc:AlternateContent>
+    </p:spTree>
+    <p:extLst>
+      <p:ext uri="{BB962C8B-B14F-4D97-AF65-F5344CB8AC3E}">
+        <p14:creationId xmlns:p14="http://schemas.microsoft.com/office/powerpoint/2010/main" val="2703668698"/>
+      </p:ext>
+    </p:extLst>
+  </p:cSld>
+  <p:clrMapOvr>
+    <a:masterClrMapping/>
+  </p:clrMapOvr>
+</p:sld>
+</file>
+
+<file path=ppt/slides/slide9.xml><?xml version="1.0" encoding="utf-8"?>
+<p:sld xmlns:a="http://schemas.openxmlformats.org/drawingml/2006/main" xmlns:r="http://schemas.openxmlformats.org/officeDocument/2006/relationships" xmlns:p="http://schemas.openxmlformats.org/presentationml/2006/main">
+  <p:cSld>
+    <p:spTree>
+      <p:nvGrpSpPr>
+        <p:cNvPr id="1" name=""/>
+        <p:cNvGrpSpPr/>
+        <p:nvPr/>
+      </p:nvGrpSpPr>
+      <p:grpSpPr>
+        <a:xfrm>
+          <a:off x="0" y="0"/>
+          <a:ext cx="0" cy="0"/>
+          <a:chOff x="0" y="0"/>
+          <a:chExt cx="0" cy="0"/>
+        </a:xfrm>
+      </p:grpSpPr>
+      <p:cxnSp>
+        <p:nvCxnSpPr>
+          <p:cNvPr id="6" name="직선 화살표 연결선 5"/>
+          <p:cNvCxnSpPr/>
+          <p:nvPr/>
+        </p:nvCxnSpPr>
+        <p:spPr>
+          <a:xfrm>
+            <a:off x="761622" y="2708920"/>
+            <a:ext cx="3384376" cy="0"/>
+          </a:xfrm>
+          <a:prstGeom prst="straightConnector1">
+            <a:avLst/>
+          </a:prstGeom>
+          <a:ln w="12700">
+            <a:solidFill>
+              <a:schemeClr val="tx1"/>
+            </a:solidFill>
+            <a:tailEnd type="arrow"/>
+          </a:ln>
+        </p:spPr>
+        <p:style>
+          <a:lnRef idx="1">
+            <a:schemeClr val="accent1"/>
+          </a:lnRef>
+          <a:fillRef idx="0">
+            <a:schemeClr val="accent1"/>
+          </a:fillRef>
+          <a:effectRef idx="0">
+            <a:schemeClr val="accent1"/>
+          </a:effectRef>
+          <a:fontRef idx="minor">
+            <a:schemeClr val="tx1"/>
+          </a:fontRef>
+        </p:style>
+      </p:cxnSp>
+      <p:cxnSp>
+        <p:nvCxnSpPr>
+          <p:cNvPr id="8" name="직선 화살표 연결선 7"/>
+          <p:cNvCxnSpPr/>
+          <p:nvPr/>
+        </p:nvCxnSpPr>
+        <p:spPr>
+          <a:xfrm flipV="1">
+            <a:off x="2453810" y="980728"/>
+            <a:ext cx="0" cy="1944216"/>
+          </a:xfrm>
+          <a:prstGeom prst="straightConnector1">
+            <a:avLst/>
+          </a:prstGeom>
+          <a:ln w="12700">
+            <a:solidFill>
+              <a:schemeClr val="tx1"/>
+            </a:solidFill>
+            <a:tailEnd type="arrow"/>
+          </a:ln>
+        </p:spPr>
+        <p:style>
+          <a:lnRef idx="1">
+            <a:schemeClr val="accent1"/>
+          </a:lnRef>
+          <a:fillRef idx="0">
+            <a:schemeClr val="accent1"/>
+          </a:fillRef>
+          <a:effectRef idx="0">
+            <a:schemeClr val="accent1"/>
+          </a:effectRef>
+          <a:fontRef idx="minor">
+            <a:schemeClr val="tx1"/>
+          </a:fontRef>
+        </p:style>
+      </p:cxnSp>
+      <p:cxnSp>
+        <p:nvCxnSpPr>
+          <p:cNvPr id="10" name="직선 화살표 연결선 9"/>
+          <p:cNvCxnSpPr/>
+          <p:nvPr/>
+        </p:nvCxnSpPr>
+        <p:spPr>
+          <a:xfrm flipV="1">
+            <a:off x="2453810" y="1412776"/>
+            <a:ext cx="1548172" cy="1296144"/>
+          </a:xfrm>
+          <a:prstGeom prst="straightConnector1">
+            <a:avLst/>
+          </a:prstGeom>
+          <a:ln w="28575">
+            <a:solidFill>
+              <a:schemeClr val="tx1"/>
+            </a:solidFill>
+            <a:tailEnd type="arrow"/>
+          </a:ln>
+        </p:spPr>
+        <p:style>
+          <a:lnRef idx="1">
+            <a:schemeClr val="accent1"/>
+          </a:lnRef>
+          <a:fillRef idx="0">
+            <a:schemeClr val="accent1"/>
+          </a:fillRef>
+          <a:effectRef idx="0">
+            <a:schemeClr val="accent1"/>
+          </a:effectRef>
+          <a:fontRef idx="minor">
+            <a:schemeClr val="tx1"/>
+          </a:fontRef>
+        </p:style>
+      </p:cxnSp>
+      <p:cxnSp>
+        <p:nvCxnSpPr>
+          <p:cNvPr id="12" name="직선 화살표 연결선 11"/>
+          <p:cNvCxnSpPr/>
+          <p:nvPr/>
+        </p:nvCxnSpPr>
+        <p:spPr>
+          <a:xfrm flipH="1" flipV="1">
+            <a:off x="1833955" y="1620416"/>
+            <a:ext cx="620452" cy="1088504"/>
+          </a:xfrm>
+          <a:prstGeom prst="straightConnector1">
+            <a:avLst/>
+          </a:prstGeom>
+          <a:ln w="28575">
+            <a:solidFill>
+              <a:schemeClr val="tx1"/>
+            </a:solidFill>
+            <a:tailEnd type="arrow"/>
+          </a:ln>
+        </p:spPr>
+        <p:style>
+          <a:lnRef idx="1">
+            <a:schemeClr val="accent1"/>
+          </a:lnRef>
+          <a:fillRef idx="0">
+            <a:schemeClr val="accent1"/>
+          </a:fillRef>
+          <a:effectRef idx="0">
+            <a:schemeClr val="accent1"/>
+          </a:effectRef>
+          <a:fontRef idx="minor">
+            <a:schemeClr val="tx1"/>
+          </a:fontRef>
+        </p:style>
+      </p:cxnSp>
+      <p:cxnSp>
+        <p:nvCxnSpPr>
+          <p:cNvPr id="17" name="직선 화살표 연결선 16"/>
+          <p:cNvCxnSpPr/>
+          <p:nvPr/>
+        </p:nvCxnSpPr>
+        <p:spPr>
+          <a:xfrm>
+            <a:off x="4686058" y="2708920"/>
+            <a:ext cx="3384376" cy="0"/>
+          </a:xfrm>
+          <a:prstGeom prst="straightConnector1">
+            <a:avLst/>
+          </a:prstGeom>
+          <a:ln w="12700">
+            <a:solidFill>
+              <a:schemeClr val="tx1"/>
+            </a:solidFill>
+            <a:tailEnd type="arrow"/>
+          </a:ln>
+        </p:spPr>
+        <p:style>
+          <a:lnRef idx="1">
+            <a:schemeClr val="accent1"/>
+          </a:lnRef>
+          <a:fillRef idx="0">
+            <a:schemeClr val="accent1"/>
+          </a:fillRef>
+          <a:effectRef idx="0">
+            <a:schemeClr val="accent1"/>
+          </a:effectRef>
+          <a:fontRef idx="minor">
+            <a:schemeClr val="tx1"/>
+          </a:fontRef>
+        </p:style>
+      </p:cxnSp>
+      <p:cxnSp>
+        <p:nvCxnSpPr>
+          <p:cNvPr id="18" name="직선 화살표 연결선 17"/>
+          <p:cNvCxnSpPr/>
+          <p:nvPr/>
+        </p:nvCxnSpPr>
+        <p:spPr>
+          <a:xfrm flipV="1">
+            <a:off x="6378246" y="980728"/>
+            <a:ext cx="0" cy="1944216"/>
+          </a:xfrm>
+          <a:prstGeom prst="straightConnector1">
+            <a:avLst/>
+          </a:prstGeom>
+          <a:ln w="12700">
+            <a:solidFill>
+              <a:schemeClr val="tx1"/>
+            </a:solidFill>
+            <a:tailEnd type="arrow"/>
+          </a:ln>
+        </p:spPr>
+        <p:style>
+          <a:lnRef idx="1">
+            <a:schemeClr val="accent1"/>
+          </a:lnRef>
+          <a:fillRef idx="0">
+            <a:schemeClr val="accent1"/>
+          </a:fillRef>
+          <a:effectRef idx="0">
+            <a:schemeClr val="accent1"/>
+          </a:effectRef>
+          <a:fontRef idx="minor">
+            <a:schemeClr val="tx1"/>
+          </a:fontRef>
+        </p:style>
+      </p:cxnSp>
+      <p:cxnSp>
+        <p:nvCxnSpPr>
+          <p:cNvPr id="19" name="직선 화살표 연결선 18"/>
+          <p:cNvCxnSpPr/>
+          <p:nvPr/>
+        </p:nvCxnSpPr>
+        <p:spPr>
+          <a:xfrm flipV="1">
+            <a:off x="6378246" y="1412776"/>
+            <a:ext cx="1548172" cy="1296144"/>
+          </a:xfrm>
+          <a:prstGeom prst="straightConnector1">
+            <a:avLst/>
+          </a:prstGeom>
+          <a:ln>
+            <a:solidFill>
+              <a:schemeClr val="bg1">
+                <a:lumMod val="75000"/>
+              </a:schemeClr>
+            </a:solidFill>
+            <a:tailEnd type="arrow"/>
+          </a:ln>
+        </p:spPr>
+        <p:style>
+          <a:lnRef idx="1">
+            <a:schemeClr val="accent1"/>
+          </a:lnRef>
+          <a:fillRef idx="0">
+            <a:schemeClr val="accent1"/>
+          </a:fillRef>
+          <a:effectRef idx="0">
+            <a:schemeClr val="accent1"/>
+          </a:effectRef>
+          <a:fontRef idx="minor">
+            <a:schemeClr val="tx1"/>
+          </a:fontRef>
+        </p:style>
+      </p:cxnSp>
+      <p:cxnSp>
+        <p:nvCxnSpPr>
+          <p:cNvPr id="20" name="직선 화살표 연결선 19"/>
+          <p:cNvCxnSpPr/>
+          <p:nvPr/>
+        </p:nvCxnSpPr>
+        <p:spPr>
+          <a:xfrm flipH="1" flipV="1">
+            <a:off x="5758391" y="1620416"/>
+            <a:ext cx="620452" cy="1088504"/>
+          </a:xfrm>
+          <a:prstGeom prst="straightConnector1">
+            <a:avLst/>
+          </a:prstGeom>
+          <a:ln>
+            <a:solidFill>
+              <a:schemeClr val="bg1">
+                <a:lumMod val="75000"/>
+              </a:schemeClr>
+            </a:solidFill>
+            <a:tailEnd type="arrow"/>
+          </a:ln>
+        </p:spPr>
+        <p:style>
+          <a:lnRef idx="1">
+            <a:schemeClr val="accent1"/>
+          </a:lnRef>
+          <a:fillRef idx="0">
+            <a:schemeClr val="accent1"/>
+          </a:fillRef>
+          <a:effectRef idx="0">
+            <a:schemeClr val="accent1"/>
+          </a:effectRef>
+          <a:fontRef idx="minor">
+            <a:schemeClr val="tx1"/>
+          </a:fontRef>
+        </p:style>
+      </p:cxnSp>
+      <p:cxnSp>
+        <p:nvCxnSpPr>
+          <p:cNvPr id="21" name="직선 화살표 연결선 20"/>
+          <p:cNvCxnSpPr/>
+          <p:nvPr/>
+        </p:nvCxnSpPr>
+        <p:spPr>
+          <a:xfrm flipH="1" flipV="1">
+            <a:off x="4830074" y="2162287"/>
+            <a:ext cx="1548172" cy="546460"/>
+          </a:xfrm>
+          <a:prstGeom prst="straightConnector1">
+            <a:avLst/>
+          </a:prstGeom>
+          <a:ln w="28575">
+            <a:solidFill>
+              <a:srgbClr val="FF0000"/>
+            </a:solidFill>
+            <a:tailEnd type="arrow"/>
+          </a:ln>
+        </p:spPr>
+        <p:style>
+          <a:lnRef idx="1">
+            <a:schemeClr val="accent1"/>
+          </a:lnRef>
+          <a:fillRef idx="0">
+            <a:schemeClr val="accent1"/>
+          </a:fillRef>
+          <a:effectRef idx="0">
+            <a:schemeClr val="accent1"/>
+          </a:effectRef>
+          <a:fontRef idx="minor">
+            <a:schemeClr val="tx1"/>
+          </a:fontRef>
+        </p:style>
+      </p:cxnSp>
+      <p:sp>
+        <p:nvSpPr>
+          <p:cNvPr id="22" name="원호 21"/>
+          <p:cNvSpPr/>
+          <p:nvPr/>
+        </p:nvSpPr>
+        <p:spPr>
+          <a:xfrm>
+            <a:off x="2137707" y="2385391"/>
+            <a:ext cx="632207" cy="632207"/>
+          </a:xfrm>
+          <a:prstGeom prst="arc">
+            <a:avLst>
+              <a:gd name="adj1" fmla="val 19310489"/>
+              <a:gd name="adj2" fmla="val 21482768"/>
+            </a:avLst>
+          </a:prstGeom>
+          <a:ln w="12700">
+            <a:solidFill>
+              <a:schemeClr val="tx1"/>
+            </a:solidFill>
+            <a:prstDash val="solid"/>
+            <a:headEnd type="triangle" w="med" len="med"/>
+            <a:tailEnd type="none" w="med" len="med"/>
+          </a:ln>
+        </p:spPr>
+        <p:style>
+          <a:lnRef idx="1">
+            <a:schemeClr val="accent1"/>
+          </a:lnRef>
+          <a:fillRef idx="0">
+            <a:schemeClr val="accent1"/>
+          </a:fillRef>
+          <a:effectRef idx="0">
+            <a:schemeClr val="accent1"/>
+          </a:effectRef>
+          <a:fontRef idx="minor">
+            <a:schemeClr val="tx1"/>
+          </a:fontRef>
+        </p:style>
+        <p:txBody>
+          <a:bodyPr rtlCol="0" anchor="ctr"/>
+          <a:lstStyle/>
+          <a:p>
+            <a:pPr algn="ctr"/>
+            <a:endParaRPr lang="ko-KR" altLang="en-US"/>
+          </a:p>
+        </p:txBody>
+      </p:sp>
+      <p:sp>
+        <p:nvSpPr>
+          <p:cNvPr id="23" name="원호 22"/>
+          <p:cNvSpPr/>
+          <p:nvPr/>
+        </p:nvSpPr>
+        <p:spPr>
+          <a:xfrm>
+            <a:off x="2238504" y="2493017"/>
+            <a:ext cx="431805" cy="431805"/>
+          </a:xfrm>
+          <a:prstGeom prst="arc">
+            <a:avLst>
+              <a:gd name="adj1" fmla="val 14488563"/>
+              <a:gd name="adj2" fmla="val 21482768"/>
+            </a:avLst>
+          </a:prstGeom>
+          <a:ln w="12700">
+            <a:solidFill>
+              <a:schemeClr val="tx1"/>
+            </a:solidFill>
+            <a:prstDash val="solid"/>
+            <a:headEnd type="triangle" w="med" len="med"/>
+            <a:tailEnd type="none" w="med" len="med"/>
+          </a:ln>
+        </p:spPr>
+        <p:style>
+          <a:lnRef idx="1">
+            <a:schemeClr val="accent1"/>
+          </a:lnRef>
+          <a:fillRef idx="0">
+            <a:schemeClr val="accent1"/>
+          </a:fillRef>
+          <a:effectRef idx="0">
+            <a:schemeClr val="accent1"/>
+          </a:effectRef>
+          <a:fontRef idx="minor">
+            <a:schemeClr val="tx1"/>
+          </a:fontRef>
+        </p:style>
+        <p:txBody>
+          <a:bodyPr rtlCol="0" anchor="ctr"/>
+          <a:lstStyle/>
+          <a:p>
+            <a:pPr algn="ctr"/>
+            <a:endParaRPr lang="ko-KR" altLang="en-US"/>
+          </a:p>
+        </p:txBody>
+      </p:sp>
+      <p:sp>
+        <p:nvSpPr>
+          <p:cNvPr id="24" name="원호 23"/>
+          <p:cNvSpPr/>
+          <p:nvPr/>
+        </p:nvSpPr>
+        <p:spPr>
+          <a:xfrm>
+            <a:off x="6162940" y="2493017"/>
+            <a:ext cx="431805" cy="431805"/>
+          </a:xfrm>
+          <a:prstGeom prst="arc">
+            <a:avLst>
+              <a:gd name="adj1" fmla="val 11838909"/>
+              <a:gd name="adj2" fmla="val 21482768"/>
+            </a:avLst>
+          </a:prstGeom>
+          <a:ln w="12700">
+            <a:solidFill>
+              <a:srgbClr val="FF0000"/>
+            </a:solidFill>
+            <a:prstDash val="solid"/>
+            <a:headEnd type="triangle" w="med" len="med"/>
+            <a:tailEnd type="none" w="med" len="med"/>
+          </a:ln>
+        </p:spPr>
+        <p:style>
+          <a:lnRef idx="1">
+            <a:schemeClr val="accent1"/>
+          </a:lnRef>
+          <a:fillRef idx="0">
+            <a:schemeClr val="accent1"/>
+          </a:fillRef>
+          <a:effectRef idx="0">
+            <a:schemeClr val="accent1"/>
+          </a:effectRef>
+          <a:fontRef idx="minor">
+            <a:schemeClr val="tx1"/>
+          </a:fontRef>
+        </p:style>
+        <p:txBody>
+          <a:bodyPr rtlCol="0" anchor="ctr"/>
+          <a:lstStyle/>
+          <a:p>
+            <a:pPr algn="ctr"/>
+            <a:endParaRPr lang="ko-KR" altLang="en-US"/>
+          </a:p>
+        </p:txBody>
+      </p:sp>
+      <p:sp>
+        <p:nvSpPr>
+          <p:cNvPr id="16" name="TextBox 15"/>
+          <p:cNvSpPr txBox="1"/>
+          <p:nvPr/>
+        </p:nvSpPr>
+        <p:spPr>
+          <a:xfrm>
+            <a:off x="3834053" y="2794139"/>
+            <a:ext cx="623889" cy="261610"/>
+          </a:xfrm>
+          <a:prstGeom prst="rect">
+            <a:avLst/>
+          </a:prstGeom>
+          <a:noFill/>
+        </p:spPr>
+        <p:txBody>
+          <a:bodyPr wrap="none" rtlCol="0">
+            <a:spAutoFit/>
+          </a:bodyPr>
+          <a:lstStyle/>
+          <a:p>
+            <a:r>
+              <a:rPr lang="ko-KR" altLang="en-US" sz="1100" smtClean="0">
+                <a:latin typeface="나눔고딕" pitchFamily="50" charset="-127"/>
+                <a:ea typeface="나눔고딕" pitchFamily="50" charset="-127"/>
+              </a:rPr>
+              <a:t>실수 축</a:t>
+            </a:r>
+            <a:endParaRPr lang="ko-KR" altLang="en-US" sz="1100">
+              <a:latin typeface="나눔고딕" pitchFamily="50" charset="-127"/>
+              <a:ea typeface="나눔고딕" pitchFamily="50" charset="-127"/>
+            </a:endParaRPr>
+          </a:p>
+        </p:txBody>
+      </p:sp>
+      <p:sp>
+        <p:nvSpPr>
+          <p:cNvPr id="26" name="TextBox 25"/>
+          <p:cNvSpPr txBox="1"/>
+          <p:nvPr/>
+        </p:nvSpPr>
+        <p:spPr>
+          <a:xfrm>
+            <a:off x="2158349" y="688767"/>
+            <a:ext cx="623889" cy="261610"/>
+          </a:xfrm>
+          <a:prstGeom prst="rect">
+            <a:avLst/>
+          </a:prstGeom>
+          <a:noFill/>
+        </p:spPr>
+        <p:txBody>
+          <a:bodyPr wrap="none" rtlCol="0">
+            <a:spAutoFit/>
+          </a:bodyPr>
+          <a:lstStyle/>
+          <a:p>
+            <a:r>
+              <a:rPr lang="ko-KR" altLang="en-US" sz="1100" dirty="0" smtClean="0">
+                <a:latin typeface="나눔고딕" pitchFamily="50" charset="-127"/>
+                <a:ea typeface="나눔고딕" pitchFamily="50" charset="-127"/>
+              </a:rPr>
+              <a:t>허수 축</a:t>
+            </a:r>
+            <a:endParaRPr lang="ko-KR" altLang="en-US" sz="1100" dirty="0">
+              <a:latin typeface="나눔고딕" pitchFamily="50" charset="-127"/>
+              <a:ea typeface="나눔고딕" pitchFamily="50" charset="-127"/>
+            </a:endParaRPr>
+          </a:p>
+        </p:txBody>
+      </p:sp>
+      <p:sp>
+        <p:nvSpPr>
+          <p:cNvPr id="27" name="TextBox 26"/>
+          <p:cNvSpPr txBox="1"/>
+          <p:nvPr/>
+        </p:nvSpPr>
+        <p:spPr>
+          <a:xfrm>
+            <a:off x="7758489" y="2794139"/>
+            <a:ext cx="623889" cy="261610"/>
+          </a:xfrm>
+          <a:prstGeom prst="rect">
+            <a:avLst/>
+          </a:prstGeom>
+          <a:noFill/>
+        </p:spPr>
+        <p:txBody>
+          <a:bodyPr wrap="none" rtlCol="0">
+            <a:spAutoFit/>
+          </a:bodyPr>
+          <a:lstStyle/>
+          <a:p>
+            <a:r>
+              <a:rPr lang="ko-KR" altLang="en-US" sz="1100" smtClean="0">
+                <a:latin typeface="나눔고딕" pitchFamily="50" charset="-127"/>
+                <a:ea typeface="나눔고딕" pitchFamily="50" charset="-127"/>
+              </a:rPr>
+              <a:t>실수 축</a:t>
+            </a:r>
+            <a:endParaRPr lang="ko-KR" altLang="en-US" sz="1100">
+              <a:latin typeface="나눔고딕" pitchFamily="50" charset="-127"/>
+              <a:ea typeface="나눔고딕" pitchFamily="50" charset="-127"/>
+            </a:endParaRPr>
+          </a:p>
+        </p:txBody>
+      </p:sp>
+      <p:sp>
+        <p:nvSpPr>
+          <p:cNvPr id="28" name="TextBox 27"/>
+          <p:cNvSpPr txBox="1"/>
+          <p:nvPr/>
+        </p:nvSpPr>
+        <p:spPr>
+          <a:xfrm>
+            <a:off x="6082785" y="688767"/>
+            <a:ext cx="623889" cy="261610"/>
+          </a:xfrm>
+          <a:prstGeom prst="rect">
+            <a:avLst/>
+          </a:prstGeom>
+          <a:noFill/>
+        </p:spPr>
+        <p:txBody>
+          <a:bodyPr wrap="none" rtlCol="0">
+            <a:spAutoFit/>
+          </a:bodyPr>
+          <a:lstStyle/>
+          <a:p>
+            <a:r>
+              <a:rPr lang="ko-KR" altLang="en-US" sz="1100" dirty="0" smtClean="0">
+                <a:latin typeface="나눔고딕" pitchFamily="50" charset="-127"/>
+                <a:ea typeface="나눔고딕" pitchFamily="50" charset="-127"/>
+              </a:rPr>
+              <a:t>허수 축</a:t>
+            </a:r>
+            <a:endParaRPr lang="ko-KR" altLang="en-US" sz="1100" dirty="0">
+              <a:latin typeface="나눔고딕" pitchFamily="50" charset="-127"/>
+              <a:ea typeface="나눔고딕" pitchFamily="50" charset="-127"/>
+            </a:endParaRPr>
+          </a:p>
+        </p:txBody>
+      </p:sp>
+      <p:sp>
+        <p:nvSpPr>
+          <p:cNvPr id="29" name="TextBox 28"/>
+          <p:cNvSpPr txBox="1"/>
+          <p:nvPr/>
+        </p:nvSpPr>
+        <p:spPr>
+          <a:xfrm>
+            <a:off x="6108620" y="2716292"/>
+            <a:ext cx="269626" cy="261610"/>
+          </a:xfrm>
+          <a:prstGeom prst="rect">
+            <a:avLst/>
+          </a:prstGeom>
+          <a:noFill/>
+        </p:spPr>
+        <p:txBody>
+          <a:bodyPr wrap="none" rtlCol="0">
+            <a:spAutoFit/>
+          </a:bodyPr>
+          <a:lstStyle/>
+          <a:p>
+            <a:r>
+              <a:rPr lang="en-US" altLang="ko-KR" sz="1100" smtClean="0">
+                <a:latin typeface="나눔고딕" pitchFamily="50" charset="-127"/>
+                <a:ea typeface="나눔고딕" pitchFamily="50" charset="-127"/>
+              </a:rPr>
+              <a:t>0</a:t>
+            </a:r>
+            <a:endParaRPr lang="ko-KR" altLang="en-US" sz="1100" dirty="0">
+              <a:latin typeface="나눔고딕" pitchFamily="50" charset="-127"/>
+              <a:ea typeface="나눔고딕" pitchFamily="50" charset="-127"/>
+            </a:endParaRPr>
+          </a:p>
+        </p:txBody>
+      </p:sp>
+      <p:sp>
+        <p:nvSpPr>
+          <p:cNvPr id="30" name="TextBox 29"/>
+          <p:cNvSpPr txBox="1"/>
+          <p:nvPr/>
+        </p:nvSpPr>
+        <p:spPr>
+          <a:xfrm>
+            <a:off x="2179097" y="2716292"/>
+            <a:ext cx="269626" cy="261610"/>
+          </a:xfrm>
+          <a:prstGeom prst="rect">
+            <a:avLst/>
+          </a:prstGeom>
+          <a:noFill/>
+        </p:spPr>
+        <p:txBody>
+          <a:bodyPr wrap="none" rtlCol="0">
+            <a:spAutoFit/>
+          </a:bodyPr>
+          <a:lstStyle/>
+          <a:p>
+            <a:r>
+              <a:rPr lang="en-US" altLang="ko-KR" sz="1100" smtClean="0">
+                <a:latin typeface="나눔고딕" pitchFamily="50" charset="-127"/>
+                <a:ea typeface="나눔고딕" pitchFamily="50" charset="-127"/>
+              </a:rPr>
+              <a:t>0</a:t>
+            </a:r>
+            <a:endParaRPr lang="ko-KR" altLang="en-US" sz="1100" dirty="0">
+              <a:latin typeface="나눔고딕" pitchFamily="50" charset="-127"/>
+              <a:ea typeface="나눔고딕" pitchFamily="50" charset="-127"/>
+            </a:endParaRPr>
+          </a:p>
+        </p:txBody>
+      </p:sp>
+      <mc:AlternateContent xmlns:mc="http://schemas.openxmlformats.org/markup-compatibility/2006">
+        <mc:Choice xmlns:a14="http://schemas.microsoft.com/office/drawing/2010/main" Requires="a14">
+          <p:sp>
+            <p:nvSpPr>
+              <p:cNvPr id="31" name="TextBox 30"/>
+              <p:cNvSpPr txBox="1"/>
+              <p:nvPr/>
+            </p:nvSpPr>
+            <p:spPr>
+              <a:xfrm>
+                <a:off x="1619813" y="1303809"/>
+                <a:ext cx="431849" cy="338554"/>
+              </a:xfrm>
+              <a:prstGeom prst="rect">
+                <a:avLst/>
+              </a:prstGeom>
+              <a:noFill/>
+            </p:spPr>
+            <p:txBody>
+              <a:bodyPr wrap="none" rtlCol="0">
+                <a:spAutoFit/>
+              </a:bodyPr>
+              <a:lstStyle/>
+              <a:p>
+                <a14:m>
+                  <m:oMathPara xmlns:m="http://schemas.openxmlformats.org/officeDocument/2006/math">
+                    <m:oMathParaPr>
+                      <m:jc m:val="centerGroup"/>
+                    </m:oMathParaPr>
+                    <m:oMath xmlns:m="http://schemas.openxmlformats.org/officeDocument/2006/math">
+                      <m:sSub>
+                        <m:sSubPr>
+                          <m:ctrlPr>
+                            <a:rPr lang="en-US" altLang="ko-KR" sz="1600" b="0" i="1" smtClean="0">
+                              <a:latin typeface="Cambria Math"/>
+                              <a:ea typeface="나눔고딕" pitchFamily="50" charset="-127"/>
+                            </a:rPr>
+                          </m:ctrlPr>
+                        </m:sSubPr>
+                        <m:e>
+                          <m:r>
+                            <a:rPr lang="en-US" altLang="ko-KR" sz="1600" b="0" i="1" smtClean="0">
+                              <a:latin typeface="Cambria Math"/>
+                              <a:ea typeface="나눔고딕" pitchFamily="50" charset="-127"/>
+                            </a:rPr>
+                            <m:t>𝑧</m:t>
+                          </m:r>
+                        </m:e>
+                        <m:sub>
+                          <m:r>
+                            <a:rPr lang="en-US" altLang="ko-KR" sz="1600" b="0" i="1" smtClean="0">
+                              <a:latin typeface="Cambria Math"/>
+                              <a:ea typeface="나눔고딕" pitchFamily="50" charset="-127"/>
+                            </a:rPr>
+                            <m:t>2</m:t>
+                          </m:r>
+                        </m:sub>
+                      </m:sSub>
+                    </m:oMath>
+                  </m:oMathPara>
+                </a14:m>
+                <a:endParaRPr lang="ko-KR" altLang="en-US" sz="1600" dirty="0">
+                  <a:latin typeface="나눔고딕" pitchFamily="50" charset="-127"/>
+                  <a:ea typeface="나눔고딕" pitchFamily="50" charset="-127"/>
+                </a:endParaRPr>
+              </a:p>
+            </p:txBody>
+          </p:sp>
+        </mc:Choice>
+        <mc:Fallback>
+          <p:sp>
+            <p:nvSpPr>
+              <p:cNvPr id="31" name="TextBox 30"/>
+              <p:cNvSpPr txBox="1">
+                <a:spLocks noRot="1" noChangeAspect="1" noMove="1" noResize="1" noEditPoints="1" noAdjustHandles="1" noChangeArrowheads="1" noChangeShapeType="1" noTextEdit="1"/>
+              </p:cNvSpPr>
+              <p:nvPr/>
+            </p:nvSpPr>
+            <p:spPr>
+              <a:xfrm>
+                <a:off x="1619813" y="1303809"/>
+                <a:ext cx="431849" cy="338554"/>
+              </a:xfrm>
+              <a:prstGeom prst="rect">
+                <a:avLst/>
+              </a:prstGeom>
+              <a:blipFill rotWithShape="1">
+                <a:blip r:embed="rId2"/>
+                <a:stretch>
+                  <a:fillRect/>
+                </a:stretch>
+              </a:blipFill>
+            </p:spPr>
+            <p:txBody>
+              <a:bodyPr/>
+              <a:lstStyle/>
+              <a:p>
+                <a:r>
+                  <a:rPr lang="ko-KR" altLang="en-US">
+                    <a:noFill/>
+                  </a:rPr>
+                  <a:t> </a:t>
+                </a:r>
+              </a:p>
+            </p:txBody>
+          </p:sp>
+        </mc:Fallback>
+      </mc:AlternateContent>
+      <mc:AlternateContent xmlns:mc="http://schemas.openxmlformats.org/markup-compatibility/2006">
+        <mc:Choice xmlns:a14="http://schemas.microsoft.com/office/drawing/2010/main" Requires="a14">
+          <p:sp>
+            <p:nvSpPr>
+              <p:cNvPr id="32" name="TextBox 31"/>
+              <p:cNvSpPr txBox="1"/>
+              <p:nvPr/>
+            </p:nvSpPr>
+            <p:spPr>
+              <a:xfrm>
+                <a:off x="3795953" y="1096169"/>
+                <a:ext cx="427105" cy="338554"/>
+              </a:xfrm>
+              <a:prstGeom prst="rect">
+                <a:avLst/>
+              </a:prstGeom>
+              <a:noFill/>
+            </p:spPr>
+            <p:txBody>
+              <a:bodyPr wrap="none" rtlCol="0">
+                <a:spAutoFit/>
+              </a:bodyPr>
+              <a:lstStyle/>
+              <a:p>
+                <a14:m>
+                  <m:oMathPara xmlns:m="http://schemas.openxmlformats.org/officeDocument/2006/math">
+                    <m:oMathParaPr>
+                      <m:jc m:val="centerGroup"/>
+                    </m:oMathParaPr>
+                    <m:oMath xmlns:m="http://schemas.openxmlformats.org/officeDocument/2006/math">
+                      <m:sSub>
+                        <m:sSubPr>
+                          <m:ctrlPr>
+                            <a:rPr lang="en-US" altLang="ko-KR" sz="1600" b="0" i="1" smtClean="0">
+                              <a:latin typeface="Cambria Math"/>
+                              <a:ea typeface="나눔고딕" pitchFamily="50" charset="-127"/>
+                            </a:rPr>
+                          </m:ctrlPr>
+                        </m:sSubPr>
+                        <m:e>
+                          <m:r>
+                            <a:rPr lang="en-US" altLang="ko-KR" sz="1600" b="0" i="1" smtClean="0">
+                              <a:latin typeface="Cambria Math"/>
+                              <a:ea typeface="나눔고딕" pitchFamily="50" charset="-127"/>
+                            </a:rPr>
+                            <m:t>𝑧</m:t>
+                          </m:r>
+                        </m:e>
+                        <m:sub>
+                          <m:r>
+                            <a:rPr lang="en-US" altLang="ko-KR" sz="1600" b="0" i="1" smtClean="0">
+                              <a:latin typeface="Cambria Math"/>
+                              <a:ea typeface="나눔고딕" pitchFamily="50" charset="-127"/>
+                            </a:rPr>
+                            <m:t>1</m:t>
+                          </m:r>
+                        </m:sub>
+                      </m:sSub>
+                    </m:oMath>
+                  </m:oMathPara>
+                </a14:m>
+                <a:endParaRPr lang="ko-KR" altLang="en-US" sz="1600" dirty="0">
+                  <a:latin typeface="나눔고딕" pitchFamily="50" charset="-127"/>
+                  <a:ea typeface="나눔고딕" pitchFamily="50" charset="-127"/>
+                </a:endParaRPr>
+              </a:p>
+            </p:txBody>
+          </p:sp>
+        </mc:Choice>
+        <mc:Fallback>
+          <p:sp>
+            <p:nvSpPr>
+              <p:cNvPr id="32" name="TextBox 31"/>
+              <p:cNvSpPr txBox="1">
+                <a:spLocks noRot="1" noChangeAspect="1" noMove="1" noResize="1" noEditPoints="1" noAdjustHandles="1" noChangeArrowheads="1" noChangeShapeType="1" noTextEdit="1"/>
+              </p:cNvSpPr>
+              <p:nvPr/>
+            </p:nvSpPr>
+            <p:spPr>
+              <a:xfrm>
+                <a:off x="3795953" y="1096169"/>
+                <a:ext cx="427105" cy="338554"/>
+              </a:xfrm>
+              <a:prstGeom prst="rect">
+                <a:avLst/>
+              </a:prstGeom>
+              <a:blipFill rotWithShape="1">
+                <a:blip r:embed="rId3"/>
+                <a:stretch>
+                  <a:fillRect/>
+                </a:stretch>
+              </a:blipFill>
+            </p:spPr>
+            <p:txBody>
+              <a:bodyPr/>
+              <a:lstStyle/>
+              <a:p>
+                <a:r>
+                  <a:rPr lang="ko-KR" altLang="en-US">
+                    <a:noFill/>
+                  </a:rPr>
+                  <a:t> </a:t>
+                </a:r>
+              </a:p>
+            </p:txBody>
+          </p:sp>
+        </mc:Fallback>
+      </mc:AlternateContent>
+      <mc:AlternateContent xmlns:mc="http://schemas.openxmlformats.org/markup-compatibility/2006">
+        <mc:Choice xmlns:a14="http://schemas.microsoft.com/office/drawing/2010/main" Requires="a14">
+          <p:sp>
+            <p:nvSpPr>
+              <p:cNvPr id="33" name="TextBox 32"/>
+              <p:cNvSpPr txBox="1"/>
+              <p:nvPr/>
+            </p:nvSpPr>
+            <p:spPr>
+              <a:xfrm>
+                <a:off x="4539946" y="1816249"/>
+                <a:ext cx="616579" cy="338554"/>
+              </a:xfrm>
+              <a:prstGeom prst="rect">
+                <a:avLst/>
+              </a:prstGeom>
+              <a:noFill/>
+            </p:spPr>
+            <p:txBody>
+              <a:bodyPr wrap="none" rtlCol="0">
+                <a:spAutoFit/>
+              </a:bodyPr>
+              <a:lstStyle/>
+              <a:p>
+                <a14:m>
+                  <m:oMathPara xmlns:m="http://schemas.openxmlformats.org/officeDocument/2006/math">
+                    <m:oMathParaPr>
+                      <m:jc m:val="centerGroup"/>
+                    </m:oMathParaPr>
+                    <m:oMath xmlns:m="http://schemas.openxmlformats.org/officeDocument/2006/math">
+                      <m:sSub>
+                        <m:sSubPr>
+                          <m:ctrlPr>
+                            <a:rPr lang="en-US" altLang="ko-KR" sz="1600" b="0" i="1" smtClean="0">
+                              <a:solidFill>
+                                <a:srgbClr val="FF0000"/>
+                              </a:solidFill>
+                              <a:latin typeface="Cambria Math"/>
+                              <a:ea typeface="나눔고딕" pitchFamily="50" charset="-127"/>
+                            </a:rPr>
+                          </m:ctrlPr>
+                        </m:sSubPr>
+                        <m:e>
+                          <m:r>
+                            <a:rPr lang="en-US" altLang="ko-KR" sz="1600" b="0" i="1" smtClean="0">
+                              <a:solidFill>
+                                <a:srgbClr val="FF0000"/>
+                              </a:solidFill>
+                              <a:latin typeface="Cambria Math"/>
+                              <a:ea typeface="나눔고딕" pitchFamily="50" charset="-127"/>
+                            </a:rPr>
+                            <m:t>𝑧</m:t>
+                          </m:r>
+                        </m:e>
+                        <m:sub>
+                          <m:r>
+                            <a:rPr lang="en-US" altLang="ko-KR" sz="1600" b="0" i="1" smtClean="0">
+                              <a:solidFill>
+                                <a:srgbClr val="FF0000"/>
+                              </a:solidFill>
+                              <a:latin typeface="Cambria Math"/>
+                              <a:ea typeface="나눔고딕" pitchFamily="50" charset="-127"/>
+                            </a:rPr>
+                            <m:t>1</m:t>
+                          </m:r>
+                        </m:sub>
+                      </m:sSub>
+                      <m:sSub>
+                        <m:sSubPr>
+                          <m:ctrlPr>
+                            <a:rPr lang="en-US" altLang="ko-KR" sz="1600" b="0" i="1" smtClean="0">
+                              <a:solidFill>
+                                <a:srgbClr val="FF0000"/>
+                              </a:solidFill>
+                              <a:latin typeface="Cambria Math"/>
+                              <a:ea typeface="나눔고딕" pitchFamily="50" charset="-127"/>
+                            </a:rPr>
+                          </m:ctrlPr>
+                        </m:sSubPr>
+                        <m:e>
+                          <m:r>
+                            <a:rPr lang="en-US" altLang="ko-KR" sz="1600" b="0" i="1" smtClean="0">
+                              <a:solidFill>
+                                <a:srgbClr val="FF0000"/>
+                              </a:solidFill>
+                              <a:latin typeface="Cambria Math"/>
+                              <a:ea typeface="나눔고딕" pitchFamily="50" charset="-127"/>
+                            </a:rPr>
+                            <m:t>𝑧</m:t>
+                          </m:r>
+                        </m:e>
+                        <m:sub>
+                          <m:r>
+                            <a:rPr lang="en-US" altLang="ko-KR" sz="1600" b="0" i="1" smtClean="0">
+                              <a:solidFill>
+                                <a:srgbClr val="FF0000"/>
+                              </a:solidFill>
+                              <a:latin typeface="Cambria Math"/>
+                              <a:ea typeface="나눔고딕" pitchFamily="50" charset="-127"/>
+                            </a:rPr>
+                            <m:t>2</m:t>
+                          </m:r>
+                        </m:sub>
+                      </m:sSub>
+                    </m:oMath>
+                  </m:oMathPara>
+                </a14:m>
+                <a:endParaRPr lang="ko-KR" altLang="en-US" sz="1600" dirty="0">
+                  <a:solidFill>
+                    <a:srgbClr val="FF0000"/>
+                  </a:solidFill>
+                  <a:latin typeface="나눔고딕" pitchFamily="50" charset="-127"/>
+                  <a:ea typeface="나눔고딕" pitchFamily="50" charset="-127"/>
+                </a:endParaRPr>
+              </a:p>
+            </p:txBody>
+          </p:sp>
+        </mc:Choice>
+        <mc:Fallback>
+          <p:sp>
+            <p:nvSpPr>
+              <p:cNvPr id="33" name="TextBox 32"/>
+              <p:cNvSpPr txBox="1">
+                <a:spLocks noRot="1" noChangeAspect="1" noMove="1" noResize="1" noEditPoints="1" noAdjustHandles="1" noChangeArrowheads="1" noChangeShapeType="1" noTextEdit="1"/>
+              </p:cNvSpPr>
+              <p:nvPr/>
+            </p:nvSpPr>
+            <p:spPr>
+              <a:xfrm>
+                <a:off x="4539946" y="1816249"/>
+                <a:ext cx="616579" cy="338554"/>
+              </a:xfrm>
+              <a:prstGeom prst="rect">
+                <a:avLst/>
+              </a:prstGeom>
+              <a:blipFill rotWithShape="1">
+                <a:blip r:embed="rId4"/>
+                <a:stretch>
+                  <a:fillRect/>
+                </a:stretch>
+              </a:blipFill>
+            </p:spPr>
+            <p:txBody>
+              <a:bodyPr/>
+              <a:lstStyle/>
+              <a:p>
+                <a:r>
+                  <a:rPr lang="ko-KR" altLang="en-US">
+                    <a:noFill/>
+                  </a:rPr>
+                  <a:t> </a:t>
+                </a:r>
+              </a:p>
+            </p:txBody>
+          </p:sp>
+        </mc:Fallback>
+      </mc:AlternateContent>
+      <mc:AlternateContent xmlns:mc="http://schemas.openxmlformats.org/markup-compatibility/2006">
+        <mc:Choice xmlns:a14="http://schemas.microsoft.com/office/drawing/2010/main" Requires="a14">
+          <p:sp>
+            <p:nvSpPr>
+              <p:cNvPr id="35" name="TextBox 34"/>
+              <p:cNvSpPr txBox="1"/>
+              <p:nvPr/>
+            </p:nvSpPr>
+            <p:spPr>
+              <a:xfrm>
+                <a:off x="2769914" y="2377738"/>
+                <a:ext cx="440955" cy="338554"/>
+              </a:xfrm>
+              <a:prstGeom prst="rect">
+                <a:avLst/>
+              </a:prstGeom>
+              <a:noFill/>
+            </p:spPr>
+            <p:txBody>
+              <a:bodyPr wrap="none" rtlCol="0">
+                <a:spAutoFit/>
+              </a:bodyPr>
+              <a:lstStyle/>
+              <a:p>
+                <a14:m>
+                  <m:oMathPara xmlns:m="http://schemas.openxmlformats.org/officeDocument/2006/math">
+                    <m:oMathParaPr>
+                      <m:jc m:val="centerGroup"/>
+                    </m:oMathParaPr>
+                    <m:oMath xmlns:m="http://schemas.openxmlformats.org/officeDocument/2006/math">
+                      <m:sSub>
+                        <m:sSubPr>
+                          <m:ctrlPr>
+                            <a:rPr lang="en-US" altLang="ko-KR" sz="1600" b="0" i="1" smtClean="0">
+                              <a:solidFill>
+                                <a:schemeClr val="tx1"/>
+                              </a:solidFill>
+                              <a:latin typeface="Cambria Math"/>
+                              <a:ea typeface="나눔고딕" pitchFamily="50" charset="-127"/>
+                            </a:rPr>
+                          </m:ctrlPr>
+                        </m:sSubPr>
+                        <m:e>
+                          <m:r>
+                            <a:rPr lang="en-US" altLang="ko-KR" sz="1600" b="0" i="1" smtClean="0">
+                              <a:solidFill>
+                                <a:schemeClr val="tx1"/>
+                              </a:solidFill>
+                              <a:latin typeface="Cambria Math"/>
+                              <a:ea typeface="나눔고딕" pitchFamily="50" charset="-127"/>
+                            </a:rPr>
+                            <m:t>𝜃</m:t>
+                          </m:r>
+                        </m:e>
+                        <m:sub>
+                          <m:r>
+                            <a:rPr lang="en-US" altLang="ko-KR" sz="1600" b="0" i="1" smtClean="0">
+                              <a:solidFill>
+                                <a:schemeClr val="tx1"/>
+                              </a:solidFill>
+                              <a:latin typeface="Cambria Math"/>
+                              <a:ea typeface="나눔고딕" pitchFamily="50" charset="-127"/>
+                            </a:rPr>
+                            <m:t>1</m:t>
+                          </m:r>
+                        </m:sub>
+                      </m:sSub>
+                    </m:oMath>
+                  </m:oMathPara>
+                </a14:m>
+                <a:endParaRPr lang="ko-KR" altLang="en-US" sz="1600" dirty="0">
+                  <a:solidFill>
+                    <a:schemeClr val="tx1"/>
+                  </a:solidFill>
+                  <a:latin typeface="나눔고딕" pitchFamily="50" charset="-127"/>
+                  <a:ea typeface="나눔고딕" pitchFamily="50" charset="-127"/>
+                </a:endParaRPr>
+              </a:p>
+            </p:txBody>
+          </p:sp>
+        </mc:Choice>
+        <mc:Fallback>
+          <p:sp>
+            <p:nvSpPr>
+              <p:cNvPr id="35" name="TextBox 34"/>
+              <p:cNvSpPr txBox="1">
+                <a:spLocks noRot="1" noChangeAspect="1" noMove="1" noResize="1" noEditPoints="1" noAdjustHandles="1" noChangeArrowheads="1" noChangeShapeType="1" noTextEdit="1"/>
+              </p:cNvSpPr>
+              <p:nvPr/>
+            </p:nvSpPr>
+            <p:spPr>
+              <a:xfrm>
+                <a:off x="2769914" y="2377738"/>
+                <a:ext cx="440955" cy="338554"/>
+              </a:xfrm>
+              <a:prstGeom prst="rect">
+                <a:avLst/>
+              </a:prstGeom>
+              <a:blipFill rotWithShape="1">
+                <a:blip r:embed="rId5"/>
+                <a:stretch>
+                  <a:fillRect/>
+                </a:stretch>
+              </a:blipFill>
+            </p:spPr>
+            <p:txBody>
+              <a:bodyPr/>
+              <a:lstStyle/>
+              <a:p>
+                <a:r>
+                  <a:rPr lang="ko-KR" altLang="en-US">
+                    <a:noFill/>
+                  </a:rPr>
+                  <a:t> </a:t>
+                </a:r>
+              </a:p>
+            </p:txBody>
+          </p:sp>
+        </mc:Fallback>
+      </mc:AlternateContent>
+      <mc:AlternateContent xmlns:mc="http://schemas.openxmlformats.org/markup-compatibility/2006">
+        <mc:Choice xmlns:a14="http://schemas.microsoft.com/office/drawing/2010/main" Requires="a14">
+          <p:sp>
+            <p:nvSpPr>
+              <p:cNvPr id="36" name="TextBox 35"/>
+              <p:cNvSpPr txBox="1"/>
+              <p:nvPr/>
+            </p:nvSpPr>
+            <p:spPr>
+              <a:xfrm>
+                <a:off x="2365625" y="2151906"/>
+                <a:ext cx="445698" cy="338554"/>
+              </a:xfrm>
+              <a:prstGeom prst="rect">
+                <a:avLst/>
+              </a:prstGeom>
+              <a:noFill/>
+            </p:spPr>
+            <p:txBody>
+              <a:bodyPr wrap="none" rtlCol="0">
+                <a:spAutoFit/>
+              </a:bodyPr>
+              <a:lstStyle/>
+              <a:p>
+                <a14:m>
+                  <m:oMathPara xmlns:m="http://schemas.openxmlformats.org/officeDocument/2006/math">
+                    <m:oMathParaPr>
+                      <m:jc m:val="centerGroup"/>
+                    </m:oMathParaPr>
+                    <m:oMath xmlns:m="http://schemas.openxmlformats.org/officeDocument/2006/math">
+                      <m:sSub>
+                        <m:sSubPr>
+                          <m:ctrlPr>
+                            <a:rPr lang="en-US" altLang="ko-KR" sz="1600" b="0" i="1" smtClean="0">
+                              <a:solidFill>
+                                <a:schemeClr val="tx1"/>
+                              </a:solidFill>
+                              <a:latin typeface="Cambria Math"/>
+                              <a:ea typeface="나눔고딕" pitchFamily="50" charset="-127"/>
+                            </a:rPr>
+                          </m:ctrlPr>
+                        </m:sSubPr>
+                        <m:e>
+                          <m:r>
+                            <a:rPr lang="en-US" altLang="ko-KR" sz="1600" b="0" i="1" smtClean="0">
+                              <a:solidFill>
+                                <a:schemeClr val="tx1"/>
+                              </a:solidFill>
+                              <a:latin typeface="Cambria Math"/>
+                              <a:ea typeface="나눔고딕" pitchFamily="50" charset="-127"/>
+                            </a:rPr>
+                            <m:t>𝜃</m:t>
+                          </m:r>
+                        </m:e>
+                        <m:sub>
+                          <m:r>
+                            <a:rPr lang="en-US" altLang="ko-KR" sz="1600" b="0" i="1" smtClean="0">
+                              <a:solidFill>
+                                <a:schemeClr val="tx1"/>
+                              </a:solidFill>
+                              <a:latin typeface="Cambria Math"/>
+                              <a:ea typeface="나눔고딕" pitchFamily="50" charset="-127"/>
+                            </a:rPr>
+                            <m:t>2</m:t>
+                          </m:r>
+                        </m:sub>
+                      </m:sSub>
+                    </m:oMath>
+                  </m:oMathPara>
+                </a14:m>
+                <a:endParaRPr lang="ko-KR" altLang="en-US" sz="1600" dirty="0">
+                  <a:solidFill>
+                    <a:schemeClr val="tx1"/>
+                  </a:solidFill>
+                  <a:latin typeface="나눔고딕" pitchFamily="50" charset="-127"/>
+                  <a:ea typeface="나눔고딕" pitchFamily="50" charset="-127"/>
+                </a:endParaRPr>
+              </a:p>
+            </p:txBody>
+          </p:sp>
+        </mc:Choice>
+        <mc:Fallback>
+          <p:sp>
+            <p:nvSpPr>
+              <p:cNvPr id="36" name="TextBox 35"/>
+              <p:cNvSpPr txBox="1">
+                <a:spLocks noRot="1" noChangeAspect="1" noMove="1" noResize="1" noEditPoints="1" noAdjustHandles="1" noChangeArrowheads="1" noChangeShapeType="1" noTextEdit="1"/>
+              </p:cNvSpPr>
+              <p:nvPr/>
+            </p:nvSpPr>
+            <p:spPr>
+              <a:xfrm>
+                <a:off x="2365625" y="2151906"/>
+                <a:ext cx="445698" cy="338554"/>
+              </a:xfrm>
+              <a:prstGeom prst="rect">
+                <a:avLst/>
+              </a:prstGeom>
+              <a:blipFill rotWithShape="1">
+                <a:blip r:embed="rId6"/>
+                <a:stretch>
+                  <a:fillRect/>
+                </a:stretch>
+              </a:blipFill>
+            </p:spPr>
+            <p:txBody>
+              <a:bodyPr/>
+              <a:lstStyle/>
+              <a:p>
+                <a:r>
+                  <a:rPr lang="ko-KR" altLang="en-US">
+                    <a:noFill/>
+                  </a:rPr>
+                  <a:t> </a:t>
+                </a:r>
+              </a:p>
+            </p:txBody>
+          </p:sp>
+        </mc:Fallback>
+      </mc:AlternateContent>
+      <mc:AlternateContent xmlns:mc="http://schemas.openxmlformats.org/markup-compatibility/2006">
+        <mc:Choice xmlns:a14="http://schemas.microsoft.com/office/drawing/2010/main" Requires="a14">
+          <p:sp>
+            <p:nvSpPr>
+              <p:cNvPr id="37" name="TextBox 36"/>
+              <p:cNvSpPr txBox="1"/>
+              <p:nvPr/>
+            </p:nvSpPr>
+            <p:spPr>
+              <a:xfrm>
+                <a:off x="6324147" y="2226350"/>
+                <a:ext cx="445698" cy="338554"/>
+              </a:xfrm>
+              <a:prstGeom prst="rect">
+                <a:avLst/>
+              </a:prstGeom>
+              <a:noFill/>
+            </p:spPr>
+            <p:txBody>
+              <a:bodyPr wrap="none" rtlCol="0">
+                <a:spAutoFit/>
+              </a:bodyPr>
+              <a:lstStyle/>
+              <a:p>
+                <a14:m>
+                  <m:oMathPara xmlns:m="http://schemas.openxmlformats.org/officeDocument/2006/math">
+                    <m:oMathParaPr>
+                      <m:jc m:val="centerGroup"/>
+                    </m:oMathParaPr>
+                    <m:oMath xmlns:m="http://schemas.openxmlformats.org/officeDocument/2006/math">
+                      <m:sSub>
+                        <m:sSubPr>
+                          <m:ctrlPr>
+                            <a:rPr lang="en-US" altLang="ko-KR" sz="1600" b="0" i="1" smtClean="0">
+                              <a:solidFill>
+                                <a:srgbClr val="FF0000"/>
+                              </a:solidFill>
+                              <a:latin typeface="Cambria Math"/>
+                              <a:ea typeface="나눔고딕" pitchFamily="50" charset="-127"/>
+                            </a:rPr>
+                          </m:ctrlPr>
+                        </m:sSubPr>
+                        <m:e>
+                          <m:r>
+                            <a:rPr lang="en-US" altLang="ko-KR" sz="1600" b="0" i="1" smtClean="0">
+                              <a:solidFill>
+                                <a:srgbClr val="FF0000"/>
+                              </a:solidFill>
+                              <a:latin typeface="Cambria Math"/>
+                              <a:ea typeface="나눔고딕" pitchFamily="50" charset="-127"/>
+                            </a:rPr>
+                            <m:t>𝜃</m:t>
+                          </m:r>
+                        </m:e>
+                        <m:sub>
+                          <m:r>
+                            <a:rPr lang="en-US" altLang="ko-KR" sz="1600" b="0" i="1" smtClean="0">
+                              <a:solidFill>
+                                <a:srgbClr val="FF0000"/>
+                              </a:solidFill>
+                              <a:latin typeface="Cambria Math"/>
+                              <a:ea typeface="나눔고딕" pitchFamily="50" charset="-127"/>
+                            </a:rPr>
+                            <m:t>3</m:t>
+                          </m:r>
+                        </m:sub>
+                      </m:sSub>
+                    </m:oMath>
+                  </m:oMathPara>
+                </a14:m>
+                <a:endParaRPr lang="ko-KR" altLang="en-US" sz="1600" dirty="0">
+                  <a:solidFill>
+                    <a:srgbClr val="FF0000"/>
+                  </a:solidFill>
+                  <a:latin typeface="나눔고딕" pitchFamily="50" charset="-127"/>
+                  <a:ea typeface="나눔고딕" pitchFamily="50" charset="-127"/>
+                </a:endParaRPr>
+              </a:p>
+            </p:txBody>
+          </p:sp>
+        </mc:Choice>
+        <mc:Fallback>
+          <p:sp>
+            <p:nvSpPr>
+              <p:cNvPr id="37" name="TextBox 36"/>
+              <p:cNvSpPr txBox="1">
+                <a:spLocks noRot="1" noChangeAspect="1" noMove="1" noResize="1" noEditPoints="1" noAdjustHandles="1" noChangeArrowheads="1" noChangeShapeType="1" noTextEdit="1"/>
+              </p:cNvSpPr>
+              <p:nvPr/>
+            </p:nvSpPr>
+            <p:spPr>
+              <a:xfrm>
+                <a:off x="6324147" y="2226350"/>
+                <a:ext cx="445698" cy="338554"/>
+              </a:xfrm>
+              <a:prstGeom prst="rect">
+                <a:avLst/>
+              </a:prstGeom>
+              <a:blipFill rotWithShape="1">
+                <a:blip r:embed="rId7"/>
+                <a:stretch>
+                  <a:fillRect/>
+                </a:stretch>
+              </a:blipFill>
+            </p:spPr>
+            <p:txBody>
+              <a:bodyPr/>
+              <a:lstStyle/>
+              <a:p>
+                <a:r>
+                  <a:rPr lang="ko-KR" altLang="en-US">
+                    <a:noFill/>
+                  </a:rPr>
+                  <a:t> </a:t>
+                </a:r>
+              </a:p>
+            </p:txBody>
+          </p:sp>
+        </mc:Fallback>
+      </mc:AlternateContent>
+    </p:spTree>
+    <p:extLst>
+      <p:ext uri="{BB962C8B-B14F-4D97-AF65-F5344CB8AC3E}">
+        <p14:creationId xmlns:p14="http://schemas.microsoft.com/office/powerpoint/2010/main" val="2216831790"/>
       </p:ext>
     </p:extLst>
   </p:cSld>

--- a/pics/2022-01-05-complex_number_basic/pics.pptx
+++ b/pics/2022-01-05-complex_number_basic/pics.pptx
@@ -6,14 +6,21 @@
   </p:sldMasterIdLst>
   <p:sldIdLst>
     <p:sldId id="256" r:id="rId2"/>
-    <p:sldId id="257" r:id="rId3"/>
-    <p:sldId id="258" r:id="rId4"/>
-    <p:sldId id="259" r:id="rId5"/>
-    <p:sldId id="260" r:id="rId6"/>
-    <p:sldId id="261" r:id="rId7"/>
-    <p:sldId id="262" r:id="rId8"/>
-    <p:sldId id="263" r:id="rId9"/>
-    <p:sldId id="264" r:id="rId10"/>
+    <p:sldId id="265" r:id="rId3"/>
+    <p:sldId id="257" r:id="rId4"/>
+    <p:sldId id="266" r:id="rId5"/>
+    <p:sldId id="258" r:id="rId6"/>
+    <p:sldId id="259" r:id="rId7"/>
+    <p:sldId id="267" r:id="rId8"/>
+    <p:sldId id="260" r:id="rId9"/>
+    <p:sldId id="261" r:id="rId10"/>
+    <p:sldId id="268" r:id="rId11"/>
+    <p:sldId id="262" r:id="rId12"/>
+    <p:sldId id="269" r:id="rId13"/>
+    <p:sldId id="263" r:id="rId14"/>
+    <p:sldId id="270" r:id="rId15"/>
+    <p:sldId id="264" r:id="rId16"/>
+    <p:sldId id="271" r:id="rId17"/>
   </p:sldIdLst>
   <p:sldSz cx="9144000" cy="6858000" type="screen4x3"/>
   <p:notesSz cx="6858000" cy="9144000"/>
@@ -112,6 +119,22 @@
       </a:defRPr>
     </a:lvl9pPr>
   </p:defaultTextStyle>
+  <p:extLst>
+    <p:ext uri="{EFAFB233-063F-42B5-8137-9DF3F51BA10A}">
+      <p15:sldGuideLst xmlns:p15="http://schemas.microsoft.com/office/powerpoint/2012/main">
+        <p15:guide id="1" orient="horz" pos="2160">
+          <p15:clr>
+            <a:srgbClr val="A4A3A4"/>
+          </p15:clr>
+        </p15:guide>
+        <p15:guide id="2" pos="2880">
+          <p15:clr>
+            <a:srgbClr val="A4A3A4"/>
+          </p15:clr>
+        </p15:guide>
+      </p15:sldGuideLst>
+    </p:ext>
+  </p:extLst>
 </p:presentation>
 </file>
 
@@ -153,10 +176,9 @@
           <a:lstStyle/>
           <a:p>
             <a:r>
-              <a:rPr lang="ko-KR" altLang="en-US" smtClean="0"/>
+              <a:rPr lang="ko-KR" altLang="en-US"/>
               <a:t>마스터 제목 스타일 편집</a:t>
             </a:r>
-            <a:endParaRPr lang="ko-KR" altLang="en-US"/>
           </a:p>
         </p:txBody>
       </p:sp>
@@ -272,10 +294,9 @@
           </a:lstStyle>
           <a:p>
             <a:r>
-              <a:rPr lang="ko-KR" altLang="en-US" smtClean="0"/>
+              <a:rPr lang="ko-KR" altLang="en-US"/>
               <a:t>마스터 부제목 스타일 편집</a:t>
             </a:r>
-            <a:endParaRPr lang="ko-KR" altLang="en-US"/>
           </a:p>
         </p:txBody>
       </p:sp>
@@ -296,7 +317,7 @@
           <a:p>
             <a:fld id="{FB30EDBD-1C2D-4C1E-B459-B60219FAB484}" type="datetimeFigureOut">
               <a:rPr lang="ko-KR" altLang="en-US" smtClean="0"/>
-              <a:t>2022-01-07</a:t>
+              <a:t>2023-05-14</a:t>
             </a:fld>
             <a:endParaRPr lang="ko-KR" altLang="en-US"/>
           </a:p>
@@ -385,10 +406,9 @@
           <a:lstStyle/>
           <a:p>
             <a:r>
-              <a:rPr lang="ko-KR" altLang="en-US" smtClean="0"/>
+              <a:rPr lang="ko-KR" altLang="en-US"/>
               <a:t>마스터 제목 스타일 편집</a:t>
             </a:r>
-            <a:endParaRPr lang="ko-KR" altLang="en-US"/>
           </a:p>
         </p:txBody>
       </p:sp>
@@ -409,38 +429,37 @@
           <a:p>
             <a:pPr lvl="0"/>
             <a:r>
-              <a:rPr lang="ko-KR" altLang="en-US" smtClean="0"/>
+              <a:rPr lang="ko-KR" altLang="en-US"/>
               <a:t>마스터 텍스트 스타일을 편집합니다</a:t>
             </a:r>
           </a:p>
           <a:p>
             <a:pPr lvl="1"/>
             <a:r>
-              <a:rPr lang="ko-KR" altLang="en-US" smtClean="0"/>
+              <a:rPr lang="ko-KR" altLang="en-US"/>
               <a:t>둘째 수준</a:t>
             </a:r>
           </a:p>
           <a:p>
             <a:pPr lvl="2"/>
             <a:r>
-              <a:rPr lang="ko-KR" altLang="en-US" smtClean="0"/>
+              <a:rPr lang="ko-KR" altLang="en-US"/>
               <a:t>셋째 수준</a:t>
             </a:r>
           </a:p>
           <a:p>
             <a:pPr lvl="3"/>
             <a:r>
-              <a:rPr lang="ko-KR" altLang="en-US" smtClean="0"/>
+              <a:rPr lang="ko-KR" altLang="en-US"/>
               <a:t>넷째 수준</a:t>
             </a:r>
           </a:p>
           <a:p>
             <a:pPr lvl="4"/>
             <a:r>
-              <a:rPr lang="ko-KR" altLang="en-US" smtClean="0"/>
+              <a:rPr lang="ko-KR" altLang="en-US"/>
               <a:t>다섯째 수준</a:t>
             </a:r>
-            <a:endParaRPr lang="ko-KR" altLang="en-US"/>
           </a:p>
         </p:txBody>
       </p:sp>
@@ -461,7 +480,7 @@
           <a:p>
             <a:fld id="{FB30EDBD-1C2D-4C1E-B459-B60219FAB484}" type="datetimeFigureOut">
               <a:rPr lang="ko-KR" altLang="en-US" smtClean="0"/>
-              <a:t>2022-01-07</a:t>
+              <a:t>2023-05-14</a:t>
             </a:fld>
             <a:endParaRPr lang="ko-KR" altLang="en-US"/>
           </a:p>
@@ -555,10 +574,9 @@
           <a:lstStyle/>
           <a:p>
             <a:r>
-              <a:rPr lang="ko-KR" altLang="en-US" smtClean="0"/>
+              <a:rPr lang="ko-KR" altLang="en-US"/>
               <a:t>마스터 제목 스타일 편집</a:t>
             </a:r>
-            <a:endParaRPr lang="ko-KR" altLang="en-US"/>
           </a:p>
         </p:txBody>
       </p:sp>
@@ -584,38 +602,37 @@
           <a:p>
             <a:pPr lvl="0"/>
             <a:r>
-              <a:rPr lang="ko-KR" altLang="en-US" smtClean="0"/>
+              <a:rPr lang="ko-KR" altLang="en-US"/>
               <a:t>마스터 텍스트 스타일을 편집합니다</a:t>
             </a:r>
           </a:p>
           <a:p>
             <a:pPr lvl="1"/>
             <a:r>
-              <a:rPr lang="ko-KR" altLang="en-US" smtClean="0"/>
+              <a:rPr lang="ko-KR" altLang="en-US"/>
               <a:t>둘째 수준</a:t>
             </a:r>
           </a:p>
           <a:p>
             <a:pPr lvl="2"/>
             <a:r>
-              <a:rPr lang="ko-KR" altLang="en-US" smtClean="0"/>
+              <a:rPr lang="ko-KR" altLang="en-US"/>
               <a:t>셋째 수준</a:t>
             </a:r>
           </a:p>
           <a:p>
             <a:pPr lvl="3"/>
             <a:r>
-              <a:rPr lang="ko-KR" altLang="en-US" smtClean="0"/>
+              <a:rPr lang="ko-KR" altLang="en-US"/>
               <a:t>넷째 수준</a:t>
             </a:r>
           </a:p>
           <a:p>
             <a:pPr lvl="4"/>
             <a:r>
-              <a:rPr lang="ko-KR" altLang="en-US" smtClean="0"/>
+              <a:rPr lang="ko-KR" altLang="en-US"/>
               <a:t>다섯째 수준</a:t>
             </a:r>
-            <a:endParaRPr lang="ko-KR" altLang="en-US"/>
           </a:p>
         </p:txBody>
       </p:sp>
@@ -636,7 +653,7 @@
           <a:p>
             <a:fld id="{FB30EDBD-1C2D-4C1E-B459-B60219FAB484}" type="datetimeFigureOut">
               <a:rPr lang="ko-KR" altLang="en-US" smtClean="0"/>
-              <a:t>2022-01-07</a:t>
+              <a:t>2023-05-14</a:t>
             </a:fld>
             <a:endParaRPr lang="ko-KR" altLang="en-US"/>
           </a:p>
@@ -725,10 +742,9 @@
           <a:lstStyle/>
           <a:p>
             <a:r>
-              <a:rPr lang="ko-KR" altLang="en-US" smtClean="0"/>
+              <a:rPr lang="ko-KR" altLang="en-US"/>
               <a:t>마스터 제목 스타일 편집</a:t>
             </a:r>
-            <a:endParaRPr lang="ko-KR" altLang="en-US"/>
           </a:p>
         </p:txBody>
       </p:sp>
@@ -749,38 +765,37 @@
           <a:p>
             <a:pPr lvl="0"/>
             <a:r>
-              <a:rPr lang="ko-KR" altLang="en-US" smtClean="0"/>
+              <a:rPr lang="ko-KR" altLang="en-US"/>
               <a:t>마스터 텍스트 스타일을 편집합니다</a:t>
             </a:r>
           </a:p>
           <a:p>
             <a:pPr lvl="1"/>
             <a:r>
-              <a:rPr lang="ko-KR" altLang="en-US" smtClean="0"/>
+              <a:rPr lang="ko-KR" altLang="en-US"/>
               <a:t>둘째 수준</a:t>
             </a:r>
           </a:p>
           <a:p>
             <a:pPr lvl="2"/>
             <a:r>
-              <a:rPr lang="ko-KR" altLang="en-US" smtClean="0"/>
+              <a:rPr lang="ko-KR" altLang="en-US"/>
               <a:t>셋째 수준</a:t>
             </a:r>
           </a:p>
           <a:p>
             <a:pPr lvl="3"/>
             <a:r>
-              <a:rPr lang="ko-KR" altLang="en-US" smtClean="0"/>
+              <a:rPr lang="ko-KR" altLang="en-US"/>
               <a:t>넷째 수준</a:t>
             </a:r>
           </a:p>
           <a:p>
             <a:pPr lvl="4"/>
             <a:r>
-              <a:rPr lang="ko-KR" altLang="en-US" smtClean="0"/>
+              <a:rPr lang="ko-KR" altLang="en-US"/>
               <a:t>다섯째 수준</a:t>
             </a:r>
-            <a:endParaRPr lang="ko-KR" altLang="en-US"/>
           </a:p>
         </p:txBody>
       </p:sp>
@@ -801,7 +816,7 @@
           <a:p>
             <a:fld id="{FB30EDBD-1C2D-4C1E-B459-B60219FAB484}" type="datetimeFigureOut">
               <a:rPr lang="ko-KR" altLang="en-US" smtClean="0"/>
-              <a:t>2022-01-07</a:t>
+              <a:t>2023-05-14</a:t>
             </a:fld>
             <a:endParaRPr lang="ko-KR" altLang="en-US"/>
           </a:p>
@@ -899,10 +914,9 @@
           </a:lstStyle>
           <a:p>
             <a:r>
-              <a:rPr lang="ko-KR" altLang="en-US" smtClean="0"/>
+              <a:rPr lang="ko-KR" altLang="en-US"/>
               <a:t>마스터 제목 스타일 편집</a:t>
             </a:r>
-            <a:endParaRPr lang="ko-KR" altLang="en-US"/>
           </a:p>
         </p:txBody>
       </p:sp>
@@ -1019,7 +1033,7 @@
           <a:p>
             <a:pPr lvl="0"/>
             <a:r>
-              <a:rPr lang="ko-KR" altLang="en-US" smtClean="0"/>
+              <a:rPr lang="ko-KR" altLang="en-US"/>
               <a:t>마스터 텍스트 스타일을 편집합니다</a:t>
             </a:r>
           </a:p>
@@ -1042,7 +1056,7 @@
           <a:p>
             <a:fld id="{FB30EDBD-1C2D-4C1E-B459-B60219FAB484}" type="datetimeFigureOut">
               <a:rPr lang="ko-KR" altLang="en-US" smtClean="0"/>
-              <a:t>2022-01-07</a:t>
+              <a:t>2023-05-14</a:t>
             </a:fld>
             <a:endParaRPr lang="ko-KR" altLang="en-US"/>
           </a:p>
@@ -1131,10 +1145,9 @@
           <a:lstStyle/>
           <a:p>
             <a:r>
-              <a:rPr lang="ko-KR" altLang="en-US" smtClean="0"/>
+              <a:rPr lang="ko-KR" altLang="en-US"/>
               <a:t>마스터 제목 스타일 편집</a:t>
             </a:r>
-            <a:endParaRPr lang="ko-KR" altLang="en-US"/>
           </a:p>
         </p:txBody>
       </p:sp>
@@ -1188,38 +1201,37 @@
           <a:p>
             <a:pPr lvl="0"/>
             <a:r>
-              <a:rPr lang="ko-KR" altLang="en-US" smtClean="0"/>
+              <a:rPr lang="ko-KR" altLang="en-US"/>
               <a:t>마스터 텍스트 스타일을 편집합니다</a:t>
             </a:r>
           </a:p>
           <a:p>
             <a:pPr lvl="1"/>
             <a:r>
-              <a:rPr lang="ko-KR" altLang="en-US" smtClean="0"/>
+              <a:rPr lang="ko-KR" altLang="en-US"/>
               <a:t>둘째 수준</a:t>
             </a:r>
           </a:p>
           <a:p>
             <a:pPr lvl="2"/>
             <a:r>
-              <a:rPr lang="ko-KR" altLang="en-US" smtClean="0"/>
+              <a:rPr lang="ko-KR" altLang="en-US"/>
               <a:t>셋째 수준</a:t>
             </a:r>
           </a:p>
           <a:p>
             <a:pPr lvl="3"/>
             <a:r>
-              <a:rPr lang="ko-KR" altLang="en-US" smtClean="0"/>
+              <a:rPr lang="ko-KR" altLang="en-US"/>
               <a:t>넷째 수준</a:t>
             </a:r>
           </a:p>
           <a:p>
             <a:pPr lvl="4"/>
             <a:r>
-              <a:rPr lang="ko-KR" altLang="en-US" smtClean="0"/>
+              <a:rPr lang="ko-KR" altLang="en-US"/>
               <a:t>다섯째 수준</a:t>
             </a:r>
-            <a:endParaRPr lang="ko-KR" altLang="en-US"/>
           </a:p>
         </p:txBody>
       </p:sp>
@@ -1273,38 +1285,37 @@
           <a:p>
             <a:pPr lvl="0"/>
             <a:r>
-              <a:rPr lang="ko-KR" altLang="en-US" smtClean="0"/>
+              <a:rPr lang="ko-KR" altLang="en-US"/>
               <a:t>마스터 텍스트 스타일을 편집합니다</a:t>
             </a:r>
           </a:p>
           <a:p>
             <a:pPr lvl="1"/>
             <a:r>
-              <a:rPr lang="ko-KR" altLang="en-US" smtClean="0"/>
+              <a:rPr lang="ko-KR" altLang="en-US"/>
               <a:t>둘째 수준</a:t>
             </a:r>
           </a:p>
           <a:p>
             <a:pPr lvl="2"/>
             <a:r>
-              <a:rPr lang="ko-KR" altLang="en-US" smtClean="0"/>
+              <a:rPr lang="ko-KR" altLang="en-US"/>
               <a:t>셋째 수준</a:t>
             </a:r>
           </a:p>
           <a:p>
             <a:pPr lvl="3"/>
             <a:r>
-              <a:rPr lang="ko-KR" altLang="en-US" smtClean="0"/>
+              <a:rPr lang="ko-KR" altLang="en-US"/>
               <a:t>넷째 수준</a:t>
             </a:r>
           </a:p>
           <a:p>
             <a:pPr lvl="4"/>
             <a:r>
-              <a:rPr lang="ko-KR" altLang="en-US" smtClean="0"/>
+              <a:rPr lang="ko-KR" altLang="en-US"/>
               <a:t>다섯째 수준</a:t>
             </a:r>
-            <a:endParaRPr lang="ko-KR" altLang="en-US"/>
           </a:p>
         </p:txBody>
       </p:sp>
@@ -1325,7 +1336,7 @@
           <a:p>
             <a:fld id="{FB30EDBD-1C2D-4C1E-B459-B60219FAB484}" type="datetimeFigureOut">
               <a:rPr lang="ko-KR" altLang="en-US" smtClean="0"/>
-              <a:t>2022-01-07</a:t>
+              <a:t>2023-05-14</a:t>
             </a:fld>
             <a:endParaRPr lang="ko-KR" altLang="en-US"/>
           </a:p>
@@ -1418,10 +1429,9 @@
           </a:lstStyle>
           <a:p>
             <a:r>
-              <a:rPr lang="ko-KR" altLang="en-US" smtClean="0"/>
+              <a:rPr lang="ko-KR" altLang="en-US"/>
               <a:t>마스터 제목 스타일 편집</a:t>
             </a:r>
-            <a:endParaRPr lang="ko-KR" altLang="en-US"/>
           </a:p>
         </p:txBody>
       </p:sp>
@@ -1484,7 +1494,7 @@
           <a:p>
             <a:pPr lvl="0"/>
             <a:r>
-              <a:rPr lang="ko-KR" altLang="en-US" smtClean="0"/>
+              <a:rPr lang="ko-KR" altLang="en-US"/>
               <a:t>마스터 텍스트 스타일을 편집합니다</a:t>
             </a:r>
           </a:p>
@@ -1540,38 +1550,37 @@
           <a:p>
             <a:pPr lvl="0"/>
             <a:r>
-              <a:rPr lang="ko-KR" altLang="en-US" smtClean="0"/>
+              <a:rPr lang="ko-KR" altLang="en-US"/>
               <a:t>마스터 텍스트 스타일을 편집합니다</a:t>
             </a:r>
           </a:p>
           <a:p>
             <a:pPr lvl="1"/>
             <a:r>
-              <a:rPr lang="ko-KR" altLang="en-US" smtClean="0"/>
+              <a:rPr lang="ko-KR" altLang="en-US"/>
               <a:t>둘째 수준</a:t>
             </a:r>
           </a:p>
           <a:p>
             <a:pPr lvl="2"/>
             <a:r>
-              <a:rPr lang="ko-KR" altLang="en-US" smtClean="0"/>
+              <a:rPr lang="ko-KR" altLang="en-US"/>
               <a:t>셋째 수준</a:t>
             </a:r>
           </a:p>
           <a:p>
             <a:pPr lvl="3"/>
             <a:r>
-              <a:rPr lang="ko-KR" altLang="en-US" smtClean="0"/>
+              <a:rPr lang="ko-KR" altLang="en-US"/>
               <a:t>넷째 수준</a:t>
             </a:r>
           </a:p>
           <a:p>
             <a:pPr lvl="4"/>
             <a:r>
-              <a:rPr lang="ko-KR" altLang="en-US" smtClean="0"/>
+              <a:rPr lang="ko-KR" altLang="en-US"/>
               <a:t>다섯째 수준</a:t>
             </a:r>
-            <a:endParaRPr lang="ko-KR" altLang="en-US"/>
           </a:p>
         </p:txBody>
       </p:sp>
@@ -1634,7 +1643,7 @@
           <a:p>
             <a:pPr lvl="0"/>
             <a:r>
-              <a:rPr lang="ko-KR" altLang="en-US" smtClean="0"/>
+              <a:rPr lang="ko-KR" altLang="en-US"/>
               <a:t>마스터 텍스트 스타일을 편집합니다</a:t>
             </a:r>
           </a:p>
@@ -1690,38 +1699,37 @@
           <a:p>
             <a:pPr lvl="0"/>
             <a:r>
-              <a:rPr lang="ko-KR" altLang="en-US" smtClean="0"/>
+              <a:rPr lang="ko-KR" altLang="en-US"/>
               <a:t>마스터 텍스트 스타일을 편집합니다</a:t>
             </a:r>
           </a:p>
           <a:p>
             <a:pPr lvl="1"/>
             <a:r>
-              <a:rPr lang="ko-KR" altLang="en-US" smtClean="0"/>
+              <a:rPr lang="ko-KR" altLang="en-US"/>
               <a:t>둘째 수준</a:t>
             </a:r>
           </a:p>
           <a:p>
             <a:pPr lvl="2"/>
             <a:r>
-              <a:rPr lang="ko-KR" altLang="en-US" smtClean="0"/>
+              <a:rPr lang="ko-KR" altLang="en-US"/>
               <a:t>셋째 수준</a:t>
             </a:r>
           </a:p>
           <a:p>
             <a:pPr lvl="3"/>
             <a:r>
-              <a:rPr lang="ko-KR" altLang="en-US" smtClean="0"/>
+              <a:rPr lang="ko-KR" altLang="en-US"/>
               <a:t>넷째 수준</a:t>
             </a:r>
           </a:p>
           <a:p>
             <a:pPr lvl="4"/>
             <a:r>
-              <a:rPr lang="ko-KR" altLang="en-US" smtClean="0"/>
+              <a:rPr lang="ko-KR" altLang="en-US"/>
               <a:t>다섯째 수준</a:t>
             </a:r>
-            <a:endParaRPr lang="ko-KR" altLang="en-US"/>
           </a:p>
         </p:txBody>
       </p:sp>
@@ -1742,7 +1750,7 @@
           <a:p>
             <a:fld id="{FB30EDBD-1C2D-4C1E-B459-B60219FAB484}" type="datetimeFigureOut">
               <a:rPr lang="ko-KR" altLang="en-US" smtClean="0"/>
-              <a:t>2022-01-07</a:t>
+              <a:t>2023-05-14</a:t>
             </a:fld>
             <a:endParaRPr lang="ko-KR" altLang="en-US"/>
           </a:p>
@@ -1831,10 +1839,9 @@
           <a:lstStyle/>
           <a:p>
             <a:r>
-              <a:rPr lang="ko-KR" altLang="en-US" smtClean="0"/>
+              <a:rPr lang="ko-KR" altLang="en-US"/>
               <a:t>마스터 제목 스타일 편집</a:t>
             </a:r>
-            <a:endParaRPr lang="ko-KR" altLang="en-US"/>
           </a:p>
         </p:txBody>
       </p:sp>
@@ -1855,7 +1862,7 @@
           <a:p>
             <a:fld id="{FB30EDBD-1C2D-4C1E-B459-B60219FAB484}" type="datetimeFigureOut">
               <a:rPr lang="ko-KR" altLang="en-US" smtClean="0"/>
-              <a:t>2022-01-07</a:t>
+              <a:t>2023-05-14</a:t>
             </a:fld>
             <a:endParaRPr lang="ko-KR" altLang="en-US"/>
           </a:p>
@@ -1945,7 +1952,7 @@
           <a:p>
             <a:fld id="{FB30EDBD-1C2D-4C1E-B459-B60219FAB484}" type="datetimeFigureOut">
               <a:rPr lang="ko-KR" altLang="en-US" smtClean="0"/>
-              <a:t>2022-01-07</a:t>
+              <a:t>2023-05-14</a:t>
             </a:fld>
             <a:endParaRPr lang="ko-KR" altLang="en-US"/>
           </a:p>
@@ -2043,10 +2050,9 @@
           </a:lstStyle>
           <a:p>
             <a:r>
-              <a:rPr lang="ko-KR" altLang="en-US" smtClean="0"/>
+              <a:rPr lang="ko-KR" altLang="en-US"/>
               <a:t>마스터 제목 스타일 편집</a:t>
             </a:r>
-            <a:endParaRPr lang="ko-KR" altLang="en-US"/>
           </a:p>
         </p:txBody>
       </p:sp>
@@ -2100,38 +2106,37 @@
           <a:p>
             <a:pPr lvl="0"/>
             <a:r>
-              <a:rPr lang="ko-KR" altLang="en-US" smtClean="0"/>
+              <a:rPr lang="ko-KR" altLang="en-US"/>
               <a:t>마스터 텍스트 스타일을 편집합니다</a:t>
             </a:r>
           </a:p>
           <a:p>
             <a:pPr lvl="1"/>
             <a:r>
-              <a:rPr lang="ko-KR" altLang="en-US" smtClean="0"/>
+              <a:rPr lang="ko-KR" altLang="en-US"/>
               <a:t>둘째 수준</a:t>
             </a:r>
           </a:p>
           <a:p>
             <a:pPr lvl="2"/>
             <a:r>
-              <a:rPr lang="ko-KR" altLang="en-US" smtClean="0"/>
+              <a:rPr lang="ko-KR" altLang="en-US"/>
               <a:t>셋째 수준</a:t>
             </a:r>
           </a:p>
           <a:p>
             <a:pPr lvl="3"/>
             <a:r>
-              <a:rPr lang="ko-KR" altLang="en-US" smtClean="0"/>
+              <a:rPr lang="ko-KR" altLang="en-US"/>
               <a:t>넷째 수준</a:t>
             </a:r>
           </a:p>
           <a:p>
             <a:pPr lvl="4"/>
             <a:r>
-              <a:rPr lang="ko-KR" altLang="en-US" smtClean="0"/>
+              <a:rPr lang="ko-KR" altLang="en-US"/>
               <a:t>다섯째 수준</a:t>
             </a:r>
-            <a:endParaRPr lang="ko-KR" altLang="en-US"/>
           </a:p>
         </p:txBody>
       </p:sp>
@@ -2194,7 +2199,7 @@
           <a:p>
             <a:pPr lvl="0"/>
             <a:r>
-              <a:rPr lang="ko-KR" altLang="en-US" smtClean="0"/>
+              <a:rPr lang="ko-KR" altLang="en-US"/>
               <a:t>마스터 텍스트 스타일을 편집합니다</a:t>
             </a:r>
           </a:p>
@@ -2217,7 +2222,7 @@
           <a:p>
             <a:fld id="{FB30EDBD-1C2D-4C1E-B459-B60219FAB484}" type="datetimeFigureOut">
               <a:rPr lang="ko-KR" altLang="en-US" smtClean="0"/>
-              <a:t>2022-01-07</a:t>
+              <a:t>2023-05-14</a:t>
             </a:fld>
             <a:endParaRPr lang="ko-KR" altLang="en-US"/>
           </a:p>
@@ -2315,10 +2320,9 @@
           </a:lstStyle>
           <a:p>
             <a:r>
-              <a:rPr lang="ko-KR" altLang="en-US" smtClean="0"/>
+              <a:rPr lang="ko-KR" altLang="en-US"/>
               <a:t>마스터 제목 스타일 편집</a:t>
             </a:r>
-            <a:endParaRPr lang="ko-KR" altLang="en-US"/>
           </a:p>
         </p:txBody>
       </p:sp>
@@ -2442,7 +2446,7 @@
           <a:p>
             <a:pPr lvl="0"/>
             <a:r>
-              <a:rPr lang="ko-KR" altLang="en-US" smtClean="0"/>
+              <a:rPr lang="ko-KR" altLang="en-US"/>
               <a:t>마스터 텍스트 스타일을 편집합니다</a:t>
             </a:r>
           </a:p>
@@ -2465,7 +2469,7 @@
           <a:p>
             <a:fld id="{FB30EDBD-1C2D-4C1E-B459-B60219FAB484}" type="datetimeFigureOut">
               <a:rPr lang="ko-KR" altLang="en-US" smtClean="0"/>
-              <a:t>2022-01-07</a:t>
+              <a:t>2023-05-14</a:t>
             </a:fld>
             <a:endParaRPr lang="ko-KR" altLang="en-US"/>
           </a:p>
@@ -2569,10 +2573,9 @@
           <a:lstStyle/>
           <a:p>
             <a:r>
-              <a:rPr lang="ko-KR" altLang="en-US" smtClean="0"/>
+              <a:rPr lang="ko-KR" altLang="en-US"/>
               <a:t>마스터 제목 스타일 편집</a:t>
             </a:r>
-            <a:endParaRPr lang="ko-KR" altLang="en-US"/>
           </a:p>
         </p:txBody>
       </p:sp>
@@ -2603,38 +2606,37 @@
           <a:p>
             <a:pPr lvl="0"/>
             <a:r>
-              <a:rPr lang="ko-KR" altLang="en-US" smtClean="0"/>
+              <a:rPr lang="ko-KR" altLang="en-US"/>
               <a:t>마스터 텍스트 스타일을 편집합니다</a:t>
             </a:r>
           </a:p>
           <a:p>
             <a:pPr lvl="1"/>
             <a:r>
-              <a:rPr lang="ko-KR" altLang="en-US" smtClean="0"/>
+              <a:rPr lang="ko-KR" altLang="en-US"/>
               <a:t>둘째 수준</a:t>
             </a:r>
           </a:p>
           <a:p>
             <a:pPr lvl="2"/>
             <a:r>
-              <a:rPr lang="ko-KR" altLang="en-US" smtClean="0"/>
+              <a:rPr lang="ko-KR" altLang="en-US"/>
               <a:t>셋째 수준</a:t>
             </a:r>
           </a:p>
           <a:p>
             <a:pPr lvl="3"/>
             <a:r>
-              <a:rPr lang="ko-KR" altLang="en-US" smtClean="0"/>
+              <a:rPr lang="ko-KR" altLang="en-US"/>
               <a:t>넷째 수준</a:t>
             </a:r>
           </a:p>
           <a:p>
             <a:pPr lvl="4"/>
             <a:r>
-              <a:rPr lang="ko-KR" altLang="en-US" smtClean="0"/>
+              <a:rPr lang="ko-KR" altLang="en-US"/>
               <a:t>다섯째 수준</a:t>
             </a:r>
-            <a:endParaRPr lang="ko-KR" altLang="en-US"/>
           </a:p>
         </p:txBody>
       </p:sp>
@@ -2673,7 +2675,7 @@
           <a:p>
             <a:fld id="{FB30EDBD-1C2D-4C1E-B459-B60219FAB484}" type="datetimeFigureOut">
               <a:rPr lang="ko-KR" altLang="en-US" smtClean="0"/>
-              <a:t>2022-01-07</a:t>
+              <a:t>2023-05-14</a:t>
             </a:fld>
             <a:endParaRPr lang="ko-KR" altLang="en-US"/>
           </a:p>
@@ -3120,434 +3122,7 @@
 </p:sld>
 </file>
 
-<file path=ppt/slides/slide2.xml><?xml version="1.0" encoding="utf-8"?>
-<p:sld xmlns:a="http://schemas.openxmlformats.org/drawingml/2006/main" xmlns:r="http://schemas.openxmlformats.org/officeDocument/2006/relationships" xmlns:p="http://schemas.openxmlformats.org/presentationml/2006/main">
-  <p:cSld>
-    <p:spTree>
-      <p:nvGrpSpPr>
-        <p:cNvPr id="1" name=""/>
-        <p:cNvGrpSpPr/>
-        <p:nvPr/>
-      </p:nvGrpSpPr>
-      <p:grpSpPr>
-        <a:xfrm>
-          <a:off x="0" y="0"/>
-          <a:ext cx="0" cy="0"/>
-          <a:chOff x="0" y="0"/>
-          <a:chExt cx="0" cy="0"/>
-        </a:xfrm>
-      </p:grpSpPr>
-      <p:pic>
-        <p:nvPicPr>
-          <p:cNvPr id="1026" name="Picture 2"/>
-          <p:cNvPicPr>
-            <a:picLocks noChangeAspect="1" noChangeArrowheads="1"/>
-          </p:cNvPicPr>
-          <p:nvPr/>
-        </p:nvPicPr>
-        <p:blipFill>
-          <a:blip r:embed="rId2">
-            <a:extLst>
-              <a:ext uri="{28A0092B-C50C-407E-A947-70E740481C1C}">
-                <a14:useLocalDpi xmlns:a14="http://schemas.microsoft.com/office/drawing/2010/main" val="0"/>
-              </a:ext>
-            </a:extLst>
-          </a:blip>
-          <a:srcRect/>
-          <a:stretch>
-            <a:fillRect/>
-          </a:stretch>
-        </p:blipFill>
-        <p:spPr bwMode="auto">
-          <a:xfrm>
-            <a:off x="-185738" y="338138"/>
-            <a:ext cx="9515476" cy="6181725"/>
-          </a:xfrm>
-          <a:prstGeom prst="rect">
-            <a:avLst/>
-          </a:prstGeom>
-          <a:noFill/>
-          <a:ln>
-            <a:noFill/>
-          </a:ln>
-          <a:effectLst/>
-          <a:extLst>
-            <a:ext uri="{909E8E84-426E-40DD-AFC4-6F175D3DCCD1}">
-              <a14:hiddenFill xmlns:a14="http://schemas.microsoft.com/office/drawing/2010/main">
-                <a:solidFill>
-                  <a:schemeClr val="accent1"/>
-                </a:solidFill>
-              </a14:hiddenFill>
-            </a:ext>
-            <a:ext uri="{91240B29-F687-4F45-9708-019B960494DF}">
-              <a14:hiddenLine xmlns:a14="http://schemas.microsoft.com/office/drawing/2010/main" w="9525">
-                <a:solidFill>
-                  <a:schemeClr val="tx1"/>
-                </a:solidFill>
-                <a:miter lim="800000"/>
-                <a:headEnd/>
-                <a:tailEnd/>
-              </a14:hiddenLine>
-            </a:ext>
-            <a:ext uri="{AF507438-7753-43E0-B8FC-AC1667EBCBE1}">
-              <a14:hiddenEffects xmlns:a14="http://schemas.microsoft.com/office/drawing/2010/main">
-                <a:effectLst>
-                  <a:outerShdw dist="35921" dir="2700000" algn="ctr" rotWithShape="0">
-                    <a:schemeClr val="bg2"/>
-                  </a:outerShdw>
-                </a:effectLst>
-              </a14:hiddenEffects>
-            </a:ext>
-          </a:extLst>
-        </p:spPr>
-      </p:pic>
-    </p:spTree>
-    <p:extLst>
-      <p:ext uri="{BB962C8B-B14F-4D97-AF65-F5344CB8AC3E}">
-        <p14:creationId xmlns:p14="http://schemas.microsoft.com/office/powerpoint/2010/main" val="2878860092"/>
-      </p:ext>
-    </p:extLst>
-  </p:cSld>
-  <p:clrMapOvr>
-    <a:masterClrMapping/>
-  </p:clrMapOvr>
-</p:sld>
-</file>
-
-<file path=ppt/slides/slide3.xml><?xml version="1.0" encoding="utf-8"?>
-<p:sld xmlns:a="http://schemas.openxmlformats.org/drawingml/2006/main" xmlns:r="http://schemas.openxmlformats.org/officeDocument/2006/relationships" xmlns:p="http://schemas.openxmlformats.org/presentationml/2006/main">
-  <p:cSld>
-    <p:spTree>
-      <p:nvGrpSpPr>
-        <p:cNvPr id="1" name=""/>
-        <p:cNvGrpSpPr/>
-        <p:nvPr/>
-      </p:nvGrpSpPr>
-      <p:grpSpPr>
-        <a:xfrm>
-          <a:off x="0" y="0"/>
-          <a:ext cx="0" cy="0"/>
-          <a:chOff x="0" y="0"/>
-          <a:chExt cx="0" cy="0"/>
-        </a:xfrm>
-      </p:grpSpPr>
-      <p:pic>
-        <p:nvPicPr>
-          <p:cNvPr id="1026" name="Picture 2"/>
-          <p:cNvPicPr>
-            <a:picLocks noChangeAspect="1" noChangeArrowheads="1"/>
-          </p:cNvPicPr>
-          <p:nvPr/>
-        </p:nvPicPr>
-        <p:blipFill>
-          <a:blip r:embed="rId2">
-            <a:extLst>
-              <a:ext uri="{28A0092B-C50C-407E-A947-70E740481C1C}">
-                <a14:useLocalDpi xmlns:a14="http://schemas.microsoft.com/office/drawing/2010/main" val="0"/>
-              </a:ext>
-            </a:extLst>
-          </a:blip>
-          <a:srcRect/>
-          <a:stretch>
-            <a:fillRect/>
-          </a:stretch>
-        </p:blipFill>
-        <p:spPr bwMode="auto">
-          <a:xfrm>
-            <a:off x="-185738" y="338138"/>
-            <a:ext cx="9515476" cy="6181725"/>
-          </a:xfrm>
-          <a:prstGeom prst="rect">
-            <a:avLst/>
-          </a:prstGeom>
-          <a:noFill/>
-          <a:ln>
-            <a:noFill/>
-          </a:ln>
-          <a:effectLst/>
-          <a:extLst>
-            <a:ext uri="{909E8E84-426E-40DD-AFC4-6F175D3DCCD1}">
-              <a14:hiddenFill xmlns:a14="http://schemas.microsoft.com/office/drawing/2010/main">
-                <a:solidFill>
-                  <a:schemeClr val="accent1"/>
-                </a:solidFill>
-              </a14:hiddenFill>
-            </a:ext>
-            <a:ext uri="{91240B29-F687-4F45-9708-019B960494DF}">
-              <a14:hiddenLine xmlns:a14="http://schemas.microsoft.com/office/drawing/2010/main" w="9525">
-                <a:solidFill>
-                  <a:schemeClr val="tx1"/>
-                </a:solidFill>
-                <a:miter lim="800000"/>
-                <a:headEnd/>
-                <a:tailEnd/>
-              </a14:hiddenLine>
-            </a:ext>
-            <a:ext uri="{AF507438-7753-43E0-B8FC-AC1667EBCBE1}">
-              <a14:hiddenEffects xmlns:a14="http://schemas.microsoft.com/office/drawing/2010/main">
-                <a:effectLst>
-                  <a:outerShdw dist="35921" dir="2700000" algn="ctr" rotWithShape="0">
-                    <a:schemeClr val="bg2"/>
-                  </a:outerShdw>
-                </a:effectLst>
-              </a14:hiddenEffects>
-            </a:ext>
-          </a:extLst>
-        </p:spPr>
-      </p:pic>
-    </p:spTree>
-    <p:extLst>
-      <p:ext uri="{BB962C8B-B14F-4D97-AF65-F5344CB8AC3E}">
-        <p14:creationId xmlns:p14="http://schemas.microsoft.com/office/powerpoint/2010/main" val="2852822134"/>
-      </p:ext>
-    </p:extLst>
-  </p:cSld>
-  <p:clrMapOvr>
-    <a:masterClrMapping/>
-  </p:clrMapOvr>
-</p:sld>
-</file>
-
-<file path=ppt/slides/slide4.xml><?xml version="1.0" encoding="utf-8"?>
-<p:sld xmlns:a="http://schemas.openxmlformats.org/drawingml/2006/main" xmlns:r="http://schemas.openxmlformats.org/officeDocument/2006/relationships" xmlns:p="http://schemas.openxmlformats.org/presentationml/2006/main">
-  <p:cSld>
-    <p:spTree>
-      <p:nvGrpSpPr>
-        <p:cNvPr id="1" name=""/>
-        <p:cNvGrpSpPr/>
-        <p:nvPr/>
-      </p:nvGrpSpPr>
-      <p:grpSpPr>
-        <a:xfrm>
-          <a:off x="0" y="0"/>
-          <a:ext cx="0" cy="0"/>
-          <a:chOff x="0" y="0"/>
-          <a:chExt cx="0" cy="0"/>
-        </a:xfrm>
-      </p:grpSpPr>
-      <p:pic>
-        <p:nvPicPr>
-          <p:cNvPr id="1026" name="Picture 2"/>
-          <p:cNvPicPr>
-            <a:picLocks noChangeAspect="1" noChangeArrowheads="1"/>
-          </p:cNvPicPr>
-          <p:nvPr/>
-        </p:nvPicPr>
-        <p:blipFill>
-          <a:blip r:embed="rId2">
-            <a:extLst>
-              <a:ext uri="{28A0092B-C50C-407E-A947-70E740481C1C}">
-                <a14:useLocalDpi xmlns:a14="http://schemas.microsoft.com/office/drawing/2010/main" val="0"/>
-              </a:ext>
-            </a:extLst>
-          </a:blip>
-          <a:srcRect/>
-          <a:stretch>
-            <a:fillRect/>
-          </a:stretch>
-        </p:blipFill>
-        <p:spPr bwMode="auto">
-          <a:xfrm>
-            <a:off x="-185738" y="338138"/>
-            <a:ext cx="9515476" cy="6181725"/>
-          </a:xfrm>
-          <a:prstGeom prst="rect">
-            <a:avLst/>
-          </a:prstGeom>
-          <a:noFill/>
-          <a:ln>
-            <a:noFill/>
-          </a:ln>
-          <a:effectLst/>
-          <a:extLst>
-            <a:ext uri="{909E8E84-426E-40DD-AFC4-6F175D3DCCD1}">
-              <a14:hiddenFill xmlns:a14="http://schemas.microsoft.com/office/drawing/2010/main">
-                <a:solidFill>
-                  <a:schemeClr val="accent1"/>
-                </a:solidFill>
-              </a14:hiddenFill>
-            </a:ext>
-            <a:ext uri="{91240B29-F687-4F45-9708-019B960494DF}">
-              <a14:hiddenLine xmlns:a14="http://schemas.microsoft.com/office/drawing/2010/main" w="9525">
-                <a:solidFill>
-                  <a:schemeClr val="tx1"/>
-                </a:solidFill>
-                <a:miter lim="800000"/>
-                <a:headEnd/>
-                <a:tailEnd/>
-              </a14:hiddenLine>
-            </a:ext>
-            <a:ext uri="{AF507438-7753-43E0-B8FC-AC1667EBCBE1}">
-              <a14:hiddenEffects xmlns:a14="http://schemas.microsoft.com/office/drawing/2010/main">
-                <a:effectLst>
-                  <a:outerShdw dist="35921" dir="2700000" algn="ctr" rotWithShape="0">
-                    <a:schemeClr val="bg2"/>
-                  </a:outerShdw>
-                </a:effectLst>
-              </a14:hiddenEffects>
-            </a:ext>
-          </a:extLst>
-        </p:spPr>
-      </p:pic>
-    </p:spTree>
-    <p:extLst>
-      <p:ext uri="{BB962C8B-B14F-4D97-AF65-F5344CB8AC3E}">
-        <p14:creationId xmlns:p14="http://schemas.microsoft.com/office/powerpoint/2010/main" val="3686394017"/>
-      </p:ext>
-    </p:extLst>
-  </p:cSld>
-  <p:clrMapOvr>
-    <a:masterClrMapping/>
-  </p:clrMapOvr>
-</p:sld>
-</file>
-
-<file path=ppt/slides/slide5.xml><?xml version="1.0" encoding="utf-8"?>
-<p:sld xmlns:a="http://schemas.openxmlformats.org/drawingml/2006/main" xmlns:r="http://schemas.openxmlformats.org/officeDocument/2006/relationships" xmlns:p="http://schemas.openxmlformats.org/presentationml/2006/main">
-  <p:cSld>
-    <p:spTree>
-      <p:nvGrpSpPr>
-        <p:cNvPr id="1" name=""/>
-        <p:cNvGrpSpPr/>
-        <p:nvPr/>
-      </p:nvGrpSpPr>
-      <p:grpSpPr>
-        <a:xfrm>
-          <a:off x="0" y="0"/>
-          <a:ext cx="0" cy="0"/>
-          <a:chOff x="0" y="0"/>
-          <a:chExt cx="0" cy="0"/>
-        </a:xfrm>
-      </p:grpSpPr>
-      <p:pic>
-        <p:nvPicPr>
-          <p:cNvPr id="1026" name="Picture 2"/>
-          <p:cNvPicPr>
-            <a:picLocks noChangeAspect="1" noChangeArrowheads="1"/>
-          </p:cNvPicPr>
-          <p:nvPr/>
-        </p:nvPicPr>
-        <p:blipFill>
-          <a:blip r:embed="rId2">
-            <a:extLst>
-              <a:ext uri="{28A0092B-C50C-407E-A947-70E740481C1C}">
-                <a14:useLocalDpi xmlns:a14="http://schemas.microsoft.com/office/drawing/2010/main" val="0"/>
-              </a:ext>
-            </a:extLst>
-          </a:blip>
-          <a:srcRect/>
-          <a:stretch>
-            <a:fillRect/>
-          </a:stretch>
-        </p:blipFill>
-        <p:spPr bwMode="auto">
-          <a:xfrm>
-            <a:off x="-185738" y="338137"/>
-            <a:ext cx="9515476" cy="6181725"/>
-          </a:xfrm>
-          <a:prstGeom prst="rect">
-            <a:avLst/>
-          </a:prstGeom>
-          <a:noFill/>
-          <a:ln>
-            <a:noFill/>
-          </a:ln>
-          <a:effectLst/>
-          <a:extLst>
-            <a:ext uri="{909E8E84-426E-40DD-AFC4-6F175D3DCCD1}">
-              <a14:hiddenFill xmlns:a14="http://schemas.microsoft.com/office/drawing/2010/main">
-                <a:solidFill>
-                  <a:schemeClr val="accent1"/>
-                </a:solidFill>
-              </a14:hiddenFill>
-            </a:ext>
-            <a:ext uri="{91240B29-F687-4F45-9708-019B960494DF}">
-              <a14:hiddenLine xmlns:a14="http://schemas.microsoft.com/office/drawing/2010/main" w="9525">
-                <a:solidFill>
-                  <a:schemeClr val="tx1"/>
-                </a:solidFill>
-                <a:miter lim="800000"/>
-                <a:headEnd/>
-                <a:tailEnd/>
-              </a14:hiddenLine>
-            </a:ext>
-            <a:ext uri="{AF507438-7753-43E0-B8FC-AC1667EBCBE1}">
-              <a14:hiddenEffects xmlns:a14="http://schemas.microsoft.com/office/drawing/2010/main">
-                <a:effectLst>
-                  <a:outerShdw dist="35921" dir="2700000" algn="ctr" rotWithShape="0">
-                    <a:schemeClr val="bg2"/>
-                  </a:outerShdw>
-                </a:effectLst>
-              </a14:hiddenEffects>
-            </a:ext>
-          </a:extLst>
-        </p:spPr>
-      </p:pic>
-      <p:sp>
-        <p:nvSpPr>
-          <p:cNvPr id="4" name="원호 3"/>
-          <p:cNvSpPr/>
-          <p:nvPr/>
-        </p:nvSpPr>
-        <p:spPr>
-          <a:xfrm rot="1003698">
-            <a:off x="2771206" y="1306216"/>
-            <a:ext cx="3975881" cy="4055796"/>
-          </a:xfrm>
-          <a:prstGeom prst="arc">
-            <a:avLst>
-              <a:gd name="adj1" fmla="val 18287702"/>
-              <a:gd name="adj2" fmla="val 19406499"/>
-            </a:avLst>
-          </a:prstGeom>
-          <a:ln w="76200">
-            <a:solidFill>
-              <a:schemeClr val="tx1">
-                <a:lumMod val="75000"/>
-                <a:lumOff val="25000"/>
-              </a:schemeClr>
-            </a:solidFill>
-            <a:headEnd type="triangle" w="med" len="med"/>
-            <a:tailEnd type="none" w="med" len="med"/>
-          </a:ln>
-        </p:spPr>
-        <p:style>
-          <a:lnRef idx="1">
-            <a:schemeClr val="accent1"/>
-          </a:lnRef>
-          <a:fillRef idx="0">
-            <a:schemeClr val="accent1"/>
-          </a:fillRef>
-          <a:effectRef idx="0">
-            <a:schemeClr val="accent1"/>
-          </a:effectRef>
-          <a:fontRef idx="minor">
-            <a:schemeClr val="tx1"/>
-          </a:fontRef>
-        </p:style>
-        <p:txBody>
-          <a:bodyPr rtlCol="0" anchor="ctr"/>
-          <a:lstStyle/>
-          <a:p>
-            <a:pPr algn="ctr"/>
-            <a:endParaRPr lang="ko-KR" altLang="en-US"/>
-          </a:p>
-        </p:txBody>
-      </p:sp>
-    </p:spTree>
-    <p:extLst>
-      <p:ext uri="{BB962C8B-B14F-4D97-AF65-F5344CB8AC3E}">
-        <p14:creationId xmlns:p14="http://schemas.microsoft.com/office/powerpoint/2010/main" val="3291891287"/>
-      </p:ext>
-    </p:extLst>
-  </p:cSld>
-  <p:clrMapOvr>
-    <a:masterClrMapping/>
-  </p:clrMapOvr>
-</p:sld>
-</file>
-
-<file path=ppt/slides/slide6.xml><?xml version="1.0" encoding="utf-8"?>
+<file path=ppt/slides/slide10.xml><?xml version="1.0" encoding="utf-8"?>
 <p:sld xmlns:a="http://schemas.openxmlformats.org/drawingml/2006/main" xmlns:r="http://schemas.openxmlformats.org/officeDocument/2006/relationships" xmlns:p="http://schemas.openxmlformats.org/presentationml/2006/main">
   <p:cSld>
     <p:spTree>
@@ -3628,8 +3203,8 @@
           </a:extLst>
         </p:spPr>
       </p:pic>
-      <mc:AlternateContent xmlns:mc="http://schemas.openxmlformats.org/markup-compatibility/2006" xmlns:a14="http://schemas.microsoft.com/office/drawing/2010/main">
-        <mc:Choice Requires="a14">
+      <mc:AlternateContent xmlns:mc="http://schemas.openxmlformats.org/markup-compatibility/2006">
+        <mc:Choice xmlns:a14="http://schemas.microsoft.com/office/drawing/2010/main" Requires="a14">
           <p:sp>
             <p:nvSpPr>
               <p:cNvPr id="4" name="TextBox 3"/>
@@ -3638,8 +3213,8 @@
             </p:nvSpPr>
             <p:spPr>
               <a:xfrm rot="19860000">
-                <a:off x="3989015" y="3063444"/>
-                <a:ext cx="1010469" cy="369332"/>
+                <a:off x="3863981" y="3063444"/>
+                <a:ext cx="1260538" cy="369332"/>
               </a:xfrm>
               <a:prstGeom prst="rect">
                 <a:avLst/>
@@ -3668,7 +3243,7 @@
                   </m:oMath>
                 </a14:m>
                 <a:r>
-                  <a:rPr lang="ko-KR" altLang="en-US" dirty="0" smtClean="0">
+                  <a:rPr lang="ko-KR" altLang="en-US" dirty="0">
                     <a:solidFill>
                       <a:schemeClr val="bg1"/>
                     </a:solidFill>
@@ -3678,24 +3253,14 @@
                   <a:t> </a:t>
                 </a:r>
                 <a:r>
-                  <a:rPr lang="en-US" altLang="ko-KR" dirty="0" smtClean="0">
+                  <a:rPr lang="en-US" altLang="ko-KR" dirty="0">
                     <a:solidFill>
                       <a:schemeClr val="bg1"/>
                     </a:solidFill>
                     <a:latin typeface="나눔고딕" pitchFamily="50" charset="-127"/>
                     <a:ea typeface="나눔고딕" pitchFamily="50" charset="-127"/>
                   </a:rPr>
-                  <a:t>= </a:t>
-                </a:r>
-                <a:r>
-                  <a:rPr lang="ko-KR" altLang="en-US" dirty="0" smtClean="0">
-                    <a:solidFill>
-                      <a:schemeClr val="bg1"/>
-                    </a:solidFill>
-                    <a:latin typeface="나눔고딕" pitchFamily="50" charset="-127"/>
-                    <a:ea typeface="나눔고딕" pitchFamily="50" charset="-127"/>
-                  </a:rPr>
-                  <a:t>길이</a:t>
+                  <a:t>= length</a:t>
                 </a:r>
                 <a:endParaRPr lang="ko-KR" altLang="en-US" dirty="0">
                   <a:solidFill>
@@ -3708,7 +3273,7 @@
             </p:txBody>
           </p:sp>
         </mc:Choice>
-        <mc:Fallback xmlns="">
+        <mc:Fallback>
           <p:sp>
             <p:nvSpPr>
               <p:cNvPr id="4" name="TextBox 3"/>
@@ -3719,16 +3284,16 @@
             </p:nvSpPr>
             <p:spPr>
               <a:xfrm rot="19860000">
-                <a:off x="3989015" y="3063444"/>
-                <a:ext cx="1010469" cy="369332"/>
+                <a:off x="3863981" y="3063444"/>
+                <a:ext cx="1260538" cy="369332"/>
               </a:xfrm>
               <a:prstGeom prst="rect">
                 <a:avLst/>
               </a:prstGeom>
-              <a:blipFill rotWithShape="1">
+              <a:blipFill>
                 <a:blip r:embed="rId3"/>
                 <a:stretch>
-                  <a:fillRect t="-5970" r="-8000" b="-2239"/>
+                  <a:fillRect t="-5844" r="-6635" b="-1948"/>
                 </a:stretch>
               </a:blipFill>
             </p:spPr>
@@ -3737,7 +3302,7 @@
               <a:lstStyle/>
               <a:p>
                 <a:r>
-                  <a:rPr lang="ko-KR" altLang="en-US">
+                  <a:rPr lang="en-US">
                     <a:noFill/>
                   </a:rPr>
                   <a:t> </a:t>
@@ -3747,8 +3312,8 @@
           </p:sp>
         </mc:Fallback>
       </mc:AlternateContent>
-      <mc:AlternateContent xmlns:mc="http://schemas.openxmlformats.org/markup-compatibility/2006" xmlns:a14="http://schemas.microsoft.com/office/drawing/2010/main">
-        <mc:Choice Requires="a14">
+      <mc:AlternateContent xmlns:mc="http://schemas.openxmlformats.org/markup-compatibility/2006">
+        <mc:Choice xmlns:a14="http://schemas.microsoft.com/office/drawing/2010/main" Requires="a14">
           <p:sp>
             <p:nvSpPr>
               <p:cNvPr id="6" name="TextBox 5"/>
@@ -3757,8 +3322,8 @@
             </p:nvSpPr>
             <p:spPr>
               <a:xfrm>
-                <a:off x="3635896" y="4055489"/>
-                <a:ext cx="1816844" cy="369332"/>
+                <a:off x="3563888" y="4055489"/>
+                <a:ext cx="2470869" cy="369332"/>
               </a:xfrm>
               <a:prstGeom prst="rect">
                 <a:avLst/>
@@ -3787,7 +3352,7 @@
                   </m:oMath>
                 </a14:m>
                 <a:r>
-                  <a:rPr lang="ko-KR" altLang="en-US" dirty="0" smtClean="0">
+                  <a:rPr lang="ko-KR" altLang="en-US" dirty="0">
                     <a:solidFill>
                       <a:schemeClr val="bg1"/>
                     </a:solidFill>
@@ -3797,44 +3362,34 @@
                   <a:t> </a:t>
                 </a:r>
                 <a:r>
-                  <a:rPr lang="en-US" altLang="ko-KR" dirty="0" smtClean="0">
+                  <a:rPr lang="en-US" altLang="ko-KR" dirty="0">
                     <a:solidFill>
                       <a:schemeClr val="bg1"/>
                     </a:solidFill>
                     <a:latin typeface="나눔고딕" pitchFamily="50" charset="-127"/>
                     <a:ea typeface="나눔고딕" pitchFamily="50" charset="-127"/>
                   </a:rPr>
-                  <a:t>= </a:t>
+                  <a:t>= angle</a:t>
                 </a:r>
                 <a:r>
-                  <a:rPr lang="ko-KR" altLang="en-US" dirty="0" smtClean="0">
+                  <a:rPr lang="ko-KR" altLang="en-US" dirty="0">
                     <a:solidFill>
                       <a:schemeClr val="bg1"/>
                     </a:solidFill>
                     <a:latin typeface="나눔고딕" pitchFamily="50" charset="-127"/>
                     <a:ea typeface="나눔고딕" pitchFamily="50" charset="-127"/>
                   </a:rPr>
-                  <a:t>각도 </a:t>
+                  <a:t> </a:t>
                 </a:r>
                 <a:r>
-                  <a:rPr lang="en-US" altLang="ko-KR" dirty="0" smtClean="0">
+                  <a:rPr lang="en-US" altLang="ko-KR" dirty="0">
                     <a:solidFill>
                       <a:schemeClr val="bg1"/>
                     </a:solidFill>
                     <a:latin typeface="나눔고딕" pitchFamily="50" charset="-127"/>
                     <a:ea typeface="나눔고딕" pitchFamily="50" charset="-127"/>
                   </a:rPr>
-                  <a:t>or </a:t>
-                </a:r>
-                <a:r>
-                  <a:rPr lang="ko-KR" altLang="en-US" dirty="0" smtClean="0">
-                    <a:solidFill>
-                      <a:schemeClr val="bg1"/>
-                    </a:solidFill>
-                    <a:latin typeface="나눔고딕" pitchFamily="50" charset="-127"/>
-                    <a:ea typeface="나눔고딕" pitchFamily="50" charset="-127"/>
-                  </a:rPr>
-                  <a:t>방향</a:t>
+                  <a:t>or direction</a:t>
                 </a:r>
                 <a:endParaRPr lang="ko-KR" altLang="en-US" dirty="0">
                   <a:solidFill>
@@ -3847,7 +3402,7 @@
             </p:txBody>
           </p:sp>
         </mc:Choice>
-        <mc:Fallback xmlns="">
+        <mc:Fallback>
           <p:sp>
             <p:nvSpPr>
               <p:cNvPr id="6" name="TextBox 5"/>
@@ -3858,16 +3413,16 @@
             </p:nvSpPr>
             <p:spPr>
               <a:xfrm>
-                <a:off x="3635896" y="4055489"/>
-                <a:ext cx="1816844" cy="369332"/>
+                <a:off x="3563888" y="4055489"/>
+                <a:ext cx="2470869" cy="369332"/>
               </a:xfrm>
               <a:prstGeom prst="rect">
                 <a:avLst/>
               </a:prstGeom>
-              <a:blipFill rotWithShape="1">
+              <a:blipFill>
                 <a:blip r:embed="rId4"/>
                 <a:stretch>
-                  <a:fillRect t="-8197" r="-2685" b="-24590"/>
+                  <a:fillRect t="-8197" r="-1481" b="-24590"/>
                 </a:stretch>
               </a:blipFill>
             </p:spPr>
@@ -3876,7 +3431,7 @@
               <a:lstStyle/>
               <a:p>
                 <a:r>
-                  <a:rPr lang="ko-KR" altLang="en-US">
+                  <a:rPr lang="en-US">
                     <a:noFill/>
                   </a:rPr>
                   <a:t> </a:t>
@@ -3933,10 +3488,184 @@
           </a:p>
         </p:txBody>
       </p:sp>
+      <p:sp>
+        <p:nvSpPr>
+          <p:cNvPr id="2" name="Rectangle 1">
+            <a:extLst>
+              <a:ext uri="{FF2B5EF4-FFF2-40B4-BE49-F238E27FC236}">
+                <a16:creationId xmlns:a16="http://schemas.microsoft.com/office/drawing/2014/main" id="{9E3D2943-EA2D-C6C3-D653-61F8F7CDD265}"/>
+              </a:ext>
+            </a:extLst>
+          </p:cNvPr>
+          <p:cNvSpPr/>
+          <p:nvPr/>
+        </p:nvSpPr>
+        <p:spPr>
+          <a:xfrm>
+            <a:off x="2339752" y="1628800"/>
+            <a:ext cx="720080" cy="360040"/>
+          </a:xfrm>
+          <a:prstGeom prst="rect">
+            <a:avLst/>
+          </a:prstGeom>
+          <a:solidFill>
+            <a:schemeClr val="bg1"/>
+          </a:solidFill>
+          <a:ln>
+            <a:noFill/>
+          </a:ln>
+        </p:spPr>
+        <p:style>
+          <a:lnRef idx="2">
+            <a:schemeClr val="accent1">
+              <a:shade val="50000"/>
+            </a:schemeClr>
+          </a:lnRef>
+          <a:fillRef idx="1">
+            <a:schemeClr val="accent1"/>
+          </a:fillRef>
+          <a:effectRef idx="0">
+            <a:schemeClr val="accent1"/>
+          </a:effectRef>
+          <a:fontRef idx="minor">
+            <a:schemeClr val="lt1"/>
+          </a:fontRef>
+        </p:style>
+        <p:txBody>
+          <a:bodyPr rtlCol="0" anchor="ctr"/>
+          <a:lstStyle/>
+          <a:p>
+            <a:pPr algn="ctr"/>
+            <a:endParaRPr lang="en-US"/>
+          </a:p>
+        </p:txBody>
+      </p:sp>
+      <p:sp>
+        <p:nvSpPr>
+          <p:cNvPr id="3" name="Rectangle 2">
+            <a:extLst>
+              <a:ext uri="{FF2B5EF4-FFF2-40B4-BE49-F238E27FC236}">
+                <a16:creationId xmlns:a16="http://schemas.microsoft.com/office/drawing/2014/main" id="{03339216-36CA-2100-4AA7-868C3B59A298}"/>
+              </a:ext>
+            </a:extLst>
+          </p:cNvPr>
+          <p:cNvSpPr/>
+          <p:nvPr/>
+        </p:nvSpPr>
+        <p:spPr>
+          <a:xfrm>
+            <a:off x="6618782" y="4581128"/>
+            <a:ext cx="720080" cy="360040"/>
+          </a:xfrm>
+          <a:prstGeom prst="rect">
+            <a:avLst/>
+          </a:prstGeom>
+          <a:solidFill>
+            <a:schemeClr val="bg1"/>
+          </a:solidFill>
+          <a:ln>
+            <a:noFill/>
+          </a:ln>
+        </p:spPr>
+        <p:style>
+          <a:lnRef idx="2">
+            <a:schemeClr val="accent1">
+              <a:shade val="50000"/>
+            </a:schemeClr>
+          </a:lnRef>
+          <a:fillRef idx="1">
+            <a:schemeClr val="accent1"/>
+          </a:fillRef>
+          <a:effectRef idx="0">
+            <a:schemeClr val="accent1"/>
+          </a:effectRef>
+          <a:fontRef idx="minor">
+            <a:schemeClr val="lt1"/>
+          </a:fontRef>
+        </p:style>
+        <p:txBody>
+          <a:bodyPr rtlCol="0" anchor="ctr"/>
+          <a:lstStyle/>
+          <a:p>
+            <a:pPr algn="ctr"/>
+            <a:endParaRPr lang="en-US"/>
+          </a:p>
+        </p:txBody>
+      </p:sp>
+      <p:sp>
+        <p:nvSpPr>
+          <p:cNvPr id="7" name="TextBox 6">
+            <a:extLst>
+              <a:ext uri="{FF2B5EF4-FFF2-40B4-BE49-F238E27FC236}">
+                <a16:creationId xmlns:a16="http://schemas.microsoft.com/office/drawing/2014/main" id="{602489A2-155A-C2D1-B8DA-1F40E5B0AF98}"/>
+              </a:ext>
+            </a:extLst>
+          </p:cNvPr>
+          <p:cNvSpPr txBox="1"/>
+          <p:nvPr/>
+        </p:nvSpPr>
+        <p:spPr>
+          <a:xfrm>
+            <a:off x="2113731" y="1663000"/>
+            <a:ext cx="1381917" cy="307777"/>
+          </a:xfrm>
+          <a:prstGeom prst="rect">
+            <a:avLst/>
+          </a:prstGeom>
+          <a:noFill/>
+        </p:spPr>
+        <p:txBody>
+          <a:bodyPr wrap="none" rtlCol="0">
+            <a:spAutoFit/>
+          </a:bodyPr>
+          <a:lstStyle/>
+          <a:p>
+            <a:r>
+              <a:rPr lang="en-US" sz="1400" dirty="0"/>
+              <a:t>Imaginary Axis</a:t>
+            </a:r>
+          </a:p>
+        </p:txBody>
+      </p:sp>
+      <p:sp>
+        <p:nvSpPr>
+          <p:cNvPr id="8" name="TextBox 7">
+            <a:extLst>
+              <a:ext uri="{FF2B5EF4-FFF2-40B4-BE49-F238E27FC236}">
+                <a16:creationId xmlns:a16="http://schemas.microsoft.com/office/drawing/2014/main" id="{524999B7-FC0B-E4A9-AEA9-FCA049C4CDB3}"/>
+              </a:ext>
+            </a:extLst>
+          </p:cNvPr>
+          <p:cNvSpPr txBox="1"/>
+          <p:nvPr/>
+        </p:nvSpPr>
+        <p:spPr>
+          <a:xfrm>
+            <a:off x="6470126" y="4554475"/>
+            <a:ext cx="910186" cy="307777"/>
+          </a:xfrm>
+          <a:prstGeom prst="rect">
+            <a:avLst/>
+          </a:prstGeom>
+          <a:noFill/>
+        </p:spPr>
+        <p:txBody>
+          <a:bodyPr wrap="none" rtlCol="0">
+            <a:spAutoFit/>
+          </a:bodyPr>
+          <a:lstStyle/>
+          <a:p>
+            <a:r>
+              <a:rPr lang="en-US" sz="1400" dirty="0"/>
+              <a:t>Real Axis</a:t>
+            </a:r>
+          </a:p>
+        </p:txBody>
+      </p:sp>
     </p:spTree>
     <p:extLst>
       <p:ext uri="{BB962C8B-B14F-4D97-AF65-F5344CB8AC3E}">
-        <p14:creationId xmlns:p14="http://schemas.microsoft.com/office/powerpoint/2010/main" val="222064999"/>
+        <p14:creationId xmlns:p14="http://schemas.microsoft.com/office/powerpoint/2010/main" val="361504075"/>
       </p:ext>
     </p:extLst>
   </p:cSld>
@@ -3946,7 +3675,7 @@
 </p:sld>
 </file>
 
-<file path=ppt/slides/slide7.xml><?xml version="1.0" encoding="utf-8"?>
+<file path=ppt/slides/slide11.xml><?xml version="1.0" encoding="utf-8"?>
 <p:sld xmlns:a="http://schemas.openxmlformats.org/drawingml/2006/main" xmlns:r="http://schemas.openxmlformats.org/officeDocument/2006/relationships" xmlns:p="http://schemas.openxmlformats.org/presentationml/2006/main">
   <p:cSld>
     <p:spTree>
@@ -4025,8 +3754,8 @@
           </a:extLst>
         </p:spPr>
       </p:pic>
-      <mc:AlternateContent xmlns:mc="http://schemas.openxmlformats.org/markup-compatibility/2006">
-        <mc:Choice xmlns:a14="http://schemas.microsoft.com/office/drawing/2010/main" Requires="a14">
+      <mc:AlternateContent xmlns:mc="http://schemas.openxmlformats.org/markup-compatibility/2006" xmlns:a14="http://schemas.microsoft.com/office/drawing/2010/main">
+        <mc:Choice Requires="a14">
           <p:sp>
             <p:nvSpPr>
               <p:cNvPr id="4" name="TextBox 3"/>
@@ -4049,6 +3778,7 @@
               </a:bodyPr>
               <a:lstStyle/>
               <a:p>
+                <a:pPr/>
                 <a14:m>
                   <m:oMathPara xmlns:m="http://schemas.openxmlformats.org/officeDocument/2006/math">
                     <m:oMathParaPr>
@@ -4059,7 +3789,7 @@
                         <m:sSubPr>
                           <m:ctrlPr>
                             <a:rPr lang="en-US" altLang="ko-KR" b="0" i="1" smtClean="0">
-                              <a:latin typeface="Cambria Math"/>
+                              <a:latin typeface="Cambria Math" panose="02040503050406030204" pitchFamily="18" charset="0"/>
                             </a:rPr>
                           </m:ctrlPr>
                         </m:sSubPr>
@@ -4106,7 +3836,7 @@
             </p:txBody>
           </p:sp>
         </mc:Choice>
-        <mc:Fallback>
+        <mc:Fallback xmlns="">
           <p:sp>
             <p:nvSpPr>
               <p:cNvPr id="4" name="TextBox 3"/>
@@ -4145,8 +3875,8 @@
           </p:sp>
         </mc:Fallback>
       </mc:AlternateContent>
-      <mc:AlternateContent xmlns:mc="http://schemas.openxmlformats.org/markup-compatibility/2006">
-        <mc:Choice xmlns:a14="http://schemas.microsoft.com/office/drawing/2010/main" Requires="a14">
+      <mc:AlternateContent xmlns:mc="http://schemas.openxmlformats.org/markup-compatibility/2006" xmlns:a14="http://schemas.microsoft.com/office/drawing/2010/main">
+        <mc:Choice Requires="a14">
           <p:sp>
             <p:nvSpPr>
               <p:cNvPr id="6" name="TextBox 5"/>
@@ -4175,7 +3905,7 @@
                       <m:sSubPr>
                         <m:ctrlPr>
                           <a:rPr lang="en-US" altLang="ko-KR" b="0" i="1" smtClean="0">
-                            <a:latin typeface="Cambria Math"/>
+                            <a:latin typeface="Cambria Math" panose="02040503050406030204" pitchFamily="18" charset="0"/>
                           </a:rPr>
                         </m:ctrlPr>
                       </m:sSubPr>
@@ -4211,7 +3941,7 @@
                   </m:oMath>
                 </a14:m>
                 <a:r>
-                  <a:rPr lang="en-US" altLang="ko-KR" dirty="0" smtClean="0"/>
+                  <a:rPr lang="en-US" altLang="ko-KR" dirty="0"/>
                   <a:t>2</a:t>
                 </a:r>
                 <a:endParaRPr lang="ko-KR" altLang="en-US" dirty="0"/>
@@ -4219,7 +3949,7 @@
             </p:txBody>
           </p:sp>
         </mc:Choice>
-        <mc:Fallback>
+        <mc:Fallback xmlns="">
           <p:sp>
             <p:nvSpPr>
               <p:cNvPr id="6" name="TextBox 5"/>
@@ -4258,8 +3988,8 @@
           </p:sp>
         </mc:Fallback>
       </mc:AlternateContent>
-      <mc:AlternateContent xmlns:mc="http://schemas.openxmlformats.org/markup-compatibility/2006">
-        <mc:Choice xmlns:a14="http://schemas.microsoft.com/office/drawing/2010/main" Requires="a14">
+      <mc:AlternateContent xmlns:mc="http://schemas.openxmlformats.org/markup-compatibility/2006" xmlns:a14="http://schemas.microsoft.com/office/drawing/2010/main">
+        <mc:Choice Requires="a14">
           <p:sp>
             <p:nvSpPr>
               <p:cNvPr id="7" name="TextBox 6"/>
@@ -4282,6 +4012,7 @@
               </a:bodyPr>
               <a:lstStyle/>
               <a:p>
+                <a:pPr/>
                 <a14:m>
                   <m:oMathPara xmlns:m="http://schemas.openxmlformats.org/officeDocument/2006/math">
                     <m:oMathParaPr>
@@ -4295,7 +4026,7 @@
                               <a:solidFill>
                                 <a:srgbClr val="FF0000"/>
                               </a:solidFill>
-                              <a:latin typeface="Cambria Math"/>
+                              <a:latin typeface="Cambria Math" panose="02040503050406030204" pitchFamily="18" charset="0"/>
                             </a:rPr>
                           </m:ctrlPr>
                         </m:sSubPr>
@@ -4341,7 +4072,7 @@
                               <a:solidFill>
                                 <a:srgbClr val="FF0000"/>
                               </a:solidFill>
-                              <a:latin typeface="Cambria Math"/>
+                              <a:latin typeface="Cambria Math" panose="02040503050406030204" pitchFamily="18" charset="0"/>
                             </a:rPr>
                           </m:ctrlPr>
                         </m:sSubPr>
@@ -4407,7 +4138,7 @@
             </p:txBody>
           </p:sp>
         </mc:Choice>
-        <mc:Fallback>
+        <mc:Fallback xmlns="">
           <p:sp>
             <p:nvSpPr>
               <p:cNvPr id="7" name="TextBox 6"/>
@@ -4446,8 +4177,8 @@
           </p:sp>
         </mc:Fallback>
       </mc:AlternateContent>
-      <mc:AlternateContent xmlns:mc="http://schemas.openxmlformats.org/markup-compatibility/2006">
-        <mc:Choice xmlns:a14="http://schemas.microsoft.com/office/drawing/2010/main" Requires="a14">
+      <mc:AlternateContent xmlns:mc="http://schemas.openxmlformats.org/markup-compatibility/2006" xmlns:a14="http://schemas.microsoft.com/office/drawing/2010/main">
+        <mc:Choice Requires="a14">
           <p:sp>
             <p:nvSpPr>
               <p:cNvPr id="8" name="TextBox 7"/>
@@ -4484,7 +4215,7 @@
                             <a:solidFill>
                               <a:srgbClr val="0000FF"/>
                             </a:solidFill>
-                            <a:latin typeface="Cambria Math"/>
+                            <a:latin typeface="Cambria Math" panose="02040503050406030204" pitchFamily="18" charset="0"/>
                           </a:rPr>
                         </m:ctrlPr>
                       </m:sSubPr>
@@ -4514,23 +4245,18 @@
                   </m:oMath>
                 </a14:m>
                 <a:r>
-                  <a:rPr lang="ko-KR" altLang="en-US" dirty="0" smtClean="0">
+                  <a:rPr lang="ko-KR" altLang="en-US" dirty="0">
                     <a:solidFill>
                       <a:srgbClr val="0000FF"/>
                     </a:solidFill>
                   </a:rPr>
                   <a:t>의 사본</a:t>
                 </a:r>
-                <a:endParaRPr lang="ko-KR" altLang="en-US" dirty="0">
-                  <a:solidFill>
-                    <a:srgbClr val="0000FF"/>
-                  </a:solidFill>
-                </a:endParaRPr>
               </a:p>
             </p:txBody>
           </p:sp>
         </mc:Choice>
-        <mc:Fallback>
+        <mc:Fallback xmlns="">
           <p:sp>
             <p:nvSpPr>
               <p:cNvPr id="8" name="TextBox 7"/>
@@ -4672,7 +4398,909 @@
 </p:sld>
 </file>
 
-<file path=ppt/slides/slide8.xml><?xml version="1.0" encoding="utf-8"?>
+<file path=ppt/slides/slide12.xml><?xml version="1.0" encoding="utf-8"?>
+<p:sld xmlns:a="http://schemas.openxmlformats.org/drawingml/2006/main" xmlns:r="http://schemas.openxmlformats.org/officeDocument/2006/relationships" xmlns:p="http://schemas.openxmlformats.org/presentationml/2006/main">
+  <p:cSld>
+    <p:spTree>
+      <p:nvGrpSpPr>
+        <p:cNvPr id="1" name=""/>
+        <p:cNvGrpSpPr/>
+        <p:nvPr/>
+      </p:nvGrpSpPr>
+      <p:grpSpPr>
+        <a:xfrm>
+          <a:off x="0" y="0"/>
+          <a:ext cx="0" cy="0"/>
+          <a:chOff x="0" y="0"/>
+          <a:chExt cx="0" cy="0"/>
+        </a:xfrm>
+      </p:grpSpPr>
+      <p:pic>
+        <p:nvPicPr>
+          <p:cNvPr id="1026" name="Picture 2"/>
+          <p:cNvPicPr>
+            <a:picLocks noChangeAspect="1" noChangeArrowheads="1"/>
+          </p:cNvPicPr>
+          <p:nvPr/>
+        </p:nvPicPr>
+        <p:blipFill rotWithShape="1">
+          <a:blip r:embed="rId2">
+            <a:extLst>
+              <a:ext uri="{28A0092B-C50C-407E-A947-70E740481C1C}">
+                <a14:useLocalDpi xmlns:a14="http://schemas.microsoft.com/office/drawing/2010/main" val="0"/>
+              </a:ext>
+            </a:extLst>
+          </a:blip>
+          <a:srcRect l="43563" b="7926"/>
+          <a:stretch/>
+        </p:blipFill>
+        <p:spPr bwMode="auto">
+          <a:xfrm>
+            <a:off x="2474951" y="338139"/>
+            <a:ext cx="5370213" cy="5691726"/>
+          </a:xfrm>
+          <a:prstGeom prst="rect">
+            <a:avLst/>
+          </a:prstGeom>
+          <a:noFill/>
+          <a:ln>
+            <a:noFill/>
+          </a:ln>
+          <a:effectLst/>
+          <a:extLst>
+            <a:ext uri="{909E8E84-426E-40DD-AFC4-6F175D3DCCD1}">
+              <a14:hiddenFill xmlns:a14="http://schemas.microsoft.com/office/drawing/2010/main">
+                <a:solidFill>
+                  <a:schemeClr val="accent1"/>
+                </a:solidFill>
+              </a14:hiddenFill>
+            </a:ext>
+            <a:ext uri="{91240B29-F687-4F45-9708-019B960494DF}">
+              <a14:hiddenLine xmlns:a14="http://schemas.microsoft.com/office/drawing/2010/main" w="9525">
+                <a:solidFill>
+                  <a:schemeClr val="tx1"/>
+                </a:solidFill>
+                <a:miter lim="800000"/>
+                <a:headEnd/>
+                <a:tailEnd/>
+              </a14:hiddenLine>
+            </a:ext>
+            <a:ext uri="{AF507438-7753-43E0-B8FC-AC1667EBCBE1}">
+              <a14:hiddenEffects xmlns:a14="http://schemas.microsoft.com/office/drawing/2010/main">
+                <a:effectLst>
+                  <a:outerShdw dist="35921" dir="2700000" algn="ctr" rotWithShape="0">
+                    <a:schemeClr val="bg2"/>
+                  </a:outerShdw>
+                </a:effectLst>
+              </a14:hiddenEffects>
+            </a:ext>
+          </a:extLst>
+        </p:spPr>
+      </p:pic>
+      <mc:AlternateContent xmlns:mc="http://schemas.openxmlformats.org/markup-compatibility/2006" xmlns:a14="http://schemas.microsoft.com/office/drawing/2010/main">
+        <mc:Choice Requires="a14">
+          <p:sp>
+            <p:nvSpPr>
+              <p:cNvPr id="4" name="TextBox 3"/>
+              <p:cNvSpPr txBox="1"/>
+              <p:nvPr/>
+            </p:nvSpPr>
+            <p:spPr>
+              <a:xfrm>
+                <a:off x="3807507" y="4149080"/>
+                <a:ext cx="1568250" cy="369332"/>
+              </a:xfrm>
+              <a:prstGeom prst="rect">
+                <a:avLst/>
+              </a:prstGeom>
+              <a:noFill/>
+            </p:spPr>
+            <p:txBody>
+              <a:bodyPr wrap="none" rtlCol="0">
+                <a:spAutoFit/>
+              </a:bodyPr>
+              <a:lstStyle/>
+              <a:p>
+                <a:pPr/>
+                <a14:m>
+                  <m:oMathPara xmlns:m="http://schemas.openxmlformats.org/officeDocument/2006/math">
+                    <m:oMathParaPr>
+                      <m:jc m:val="centerGroup"/>
+                    </m:oMathParaPr>
+                    <m:oMath xmlns:m="http://schemas.openxmlformats.org/officeDocument/2006/math">
+                      <m:sSub>
+                        <m:sSubPr>
+                          <m:ctrlPr>
+                            <a:rPr lang="en-US" altLang="ko-KR" b="0" i="1" smtClean="0">
+                              <a:latin typeface="Cambria Math" panose="02040503050406030204" pitchFamily="18" charset="0"/>
+                            </a:rPr>
+                          </m:ctrlPr>
+                        </m:sSubPr>
+                        <m:e>
+                          <m:r>
+                            <a:rPr lang="en-US" altLang="ko-KR" b="0" i="1" smtClean="0">
+                              <a:latin typeface="Cambria Math"/>
+                            </a:rPr>
+                            <m:t>𝑧</m:t>
+                          </m:r>
+                        </m:e>
+                        <m:sub>
+                          <m:r>
+                            <a:rPr lang="en-US" altLang="ko-KR" b="0" i="1" smtClean="0">
+                              <a:latin typeface="Cambria Math"/>
+                            </a:rPr>
+                            <m:t>1</m:t>
+                          </m:r>
+                        </m:sub>
+                      </m:sSub>
+                      <m:r>
+                        <a:rPr lang="en-US" altLang="ko-KR" b="0" i="1" smtClean="0">
+                          <a:latin typeface="Cambria Math"/>
+                        </a:rPr>
+                        <m:t>=0.5−</m:t>
+                      </m:r>
+                      <m:r>
+                        <a:rPr lang="en-US" altLang="ko-KR" b="0" i="1" smtClean="0">
+                          <a:latin typeface="Cambria Math"/>
+                        </a:rPr>
+                        <m:t>𝑗</m:t>
+                      </m:r>
+                      <m:r>
+                        <a:rPr lang="en-US" altLang="ko-KR" b="0" i="1" smtClean="0">
+                          <a:latin typeface="Cambria Math"/>
+                        </a:rPr>
+                        <m:t>1</m:t>
+                      </m:r>
+                    </m:oMath>
+                  </m:oMathPara>
+                </a14:m>
+                <a:endParaRPr lang="ko-KR" altLang="en-US" dirty="0"/>
+              </a:p>
+            </p:txBody>
+          </p:sp>
+        </mc:Choice>
+        <mc:Fallback xmlns="">
+          <p:sp>
+            <p:nvSpPr>
+              <p:cNvPr id="4" name="TextBox 3"/>
+              <p:cNvSpPr txBox="1">
+                <a:spLocks noRot="1" noChangeAspect="1" noMove="1" noResize="1" noEditPoints="1" noAdjustHandles="1" noChangeArrowheads="1" noChangeShapeType="1" noTextEdit="1"/>
+              </p:cNvSpPr>
+              <p:nvPr/>
+            </p:nvSpPr>
+            <p:spPr>
+              <a:xfrm>
+                <a:off x="3807507" y="4149080"/>
+                <a:ext cx="1568250" cy="369332"/>
+              </a:xfrm>
+              <a:prstGeom prst="rect">
+                <a:avLst/>
+              </a:prstGeom>
+              <a:blipFill rotWithShape="1">
+                <a:blip r:embed="rId3"/>
+                <a:stretch>
+                  <a:fillRect b="-16667"/>
+                </a:stretch>
+              </a:blipFill>
+            </p:spPr>
+            <p:txBody>
+              <a:bodyPr/>
+              <a:lstStyle/>
+              <a:p>
+                <a:r>
+                  <a:rPr lang="ko-KR" altLang="en-US">
+                    <a:noFill/>
+                  </a:rPr>
+                  <a:t> </a:t>
+                </a:r>
+              </a:p>
+            </p:txBody>
+          </p:sp>
+        </mc:Fallback>
+      </mc:AlternateContent>
+      <mc:AlternateContent xmlns:mc="http://schemas.openxmlformats.org/markup-compatibility/2006" xmlns:a14="http://schemas.microsoft.com/office/drawing/2010/main">
+        <mc:Choice Requires="a14">
+          <p:sp>
+            <p:nvSpPr>
+              <p:cNvPr id="6" name="TextBox 5"/>
+              <p:cNvSpPr txBox="1"/>
+              <p:nvPr/>
+            </p:nvSpPr>
+            <p:spPr>
+              <a:xfrm>
+                <a:off x="3807507" y="908720"/>
+                <a:ext cx="1317861" cy="369332"/>
+              </a:xfrm>
+              <a:prstGeom prst="rect">
+                <a:avLst/>
+              </a:prstGeom>
+              <a:noFill/>
+            </p:spPr>
+            <p:txBody>
+              <a:bodyPr wrap="none" rtlCol="0">
+                <a:spAutoFit/>
+              </a:bodyPr>
+              <a:lstStyle/>
+              <a:p>
+                <a14:m>
+                  <m:oMath xmlns:m="http://schemas.openxmlformats.org/officeDocument/2006/math">
+                    <m:sSub>
+                      <m:sSubPr>
+                        <m:ctrlPr>
+                          <a:rPr lang="en-US" altLang="ko-KR" b="0" i="1" smtClean="0">
+                            <a:latin typeface="Cambria Math" panose="02040503050406030204" pitchFamily="18" charset="0"/>
+                          </a:rPr>
+                        </m:ctrlPr>
+                      </m:sSubPr>
+                      <m:e>
+                        <m:r>
+                          <a:rPr lang="en-US" altLang="ko-KR" b="0" i="1" smtClean="0">
+                            <a:latin typeface="Cambria Math"/>
+                          </a:rPr>
+                          <m:t>𝑧</m:t>
+                        </m:r>
+                      </m:e>
+                      <m:sub>
+                        <m:r>
+                          <a:rPr lang="en-US" altLang="ko-KR" b="0" i="1" smtClean="0">
+                            <a:latin typeface="Cambria Math"/>
+                          </a:rPr>
+                          <m:t>2</m:t>
+                        </m:r>
+                      </m:sub>
+                    </m:sSub>
+                    <m:r>
+                      <a:rPr lang="en-US" altLang="ko-KR" b="0" i="1" smtClean="0">
+                        <a:latin typeface="Cambria Math"/>
+                      </a:rPr>
+                      <m:t>=1+</m:t>
+                    </m:r>
+                    <m:r>
+                      <a:rPr lang="en-US" altLang="ko-KR" b="0" i="1" smtClean="0">
+                        <a:latin typeface="Cambria Math"/>
+                      </a:rPr>
+                      <m:t>𝑗</m:t>
+                    </m:r>
+                  </m:oMath>
+                </a14:m>
+                <a:r>
+                  <a:rPr lang="en-US" altLang="ko-KR" dirty="0"/>
+                  <a:t>2</a:t>
+                </a:r>
+                <a:endParaRPr lang="ko-KR" altLang="en-US" dirty="0"/>
+              </a:p>
+            </p:txBody>
+          </p:sp>
+        </mc:Choice>
+        <mc:Fallback xmlns="">
+          <p:sp>
+            <p:nvSpPr>
+              <p:cNvPr id="6" name="TextBox 5"/>
+              <p:cNvSpPr txBox="1">
+                <a:spLocks noRot="1" noChangeAspect="1" noMove="1" noResize="1" noEditPoints="1" noAdjustHandles="1" noChangeArrowheads="1" noChangeShapeType="1" noTextEdit="1"/>
+              </p:cNvSpPr>
+              <p:nvPr/>
+            </p:nvSpPr>
+            <p:spPr>
+              <a:xfrm>
+                <a:off x="3807507" y="908720"/>
+                <a:ext cx="1317861" cy="369332"/>
+              </a:xfrm>
+              <a:prstGeom prst="rect">
+                <a:avLst/>
+              </a:prstGeom>
+              <a:blipFill rotWithShape="1">
+                <a:blip r:embed="rId4"/>
+                <a:stretch>
+                  <a:fillRect t="-8197" r="-3241" b="-24590"/>
+                </a:stretch>
+              </a:blipFill>
+            </p:spPr>
+            <p:txBody>
+              <a:bodyPr/>
+              <a:lstStyle/>
+              <a:p>
+                <a:r>
+                  <a:rPr lang="ko-KR" altLang="en-US">
+                    <a:noFill/>
+                  </a:rPr>
+                  <a:t> </a:t>
+                </a:r>
+              </a:p>
+            </p:txBody>
+          </p:sp>
+        </mc:Fallback>
+      </mc:AlternateContent>
+      <mc:AlternateContent xmlns:mc="http://schemas.openxmlformats.org/markup-compatibility/2006" xmlns:a14="http://schemas.microsoft.com/office/drawing/2010/main">
+        <mc:Choice Requires="a14">
+          <p:sp>
+            <p:nvSpPr>
+              <p:cNvPr id="7" name="TextBox 6"/>
+              <p:cNvSpPr txBox="1"/>
+              <p:nvPr/>
+            </p:nvSpPr>
+            <p:spPr>
+              <a:xfrm>
+                <a:off x="4815619" y="2132856"/>
+                <a:ext cx="2055498" cy="369332"/>
+              </a:xfrm>
+              <a:prstGeom prst="rect">
+                <a:avLst/>
+              </a:prstGeom>
+              <a:noFill/>
+            </p:spPr>
+            <p:txBody>
+              <a:bodyPr wrap="none" rtlCol="0">
+                <a:spAutoFit/>
+              </a:bodyPr>
+              <a:lstStyle/>
+              <a:p>
+                <a:pPr/>
+                <a14:m>
+                  <m:oMathPara xmlns:m="http://schemas.openxmlformats.org/officeDocument/2006/math">
+                    <m:oMathParaPr>
+                      <m:jc m:val="centerGroup"/>
+                    </m:oMathParaPr>
+                    <m:oMath xmlns:m="http://schemas.openxmlformats.org/officeDocument/2006/math">
+                      <m:sSub>
+                        <m:sSubPr>
+                          <m:ctrlPr>
+                            <a:rPr lang="en-US" altLang="ko-KR" b="0" i="1" smtClean="0">
+                              <a:solidFill>
+                                <a:srgbClr val="FF0000"/>
+                              </a:solidFill>
+                              <a:latin typeface="Cambria Math" panose="02040503050406030204" pitchFamily="18" charset="0"/>
+                            </a:rPr>
+                          </m:ctrlPr>
+                        </m:sSubPr>
+                        <m:e>
+                          <m:r>
+                            <m:rPr>
+                              <m:sty m:val="p"/>
+                            </m:rPr>
+                            <a:rPr lang="en-US" altLang="ko-KR" i="1" smtClean="0">
+                              <a:solidFill>
+                                <a:srgbClr val="FF0000"/>
+                              </a:solidFill>
+                              <a:latin typeface="Cambria Math"/>
+                            </a:rPr>
+                            <m:t>z</m:t>
+                          </m:r>
+                        </m:e>
+                        <m:sub>
+                          <m:r>
+                            <a:rPr lang="en-US" altLang="ko-KR" b="0" i="1" smtClean="0">
+                              <a:solidFill>
+                                <a:srgbClr val="FF0000"/>
+                              </a:solidFill>
+                              <a:latin typeface="Cambria Math"/>
+                            </a:rPr>
+                            <m:t>1</m:t>
+                          </m:r>
+                        </m:sub>
+                      </m:sSub>
+                      <m:r>
+                        <a:rPr lang="en-US" altLang="ko-KR" b="0" i="1" smtClean="0">
+                          <a:solidFill>
+                            <a:srgbClr val="FF0000"/>
+                          </a:solidFill>
+                          <a:latin typeface="Cambria Math"/>
+                        </a:rPr>
+                        <m:t>+</m:t>
+                      </m:r>
+                      <m:sSub>
+                        <m:sSubPr>
+                          <m:ctrlPr>
+                            <a:rPr lang="en-US" altLang="ko-KR" b="0" i="1" smtClean="0">
+                              <a:solidFill>
+                                <a:srgbClr val="FF0000"/>
+                              </a:solidFill>
+                              <a:latin typeface="Cambria Math" panose="02040503050406030204" pitchFamily="18" charset="0"/>
+                            </a:rPr>
+                          </m:ctrlPr>
+                        </m:sSubPr>
+                        <m:e>
+                          <m:r>
+                            <a:rPr lang="en-US" altLang="ko-KR" b="0" i="1" smtClean="0">
+                              <a:solidFill>
+                                <a:srgbClr val="FF0000"/>
+                              </a:solidFill>
+                              <a:latin typeface="Cambria Math"/>
+                            </a:rPr>
+                            <m:t>𝑧</m:t>
+                          </m:r>
+                        </m:e>
+                        <m:sub>
+                          <m:r>
+                            <a:rPr lang="en-US" altLang="ko-KR" b="0" i="1" smtClean="0">
+                              <a:solidFill>
+                                <a:srgbClr val="FF0000"/>
+                              </a:solidFill>
+                              <a:latin typeface="Cambria Math"/>
+                            </a:rPr>
+                            <m:t>2</m:t>
+                          </m:r>
+                        </m:sub>
+                      </m:sSub>
+                      <m:r>
+                        <a:rPr lang="en-US" altLang="ko-KR" b="0" i="1" smtClean="0">
+                          <a:solidFill>
+                            <a:srgbClr val="FF0000"/>
+                          </a:solidFill>
+                          <a:latin typeface="Cambria Math"/>
+                        </a:rPr>
+                        <m:t>=1.5+</m:t>
+                      </m:r>
+                      <m:r>
+                        <a:rPr lang="en-US" altLang="ko-KR" b="0" i="1" smtClean="0">
+                          <a:solidFill>
+                            <a:srgbClr val="FF0000"/>
+                          </a:solidFill>
+                          <a:latin typeface="Cambria Math"/>
+                        </a:rPr>
+                        <m:t>𝑗</m:t>
+                      </m:r>
+                      <m:r>
+                        <a:rPr lang="en-US" altLang="ko-KR" b="0" i="1" smtClean="0">
+                          <a:solidFill>
+                            <a:srgbClr val="FF0000"/>
+                          </a:solidFill>
+                          <a:latin typeface="Cambria Math"/>
+                        </a:rPr>
+                        <m:t>1</m:t>
+                      </m:r>
+                    </m:oMath>
+                  </m:oMathPara>
+                </a14:m>
+                <a:endParaRPr lang="ko-KR" altLang="en-US" dirty="0">
+                  <a:solidFill>
+                    <a:srgbClr val="FF0000"/>
+                  </a:solidFill>
+                </a:endParaRPr>
+              </a:p>
+            </p:txBody>
+          </p:sp>
+        </mc:Choice>
+        <mc:Fallback xmlns="">
+          <p:sp>
+            <p:nvSpPr>
+              <p:cNvPr id="7" name="TextBox 6"/>
+              <p:cNvSpPr txBox="1">
+                <a:spLocks noRot="1" noChangeAspect="1" noMove="1" noResize="1" noEditPoints="1" noAdjustHandles="1" noChangeArrowheads="1" noChangeShapeType="1" noTextEdit="1"/>
+              </p:cNvSpPr>
+              <p:nvPr/>
+            </p:nvSpPr>
+            <p:spPr>
+              <a:xfrm>
+                <a:off x="4815619" y="2132856"/>
+                <a:ext cx="2055498" cy="369332"/>
+              </a:xfrm>
+              <a:prstGeom prst="rect">
+                <a:avLst/>
+              </a:prstGeom>
+              <a:blipFill rotWithShape="1">
+                <a:blip r:embed="rId5"/>
+                <a:stretch>
+                  <a:fillRect b="-16667"/>
+                </a:stretch>
+              </a:blipFill>
+            </p:spPr>
+            <p:txBody>
+              <a:bodyPr/>
+              <a:lstStyle/>
+              <a:p>
+                <a:r>
+                  <a:rPr lang="ko-KR" altLang="en-US">
+                    <a:noFill/>
+                  </a:rPr>
+                  <a:t> </a:t>
+                </a:r>
+              </a:p>
+            </p:txBody>
+          </p:sp>
+        </mc:Fallback>
+      </mc:AlternateContent>
+      <mc:AlternateContent xmlns:mc="http://schemas.openxmlformats.org/markup-compatibility/2006">
+        <mc:Choice xmlns:a14="http://schemas.microsoft.com/office/drawing/2010/main" Requires="a14">
+          <p:sp>
+            <p:nvSpPr>
+              <p:cNvPr id="8" name="TextBox 7"/>
+              <p:cNvSpPr txBox="1"/>
+              <p:nvPr/>
+            </p:nvSpPr>
+            <p:spPr>
+              <a:xfrm>
+                <a:off x="5602405" y="1187460"/>
+                <a:ext cx="1262397" cy="369332"/>
+              </a:xfrm>
+              <a:prstGeom prst="rect">
+                <a:avLst/>
+              </a:prstGeom>
+              <a:solidFill>
+                <a:schemeClr val="accent5">
+                  <a:lumMod val="20000"/>
+                  <a:lumOff val="80000"/>
+                </a:schemeClr>
+              </a:solidFill>
+            </p:spPr>
+            <p:txBody>
+              <a:bodyPr wrap="none" rtlCol="0">
+                <a:spAutoFit/>
+              </a:bodyPr>
+              <a:lstStyle/>
+              <a:p>
+                <a:r>
+                  <a:rPr lang="en-US" altLang="ko-KR" b="0" dirty="0">
+                    <a:solidFill>
+                      <a:srgbClr val="0000FF"/>
+                    </a:solidFill>
+                  </a:rPr>
+                  <a:t>copy of </a:t>
+                </a:r>
+                <a14:m>
+                  <m:oMath xmlns:m="http://schemas.openxmlformats.org/officeDocument/2006/math">
+                    <m:sSub>
+                      <m:sSubPr>
+                        <m:ctrlPr>
+                          <a:rPr lang="en-US" altLang="ko-KR" b="0" i="1" smtClean="0">
+                            <a:solidFill>
+                              <a:srgbClr val="0000FF"/>
+                            </a:solidFill>
+                            <a:latin typeface="Cambria Math" panose="02040503050406030204" pitchFamily="18" charset="0"/>
+                          </a:rPr>
+                        </m:ctrlPr>
+                      </m:sSubPr>
+                      <m:e>
+                        <m:r>
+                          <a:rPr lang="en-US" altLang="ko-KR" b="0" i="1" smtClean="0">
+                            <a:solidFill>
+                              <a:srgbClr val="0000FF"/>
+                            </a:solidFill>
+                            <a:latin typeface="Cambria Math"/>
+                          </a:rPr>
+                          <m:t>𝑧</m:t>
+                        </m:r>
+                      </m:e>
+                      <m:sub>
+                        <m:r>
+                          <a:rPr lang="en-US" altLang="ko-KR" b="0" i="1" smtClean="0">
+                            <a:solidFill>
+                              <a:srgbClr val="0000FF"/>
+                            </a:solidFill>
+                            <a:latin typeface="Cambria Math"/>
+                          </a:rPr>
+                          <m:t>1</m:t>
+                        </m:r>
+                      </m:sub>
+                    </m:sSub>
+                  </m:oMath>
+                </a14:m>
+                <a:endParaRPr lang="ko-KR" altLang="en-US" dirty="0">
+                  <a:solidFill>
+                    <a:srgbClr val="0000FF"/>
+                  </a:solidFill>
+                </a:endParaRPr>
+              </a:p>
+            </p:txBody>
+          </p:sp>
+        </mc:Choice>
+        <mc:Fallback>
+          <p:sp>
+            <p:nvSpPr>
+              <p:cNvPr id="8" name="TextBox 7"/>
+              <p:cNvSpPr txBox="1">
+                <a:spLocks noRot="1" noChangeAspect="1" noMove="1" noResize="1" noEditPoints="1" noAdjustHandles="1" noChangeArrowheads="1" noChangeShapeType="1" noTextEdit="1"/>
+              </p:cNvSpPr>
+              <p:nvPr/>
+            </p:nvSpPr>
+            <p:spPr>
+              <a:xfrm>
+                <a:off x="5602405" y="1187460"/>
+                <a:ext cx="1262397" cy="369332"/>
+              </a:xfrm>
+              <a:prstGeom prst="rect">
+                <a:avLst/>
+              </a:prstGeom>
+              <a:blipFill>
+                <a:blip r:embed="rId6"/>
+                <a:stretch>
+                  <a:fillRect l="-3865" t="-10000" b="-26667"/>
+                </a:stretch>
+              </a:blipFill>
+            </p:spPr>
+            <p:txBody>
+              <a:bodyPr/>
+              <a:lstStyle/>
+              <a:p>
+                <a:r>
+                  <a:rPr lang="en-US">
+                    <a:noFill/>
+                  </a:rPr>
+                  <a:t> </a:t>
+                </a:r>
+              </a:p>
+            </p:txBody>
+          </p:sp>
+        </mc:Fallback>
+      </mc:AlternateContent>
+      <p:sp>
+        <p:nvSpPr>
+          <p:cNvPr id="5" name="자유형 4"/>
+          <p:cNvSpPr/>
+          <p:nvPr/>
+        </p:nvSpPr>
+        <p:spPr>
+          <a:xfrm>
+            <a:off x="4510785" y="1380226"/>
+            <a:ext cx="1095555" cy="388189"/>
+          </a:xfrm>
+          <a:custGeom>
+            <a:avLst/>
+            <a:gdLst>
+              <a:gd name="connsiteX0" fmla="*/ 1095555 w 1095555"/>
+              <a:gd name="connsiteY0" fmla="*/ 0 h 388189"/>
+              <a:gd name="connsiteX1" fmla="*/ 612476 w 1095555"/>
+              <a:gd name="connsiteY1" fmla="*/ 284672 h 388189"/>
+              <a:gd name="connsiteX2" fmla="*/ 552091 w 1095555"/>
+              <a:gd name="connsiteY2" fmla="*/ 34506 h 388189"/>
+              <a:gd name="connsiteX3" fmla="*/ 0 w 1095555"/>
+              <a:gd name="connsiteY3" fmla="*/ 388189 h 388189"/>
+            </a:gdLst>
+            <a:ahLst/>
+            <a:cxnLst>
+              <a:cxn ang="0">
+                <a:pos x="connsiteX0" y="connsiteY0"/>
+              </a:cxn>
+              <a:cxn ang="0">
+                <a:pos x="connsiteX1" y="connsiteY1"/>
+              </a:cxn>
+              <a:cxn ang="0">
+                <a:pos x="connsiteX2" y="connsiteY2"/>
+              </a:cxn>
+              <a:cxn ang="0">
+                <a:pos x="connsiteX3" y="connsiteY3"/>
+              </a:cxn>
+            </a:cxnLst>
+            <a:rect l="l" t="t" r="r" b="b"/>
+            <a:pathLst>
+              <a:path w="1095555" h="388189">
+                <a:moveTo>
+                  <a:pt x="1095555" y="0"/>
+                </a:moveTo>
+                <a:cubicBezTo>
+                  <a:pt x="899304" y="139460"/>
+                  <a:pt x="703053" y="278921"/>
+                  <a:pt x="612476" y="284672"/>
+                </a:cubicBezTo>
+                <a:cubicBezTo>
+                  <a:pt x="521899" y="290423"/>
+                  <a:pt x="654170" y="17253"/>
+                  <a:pt x="552091" y="34506"/>
+                </a:cubicBezTo>
+                <a:cubicBezTo>
+                  <a:pt x="450012" y="51759"/>
+                  <a:pt x="93453" y="323491"/>
+                  <a:pt x="0" y="388189"/>
+                </a:cubicBezTo>
+              </a:path>
+            </a:pathLst>
+          </a:custGeom>
+          <a:ln>
+            <a:headEnd type="none" w="med" len="med"/>
+            <a:tailEnd type="arrow" w="med" len="med"/>
+          </a:ln>
+        </p:spPr>
+        <p:style>
+          <a:lnRef idx="1">
+            <a:schemeClr val="accent1"/>
+          </a:lnRef>
+          <a:fillRef idx="0">
+            <a:schemeClr val="accent1"/>
+          </a:fillRef>
+          <a:effectRef idx="0">
+            <a:schemeClr val="accent1"/>
+          </a:effectRef>
+          <a:fontRef idx="minor">
+            <a:schemeClr val="tx1"/>
+          </a:fontRef>
+        </p:style>
+        <p:txBody>
+          <a:bodyPr rtlCol="0" anchor="ctr"/>
+          <a:lstStyle/>
+          <a:p>
+            <a:pPr algn="ctr"/>
+            <a:endParaRPr lang="ko-KR" altLang="en-US"/>
+          </a:p>
+        </p:txBody>
+      </p:sp>
+      <p:sp>
+        <p:nvSpPr>
+          <p:cNvPr id="2" name="Rectangle 1">
+            <a:extLst>
+              <a:ext uri="{FF2B5EF4-FFF2-40B4-BE49-F238E27FC236}">
+                <a16:creationId xmlns:a16="http://schemas.microsoft.com/office/drawing/2014/main" id="{F2A588B3-3B0D-C1F8-6159-A0D04EF8545F}"/>
+              </a:ext>
+            </a:extLst>
+          </p:cNvPr>
+          <p:cNvSpPr/>
+          <p:nvPr/>
+        </p:nvSpPr>
+        <p:spPr>
+          <a:xfrm>
+            <a:off x="5675614" y="2902709"/>
+            <a:ext cx="720080" cy="360040"/>
+          </a:xfrm>
+          <a:prstGeom prst="rect">
+            <a:avLst/>
+          </a:prstGeom>
+          <a:solidFill>
+            <a:schemeClr val="bg1"/>
+          </a:solidFill>
+          <a:ln>
+            <a:noFill/>
+          </a:ln>
+        </p:spPr>
+        <p:style>
+          <a:lnRef idx="2">
+            <a:schemeClr val="accent1">
+              <a:shade val="50000"/>
+            </a:schemeClr>
+          </a:lnRef>
+          <a:fillRef idx="1">
+            <a:schemeClr val="accent1"/>
+          </a:fillRef>
+          <a:effectRef idx="0">
+            <a:schemeClr val="accent1"/>
+          </a:effectRef>
+          <a:fontRef idx="minor">
+            <a:schemeClr val="lt1"/>
+          </a:fontRef>
+        </p:style>
+        <p:txBody>
+          <a:bodyPr rtlCol="0" anchor="ctr"/>
+          <a:lstStyle/>
+          <a:p>
+            <a:pPr algn="ctr"/>
+            <a:endParaRPr lang="en-US"/>
+          </a:p>
+        </p:txBody>
+      </p:sp>
+      <p:sp>
+        <p:nvSpPr>
+          <p:cNvPr id="3" name="TextBox 2">
+            <a:extLst>
+              <a:ext uri="{FF2B5EF4-FFF2-40B4-BE49-F238E27FC236}">
+                <a16:creationId xmlns:a16="http://schemas.microsoft.com/office/drawing/2014/main" id="{BD3085B0-FB3E-C2FE-898A-C41619078196}"/>
+              </a:ext>
+            </a:extLst>
+          </p:cNvPr>
+          <p:cNvSpPr txBox="1"/>
+          <p:nvPr/>
+        </p:nvSpPr>
+        <p:spPr>
+          <a:xfrm>
+            <a:off x="5526958" y="2958353"/>
+            <a:ext cx="910186" cy="307777"/>
+          </a:xfrm>
+          <a:prstGeom prst="rect">
+            <a:avLst/>
+          </a:prstGeom>
+          <a:noFill/>
+        </p:spPr>
+        <p:txBody>
+          <a:bodyPr wrap="none" rtlCol="0">
+            <a:spAutoFit/>
+          </a:bodyPr>
+          <a:lstStyle/>
+          <a:p>
+            <a:r>
+              <a:rPr lang="en-US" sz="1400" dirty="0"/>
+              <a:t>Real Axis</a:t>
+            </a:r>
+          </a:p>
+        </p:txBody>
+      </p:sp>
+      <p:sp>
+        <p:nvSpPr>
+          <p:cNvPr id="9" name="Rectangle 8">
+            <a:extLst>
+              <a:ext uri="{FF2B5EF4-FFF2-40B4-BE49-F238E27FC236}">
+                <a16:creationId xmlns:a16="http://schemas.microsoft.com/office/drawing/2014/main" id="{89A679DD-2DA4-6085-0F42-4E9114630274}"/>
+              </a:ext>
+            </a:extLst>
+          </p:cNvPr>
+          <p:cNvSpPr/>
+          <p:nvPr/>
+        </p:nvSpPr>
+        <p:spPr>
+          <a:xfrm>
+            <a:off x="3416104" y="640046"/>
+            <a:ext cx="720080" cy="360040"/>
+          </a:xfrm>
+          <a:prstGeom prst="rect">
+            <a:avLst/>
+          </a:prstGeom>
+          <a:solidFill>
+            <a:schemeClr val="bg1"/>
+          </a:solidFill>
+          <a:ln>
+            <a:noFill/>
+          </a:ln>
+        </p:spPr>
+        <p:style>
+          <a:lnRef idx="2">
+            <a:schemeClr val="accent1">
+              <a:shade val="50000"/>
+            </a:schemeClr>
+          </a:lnRef>
+          <a:fillRef idx="1">
+            <a:schemeClr val="accent1"/>
+          </a:fillRef>
+          <a:effectRef idx="0">
+            <a:schemeClr val="accent1"/>
+          </a:effectRef>
+          <a:fontRef idx="minor">
+            <a:schemeClr val="lt1"/>
+          </a:fontRef>
+        </p:style>
+        <p:txBody>
+          <a:bodyPr rtlCol="0" anchor="ctr"/>
+          <a:lstStyle/>
+          <a:p>
+            <a:pPr algn="ctr"/>
+            <a:endParaRPr lang="en-US"/>
+          </a:p>
+        </p:txBody>
+      </p:sp>
+      <p:sp>
+        <p:nvSpPr>
+          <p:cNvPr id="10" name="TextBox 9">
+            <a:extLst>
+              <a:ext uri="{FF2B5EF4-FFF2-40B4-BE49-F238E27FC236}">
+                <a16:creationId xmlns:a16="http://schemas.microsoft.com/office/drawing/2014/main" id="{104E417F-7C33-51D8-6082-F84B30465733}"/>
+              </a:ext>
+            </a:extLst>
+          </p:cNvPr>
+          <p:cNvSpPr txBox="1"/>
+          <p:nvPr/>
+        </p:nvSpPr>
+        <p:spPr>
+          <a:xfrm>
+            <a:off x="2574630" y="476672"/>
+            <a:ext cx="1381917" cy="307777"/>
+          </a:xfrm>
+          <a:prstGeom prst="rect">
+            <a:avLst/>
+          </a:prstGeom>
+          <a:noFill/>
+        </p:spPr>
+        <p:txBody>
+          <a:bodyPr wrap="none" rtlCol="0">
+            <a:spAutoFit/>
+          </a:bodyPr>
+          <a:lstStyle/>
+          <a:p>
+            <a:r>
+              <a:rPr lang="en-US" sz="1400" dirty="0"/>
+              <a:t>Imaginary Axis</a:t>
+            </a:r>
+          </a:p>
+        </p:txBody>
+      </p:sp>
+    </p:spTree>
+    <p:extLst>
+      <p:ext uri="{BB962C8B-B14F-4D97-AF65-F5344CB8AC3E}">
+        <p14:creationId xmlns:p14="http://schemas.microsoft.com/office/powerpoint/2010/main" val="2670594049"/>
+      </p:ext>
+    </p:extLst>
+  </p:cSld>
+  <p:clrMapOvr>
+    <a:masterClrMapping/>
+  </p:clrMapOvr>
+</p:sld>
+</file>
+
+<file path=ppt/slides/slide13.xml><?xml version="1.0" encoding="utf-8"?>
 <p:sld xmlns:a="http://schemas.openxmlformats.org/drawingml/2006/main" xmlns:r="http://schemas.openxmlformats.org/officeDocument/2006/relationships" xmlns:p="http://schemas.openxmlformats.org/presentationml/2006/main">
   <p:cSld>
     <p:spTree>
@@ -4751,8 +5379,8 @@
           </a:extLst>
         </p:spPr>
       </p:pic>
-      <mc:AlternateContent xmlns:mc="http://schemas.openxmlformats.org/markup-compatibility/2006">
-        <mc:Choice xmlns:a14="http://schemas.microsoft.com/office/drawing/2010/main" Requires="a14">
+      <mc:AlternateContent xmlns:mc="http://schemas.openxmlformats.org/markup-compatibility/2006" xmlns:a14="http://schemas.microsoft.com/office/drawing/2010/main">
+        <mc:Choice Requires="a14">
           <p:sp>
             <p:nvSpPr>
               <p:cNvPr id="5" name="TextBox 4"/>
@@ -4775,6 +5403,7 @@
               </a:bodyPr>
               <a:lstStyle/>
               <a:p>
+                <a:pPr/>
                 <a14:m>
                   <m:oMathPara xmlns:m="http://schemas.openxmlformats.org/officeDocument/2006/math">
                     <m:oMathParaPr>
@@ -4785,7 +5414,7 @@
                         <m:sSubPr>
                           <m:ctrlPr>
                             <a:rPr lang="en-US" altLang="ko-KR" b="0" i="1" smtClean="0">
-                              <a:latin typeface="Cambria Math"/>
+                              <a:latin typeface="Cambria Math" panose="02040503050406030204" pitchFamily="18" charset="0"/>
                             </a:rPr>
                           </m:ctrlPr>
                         </m:sSubPr>
@@ -4832,7 +5461,7 @@
             </p:txBody>
           </p:sp>
         </mc:Choice>
-        <mc:Fallback>
+        <mc:Fallback xmlns="">
           <p:sp>
             <p:nvSpPr>
               <p:cNvPr id="5" name="TextBox 4"/>
@@ -4871,8 +5500,8 @@
           </p:sp>
         </mc:Fallback>
       </mc:AlternateContent>
-      <mc:AlternateContent xmlns:mc="http://schemas.openxmlformats.org/markup-compatibility/2006">
-        <mc:Choice xmlns:a14="http://schemas.microsoft.com/office/drawing/2010/main" Requires="a14">
+      <mc:AlternateContent xmlns:mc="http://schemas.openxmlformats.org/markup-compatibility/2006" xmlns:a14="http://schemas.microsoft.com/office/drawing/2010/main">
+        <mc:Choice Requires="a14">
           <p:sp>
             <p:nvSpPr>
               <p:cNvPr id="6" name="TextBox 5"/>
@@ -4895,6 +5524,7 @@
               </a:bodyPr>
               <a:lstStyle/>
               <a:p>
+                <a:pPr/>
                 <a14:m>
                   <m:oMathPara xmlns:m="http://schemas.openxmlformats.org/officeDocument/2006/math">
                     <m:oMathParaPr>
@@ -4905,7 +5535,7 @@
                         <m:sSubPr>
                           <m:ctrlPr>
                             <a:rPr lang="en-US" altLang="ko-KR" b="0" i="1" smtClean="0">
-                              <a:latin typeface="Cambria Math"/>
+                              <a:latin typeface="Cambria Math" panose="02040503050406030204" pitchFamily="18" charset="0"/>
                             </a:rPr>
                           </m:ctrlPr>
                         </m:sSubPr>
@@ -4952,7 +5582,7 @@
             </p:txBody>
           </p:sp>
         </mc:Choice>
-        <mc:Fallback>
+        <mc:Fallback xmlns="">
           <p:sp>
             <p:nvSpPr>
               <p:cNvPr id="6" name="TextBox 5"/>
@@ -4991,8 +5621,8 @@
           </p:sp>
         </mc:Fallback>
       </mc:AlternateContent>
-      <mc:AlternateContent xmlns:mc="http://schemas.openxmlformats.org/markup-compatibility/2006">
-        <mc:Choice xmlns:a14="http://schemas.microsoft.com/office/drawing/2010/main" Requires="a14">
+      <mc:AlternateContent xmlns:mc="http://schemas.openxmlformats.org/markup-compatibility/2006" xmlns:a14="http://schemas.microsoft.com/office/drawing/2010/main">
+        <mc:Choice Requires="a14">
           <p:sp>
             <p:nvSpPr>
               <p:cNvPr id="7" name="TextBox 6"/>
@@ -5015,6 +5645,7 @@
               </a:bodyPr>
               <a:lstStyle/>
               <a:p>
+                <a:pPr/>
                 <a14:m>
                   <m:oMathPara xmlns:m="http://schemas.openxmlformats.org/officeDocument/2006/math">
                     <m:oMathParaPr>
@@ -5041,7 +5672,7 @@
                                   <a:lumMod val="50000"/>
                                 </a:schemeClr>
                               </a:solidFill>
-                              <a:latin typeface="Cambria Math"/>
+                              <a:latin typeface="Cambria Math" panose="02040503050406030204" pitchFamily="18" charset="0"/>
                             </a:rPr>
                           </m:ctrlPr>
                         </m:sSubPr>
@@ -5086,7 +5717,7 @@
             </p:txBody>
           </p:sp>
         </mc:Choice>
-        <mc:Fallback>
+        <mc:Fallback xmlns="">
           <p:sp>
             <p:nvSpPr>
               <p:cNvPr id="7" name="TextBox 6"/>
@@ -5125,8 +5756,8 @@
           </p:sp>
         </mc:Fallback>
       </mc:AlternateContent>
-      <mc:AlternateContent xmlns:mc="http://schemas.openxmlformats.org/markup-compatibility/2006">
-        <mc:Choice xmlns:a14="http://schemas.microsoft.com/office/drawing/2010/main" Requires="a14">
+      <mc:AlternateContent xmlns:mc="http://schemas.openxmlformats.org/markup-compatibility/2006" xmlns:a14="http://schemas.microsoft.com/office/drawing/2010/main">
+        <mc:Choice Requires="a14">
           <p:sp>
             <p:nvSpPr>
               <p:cNvPr id="9" name="TextBox 8"/>
@@ -5163,7 +5794,7 @@
                             <a:solidFill>
                               <a:srgbClr val="0000FF"/>
                             </a:solidFill>
-                            <a:latin typeface="Cambria Math"/>
+                            <a:latin typeface="Cambria Math" panose="02040503050406030204" pitchFamily="18" charset="0"/>
                           </a:rPr>
                         </m:ctrlPr>
                       </m:sSubPr>
@@ -5202,23 +5833,18 @@
                   </m:oMath>
                 </a14:m>
                 <a:r>
-                  <a:rPr lang="ko-KR" altLang="en-US" dirty="0" smtClean="0">
+                  <a:rPr lang="ko-KR" altLang="en-US" dirty="0">
                     <a:solidFill>
                       <a:srgbClr val="0000FF"/>
                     </a:solidFill>
                   </a:rPr>
                   <a:t>의 사본</a:t>
                 </a:r>
-                <a:endParaRPr lang="ko-KR" altLang="en-US" dirty="0">
-                  <a:solidFill>
-                    <a:srgbClr val="0000FF"/>
-                  </a:solidFill>
-                </a:endParaRPr>
               </a:p>
             </p:txBody>
           </p:sp>
         </mc:Choice>
-        <mc:Fallback>
+        <mc:Fallback xmlns="">
           <p:sp>
             <p:nvSpPr>
               <p:cNvPr id="9" name="TextBox 8"/>
@@ -5347,8 +5973,8 @@
           </a:p>
         </p:txBody>
       </p:sp>
-      <mc:AlternateContent xmlns:mc="http://schemas.openxmlformats.org/markup-compatibility/2006">
-        <mc:Choice xmlns:a14="http://schemas.microsoft.com/office/drawing/2010/main" Requires="a14">
+      <mc:AlternateContent xmlns:mc="http://schemas.openxmlformats.org/markup-compatibility/2006" xmlns:a14="http://schemas.microsoft.com/office/drawing/2010/main">
+        <mc:Choice Requires="a14">
           <p:sp>
             <p:nvSpPr>
               <p:cNvPr id="11" name="TextBox 10"/>
@@ -5371,6 +5997,7 @@
               </a:bodyPr>
               <a:lstStyle/>
               <a:p>
+                <a:pPr/>
                 <a14:m>
                   <m:oMathPara xmlns:m="http://schemas.openxmlformats.org/officeDocument/2006/math">
                     <m:oMathParaPr>
@@ -5384,7 +6011,7 @@
                               <a:solidFill>
                                 <a:srgbClr val="FF0000"/>
                               </a:solidFill>
-                              <a:latin typeface="Cambria Math"/>
+                              <a:latin typeface="Cambria Math" panose="02040503050406030204" pitchFamily="18" charset="0"/>
                             </a:rPr>
                           </m:ctrlPr>
                         </m:sSubPr>
@@ -5427,7 +6054,7 @@
                               <a:solidFill>
                                 <a:srgbClr val="FF0000"/>
                               </a:solidFill>
-                              <a:latin typeface="Cambria Math"/>
+                              <a:latin typeface="Cambria Math" panose="02040503050406030204" pitchFamily="18" charset="0"/>
                             </a:rPr>
                           </m:ctrlPr>
                         </m:sSubPr>
@@ -5493,7 +6120,7 @@
             </p:txBody>
           </p:sp>
         </mc:Choice>
-        <mc:Fallback>
+        <mc:Fallback xmlns="">
           <p:sp>
             <p:nvSpPr>
               <p:cNvPr id="11" name="TextBox 10"/>
@@ -5545,7 +6172,1110 @@
 </p:sld>
 </file>
 
-<file path=ppt/slides/slide9.xml><?xml version="1.0" encoding="utf-8"?>
+<file path=ppt/slides/slide14.xml><?xml version="1.0" encoding="utf-8"?>
+<p:sld xmlns:a="http://schemas.openxmlformats.org/drawingml/2006/main" xmlns:r="http://schemas.openxmlformats.org/officeDocument/2006/relationships" xmlns:p="http://schemas.openxmlformats.org/presentationml/2006/main">
+  <p:cSld>
+    <p:spTree>
+      <p:nvGrpSpPr>
+        <p:cNvPr id="1" name=""/>
+        <p:cNvGrpSpPr/>
+        <p:nvPr/>
+      </p:nvGrpSpPr>
+      <p:grpSpPr>
+        <a:xfrm>
+          <a:off x="0" y="0"/>
+          <a:ext cx="0" cy="0"/>
+          <a:chOff x="0" y="0"/>
+          <a:chExt cx="0" cy="0"/>
+        </a:xfrm>
+      </p:grpSpPr>
+      <p:sp>
+        <p:nvSpPr>
+          <p:cNvPr id="8" name="Rectangle 7">
+            <a:extLst>
+              <a:ext uri="{FF2B5EF4-FFF2-40B4-BE49-F238E27FC236}">
+                <a16:creationId xmlns:a16="http://schemas.microsoft.com/office/drawing/2014/main" id="{FB37030C-A242-2D55-71DB-A0C4FF01111A}"/>
+              </a:ext>
+            </a:extLst>
+          </p:cNvPr>
+          <p:cNvSpPr/>
+          <p:nvPr/>
+        </p:nvSpPr>
+        <p:spPr>
+          <a:xfrm>
+            <a:off x="3923332" y="644808"/>
+            <a:ext cx="720080" cy="360040"/>
+          </a:xfrm>
+          <a:prstGeom prst="rect">
+            <a:avLst/>
+          </a:prstGeom>
+          <a:solidFill>
+            <a:schemeClr val="bg1"/>
+          </a:solidFill>
+          <a:ln>
+            <a:noFill/>
+          </a:ln>
+        </p:spPr>
+        <p:style>
+          <a:lnRef idx="2">
+            <a:schemeClr val="accent1">
+              <a:shade val="50000"/>
+            </a:schemeClr>
+          </a:lnRef>
+          <a:fillRef idx="1">
+            <a:schemeClr val="accent1"/>
+          </a:fillRef>
+          <a:effectRef idx="0">
+            <a:schemeClr val="accent1"/>
+          </a:effectRef>
+          <a:fontRef idx="minor">
+            <a:schemeClr val="lt1"/>
+          </a:fontRef>
+        </p:style>
+        <p:txBody>
+          <a:bodyPr rtlCol="0" anchor="ctr"/>
+          <a:lstStyle/>
+          <a:p>
+            <a:pPr algn="ctr"/>
+            <a:endParaRPr lang="en-US"/>
+          </a:p>
+        </p:txBody>
+      </p:sp>
+      <p:pic>
+        <p:nvPicPr>
+          <p:cNvPr id="2050" name="Picture 2"/>
+          <p:cNvPicPr>
+            <a:picLocks noChangeAspect="1" noChangeArrowheads="1"/>
+          </p:cNvPicPr>
+          <p:nvPr/>
+        </p:nvPicPr>
+        <p:blipFill rotWithShape="1">
+          <a:blip r:embed="rId2">
+            <a:extLst>
+              <a:ext uri="{28A0092B-C50C-407E-A947-70E740481C1C}">
+                <a14:useLocalDpi xmlns:a14="http://schemas.microsoft.com/office/drawing/2010/main" val="0"/>
+              </a:ext>
+            </a:extLst>
+          </a:blip>
+          <a:srcRect l="35676"/>
+          <a:stretch/>
+        </p:blipFill>
+        <p:spPr bwMode="auto">
+          <a:xfrm>
+            <a:off x="2267744" y="370964"/>
+            <a:ext cx="6120712" cy="6181725"/>
+          </a:xfrm>
+          <a:prstGeom prst="rect">
+            <a:avLst/>
+          </a:prstGeom>
+          <a:noFill/>
+          <a:ln>
+            <a:noFill/>
+          </a:ln>
+          <a:effectLst/>
+          <a:extLst>
+            <a:ext uri="{909E8E84-426E-40DD-AFC4-6F175D3DCCD1}">
+              <a14:hiddenFill xmlns:a14="http://schemas.microsoft.com/office/drawing/2010/main">
+                <a:solidFill>
+                  <a:schemeClr val="accent1"/>
+                </a:solidFill>
+              </a14:hiddenFill>
+            </a:ext>
+            <a:ext uri="{91240B29-F687-4F45-9708-019B960494DF}">
+              <a14:hiddenLine xmlns:a14="http://schemas.microsoft.com/office/drawing/2010/main" w="9525">
+                <a:solidFill>
+                  <a:schemeClr val="tx1"/>
+                </a:solidFill>
+                <a:miter lim="800000"/>
+                <a:headEnd/>
+                <a:tailEnd/>
+              </a14:hiddenLine>
+            </a:ext>
+            <a:ext uri="{AF507438-7753-43E0-B8FC-AC1667EBCBE1}">
+              <a14:hiddenEffects xmlns:a14="http://schemas.microsoft.com/office/drawing/2010/main">
+                <a:effectLst>
+                  <a:outerShdw dist="35921" dir="2700000" algn="ctr" rotWithShape="0">
+                    <a:schemeClr val="bg2"/>
+                  </a:outerShdw>
+                </a:effectLst>
+              </a14:hiddenEffects>
+            </a:ext>
+          </a:extLst>
+        </p:spPr>
+      </p:pic>
+      <mc:AlternateContent xmlns:mc="http://schemas.openxmlformats.org/markup-compatibility/2006" xmlns:a14="http://schemas.microsoft.com/office/drawing/2010/main">
+        <mc:Choice Requires="a14">
+          <p:sp>
+            <p:nvSpPr>
+              <p:cNvPr id="5" name="TextBox 4"/>
+              <p:cNvSpPr txBox="1"/>
+              <p:nvPr/>
+            </p:nvSpPr>
+            <p:spPr>
+              <a:xfrm>
+                <a:off x="3990758" y="4397930"/>
+                <a:ext cx="1568250" cy="369332"/>
+              </a:xfrm>
+              <a:prstGeom prst="rect">
+                <a:avLst/>
+              </a:prstGeom>
+              <a:noFill/>
+            </p:spPr>
+            <p:txBody>
+              <a:bodyPr wrap="none" rtlCol="0">
+                <a:spAutoFit/>
+              </a:bodyPr>
+              <a:lstStyle/>
+              <a:p>
+                <a:pPr/>
+                <a14:m>
+                  <m:oMathPara xmlns:m="http://schemas.openxmlformats.org/officeDocument/2006/math">
+                    <m:oMathParaPr>
+                      <m:jc m:val="centerGroup"/>
+                    </m:oMathParaPr>
+                    <m:oMath xmlns:m="http://schemas.openxmlformats.org/officeDocument/2006/math">
+                      <m:sSub>
+                        <m:sSubPr>
+                          <m:ctrlPr>
+                            <a:rPr lang="en-US" altLang="ko-KR" b="0" i="1" smtClean="0">
+                              <a:latin typeface="Cambria Math" panose="02040503050406030204" pitchFamily="18" charset="0"/>
+                            </a:rPr>
+                          </m:ctrlPr>
+                        </m:sSubPr>
+                        <m:e>
+                          <m:r>
+                            <a:rPr lang="en-US" altLang="ko-KR" b="0" i="1" smtClean="0">
+                              <a:latin typeface="Cambria Math"/>
+                            </a:rPr>
+                            <m:t>𝑧</m:t>
+                          </m:r>
+                        </m:e>
+                        <m:sub>
+                          <m:r>
+                            <a:rPr lang="en-US" altLang="ko-KR" b="0" i="1" smtClean="0">
+                              <a:latin typeface="Cambria Math"/>
+                            </a:rPr>
+                            <m:t>1</m:t>
+                          </m:r>
+                        </m:sub>
+                      </m:sSub>
+                      <m:r>
+                        <a:rPr lang="en-US" altLang="ko-KR" b="0" i="1" smtClean="0">
+                          <a:latin typeface="Cambria Math"/>
+                        </a:rPr>
+                        <m:t>=0.5−</m:t>
+                      </m:r>
+                      <m:r>
+                        <a:rPr lang="en-US" altLang="ko-KR" b="0" i="1" smtClean="0">
+                          <a:latin typeface="Cambria Math"/>
+                        </a:rPr>
+                        <m:t>𝑗</m:t>
+                      </m:r>
+                      <m:r>
+                        <a:rPr lang="en-US" altLang="ko-KR" b="0" i="1" smtClean="0">
+                          <a:latin typeface="Cambria Math"/>
+                        </a:rPr>
+                        <m:t>1</m:t>
+                      </m:r>
+                    </m:oMath>
+                  </m:oMathPara>
+                </a14:m>
+                <a:endParaRPr lang="ko-KR" altLang="en-US" dirty="0"/>
+              </a:p>
+            </p:txBody>
+          </p:sp>
+        </mc:Choice>
+        <mc:Fallback xmlns="">
+          <p:sp>
+            <p:nvSpPr>
+              <p:cNvPr id="5" name="TextBox 4"/>
+              <p:cNvSpPr txBox="1">
+                <a:spLocks noRot="1" noChangeAspect="1" noMove="1" noResize="1" noEditPoints="1" noAdjustHandles="1" noChangeArrowheads="1" noChangeShapeType="1" noTextEdit="1"/>
+              </p:cNvSpPr>
+              <p:nvPr/>
+            </p:nvSpPr>
+            <p:spPr>
+              <a:xfrm>
+                <a:off x="3990758" y="4397930"/>
+                <a:ext cx="1568250" cy="369332"/>
+              </a:xfrm>
+              <a:prstGeom prst="rect">
+                <a:avLst/>
+              </a:prstGeom>
+              <a:blipFill rotWithShape="1">
+                <a:blip r:embed="rId3"/>
+                <a:stretch>
+                  <a:fillRect b="-14754"/>
+                </a:stretch>
+              </a:blipFill>
+            </p:spPr>
+            <p:txBody>
+              <a:bodyPr/>
+              <a:lstStyle/>
+              <a:p>
+                <a:r>
+                  <a:rPr lang="ko-KR" altLang="en-US">
+                    <a:noFill/>
+                  </a:rPr>
+                  <a:t> </a:t>
+                </a:r>
+              </a:p>
+            </p:txBody>
+          </p:sp>
+        </mc:Fallback>
+      </mc:AlternateContent>
+      <mc:AlternateContent xmlns:mc="http://schemas.openxmlformats.org/markup-compatibility/2006" xmlns:a14="http://schemas.microsoft.com/office/drawing/2010/main">
+        <mc:Choice Requires="a14">
+          <p:sp>
+            <p:nvSpPr>
+              <p:cNvPr id="6" name="TextBox 5"/>
+              <p:cNvSpPr txBox="1"/>
+              <p:nvPr/>
+            </p:nvSpPr>
+            <p:spPr>
+              <a:xfrm>
+                <a:off x="4926862" y="2165682"/>
+                <a:ext cx="1391920" cy="369332"/>
+              </a:xfrm>
+              <a:prstGeom prst="rect">
+                <a:avLst/>
+              </a:prstGeom>
+              <a:noFill/>
+            </p:spPr>
+            <p:txBody>
+              <a:bodyPr wrap="none" rtlCol="0">
+                <a:spAutoFit/>
+              </a:bodyPr>
+              <a:lstStyle/>
+              <a:p>
+                <a:pPr/>
+                <a14:m>
+                  <m:oMathPara xmlns:m="http://schemas.openxmlformats.org/officeDocument/2006/math">
+                    <m:oMathParaPr>
+                      <m:jc m:val="centerGroup"/>
+                    </m:oMathParaPr>
+                    <m:oMath xmlns:m="http://schemas.openxmlformats.org/officeDocument/2006/math">
+                      <m:sSub>
+                        <m:sSubPr>
+                          <m:ctrlPr>
+                            <a:rPr lang="en-US" altLang="ko-KR" b="0" i="1" smtClean="0">
+                              <a:latin typeface="Cambria Math" panose="02040503050406030204" pitchFamily="18" charset="0"/>
+                            </a:rPr>
+                          </m:ctrlPr>
+                        </m:sSubPr>
+                        <m:e>
+                          <m:r>
+                            <a:rPr lang="en-US" altLang="ko-KR" b="0" i="1" smtClean="0">
+                              <a:latin typeface="Cambria Math"/>
+                            </a:rPr>
+                            <m:t>𝑧</m:t>
+                          </m:r>
+                        </m:e>
+                        <m:sub>
+                          <m:r>
+                            <a:rPr lang="en-US" altLang="ko-KR" b="0" i="1" smtClean="0">
+                              <a:latin typeface="Cambria Math"/>
+                            </a:rPr>
+                            <m:t>2</m:t>
+                          </m:r>
+                        </m:sub>
+                      </m:sSub>
+                      <m:r>
+                        <a:rPr lang="en-US" altLang="ko-KR" b="0" i="1" smtClean="0">
+                          <a:latin typeface="Cambria Math"/>
+                        </a:rPr>
+                        <m:t>=1+</m:t>
+                      </m:r>
+                      <m:r>
+                        <a:rPr lang="en-US" altLang="ko-KR" b="0" i="1" smtClean="0">
+                          <a:latin typeface="Cambria Math"/>
+                        </a:rPr>
+                        <m:t>𝑗</m:t>
+                      </m:r>
+                      <m:r>
+                        <a:rPr lang="en-US" altLang="ko-KR" b="0" i="1" smtClean="0">
+                          <a:latin typeface="Cambria Math"/>
+                        </a:rPr>
+                        <m:t>1</m:t>
+                      </m:r>
+                    </m:oMath>
+                  </m:oMathPara>
+                </a14:m>
+                <a:endParaRPr lang="ko-KR" altLang="en-US" dirty="0"/>
+              </a:p>
+            </p:txBody>
+          </p:sp>
+        </mc:Choice>
+        <mc:Fallback xmlns="">
+          <p:sp>
+            <p:nvSpPr>
+              <p:cNvPr id="6" name="TextBox 5"/>
+              <p:cNvSpPr txBox="1">
+                <a:spLocks noRot="1" noChangeAspect="1" noMove="1" noResize="1" noEditPoints="1" noAdjustHandles="1" noChangeArrowheads="1" noChangeShapeType="1" noTextEdit="1"/>
+              </p:cNvSpPr>
+              <p:nvPr/>
+            </p:nvSpPr>
+            <p:spPr>
+              <a:xfrm>
+                <a:off x="4926862" y="2165682"/>
+                <a:ext cx="1391920" cy="369332"/>
+              </a:xfrm>
+              <a:prstGeom prst="rect">
+                <a:avLst/>
+              </a:prstGeom>
+              <a:blipFill rotWithShape="1">
+                <a:blip r:embed="rId4"/>
+                <a:stretch>
+                  <a:fillRect b="-14754"/>
+                </a:stretch>
+              </a:blipFill>
+            </p:spPr>
+            <p:txBody>
+              <a:bodyPr/>
+              <a:lstStyle/>
+              <a:p>
+                <a:r>
+                  <a:rPr lang="ko-KR" altLang="en-US">
+                    <a:noFill/>
+                  </a:rPr>
+                  <a:t> </a:t>
+                </a:r>
+              </a:p>
+            </p:txBody>
+          </p:sp>
+        </mc:Fallback>
+      </mc:AlternateContent>
+      <mc:AlternateContent xmlns:mc="http://schemas.openxmlformats.org/markup-compatibility/2006" xmlns:a14="http://schemas.microsoft.com/office/drawing/2010/main">
+        <mc:Choice Requires="a14">
+          <p:sp>
+            <p:nvSpPr>
+              <p:cNvPr id="7" name="TextBox 6"/>
+              <p:cNvSpPr txBox="1"/>
+              <p:nvPr/>
+            </p:nvSpPr>
+            <p:spPr>
+              <a:xfrm>
+                <a:off x="2910638" y="1940767"/>
+                <a:ext cx="648126" cy="369332"/>
+              </a:xfrm>
+              <a:prstGeom prst="rect">
+                <a:avLst/>
+              </a:prstGeom>
+              <a:noFill/>
+            </p:spPr>
+            <p:txBody>
+              <a:bodyPr wrap="none" rtlCol="0">
+                <a:spAutoFit/>
+              </a:bodyPr>
+              <a:lstStyle/>
+              <a:p>
+                <a:pPr/>
+                <a14:m>
+                  <m:oMathPara xmlns:m="http://schemas.openxmlformats.org/officeDocument/2006/math">
+                    <m:oMathParaPr>
+                      <m:jc m:val="centerGroup"/>
+                    </m:oMathParaPr>
+                    <m:oMath xmlns:m="http://schemas.openxmlformats.org/officeDocument/2006/math">
+                      <m:r>
+                        <a:rPr lang="en-US" altLang="ko-KR" b="0" i="1" smtClean="0">
+                          <a:solidFill>
+                            <a:schemeClr val="bg1">
+                              <a:lumMod val="50000"/>
+                            </a:schemeClr>
+                          </a:solidFill>
+                          <a:latin typeface="Cambria Math"/>
+                        </a:rPr>
+                        <m:t>−</m:t>
+                      </m:r>
+                      <m:sSub>
+                        <m:sSubPr>
+                          <m:ctrlPr>
+                            <a:rPr lang="en-US" altLang="ko-KR" b="0" i="1" smtClean="0">
+                              <a:solidFill>
+                                <a:schemeClr val="bg1">
+                                  <a:lumMod val="50000"/>
+                                </a:schemeClr>
+                              </a:solidFill>
+                              <a:latin typeface="Cambria Math" panose="02040503050406030204" pitchFamily="18" charset="0"/>
+                            </a:rPr>
+                          </m:ctrlPr>
+                        </m:sSubPr>
+                        <m:e>
+                          <m:r>
+                            <a:rPr lang="en-US" altLang="ko-KR" b="0" i="1" smtClean="0">
+                              <a:solidFill>
+                                <a:schemeClr val="bg1">
+                                  <a:lumMod val="50000"/>
+                                </a:schemeClr>
+                              </a:solidFill>
+                              <a:latin typeface="Cambria Math"/>
+                            </a:rPr>
+                            <m:t>𝑧</m:t>
+                          </m:r>
+                        </m:e>
+                        <m:sub>
+                          <m:r>
+                            <a:rPr lang="en-US" altLang="ko-KR" b="0" i="1" smtClean="0">
+                              <a:solidFill>
+                                <a:schemeClr val="bg1">
+                                  <a:lumMod val="50000"/>
+                                </a:schemeClr>
+                              </a:solidFill>
+                              <a:latin typeface="Cambria Math"/>
+                            </a:rPr>
+                            <m:t>1</m:t>
+                          </m:r>
+                        </m:sub>
+                      </m:sSub>
+                    </m:oMath>
+                  </m:oMathPara>
+                </a14:m>
+                <a:endParaRPr lang="ko-KR" altLang="en-US" dirty="0">
+                  <a:solidFill>
+                    <a:schemeClr val="bg1">
+                      <a:lumMod val="50000"/>
+                    </a:schemeClr>
+                  </a:solidFill>
+                </a:endParaRPr>
+              </a:p>
+            </p:txBody>
+          </p:sp>
+        </mc:Choice>
+        <mc:Fallback xmlns="">
+          <p:sp>
+            <p:nvSpPr>
+              <p:cNvPr id="7" name="TextBox 6"/>
+              <p:cNvSpPr txBox="1">
+                <a:spLocks noRot="1" noChangeAspect="1" noMove="1" noResize="1" noEditPoints="1" noAdjustHandles="1" noChangeArrowheads="1" noChangeShapeType="1" noTextEdit="1"/>
+              </p:cNvSpPr>
+              <p:nvPr/>
+            </p:nvSpPr>
+            <p:spPr>
+              <a:xfrm>
+                <a:off x="2910638" y="1940767"/>
+                <a:ext cx="648126" cy="369332"/>
+              </a:xfrm>
+              <a:prstGeom prst="rect">
+                <a:avLst/>
+              </a:prstGeom>
+              <a:blipFill rotWithShape="1">
+                <a:blip r:embed="rId5"/>
+                <a:stretch>
+                  <a:fillRect b="-1639"/>
+                </a:stretch>
+              </a:blipFill>
+            </p:spPr>
+            <p:txBody>
+              <a:bodyPr/>
+              <a:lstStyle/>
+              <a:p>
+                <a:r>
+                  <a:rPr lang="ko-KR" altLang="en-US">
+                    <a:noFill/>
+                  </a:rPr>
+                  <a:t> </a:t>
+                </a:r>
+              </a:p>
+            </p:txBody>
+          </p:sp>
+        </mc:Fallback>
+      </mc:AlternateContent>
+      <mc:AlternateContent xmlns:mc="http://schemas.openxmlformats.org/markup-compatibility/2006">
+        <mc:Choice xmlns:a14="http://schemas.microsoft.com/office/drawing/2010/main" Requires="a14">
+          <p:sp>
+            <p:nvSpPr>
+              <p:cNvPr id="9" name="TextBox 8"/>
+              <p:cNvSpPr txBox="1"/>
+              <p:nvPr/>
+            </p:nvSpPr>
+            <p:spPr>
+              <a:xfrm>
+                <a:off x="5735032" y="1372476"/>
+                <a:ext cx="1435521" cy="369332"/>
+              </a:xfrm>
+              <a:prstGeom prst="rect">
+                <a:avLst/>
+              </a:prstGeom>
+              <a:solidFill>
+                <a:schemeClr val="accent5">
+                  <a:lumMod val="20000"/>
+                  <a:lumOff val="80000"/>
+                </a:schemeClr>
+              </a:solidFill>
+            </p:spPr>
+            <p:txBody>
+              <a:bodyPr wrap="none" rtlCol="0">
+                <a:spAutoFit/>
+              </a:bodyPr>
+              <a:lstStyle/>
+              <a:p>
+                <a:r>
+                  <a:rPr lang="en-US" altLang="ko-KR" b="0" dirty="0">
+                    <a:solidFill>
+                      <a:srgbClr val="0000FF"/>
+                    </a:solidFill>
+                  </a:rPr>
+                  <a:t>copy of </a:t>
+                </a:r>
+                <a14:m>
+                  <m:oMath xmlns:m="http://schemas.openxmlformats.org/officeDocument/2006/math">
+                    <m:sSub>
+                      <m:sSubPr>
+                        <m:ctrlPr>
+                          <a:rPr lang="en-US" altLang="ko-KR" b="0" i="1" smtClean="0">
+                            <a:solidFill>
+                              <a:srgbClr val="0000FF"/>
+                            </a:solidFill>
+                            <a:latin typeface="Cambria Math" panose="02040503050406030204" pitchFamily="18" charset="0"/>
+                          </a:rPr>
+                        </m:ctrlPr>
+                      </m:sSubPr>
+                      <m:e>
+                        <m:r>
+                          <a:rPr lang="en-US" altLang="ko-KR" b="0" i="1" smtClean="0">
+                            <a:solidFill>
+                              <a:srgbClr val="0000FF"/>
+                            </a:solidFill>
+                            <a:latin typeface="Cambria Math"/>
+                          </a:rPr>
+                          <m:t>−</m:t>
+                        </m:r>
+                        <m:r>
+                          <a:rPr lang="en-US" altLang="ko-KR" b="0" i="1" smtClean="0">
+                            <a:solidFill>
+                              <a:srgbClr val="0000FF"/>
+                            </a:solidFill>
+                            <a:latin typeface="Cambria Math"/>
+                          </a:rPr>
+                          <m:t>𝑧</m:t>
+                        </m:r>
+                      </m:e>
+                      <m:sub>
+                        <m:r>
+                          <a:rPr lang="en-US" altLang="ko-KR" b="0" i="1" smtClean="0">
+                            <a:solidFill>
+                              <a:srgbClr val="0000FF"/>
+                            </a:solidFill>
+                            <a:latin typeface="Cambria Math"/>
+                          </a:rPr>
+                          <m:t>1</m:t>
+                        </m:r>
+                      </m:sub>
+                    </m:sSub>
+                  </m:oMath>
+                </a14:m>
+                <a:endParaRPr lang="ko-KR" altLang="en-US" dirty="0">
+                  <a:solidFill>
+                    <a:srgbClr val="0000FF"/>
+                  </a:solidFill>
+                </a:endParaRPr>
+              </a:p>
+            </p:txBody>
+          </p:sp>
+        </mc:Choice>
+        <mc:Fallback>
+          <p:sp>
+            <p:nvSpPr>
+              <p:cNvPr id="9" name="TextBox 8"/>
+              <p:cNvSpPr txBox="1">
+                <a:spLocks noRot="1" noChangeAspect="1" noMove="1" noResize="1" noEditPoints="1" noAdjustHandles="1" noChangeArrowheads="1" noChangeShapeType="1" noTextEdit="1"/>
+              </p:cNvSpPr>
+              <p:nvPr/>
+            </p:nvSpPr>
+            <p:spPr>
+              <a:xfrm>
+                <a:off x="5735032" y="1372476"/>
+                <a:ext cx="1435521" cy="369332"/>
+              </a:xfrm>
+              <a:prstGeom prst="rect">
+                <a:avLst/>
+              </a:prstGeom>
+              <a:blipFill>
+                <a:blip r:embed="rId6"/>
+                <a:stretch>
+                  <a:fillRect l="-3830" t="-8197" b="-24590"/>
+                </a:stretch>
+              </a:blipFill>
+            </p:spPr>
+            <p:txBody>
+              <a:bodyPr/>
+              <a:lstStyle/>
+              <a:p>
+                <a:r>
+                  <a:rPr lang="en-US">
+                    <a:noFill/>
+                  </a:rPr>
+                  <a:t> </a:t>
+                </a:r>
+              </a:p>
+            </p:txBody>
+          </p:sp>
+        </mc:Fallback>
+      </mc:AlternateContent>
+      <p:sp>
+        <p:nvSpPr>
+          <p:cNvPr id="10" name="자유형 9"/>
+          <p:cNvSpPr/>
+          <p:nvPr/>
+        </p:nvSpPr>
+        <p:spPr>
+          <a:xfrm>
+            <a:off x="4643412" y="1565242"/>
+            <a:ext cx="1095555" cy="388189"/>
+          </a:xfrm>
+          <a:custGeom>
+            <a:avLst/>
+            <a:gdLst>
+              <a:gd name="connsiteX0" fmla="*/ 1095555 w 1095555"/>
+              <a:gd name="connsiteY0" fmla="*/ 0 h 388189"/>
+              <a:gd name="connsiteX1" fmla="*/ 612476 w 1095555"/>
+              <a:gd name="connsiteY1" fmla="*/ 284672 h 388189"/>
+              <a:gd name="connsiteX2" fmla="*/ 552091 w 1095555"/>
+              <a:gd name="connsiteY2" fmla="*/ 34506 h 388189"/>
+              <a:gd name="connsiteX3" fmla="*/ 0 w 1095555"/>
+              <a:gd name="connsiteY3" fmla="*/ 388189 h 388189"/>
+            </a:gdLst>
+            <a:ahLst/>
+            <a:cxnLst>
+              <a:cxn ang="0">
+                <a:pos x="connsiteX0" y="connsiteY0"/>
+              </a:cxn>
+              <a:cxn ang="0">
+                <a:pos x="connsiteX1" y="connsiteY1"/>
+              </a:cxn>
+              <a:cxn ang="0">
+                <a:pos x="connsiteX2" y="connsiteY2"/>
+              </a:cxn>
+              <a:cxn ang="0">
+                <a:pos x="connsiteX3" y="connsiteY3"/>
+              </a:cxn>
+            </a:cxnLst>
+            <a:rect l="l" t="t" r="r" b="b"/>
+            <a:pathLst>
+              <a:path w="1095555" h="388189">
+                <a:moveTo>
+                  <a:pt x="1095555" y="0"/>
+                </a:moveTo>
+                <a:cubicBezTo>
+                  <a:pt x="899304" y="139460"/>
+                  <a:pt x="703053" y="278921"/>
+                  <a:pt x="612476" y="284672"/>
+                </a:cubicBezTo>
+                <a:cubicBezTo>
+                  <a:pt x="521899" y="290423"/>
+                  <a:pt x="654170" y="17253"/>
+                  <a:pt x="552091" y="34506"/>
+                </a:cubicBezTo>
+                <a:cubicBezTo>
+                  <a:pt x="450012" y="51759"/>
+                  <a:pt x="93453" y="323491"/>
+                  <a:pt x="0" y="388189"/>
+                </a:cubicBezTo>
+              </a:path>
+            </a:pathLst>
+          </a:custGeom>
+          <a:ln>
+            <a:headEnd type="none" w="med" len="med"/>
+            <a:tailEnd type="arrow" w="med" len="med"/>
+          </a:ln>
+        </p:spPr>
+        <p:style>
+          <a:lnRef idx="1">
+            <a:schemeClr val="accent1"/>
+          </a:lnRef>
+          <a:fillRef idx="0">
+            <a:schemeClr val="accent1"/>
+          </a:fillRef>
+          <a:effectRef idx="0">
+            <a:schemeClr val="accent1"/>
+          </a:effectRef>
+          <a:fontRef idx="minor">
+            <a:schemeClr val="tx1"/>
+          </a:fontRef>
+        </p:style>
+        <p:txBody>
+          <a:bodyPr rtlCol="0" anchor="ctr"/>
+          <a:lstStyle/>
+          <a:p>
+            <a:pPr algn="ctr"/>
+            <a:endParaRPr lang="ko-KR" altLang="en-US"/>
+          </a:p>
+        </p:txBody>
+      </p:sp>
+      <mc:AlternateContent xmlns:mc="http://schemas.openxmlformats.org/markup-compatibility/2006" xmlns:a14="http://schemas.microsoft.com/office/drawing/2010/main">
+        <mc:Choice Requires="a14">
+          <p:sp>
+            <p:nvSpPr>
+              <p:cNvPr id="11" name="TextBox 10"/>
+              <p:cNvSpPr txBox="1"/>
+              <p:nvPr/>
+            </p:nvSpPr>
+            <p:spPr>
+              <a:xfrm>
+                <a:off x="3918750" y="941546"/>
+                <a:ext cx="2057871" cy="369332"/>
+              </a:xfrm>
+              <a:prstGeom prst="rect">
+                <a:avLst/>
+              </a:prstGeom>
+              <a:noFill/>
+            </p:spPr>
+            <p:txBody>
+              <a:bodyPr wrap="none" rtlCol="0">
+                <a:spAutoFit/>
+              </a:bodyPr>
+              <a:lstStyle/>
+              <a:p>
+                <a:pPr/>
+                <a14:m>
+                  <m:oMathPara xmlns:m="http://schemas.openxmlformats.org/officeDocument/2006/math">
+                    <m:oMathParaPr>
+                      <m:jc m:val="centerGroup"/>
+                    </m:oMathParaPr>
+                    <m:oMath xmlns:m="http://schemas.openxmlformats.org/officeDocument/2006/math">
+                      <m:sSub>
+                        <m:sSubPr>
+                          <m:ctrlPr>
+                            <a:rPr lang="en-US" altLang="ko-KR" b="0" i="1" smtClean="0">
+                              <a:solidFill>
+                                <a:srgbClr val="FF0000"/>
+                              </a:solidFill>
+                              <a:latin typeface="Cambria Math" panose="02040503050406030204" pitchFamily="18" charset="0"/>
+                            </a:rPr>
+                          </m:ctrlPr>
+                        </m:sSubPr>
+                        <m:e>
+                          <m:r>
+                            <a:rPr lang="en-US" altLang="ko-KR" b="0" i="1" smtClean="0">
+                              <a:solidFill>
+                                <a:srgbClr val="FF0000"/>
+                              </a:solidFill>
+                              <a:latin typeface="Cambria Math"/>
+                            </a:rPr>
+                            <m:t>𝑧</m:t>
+                          </m:r>
+                        </m:e>
+                        <m:sub>
+                          <m:r>
+                            <a:rPr lang="en-US" altLang="ko-KR" b="0" i="1" smtClean="0">
+                              <a:solidFill>
+                                <a:srgbClr val="FF0000"/>
+                              </a:solidFill>
+                              <a:latin typeface="Cambria Math"/>
+                            </a:rPr>
+                            <m:t>2</m:t>
+                          </m:r>
+                        </m:sub>
+                      </m:sSub>
+                      <m:r>
+                        <a:rPr lang="en-US" altLang="ko-KR" b="0" i="1" smtClean="0">
+                          <a:solidFill>
+                            <a:srgbClr val="FF0000"/>
+                          </a:solidFill>
+                          <a:latin typeface="Cambria Math"/>
+                        </a:rPr>
+                        <m:t>−</m:t>
+                      </m:r>
+                      <m:sSub>
+                        <m:sSubPr>
+                          <m:ctrlPr>
+                            <a:rPr lang="en-US" altLang="ko-KR" b="0" i="1" smtClean="0">
+                              <a:solidFill>
+                                <a:srgbClr val="FF0000"/>
+                              </a:solidFill>
+                              <a:latin typeface="Cambria Math" panose="02040503050406030204" pitchFamily="18" charset="0"/>
+                            </a:rPr>
+                          </m:ctrlPr>
+                        </m:sSubPr>
+                        <m:e>
+                          <m:r>
+                            <a:rPr lang="en-US" altLang="ko-KR" b="0" i="1" smtClean="0">
+                              <a:solidFill>
+                                <a:srgbClr val="FF0000"/>
+                              </a:solidFill>
+                              <a:latin typeface="Cambria Math"/>
+                            </a:rPr>
+                            <m:t>𝑧</m:t>
+                          </m:r>
+                        </m:e>
+                        <m:sub>
+                          <m:r>
+                            <a:rPr lang="en-US" altLang="ko-KR" b="0" i="1" smtClean="0">
+                              <a:solidFill>
+                                <a:srgbClr val="FF0000"/>
+                              </a:solidFill>
+                              <a:latin typeface="Cambria Math"/>
+                            </a:rPr>
+                            <m:t>1</m:t>
+                          </m:r>
+                        </m:sub>
+                      </m:sSub>
+                      <m:r>
+                        <a:rPr lang="en-US" altLang="ko-KR" b="0" i="1" smtClean="0">
+                          <a:solidFill>
+                            <a:srgbClr val="FF0000"/>
+                          </a:solidFill>
+                          <a:latin typeface="Cambria Math"/>
+                        </a:rPr>
+                        <m:t>=0.5+</m:t>
+                      </m:r>
+                      <m:r>
+                        <a:rPr lang="en-US" altLang="ko-KR" b="0" i="1" smtClean="0">
+                          <a:solidFill>
+                            <a:srgbClr val="FF0000"/>
+                          </a:solidFill>
+                          <a:latin typeface="Cambria Math"/>
+                        </a:rPr>
+                        <m:t>𝑗</m:t>
+                      </m:r>
+                      <m:r>
+                        <a:rPr lang="en-US" altLang="ko-KR" b="0" i="1" smtClean="0">
+                          <a:solidFill>
+                            <a:srgbClr val="FF0000"/>
+                          </a:solidFill>
+                          <a:latin typeface="Cambria Math"/>
+                        </a:rPr>
+                        <m:t>2</m:t>
+                      </m:r>
+                    </m:oMath>
+                  </m:oMathPara>
+                </a14:m>
+                <a:endParaRPr lang="ko-KR" altLang="en-US" dirty="0">
+                  <a:solidFill>
+                    <a:srgbClr val="FF0000"/>
+                  </a:solidFill>
+                </a:endParaRPr>
+              </a:p>
+            </p:txBody>
+          </p:sp>
+        </mc:Choice>
+        <mc:Fallback xmlns="">
+          <p:sp>
+            <p:nvSpPr>
+              <p:cNvPr id="11" name="TextBox 10"/>
+              <p:cNvSpPr txBox="1">
+                <a:spLocks noRot="1" noChangeAspect="1" noMove="1" noResize="1" noEditPoints="1" noAdjustHandles="1" noChangeArrowheads="1" noChangeShapeType="1" noTextEdit="1"/>
+              </p:cNvSpPr>
+              <p:nvPr/>
+            </p:nvSpPr>
+            <p:spPr>
+              <a:xfrm>
+                <a:off x="3918750" y="941546"/>
+                <a:ext cx="2057871" cy="369332"/>
+              </a:xfrm>
+              <a:prstGeom prst="rect">
+                <a:avLst/>
+              </a:prstGeom>
+              <a:blipFill rotWithShape="1">
+                <a:blip r:embed="rId7"/>
+                <a:stretch>
+                  <a:fillRect b="-14754"/>
+                </a:stretch>
+              </a:blipFill>
+            </p:spPr>
+            <p:txBody>
+              <a:bodyPr/>
+              <a:lstStyle/>
+              <a:p>
+                <a:r>
+                  <a:rPr lang="ko-KR" altLang="en-US">
+                    <a:noFill/>
+                  </a:rPr>
+                  <a:t> </a:t>
+                </a:r>
+              </a:p>
+            </p:txBody>
+          </p:sp>
+        </mc:Fallback>
+      </mc:AlternateContent>
+      <p:sp>
+        <p:nvSpPr>
+          <p:cNvPr id="2" name="Rectangle 1">
+            <a:extLst>
+              <a:ext uri="{FF2B5EF4-FFF2-40B4-BE49-F238E27FC236}">
+                <a16:creationId xmlns:a16="http://schemas.microsoft.com/office/drawing/2014/main" id="{83DBD9C6-ED7F-AB5F-9D90-933A6F84CDE5}"/>
+              </a:ext>
+            </a:extLst>
+          </p:cNvPr>
+          <p:cNvSpPr/>
+          <p:nvPr/>
+        </p:nvSpPr>
+        <p:spPr>
+          <a:xfrm>
+            <a:off x="6141298" y="2912136"/>
+            <a:ext cx="720080" cy="360040"/>
+          </a:xfrm>
+          <a:prstGeom prst="rect">
+            <a:avLst/>
+          </a:prstGeom>
+          <a:solidFill>
+            <a:schemeClr val="bg1"/>
+          </a:solidFill>
+          <a:ln>
+            <a:noFill/>
+          </a:ln>
+        </p:spPr>
+        <p:style>
+          <a:lnRef idx="2">
+            <a:schemeClr val="accent1">
+              <a:shade val="50000"/>
+            </a:schemeClr>
+          </a:lnRef>
+          <a:fillRef idx="1">
+            <a:schemeClr val="accent1"/>
+          </a:fillRef>
+          <a:effectRef idx="0">
+            <a:schemeClr val="accent1"/>
+          </a:effectRef>
+          <a:fontRef idx="minor">
+            <a:schemeClr val="lt1"/>
+          </a:fontRef>
+        </p:style>
+        <p:txBody>
+          <a:bodyPr rtlCol="0" anchor="ctr"/>
+          <a:lstStyle/>
+          <a:p>
+            <a:pPr algn="ctr"/>
+            <a:endParaRPr lang="en-US"/>
+          </a:p>
+        </p:txBody>
+      </p:sp>
+      <p:sp>
+        <p:nvSpPr>
+          <p:cNvPr id="3" name="TextBox 2">
+            <a:extLst>
+              <a:ext uri="{FF2B5EF4-FFF2-40B4-BE49-F238E27FC236}">
+                <a16:creationId xmlns:a16="http://schemas.microsoft.com/office/drawing/2014/main" id="{76A538CE-59B6-87E5-5F58-B5B76C7CE812}"/>
+              </a:ext>
+            </a:extLst>
+          </p:cNvPr>
+          <p:cNvSpPr txBox="1"/>
+          <p:nvPr/>
+        </p:nvSpPr>
+        <p:spPr>
+          <a:xfrm>
+            <a:off x="5992642" y="2967780"/>
+            <a:ext cx="910186" cy="307777"/>
+          </a:xfrm>
+          <a:prstGeom prst="rect">
+            <a:avLst/>
+          </a:prstGeom>
+          <a:noFill/>
+        </p:spPr>
+        <p:txBody>
+          <a:bodyPr wrap="none" rtlCol="0">
+            <a:spAutoFit/>
+          </a:bodyPr>
+          <a:lstStyle/>
+          <a:p>
+            <a:r>
+              <a:rPr lang="en-US" sz="1400" dirty="0"/>
+              <a:t>Real Axis</a:t>
+            </a:r>
+          </a:p>
+        </p:txBody>
+      </p:sp>
+      <p:sp>
+        <p:nvSpPr>
+          <p:cNvPr id="12" name="Rectangle 11">
+            <a:extLst>
+              <a:ext uri="{FF2B5EF4-FFF2-40B4-BE49-F238E27FC236}">
+                <a16:creationId xmlns:a16="http://schemas.microsoft.com/office/drawing/2014/main" id="{1330FEF0-E243-4979-DBF6-16CF2A45F167}"/>
+              </a:ext>
+            </a:extLst>
+          </p:cNvPr>
+          <p:cNvSpPr/>
+          <p:nvPr/>
+        </p:nvSpPr>
+        <p:spPr>
+          <a:xfrm>
+            <a:off x="3940823" y="665143"/>
+            <a:ext cx="720080" cy="360040"/>
+          </a:xfrm>
+          <a:prstGeom prst="rect">
+            <a:avLst/>
+          </a:prstGeom>
+          <a:solidFill>
+            <a:schemeClr val="bg1"/>
+          </a:solidFill>
+          <a:ln>
+            <a:noFill/>
+          </a:ln>
+        </p:spPr>
+        <p:style>
+          <a:lnRef idx="2">
+            <a:schemeClr val="accent1">
+              <a:shade val="50000"/>
+            </a:schemeClr>
+          </a:lnRef>
+          <a:fillRef idx="1">
+            <a:schemeClr val="accent1"/>
+          </a:fillRef>
+          <a:effectRef idx="0">
+            <a:schemeClr val="accent1"/>
+          </a:effectRef>
+          <a:fontRef idx="minor">
+            <a:schemeClr val="lt1"/>
+          </a:fontRef>
+        </p:style>
+        <p:txBody>
+          <a:bodyPr rtlCol="0" anchor="ctr"/>
+          <a:lstStyle/>
+          <a:p>
+            <a:pPr algn="ctr"/>
+            <a:endParaRPr lang="en-US"/>
+          </a:p>
+        </p:txBody>
+      </p:sp>
+      <p:sp>
+        <p:nvSpPr>
+          <p:cNvPr id="4" name="TextBox 3">
+            <a:extLst>
+              <a:ext uri="{FF2B5EF4-FFF2-40B4-BE49-F238E27FC236}">
+                <a16:creationId xmlns:a16="http://schemas.microsoft.com/office/drawing/2014/main" id="{5CBCF841-9211-48E0-F5F6-59C4C96B8BDF}"/>
+              </a:ext>
+            </a:extLst>
+          </p:cNvPr>
+          <p:cNvSpPr txBox="1"/>
+          <p:nvPr/>
+        </p:nvSpPr>
+        <p:spPr>
+          <a:xfrm>
+            <a:off x="3040314" y="486099"/>
+            <a:ext cx="1381917" cy="307777"/>
+          </a:xfrm>
+          <a:prstGeom prst="rect">
+            <a:avLst/>
+          </a:prstGeom>
+          <a:noFill/>
+        </p:spPr>
+        <p:txBody>
+          <a:bodyPr wrap="none" rtlCol="0">
+            <a:spAutoFit/>
+          </a:bodyPr>
+          <a:lstStyle/>
+          <a:p>
+            <a:r>
+              <a:rPr lang="en-US" sz="1400" dirty="0"/>
+              <a:t>Imaginary Axis</a:t>
+            </a:r>
+          </a:p>
+        </p:txBody>
+      </p:sp>
+    </p:spTree>
+    <p:extLst>
+      <p:ext uri="{BB962C8B-B14F-4D97-AF65-F5344CB8AC3E}">
+        <p14:creationId xmlns:p14="http://schemas.microsoft.com/office/powerpoint/2010/main" val="1769121291"/>
+      </p:ext>
+    </p:extLst>
+  </p:cSld>
+  <p:clrMapOvr>
+    <a:masterClrMapping/>
+  </p:clrMapOvr>
+</p:sld>
+</file>
+
+<file path=ppt/slides/slide15.xml><?xml version="1.0" encoding="utf-8"?>
 <p:sld xmlns:a="http://schemas.openxmlformats.org/drawingml/2006/main" xmlns:r="http://schemas.openxmlformats.org/officeDocument/2006/relationships" xmlns:p="http://schemas.openxmlformats.org/presentationml/2006/main">
   <p:cSld>
     <p:spTree>
@@ -6060,16 +7790,12 @@
           <a:lstStyle/>
           <a:p>
             <a:r>
-              <a:rPr lang="ko-KR" altLang="en-US" sz="1100" smtClean="0">
+              <a:rPr lang="ko-KR" altLang="en-US" sz="1100">
                 <a:latin typeface="나눔고딕" pitchFamily="50" charset="-127"/>
                 <a:ea typeface="나눔고딕" pitchFamily="50" charset="-127"/>
               </a:rPr>
               <a:t>실수 축</a:t>
             </a:r>
-            <a:endParaRPr lang="ko-KR" altLang="en-US" sz="1100">
-              <a:latin typeface="나눔고딕" pitchFamily="50" charset="-127"/>
-              <a:ea typeface="나눔고딕" pitchFamily="50" charset="-127"/>
-            </a:endParaRPr>
           </a:p>
         </p:txBody>
       </p:sp>
@@ -6096,16 +7822,12 @@
           <a:lstStyle/>
           <a:p>
             <a:r>
-              <a:rPr lang="ko-KR" altLang="en-US" sz="1100" dirty="0" smtClean="0">
+              <a:rPr lang="ko-KR" altLang="en-US" sz="1100" dirty="0">
                 <a:latin typeface="나눔고딕" pitchFamily="50" charset="-127"/>
                 <a:ea typeface="나눔고딕" pitchFamily="50" charset="-127"/>
               </a:rPr>
               <a:t>허수 축</a:t>
             </a:r>
-            <a:endParaRPr lang="ko-KR" altLang="en-US" sz="1100" dirty="0">
-              <a:latin typeface="나눔고딕" pitchFamily="50" charset="-127"/>
-              <a:ea typeface="나눔고딕" pitchFamily="50" charset="-127"/>
-            </a:endParaRPr>
           </a:p>
         </p:txBody>
       </p:sp>
@@ -6132,16 +7854,12 @@
           <a:lstStyle/>
           <a:p>
             <a:r>
-              <a:rPr lang="ko-KR" altLang="en-US" sz="1100" smtClean="0">
+              <a:rPr lang="ko-KR" altLang="en-US" sz="1100">
                 <a:latin typeface="나눔고딕" pitchFamily="50" charset="-127"/>
                 <a:ea typeface="나눔고딕" pitchFamily="50" charset="-127"/>
               </a:rPr>
               <a:t>실수 축</a:t>
             </a:r>
-            <a:endParaRPr lang="ko-KR" altLang="en-US" sz="1100">
-              <a:latin typeface="나눔고딕" pitchFamily="50" charset="-127"/>
-              <a:ea typeface="나눔고딕" pitchFamily="50" charset="-127"/>
-            </a:endParaRPr>
           </a:p>
         </p:txBody>
       </p:sp>
@@ -6168,16 +7886,12 @@
           <a:lstStyle/>
           <a:p>
             <a:r>
-              <a:rPr lang="ko-KR" altLang="en-US" sz="1100" dirty="0" smtClean="0">
+              <a:rPr lang="ko-KR" altLang="en-US" sz="1100" dirty="0">
                 <a:latin typeface="나눔고딕" pitchFamily="50" charset="-127"/>
                 <a:ea typeface="나눔고딕" pitchFamily="50" charset="-127"/>
               </a:rPr>
               <a:t>허수 축</a:t>
             </a:r>
-            <a:endParaRPr lang="ko-KR" altLang="en-US" sz="1100" dirty="0">
-              <a:latin typeface="나눔고딕" pitchFamily="50" charset="-127"/>
-              <a:ea typeface="나눔고딕" pitchFamily="50" charset="-127"/>
-            </a:endParaRPr>
           </a:p>
         </p:txBody>
       </p:sp>
@@ -6204,7 +7918,7 @@
           <a:lstStyle/>
           <a:p>
             <a:r>
-              <a:rPr lang="en-US" altLang="ko-KR" sz="1100" smtClean="0">
+              <a:rPr lang="en-US" altLang="ko-KR" sz="1100">
                 <a:latin typeface="나눔고딕" pitchFamily="50" charset="-127"/>
                 <a:ea typeface="나눔고딕" pitchFamily="50" charset="-127"/>
               </a:rPr>
@@ -6240,7 +7954,7 @@
           <a:lstStyle/>
           <a:p>
             <a:r>
-              <a:rPr lang="en-US" altLang="ko-KR" sz="1100" smtClean="0">
+              <a:rPr lang="en-US" altLang="ko-KR" sz="1100">
                 <a:latin typeface="나눔고딕" pitchFamily="50" charset="-127"/>
                 <a:ea typeface="나눔고딕" pitchFamily="50" charset="-127"/>
               </a:rPr>
@@ -6253,8 +7967,8 @@
           </a:p>
         </p:txBody>
       </p:sp>
-      <mc:AlternateContent xmlns:mc="http://schemas.openxmlformats.org/markup-compatibility/2006">
-        <mc:Choice xmlns:a14="http://schemas.microsoft.com/office/drawing/2010/main" Requires="a14">
+      <mc:AlternateContent xmlns:mc="http://schemas.openxmlformats.org/markup-compatibility/2006" xmlns:a14="http://schemas.microsoft.com/office/drawing/2010/main">
+        <mc:Choice Requires="a14">
           <p:sp>
             <p:nvSpPr>
               <p:cNvPr id="31" name="TextBox 30"/>
@@ -6277,6 +7991,7 @@
               </a:bodyPr>
               <a:lstStyle/>
               <a:p>
+                <a:pPr/>
                 <a14:m>
                   <m:oMathPara xmlns:m="http://schemas.openxmlformats.org/officeDocument/2006/math">
                     <m:oMathParaPr>
@@ -6287,7 +8002,7 @@
                         <m:sSubPr>
                           <m:ctrlPr>
                             <a:rPr lang="en-US" altLang="ko-KR" sz="1600" b="0" i="1" smtClean="0">
-                              <a:latin typeface="Cambria Math"/>
+                              <a:latin typeface="Cambria Math" panose="02040503050406030204" pitchFamily="18" charset="0"/>
                               <a:ea typeface="나눔고딕" pitchFamily="50" charset="-127"/>
                             </a:rPr>
                           </m:ctrlPr>
@@ -6322,7 +8037,7 @@
             </p:txBody>
           </p:sp>
         </mc:Choice>
-        <mc:Fallback>
+        <mc:Fallback xmlns="">
           <p:sp>
             <p:nvSpPr>
               <p:cNvPr id="31" name="TextBox 30"/>
@@ -6361,8 +8076,8 @@
           </p:sp>
         </mc:Fallback>
       </mc:AlternateContent>
-      <mc:AlternateContent xmlns:mc="http://schemas.openxmlformats.org/markup-compatibility/2006">
-        <mc:Choice xmlns:a14="http://schemas.microsoft.com/office/drawing/2010/main" Requires="a14">
+      <mc:AlternateContent xmlns:mc="http://schemas.openxmlformats.org/markup-compatibility/2006" xmlns:a14="http://schemas.microsoft.com/office/drawing/2010/main">
+        <mc:Choice Requires="a14">
           <p:sp>
             <p:nvSpPr>
               <p:cNvPr id="32" name="TextBox 31"/>
@@ -6385,6 +8100,7 @@
               </a:bodyPr>
               <a:lstStyle/>
               <a:p>
+                <a:pPr/>
                 <a14:m>
                   <m:oMathPara xmlns:m="http://schemas.openxmlformats.org/officeDocument/2006/math">
                     <m:oMathParaPr>
@@ -6395,7 +8111,7 @@
                         <m:sSubPr>
                           <m:ctrlPr>
                             <a:rPr lang="en-US" altLang="ko-KR" sz="1600" b="0" i="1" smtClean="0">
-                              <a:latin typeface="Cambria Math"/>
+                              <a:latin typeface="Cambria Math" panose="02040503050406030204" pitchFamily="18" charset="0"/>
                               <a:ea typeface="나눔고딕" pitchFamily="50" charset="-127"/>
                             </a:rPr>
                           </m:ctrlPr>
@@ -6430,7 +8146,7 @@
             </p:txBody>
           </p:sp>
         </mc:Choice>
-        <mc:Fallback>
+        <mc:Fallback xmlns="">
           <p:sp>
             <p:nvSpPr>
               <p:cNvPr id="32" name="TextBox 31"/>
@@ -6469,8 +8185,8 @@
           </p:sp>
         </mc:Fallback>
       </mc:AlternateContent>
-      <mc:AlternateContent xmlns:mc="http://schemas.openxmlformats.org/markup-compatibility/2006">
-        <mc:Choice xmlns:a14="http://schemas.microsoft.com/office/drawing/2010/main" Requires="a14">
+      <mc:AlternateContent xmlns:mc="http://schemas.openxmlformats.org/markup-compatibility/2006" xmlns:a14="http://schemas.microsoft.com/office/drawing/2010/main">
+        <mc:Choice Requires="a14">
           <p:sp>
             <p:nvSpPr>
               <p:cNvPr id="33" name="TextBox 32"/>
@@ -6493,6 +8209,7 @@
               </a:bodyPr>
               <a:lstStyle/>
               <a:p>
+                <a:pPr/>
                 <a14:m>
                   <m:oMathPara xmlns:m="http://schemas.openxmlformats.org/officeDocument/2006/math">
                     <m:oMathParaPr>
@@ -6506,7 +8223,7 @@
                               <a:solidFill>
                                 <a:srgbClr val="FF0000"/>
                               </a:solidFill>
-                              <a:latin typeface="Cambria Math"/>
+                              <a:latin typeface="Cambria Math" panose="02040503050406030204" pitchFamily="18" charset="0"/>
                               <a:ea typeface="나눔고딕" pitchFamily="50" charset="-127"/>
                             </a:rPr>
                           </m:ctrlPr>
@@ -6543,7 +8260,7 @@
                               <a:solidFill>
                                 <a:srgbClr val="FF0000"/>
                               </a:solidFill>
-                              <a:latin typeface="Cambria Math"/>
+                              <a:latin typeface="Cambria Math" panose="02040503050406030204" pitchFamily="18" charset="0"/>
                               <a:ea typeface="나눔고딕" pitchFamily="50" charset="-127"/>
                             </a:rPr>
                           </m:ctrlPr>
@@ -6587,7 +8304,7 @@
             </p:txBody>
           </p:sp>
         </mc:Choice>
-        <mc:Fallback>
+        <mc:Fallback xmlns="">
           <p:sp>
             <p:nvSpPr>
               <p:cNvPr id="33" name="TextBox 32"/>
@@ -6626,8 +8343,8 @@
           </p:sp>
         </mc:Fallback>
       </mc:AlternateContent>
-      <mc:AlternateContent xmlns:mc="http://schemas.openxmlformats.org/markup-compatibility/2006">
-        <mc:Choice xmlns:a14="http://schemas.microsoft.com/office/drawing/2010/main" Requires="a14">
+      <mc:AlternateContent xmlns:mc="http://schemas.openxmlformats.org/markup-compatibility/2006" xmlns:a14="http://schemas.microsoft.com/office/drawing/2010/main">
+        <mc:Choice Requires="a14">
           <p:sp>
             <p:nvSpPr>
               <p:cNvPr id="35" name="TextBox 34"/>
@@ -6650,6 +8367,7 @@
               </a:bodyPr>
               <a:lstStyle/>
               <a:p>
+                <a:pPr/>
                 <a14:m>
                   <m:oMathPara xmlns:m="http://schemas.openxmlformats.org/officeDocument/2006/math">
                     <m:oMathParaPr>
@@ -6663,7 +8381,7 @@
                               <a:solidFill>
                                 <a:schemeClr val="tx1"/>
                               </a:solidFill>
-                              <a:latin typeface="Cambria Math"/>
+                              <a:latin typeface="Cambria Math" panose="02040503050406030204" pitchFamily="18" charset="0"/>
                               <a:ea typeface="나눔고딕" pitchFamily="50" charset="-127"/>
                             </a:rPr>
                           </m:ctrlPr>
@@ -6707,7 +8425,7 @@
             </p:txBody>
           </p:sp>
         </mc:Choice>
-        <mc:Fallback>
+        <mc:Fallback xmlns="">
           <p:sp>
             <p:nvSpPr>
               <p:cNvPr id="35" name="TextBox 34"/>
@@ -6746,8 +8464,8 @@
           </p:sp>
         </mc:Fallback>
       </mc:AlternateContent>
-      <mc:AlternateContent xmlns:mc="http://schemas.openxmlformats.org/markup-compatibility/2006">
-        <mc:Choice xmlns:a14="http://schemas.microsoft.com/office/drawing/2010/main" Requires="a14">
+      <mc:AlternateContent xmlns:mc="http://schemas.openxmlformats.org/markup-compatibility/2006" xmlns:a14="http://schemas.microsoft.com/office/drawing/2010/main">
+        <mc:Choice Requires="a14">
           <p:sp>
             <p:nvSpPr>
               <p:cNvPr id="36" name="TextBox 35"/>
@@ -6770,6 +8488,7 @@
               </a:bodyPr>
               <a:lstStyle/>
               <a:p>
+                <a:pPr/>
                 <a14:m>
                   <m:oMathPara xmlns:m="http://schemas.openxmlformats.org/officeDocument/2006/math">
                     <m:oMathParaPr>
@@ -6783,7 +8502,7 @@
                               <a:solidFill>
                                 <a:schemeClr val="tx1"/>
                               </a:solidFill>
-                              <a:latin typeface="Cambria Math"/>
+                              <a:latin typeface="Cambria Math" panose="02040503050406030204" pitchFamily="18" charset="0"/>
                               <a:ea typeface="나눔고딕" pitchFamily="50" charset="-127"/>
                             </a:rPr>
                           </m:ctrlPr>
@@ -6827,7 +8546,7 @@
             </p:txBody>
           </p:sp>
         </mc:Choice>
-        <mc:Fallback>
+        <mc:Fallback xmlns="">
           <p:sp>
             <p:nvSpPr>
               <p:cNvPr id="36" name="TextBox 35"/>
@@ -6866,8 +8585,8 @@
           </p:sp>
         </mc:Fallback>
       </mc:AlternateContent>
-      <mc:AlternateContent xmlns:mc="http://schemas.openxmlformats.org/markup-compatibility/2006">
-        <mc:Choice xmlns:a14="http://schemas.microsoft.com/office/drawing/2010/main" Requires="a14">
+      <mc:AlternateContent xmlns:mc="http://schemas.openxmlformats.org/markup-compatibility/2006" xmlns:a14="http://schemas.microsoft.com/office/drawing/2010/main">
+        <mc:Choice Requires="a14">
           <p:sp>
             <p:nvSpPr>
               <p:cNvPr id="37" name="TextBox 36"/>
@@ -6890,6 +8609,7 @@
               </a:bodyPr>
               <a:lstStyle/>
               <a:p>
+                <a:pPr/>
                 <a14:m>
                   <m:oMathPara xmlns:m="http://schemas.openxmlformats.org/officeDocument/2006/math">
                     <m:oMathParaPr>
@@ -6903,7 +8623,7 @@
                               <a:solidFill>
                                 <a:srgbClr val="FF0000"/>
                               </a:solidFill>
-                              <a:latin typeface="Cambria Math"/>
+                              <a:latin typeface="Cambria Math" panose="02040503050406030204" pitchFamily="18" charset="0"/>
                               <a:ea typeface="나눔고딕" pitchFamily="50" charset="-127"/>
                             </a:rPr>
                           </m:ctrlPr>
@@ -6947,7 +8667,7 @@
             </p:txBody>
           </p:sp>
         </mc:Choice>
-        <mc:Fallback>
+        <mc:Fallback xmlns="">
           <p:sp>
             <p:nvSpPr>
               <p:cNvPr id="37" name="TextBox 36"/>
@@ -6990,6 +8710,2970 @@
     <p:extLst>
       <p:ext uri="{BB962C8B-B14F-4D97-AF65-F5344CB8AC3E}">
         <p14:creationId xmlns:p14="http://schemas.microsoft.com/office/powerpoint/2010/main" val="2216831790"/>
+      </p:ext>
+    </p:extLst>
+  </p:cSld>
+  <p:clrMapOvr>
+    <a:masterClrMapping/>
+  </p:clrMapOvr>
+</p:sld>
+</file>
+
+<file path=ppt/slides/slide16.xml><?xml version="1.0" encoding="utf-8"?>
+<p:sld xmlns:a="http://schemas.openxmlformats.org/drawingml/2006/main" xmlns:r="http://schemas.openxmlformats.org/officeDocument/2006/relationships" xmlns:p="http://schemas.openxmlformats.org/presentationml/2006/main">
+  <p:cSld>
+    <p:spTree>
+      <p:nvGrpSpPr>
+        <p:cNvPr id="1" name=""/>
+        <p:cNvGrpSpPr/>
+        <p:nvPr/>
+      </p:nvGrpSpPr>
+      <p:grpSpPr>
+        <a:xfrm>
+          <a:off x="0" y="0"/>
+          <a:ext cx="0" cy="0"/>
+          <a:chOff x="0" y="0"/>
+          <a:chExt cx="0" cy="0"/>
+        </a:xfrm>
+      </p:grpSpPr>
+      <p:cxnSp>
+        <p:nvCxnSpPr>
+          <p:cNvPr id="6" name="직선 화살표 연결선 5"/>
+          <p:cNvCxnSpPr/>
+          <p:nvPr/>
+        </p:nvCxnSpPr>
+        <p:spPr>
+          <a:xfrm>
+            <a:off x="761622" y="2708920"/>
+            <a:ext cx="3384376" cy="0"/>
+          </a:xfrm>
+          <a:prstGeom prst="straightConnector1">
+            <a:avLst/>
+          </a:prstGeom>
+          <a:ln w="12700">
+            <a:solidFill>
+              <a:schemeClr val="tx1"/>
+            </a:solidFill>
+            <a:tailEnd type="arrow"/>
+          </a:ln>
+        </p:spPr>
+        <p:style>
+          <a:lnRef idx="1">
+            <a:schemeClr val="accent1"/>
+          </a:lnRef>
+          <a:fillRef idx="0">
+            <a:schemeClr val="accent1"/>
+          </a:fillRef>
+          <a:effectRef idx="0">
+            <a:schemeClr val="accent1"/>
+          </a:effectRef>
+          <a:fontRef idx="minor">
+            <a:schemeClr val="tx1"/>
+          </a:fontRef>
+        </p:style>
+      </p:cxnSp>
+      <p:cxnSp>
+        <p:nvCxnSpPr>
+          <p:cNvPr id="8" name="직선 화살표 연결선 7"/>
+          <p:cNvCxnSpPr/>
+          <p:nvPr/>
+        </p:nvCxnSpPr>
+        <p:spPr>
+          <a:xfrm flipV="1">
+            <a:off x="2453810" y="980728"/>
+            <a:ext cx="0" cy="1944216"/>
+          </a:xfrm>
+          <a:prstGeom prst="straightConnector1">
+            <a:avLst/>
+          </a:prstGeom>
+          <a:ln w="12700">
+            <a:solidFill>
+              <a:schemeClr val="tx1"/>
+            </a:solidFill>
+            <a:tailEnd type="arrow"/>
+          </a:ln>
+        </p:spPr>
+        <p:style>
+          <a:lnRef idx="1">
+            <a:schemeClr val="accent1"/>
+          </a:lnRef>
+          <a:fillRef idx="0">
+            <a:schemeClr val="accent1"/>
+          </a:fillRef>
+          <a:effectRef idx="0">
+            <a:schemeClr val="accent1"/>
+          </a:effectRef>
+          <a:fontRef idx="minor">
+            <a:schemeClr val="tx1"/>
+          </a:fontRef>
+        </p:style>
+      </p:cxnSp>
+      <p:cxnSp>
+        <p:nvCxnSpPr>
+          <p:cNvPr id="10" name="직선 화살표 연결선 9"/>
+          <p:cNvCxnSpPr/>
+          <p:nvPr/>
+        </p:nvCxnSpPr>
+        <p:spPr>
+          <a:xfrm flipV="1">
+            <a:off x="2453810" y="1412776"/>
+            <a:ext cx="1548172" cy="1296144"/>
+          </a:xfrm>
+          <a:prstGeom prst="straightConnector1">
+            <a:avLst/>
+          </a:prstGeom>
+          <a:ln w="28575">
+            <a:solidFill>
+              <a:schemeClr val="tx1"/>
+            </a:solidFill>
+            <a:tailEnd type="arrow"/>
+          </a:ln>
+        </p:spPr>
+        <p:style>
+          <a:lnRef idx="1">
+            <a:schemeClr val="accent1"/>
+          </a:lnRef>
+          <a:fillRef idx="0">
+            <a:schemeClr val="accent1"/>
+          </a:fillRef>
+          <a:effectRef idx="0">
+            <a:schemeClr val="accent1"/>
+          </a:effectRef>
+          <a:fontRef idx="minor">
+            <a:schemeClr val="tx1"/>
+          </a:fontRef>
+        </p:style>
+      </p:cxnSp>
+      <p:cxnSp>
+        <p:nvCxnSpPr>
+          <p:cNvPr id="12" name="직선 화살표 연결선 11"/>
+          <p:cNvCxnSpPr/>
+          <p:nvPr/>
+        </p:nvCxnSpPr>
+        <p:spPr>
+          <a:xfrm flipH="1" flipV="1">
+            <a:off x="1833955" y="1620416"/>
+            <a:ext cx="620452" cy="1088504"/>
+          </a:xfrm>
+          <a:prstGeom prst="straightConnector1">
+            <a:avLst/>
+          </a:prstGeom>
+          <a:ln w="28575">
+            <a:solidFill>
+              <a:schemeClr val="tx1"/>
+            </a:solidFill>
+            <a:tailEnd type="arrow"/>
+          </a:ln>
+        </p:spPr>
+        <p:style>
+          <a:lnRef idx="1">
+            <a:schemeClr val="accent1"/>
+          </a:lnRef>
+          <a:fillRef idx="0">
+            <a:schemeClr val="accent1"/>
+          </a:fillRef>
+          <a:effectRef idx="0">
+            <a:schemeClr val="accent1"/>
+          </a:effectRef>
+          <a:fontRef idx="minor">
+            <a:schemeClr val="tx1"/>
+          </a:fontRef>
+        </p:style>
+      </p:cxnSp>
+      <p:cxnSp>
+        <p:nvCxnSpPr>
+          <p:cNvPr id="17" name="직선 화살표 연결선 16"/>
+          <p:cNvCxnSpPr/>
+          <p:nvPr/>
+        </p:nvCxnSpPr>
+        <p:spPr>
+          <a:xfrm>
+            <a:off x="4686058" y="2708920"/>
+            <a:ext cx="3384376" cy="0"/>
+          </a:xfrm>
+          <a:prstGeom prst="straightConnector1">
+            <a:avLst/>
+          </a:prstGeom>
+          <a:ln w="12700">
+            <a:solidFill>
+              <a:schemeClr val="tx1"/>
+            </a:solidFill>
+            <a:tailEnd type="arrow"/>
+          </a:ln>
+        </p:spPr>
+        <p:style>
+          <a:lnRef idx="1">
+            <a:schemeClr val="accent1"/>
+          </a:lnRef>
+          <a:fillRef idx="0">
+            <a:schemeClr val="accent1"/>
+          </a:fillRef>
+          <a:effectRef idx="0">
+            <a:schemeClr val="accent1"/>
+          </a:effectRef>
+          <a:fontRef idx="minor">
+            <a:schemeClr val="tx1"/>
+          </a:fontRef>
+        </p:style>
+      </p:cxnSp>
+      <p:cxnSp>
+        <p:nvCxnSpPr>
+          <p:cNvPr id="18" name="직선 화살표 연결선 17"/>
+          <p:cNvCxnSpPr/>
+          <p:nvPr/>
+        </p:nvCxnSpPr>
+        <p:spPr>
+          <a:xfrm flipV="1">
+            <a:off x="6378246" y="980728"/>
+            <a:ext cx="0" cy="1944216"/>
+          </a:xfrm>
+          <a:prstGeom prst="straightConnector1">
+            <a:avLst/>
+          </a:prstGeom>
+          <a:ln w="12700">
+            <a:solidFill>
+              <a:schemeClr val="tx1"/>
+            </a:solidFill>
+            <a:tailEnd type="arrow"/>
+          </a:ln>
+        </p:spPr>
+        <p:style>
+          <a:lnRef idx="1">
+            <a:schemeClr val="accent1"/>
+          </a:lnRef>
+          <a:fillRef idx="0">
+            <a:schemeClr val="accent1"/>
+          </a:fillRef>
+          <a:effectRef idx="0">
+            <a:schemeClr val="accent1"/>
+          </a:effectRef>
+          <a:fontRef idx="minor">
+            <a:schemeClr val="tx1"/>
+          </a:fontRef>
+        </p:style>
+      </p:cxnSp>
+      <p:cxnSp>
+        <p:nvCxnSpPr>
+          <p:cNvPr id="19" name="직선 화살표 연결선 18"/>
+          <p:cNvCxnSpPr/>
+          <p:nvPr/>
+        </p:nvCxnSpPr>
+        <p:spPr>
+          <a:xfrm flipV="1">
+            <a:off x="6378246" y="1412776"/>
+            <a:ext cx="1548172" cy="1296144"/>
+          </a:xfrm>
+          <a:prstGeom prst="straightConnector1">
+            <a:avLst/>
+          </a:prstGeom>
+          <a:ln>
+            <a:solidFill>
+              <a:schemeClr val="bg1">
+                <a:lumMod val="75000"/>
+              </a:schemeClr>
+            </a:solidFill>
+            <a:tailEnd type="arrow"/>
+          </a:ln>
+        </p:spPr>
+        <p:style>
+          <a:lnRef idx="1">
+            <a:schemeClr val="accent1"/>
+          </a:lnRef>
+          <a:fillRef idx="0">
+            <a:schemeClr val="accent1"/>
+          </a:fillRef>
+          <a:effectRef idx="0">
+            <a:schemeClr val="accent1"/>
+          </a:effectRef>
+          <a:fontRef idx="minor">
+            <a:schemeClr val="tx1"/>
+          </a:fontRef>
+        </p:style>
+      </p:cxnSp>
+      <p:cxnSp>
+        <p:nvCxnSpPr>
+          <p:cNvPr id="20" name="직선 화살표 연결선 19"/>
+          <p:cNvCxnSpPr/>
+          <p:nvPr/>
+        </p:nvCxnSpPr>
+        <p:spPr>
+          <a:xfrm flipH="1" flipV="1">
+            <a:off x="5758391" y="1620416"/>
+            <a:ext cx="620452" cy="1088504"/>
+          </a:xfrm>
+          <a:prstGeom prst="straightConnector1">
+            <a:avLst/>
+          </a:prstGeom>
+          <a:ln>
+            <a:solidFill>
+              <a:schemeClr val="bg1">
+                <a:lumMod val="75000"/>
+              </a:schemeClr>
+            </a:solidFill>
+            <a:tailEnd type="arrow"/>
+          </a:ln>
+        </p:spPr>
+        <p:style>
+          <a:lnRef idx="1">
+            <a:schemeClr val="accent1"/>
+          </a:lnRef>
+          <a:fillRef idx="0">
+            <a:schemeClr val="accent1"/>
+          </a:fillRef>
+          <a:effectRef idx="0">
+            <a:schemeClr val="accent1"/>
+          </a:effectRef>
+          <a:fontRef idx="minor">
+            <a:schemeClr val="tx1"/>
+          </a:fontRef>
+        </p:style>
+      </p:cxnSp>
+      <p:cxnSp>
+        <p:nvCxnSpPr>
+          <p:cNvPr id="21" name="직선 화살표 연결선 20"/>
+          <p:cNvCxnSpPr/>
+          <p:nvPr/>
+        </p:nvCxnSpPr>
+        <p:spPr>
+          <a:xfrm flipH="1" flipV="1">
+            <a:off x="4830074" y="2162287"/>
+            <a:ext cx="1548172" cy="546460"/>
+          </a:xfrm>
+          <a:prstGeom prst="straightConnector1">
+            <a:avLst/>
+          </a:prstGeom>
+          <a:ln w="28575">
+            <a:solidFill>
+              <a:srgbClr val="FF0000"/>
+            </a:solidFill>
+            <a:tailEnd type="arrow"/>
+          </a:ln>
+        </p:spPr>
+        <p:style>
+          <a:lnRef idx="1">
+            <a:schemeClr val="accent1"/>
+          </a:lnRef>
+          <a:fillRef idx="0">
+            <a:schemeClr val="accent1"/>
+          </a:fillRef>
+          <a:effectRef idx="0">
+            <a:schemeClr val="accent1"/>
+          </a:effectRef>
+          <a:fontRef idx="minor">
+            <a:schemeClr val="tx1"/>
+          </a:fontRef>
+        </p:style>
+      </p:cxnSp>
+      <p:sp>
+        <p:nvSpPr>
+          <p:cNvPr id="22" name="원호 21"/>
+          <p:cNvSpPr/>
+          <p:nvPr/>
+        </p:nvSpPr>
+        <p:spPr>
+          <a:xfrm>
+            <a:off x="2137707" y="2385391"/>
+            <a:ext cx="632207" cy="632207"/>
+          </a:xfrm>
+          <a:prstGeom prst="arc">
+            <a:avLst>
+              <a:gd name="adj1" fmla="val 19310489"/>
+              <a:gd name="adj2" fmla="val 21482768"/>
+            </a:avLst>
+          </a:prstGeom>
+          <a:ln w="12700">
+            <a:solidFill>
+              <a:schemeClr val="tx1"/>
+            </a:solidFill>
+            <a:prstDash val="solid"/>
+            <a:headEnd type="triangle" w="med" len="med"/>
+            <a:tailEnd type="none" w="med" len="med"/>
+          </a:ln>
+        </p:spPr>
+        <p:style>
+          <a:lnRef idx="1">
+            <a:schemeClr val="accent1"/>
+          </a:lnRef>
+          <a:fillRef idx="0">
+            <a:schemeClr val="accent1"/>
+          </a:fillRef>
+          <a:effectRef idx="0">
+            <a:schemeClr val="accent1"/>
+          </a:effectRef>
+          <a:fontRef idx="minor">
+            <a:schemeClr val="tx1"/>
+          </a:fontRef>
+        </p:style>
+        <p:txBody>
+          <a:bodyPr rtlCol="0" anchor="ctr"/>
+          <a:lstStyle/>
+          <a:p>
+            <a:pPr algn="ctr"/>
+            <a:endParaRPr lang="ko-KR" altLang="en-US"/>
+          </a:p>
+        </p:txBody>
+      </p:sp>
+      <p:sp>
+        <p:nvSpPr>
+          <p:cNvPr id="23" name="원호 22"/>
+          <p:cNvSpPr/>
+          <p:nvPr/>
+        </p:nvSpPr>
+        <p:spPr>
+          <a:xfrm>
+            <a:off x="2238504" y="2493017"/>
+            <a:ext cx="431805" cy="431805"/>
+          </a:xfrm>
+          <a:prstGeom prst="arc">
+            <a:avLst>
+              <a:gd name="adj1" fmla="val 14488563"/>
+              <a:gd name="adj2" fmla="val 21482768"/>
+            </a:avLst>
+          </a:prstGeom>
+          <a:ln w="12700">
+            <a:solidFill>
+              <a:schemeClr val="tx1"/>
+            </a:solidFill>
+            <a:prstDash val="solid"/>
+            <a:headEnd type="triangle" w="med" len="med"/>
+            <a:tailEnd type="none" w="med" len="med"/>
+          </a:ln>
+        </p:spPr>
+        <p:style>
+          <a:lnRef idx="1">
+            <a:schemeClr val="accent1"/>
+          </a:lnRef>
+          <a:fillRef idx="0">
+            <a:schemeClr val="accent1"/>
+          </a:fillRef>
+          <a:effectRef idx="0">
+            <a:schemeClr val="accent1"/>
+          </a:effectRef>
+          <a:fontRef idx="minor">
+            <a:schemeClr val="tx1"/>
+          </a:fontRef>
+        </p:style>
+        <p:txBody>
+          <a:bodyPr rtlCol="0" anchor="ctr"/>
+          <a:lstStyle/>
+          <a:p>
+            <a:pPr algn="ctr"/>
+            <a:endParaRPr lang="ko-KR" altLang="en-US"/>
+          </a:p>
+        </p:txBody>
+      </p:sp>
+      <p:sp>
+        <p:nvSpPr>
+          <p:cNvPr id="24" name="원호 23"/>
+          <p:cNvSpPr/>
+          <p:nvPr/>
+        </p:nvSpPr>
+        <p:spPr>
+          <a:xfrm>
+            <a:off x="6162940" y="2493017"/>
+            <a:ext cx="431805" cy="431805"/>
+          </a:xfrm>
+          <a:prstGeom prst="arc">
+            <a:avLst>
+              <a:gd name="adj1" fmla="val 11838909"/>
+              <a:gd name="adj2" fmla="val 21482768"/>
+            </a:avLst>
+          </a:prstGeom>
+          <a:ln w="12700">
+            <a:solidFill>
+              <a:srgbClr val="FF0000"/>
+            </a:solidFill>
+            <a:prstDash val="solid"/>
+            <a:headEnd type="triangle" w="med" len="med"/>
+            <a:tailEnd type="none" w="med" len="med"/>
+          </a:ln>
+        </p:spPr>
+        <p:style>
+          <a:lnRef idx="1">
+            <a:schemeClr val="accent1"/>
+          </a:lnRef>
+          <a:fillRef idx="0">
+            <a:schemeClr val="accent1"/>
+          </a:fillRef>
+          <a:effectRef idx="0">
+            <a:schemeClr val="accent1"/>
+          </a:effectRef>
+          <a:fontRef idx="minor">
+            <a:schemeClr val="tx1"/>
+          </a:fontRef>
+        </p:style>
+        <p:txBody>
+          <a:bodyPr rtlCol="0" anchor="ctr"/>
+          <a:lstStyle/>
+          <a:p>
+            <a:pPr algn="ctr"/>
+            <a:endParaRPr lang="ko-KR" altLang="en-US"/>
+          </a:p>
+        </p:txBody>
+      </p:sp>
+      <p:sp>
+        <p:nvSpPr>
+          <p:cNvPr id="16" name="TextBox 15"/>
+          <p:cNvSpPr txBox="1"/>
+          <p:nvPr/>
+        </p:nvSpPr>
+        <p:spPr>
+          <a:xfrm>
+            <a:off x="3834053" y="2794139"/>
+            <a:ext cx="623889" cy="261610"/>
+          </a:xfrm>
+          <a:prstGeom prst="rect">
+            <a:avLst/>
+          </a:prstGeom>
+          <a:noFill/>
+        </p:spPr>
+        <p:txBody>
+          <a:bodyPr wrap="none" rtlCol="0">
+            <a:spAutoFit/>
+          </a:bodyPr>
+          <a:lstStyle/>
+          <a:p>
+            <a:r>
+              <a:rPr lang="ko-KR" altLang="en-US" sz="1100">
+                <a:latin typeface="나눔고딕" pitchFamily="50" charset="-127"/>
+                <a:ea typeface="나눔고딕" pitchFamily="50" charset="-127"/>
+              </a:rPr>
+              <a:t>실수 축</a:t>
+            </a:r>
+          </a:p>
+        </p:txBody>
+      </p:sp>
+      <p:sp>
+        <p:nvSpPr>
+          <p:cNvPr id="26" name="TextBox 25"/>
+          <p:cNvSpPr txBox="1"/>
+          <p:nvPr/>
+        </p:nvSpPr>
+        <p:spPr>
+          <a:xfrm>
+            <a:off x="2158349" y="688767"/>
+            <a:ext cx="623889" cy="261610"/>
+          </a:xfrm>
+          <a:prstGeom prst="rect">
+            <a:avLst/>
+          </a:prstGeom>
+          <a:noFill/>
+        </p:spPr>
+        <p:txBody>
+          <a:bodyPr wrap="none" rtlCol="0">
+            <a:spAutoFit/>
+          </a:bodyPr>
+          <a:lstStyle/>
+          <a:p>
+            <a:r>
+              <a:rPr lang="ko-KR" altLang="en-US" sz="1100" dirty="0">
+                <a:latin typeface="나눔고딕" pitchFamily="50" charset="-127"/>
+                <a:ea typeface="나눔고딕" pitchFamily="50" charset="-127"/>
+              </a:rPr>
+              <a:t>허수 축</a:t>
+            </a:r>
+          </a:p>
+        </p:txBody>
+      </p:sp>
+      <p:sp>
+        <p:nvSpPr>
+          <p:cNvPr id="27" name="TextBox 26"/>
+          <p:cNvSpPr txBox="1"/>
+          <p:nvPr/>
+        </p:nvSpPr>
+        <p:spPr>
+          <a:xfrm>
+            <a:off x="7758489" y="2794139"/>
+            <a:ext cx="623889" cy="261610"/>
+          </a:xfrm>
+          <a:prstGeom prst="rect">
+            <a:avLst/>
+          </a:prstGeom>
+          <a:noFill/>
+        </p:spPr>
+        <p:txBody>
+          <a:bodyPr wrap="none" rtlCol="0">
+            <a:spAutoFit/>
+          </a:bodyPr>
+          <a:lstStyle/>
+          <a:p>
+            <a:r>
+              <a:rPr lang="ko-KR" altLang="en-US" sz="1100">
+                <a:latin typeface="나눔고딕" pitchFamily="50" charset="-127"/>
+                <a:ea typeface="나눔고딕" pitchFamily="50" charset="-127"/>
+              </a:rPr>
+              <a:t>실수 축</a:t>
+            </a:r>
+          </a:p>
+        </p:txBody>
+      </p:sp>
+      <p:sp>
+        <p:nvSpPr>
+          <p:cNvPr id="28" name="TextBox 27"/>
+          <p:cNvSpPr txBox="1"/>
+          <p:nvPr/>
+        </p:nvSpPr>
+        <p:spPr>
+          <a:xfrm>
+            <a:off x="6082785" y="688767"/>
+            <a:ext cx="623889" cy="261610"/>
+          </a:xfrm>
+          <a:prstGeom prst="rect">
+            <a:avLst/>
+          </a:prstGeom>
+          <a:noFill/>
+        </p:spPr>
+        <p:txBody>
+          <a:bodyPr wrap="none" rtlCol="0">
+            <a:spAutoFit/>
+          </a:bodyPr>
+          <a:lstStyle/>
+          <a:p>
+            <a:r>
+              <a:rPr lang="ko-KR" altLang="en-US" sz="1100" dirty="0">
+                <a:latin typeface="나눔고딕" pitchFamily="50" charset="-127"/>
+                <a:ea typeface="나눔고딕" pitchFamily="50" charset="-127"/>
+              </a:rPr>
+              <a:t>허수 축</a:t>
+            </a:r>
+          </a:p>
+        </p:txBody>
+      </p:sp>
+      <p:sp>
+        <p:nvSpPr>
+          <p:cNvPr id="29" name="TextBox 28"/>
+          <p:cNvSpPr txBox="1"/>
+          <p:nvPr/>
+        </p:nvSpPr>
+        <p:spPr>
+          <a:xfrm>
+            <a:off x="6108620" y="2716292"/>
+            <a:ext cx="269626" cy="261610"/>
+          </a:xfrm>
+          <a:prstGeom prst="rect">
+            <a:avLst/>
+          </a:prstGeom>
+          <a:noFill/>
+        </p:spPr>
+        <p:txBody>
+          <a:bodyPr wrap="none" rtlCol="0">
+            <a:spAutoFit/>
+          </a:bodyPr>
+          <a:lstStyle/>
+          <a:p>
+            <a:r>
+              <a:rPr lang="en-US" altLang="ko-KR" sz="1100">
+                <a:latin typeface="나눔고딕" pitchFamily="50" charset="-127"/>
+                <a:ea typeface="나눔고딕" pitchFamily="50" charset="-127"/>
+              </a:rPr>
+              <a:t>0</a:t>
+            </a:r>
+            <a:endParaRPr lang="ko-KR" altLang="en-US" sz="1100" dirty="0">
+              <a:latin typeface="나눔고딕" pitchFamily="50" charset="-127"/>
+              <a:ea typeface="나눔고딕" pitchFamily="50" charset="-127"/>
+            </a:endParaRPr>
+          </a:p>
+        </p:txBody>
+      </p:sp>
+      <p:sp>
+        <p:nvSpPr>
+          <p:cNvPr id="30" name="TextBox 29"/>
+          <p:cNvSpPr txBox="1"/>
+          <p:nvPr/>
+        </p:nvSpPr>
+        <p:spPr>
+          <a:xfrm>
+            <a:off x="2179097" y="2716292"/>
+            <a:ext cx="269626" cy="261610"/>
+          </a:xfrm>
+          <a:prstGeom prst="rect">
+            <a:avLst/>
+          </a:prstGeom>
+          <a:noFill/>
+        </p:spPr>
+        <p:txBody>
+          <a:bodyPr wrap="none" rtlCol="0">
+            <a:spAutoFit/>
+          </a:bodyPr>
+          <a:lstStyle/>
+          <a:p>
+            <a:r>
+              <a:rPr lang="en-US" altLang="ko-KR" sz="1100">
+                <a:latin typeface="나눔고딕" pitchFamily="50" charset="-127"/>
+                <a:ea typeface="나눔고딕" pitchFamily="50" charset="-127"/>
+              </a:rPr>
+              <a:t>0</a:t>
+            </a:r>
+            <a:endParaRPr lang="ko-KR" altLang="en-US" sz="1100" dirty="0">
+              <a:latin typeface="나눔고딕" pitchFamily="50" charset="-127"/>
+              <a:ea typeface="나눔고딕" pitchFamily="50" charset="-127"/>
+            </a:endParaRPr>
+          </a:p>
+        </p:txBody>
+      </p:sp>
+      <mc:AlternateContent xmlns:mc="http://schemas.openxmlformats.org/markup-compatibility/2006" xmlns:a14="http://schemas.microsoft.com/office/drawing/2010/main">
+        <mc:Choice Requires="a14">
+          <p:sp>
+            <p:nvSpPr>
+              <p:cNvPr id="31" name="TextBox 30"/>
+              <p:cNvSpPr txBox="1"/>
+              <p:nvPr/>
+            </p:nvSpPr>
+            <p:spPr>
+              <a:xfrm>
+                <a:off x="1619813" y="1303809"/>
+                <a:ext cx="431849" cy="338554"/>
+              </a:xfrm>
+              <a:prstGeom prst="rect">
+                <a:avLst/>
+              </a:prstGeom>
+              <a:noFill/>
+            </p:spPr>
+            <p:txBody>
+              <a:bodyPr wrap="none" rtlCol="0">
+                <a:spAutoFit/>
+              </a:bodyPr>
+              <a:lstStyle/>
+              <a:p>
+                <a:pPr/>
+                <a14:m>
+                  <m:oMathPara xmlns:m="http://schemas.openxmlformats.org/officeDocument/2006/math">
+                    <m:oMathParaPr>
+                      <m:jc m:val="centerGroup"/>
+                    </m:oMathParaPr>
+                    <m:oMath xmlns:m="http://schemas.openxmlformats.org/officeDocument/2006/math">
+                      <m:sSub>
+                        <m:sSubPr>
+                          <m:ctrlPr>
+                            <a:rPr lang="en-US" altLang="ko-KR" sz="1600" b="0" i="1" smtClean="0">
+                              <a:latin typeface="Cambria Math" panose="02040503050406030204" pitchFamily="18" charset="0"/>
+                              <a:ea typeface="나눔고딕" pitchFamily="50" charset="-127"/>
+                            </a:rPr>
+                          </m:ctrlPr>
+                        </m:sSubPr>
+                        <m:e>
+                          <m:r>
+                            <a:rPr lang="en-US" altLang="ko-KR" sz="1600" b="0" i="1" smtClean="0">
+                              <a:latin typeface="Cambria Math"/>
+                              <a:ea typeface="나눔고딕" pitchFamily="50" charset="-127"/>
+                            </a:rPr>
+                            <m:t>𝑧</m:t>
+                          </m:r>
+                        </m:e>
+                        <m:sub>
+                          <m:r>
+                            <a:rPr lang="en-US" altLang="ko-KR" sz="1600" b="0" i="1" smtClean="0">
+                              <a:latin typeface="Cambria Math"/>
+                              <a:ea typeface="나눔고딕" pitchFamily="50" charset="-127"/>
+                            </a:rPr>
+                            <m:t>2</m:t>
+                          </m:r>
+                        </m:sub>
+                      </m:sSub>
+                    </m:oMath>
+                  </m:oMathPara>
+                </a14:m>
+                <a:endParaRPr lang="ko-KR" altLang="en-US" sz="1600" dirty="0">
+                  <a:latin typeface="나눔고딕" pitchFamily="50" charset="-127"/>
+                  <a:ea typeface="나눔고딕" pitchFamily="50" charset="-127"/>
+                </a:endParaRPr>
+              </a:p>
+            </p:txBody>
+          </p:sp>
+        </mc:Choice>
+        <mc:Fallback xmlns="">
+          <p:sp>
+            <p:nvSpPr>
+              <p:cNvPr id="31" name="TextBox 30"/>
+              <p:cNvSpPr txBox="1">
+                <a:spLocks noRot="1" noChangeAspect="1" noMove="1" noResize="1" noEditPoints="1" noAdjustHandles="1" noChangeArrowheads="1" noChangeShapeType="1" noTextEdit="1"/>
+              </p:cNvSpPr>
+              <p:nvPr/>
+            </p:nvSpPr>
+            <p:spPr>
+              <a:xfrm>
+                <a:off x="1619813" y="1303809"/>
+                <a:ext cx="431849" cy="338554"/>
+              </a:xfrm>
+              <a:prstGeom prst="rect">
+                <a:avLst/>
+              </a:prstGeom>
+              <a:blipFill rotWithShape="1">
+                <a:blip r:embed="rId2"/>
+                <a:stretch>
+                  <a:fillRect/>
+                </a:stretch>
+              </a:blipFill>
+            </p:spPr>
+            <p:txBody>
+              <a:bodyPr/>
+              <a:lstStyle/>
+              <a:p>
+                <a:r>
+                  <a:rPr lang="ko-KR" altLang="en-US">
+                    <a:noFill/>
+                  </a:rPr>
+                  <a:t> </a:t>
+                </a:r>
+              </a:p>
+            </p:txBody>
+          </p:sp>
+        </mc:Fallback>
+      </mc:AlternateContent>
+      <mc:AlternateContent xmlns:mc="http://schemas.openxmlformats.org/markup-compatibility/2006" xmlns:a14="http://schemas.microsoft.com/office/drawing/2010/main">
+        <mc:Choice Requires="a14">
+          <p:sp>
+            <p:nvSpPr>
+              <p:cNvPr id="32" name="TextBox 31"/>
+              <p:cNvSpPr txBox="1"/>
+              <p:nvPr/>
+            </p:nvSpPr>
+            <p:spPr>
+              <a:xfrm>
+                <a:off x="3795953" y="1096169"/>
+                <a:ext cx="427105" cy="338554"/>
+              </a:xfrm>
+              <a:prstGeom prst="rect">
+                <a:avLst/>
+              </a:prstGeom>
+              <a:noFill/>
+            </p:spPr>
+            <p:txBody>
+              <a:bodyPr wrap="none" rtlCol="0">
+                <a:spAutoFit/>
+              </a:bodyPr>
+              <a:lstStyle/>
+              <a:p>
+                <a:pPr/>
+                <a14:m>
+                  <m:oMathPara xmlns:m="http://schemas.openxmlformats.org/officeDocument/2006/math">
+                    <m:oMathParaPr>
+                      <m:jc m:val="centerGroup"/>
+                    </m:oMathParaPr>
+                    <m:oMath xmlns:m="http://schemas.openxmlformats.org/officeDocument/2006/math">
+                      <m:sSub>
+                        <m:sSubPr>
+                          <m:ctrlPr>
+                            <a:rPr lang="en-US" altLang="ko-KR" sz="1600" b="0" i="1" smtClean="0">
+                              <a:latin typeface="Cambria Math" panose="02040503050406030204" pitchFamily="18" charset="0"/>
+                              <a:ea typeface="나눔고딕" pitchFamily="50" charset="-127"/>
+                            </a:rPr>
+                          </m:ctrlPr>
+                        </m:sSubPr>
+                        <m:e>
+                          <m:r>
+                            <a:rPr lang="en-US" altLang="ko-KR" sz="1600" b="0" i="1" smtClean="0">
+                              <a:latin typeface="Cambria Math"/>
+                              <a:ea typeface="나눔고딕" pitchFamily="50" charset="-127"/>
+                            </a:rPr>
+                            <m:t>𝑧</m:t>
+                          </m:r>
+                        </m:e>
+                        <m:sub>
+                          <m:r>
+                            <a:rPr lang="en-US" altLang="ko-KR" sz="1600" b="0" i="1" smtClean="0">
+                              <a:latin typeface="Cambria Math"/>
+                              <a:ea typeface="나눔고딕" pitchFamily="50" charset="-127"/>
+                            </a:rPr>
+                            <m:t>1</m:t>
+                          </m:r>
+                        </m:sub>
+                      </m:sSub>
+                    </m:oMath>
+                  </m:oMathPara>
+                </a14:m>
+                <a:endParaRPr lang="ko-KR" altLang="en-US" sz="1600" dirty="0">
+                  <a:latin typeface="나눔고딕" pitchFamily="50" charset="-127"/>
+                  <a:ea typeface="나눔고딕" pitchFamily="50" charset="-127"/>
+                </a:endParaRPr>
+              </a:p>
+            </p:txBody>
+          </p:sp>
+        </mc:Choice>
+        <mc:Fallback xmlns="">
+          <p:sp>
+            <p:nvSpPr>
+              <p:cNvPr id="32" name="TextBox 31"/>
+              <p:cNvSpPr txBox="1">
+                <a:spLocks noRot="1" noChangeAspect="1" noMove="1" noResize="1" noEditPoints="1" noAdjustHandles="1" noChangeArrowheads="1" noChangeShapeType="1" noTextEdit="1"/>
+              </p:cNvSpPr>
+              <p:nvPr/>
+            </p:nvSpPr>
+            <p:spPr>
+              <a:xfrm>
+                <a:off x="3795953" y="1096169"/>
+                <a:ext cx="427105" cy="338554"/>
+              </a:xfrm>
+              <a:prstGeom prst="rect">
+                <a:avLst/>
+              </a:prstGeom>
+              <a:blipFill rotWithShape="1">
+                <a:blip r:embed="rId3"/>
+                <a:stretch>
+                  <a:fillRect/>
+                </a:stretch>
+              </a:blipFill>
+            </p:spPr>
+            <p:txBody>
+              <a:bodyPr/>
+              <a:lstStyle/>
+              <a:p>
+                <a:r>
+                  <a:rPr lang="ko-KR" altLang="en-US">
+                    <a:noFill/>
+                  </a:rPr>
+                  <a:t> </a:t>
+                </a:r>
+              </a:p>
+            </p:txBody>
+          </p:sp>
+        </mc:Fallback>
+      </mc:AlternateContent>
+      <mc:AlternateContent xmlns:mc="http://schemas.openxmlformats.org/markup-compatibility/2006" xmlns:a14="http://schemas.microsoft.com/office/drawing/2010/main">
+        <mc:Choice Requires="a14">
+          <p:sp>
+            <p:nvSpPr>
+              <p:cNvPr id="33" name="TextBox 32"/>
+              <p:cNvSpPr txBox="1"/>
+              <p:nvPr/>
+            </p:nvSpPr>
+            <p:spPr>
+              <a:xfrm>
+                <a:off x="4539946" y="1816249"/>
+                <a:ext cx="616579" cy="338554"/>
+              </a:xfrm>
+              <a:prstGeom prst="rect">
+                <a:avLst/>
+              </a:prstGeom>
+              <a:noFill/>
+            </p:spPr>
+            <p:txBody>
+              <a:bodyPr wrap="none" rtlCol="0">
+                <a:spAutoFit/>
+              </a:bodyPr>
+              <a:lstStyle/>
+              <a:p>
+                <a:pPr/>
+                <a14:m>
+                  <m:oMathPara xmlns:m="http://schemas.openxmlformats.org/officeDocument/2006/math">
+                    <m:oMathParaPr>
+                      <m:jc m:val="centerGroup"/>
+                    </m:oMathParaPr>
+                    <m:oMath xmlns:m="http://schemas.openxmlformats.org/officeDocument/2006/math">
+                      <m:sSub>
+                        <m:sSubPr>
+                          <m:ctrlPr>
+                            <a:rPr lang="en-US" altLang="ko-KR" sz="1600" b="0" i="1" smtClean="0">
+                              <a:solidFill>
+                                <a:srgbClr val="FF0000"/>
+                              </a:solidFill>
+                              <a:latin typeface="Cambria Math" panose="02040503050406030204" pitchFamily="18" charset="0"/>
+                              <a:ea typeface="나눔고딕" pitchFamily="50" charset="-127"/>
+                            </a:rPr>
+                          </m:ctrlPr>
+                        </m:sSubPr>
+                        <m:e>
+                          <m:r>
+                            <a:rPr lang="en-US" altLang="ko-KR" sz="1600" b="0" i="1" smtClean="0">
+                              <a:solidFill>
+                                <a:srgbClr val="FF0000"/>
+                              </a:solidFill>
+                              <a:latin typeface="Cambria Math"/>
+                              <a:ea typeface="나눔고딕" pitchFamily="50" charset="-127"/>
+                            </a:rPr>
+                            <m:t>𝑧</m:t>
+                          </m:r>
+                        </m:e>
+                        <m:sub>
+                          <m:r>
+                            <a:rPr lang="en-US" altLang="ko-KR" sz="1600" b="0" i="1" smtClean="0">
+                              <a:solidFill>
+                                <a:srgbClr val="FF0000"/>
+                              </a:solidFill>
+                              <a:latin typeface="Cambria Math"/>
+                              <a:ea typeface="나눔고딕" pitchFamily="50" charset="-127"/>
+                            </a:rPr>
+                            <m:t>1</m:t>
+                          </m:r>
+                        </m:sub>
+                      </m:sSub>
+                      <m:sSub>
+                        <m:sSubPr>
+                          <m:ctrlPr>
+                            <a:rPr lang="en-US" altLang="ko-KR" sz="1600" b="0" i="1" smtClean="0">
+                              <a:solidFill>
+                                <a:srgbClr val="FF0000"/>
+                              </a:solidFill>
+                              <a:latin typeface="Cambria Math" panose="02040503050406030204" pitchFamily="18" charset="0"/>
+                              <a:ea typeface="나눔고딕" pitchFamily="50" charset="-127"/>
+                            </a:rPr>
+                          </m:ctrlPr>
+                        </m:sSubPr>
+                        <m:e>
+                          <m:r>
+                            <a:rPr lang="en-US" altLang="ko-KR" sz="1600" b="0" i="1" smtClean="0">
+                              <a:solidFill>
+                                <a:srgbClr val="FF0000"/>
+                              </a:solidFill>
+                              <a:latin typeface="Cambria Math"/>
+                              <a:ea typeface="나눔고딕" pitchFamily="50" charset="-127"/>
+                            </a:rPr>
+                            <m:t>𝑧</m:t>
+                          </m:r>
+                        </m:e>
+                        <m:sub>
+                          <m:r>
+                            <a:rPr lang="en-US" altLang="ko-KR" sz="1600" b="0" i="1" smtClean="0">
+                              <a:solidFill>
+                                <a:srgbClr val="FF0000"/>
+                              </a:solidFill>
+                              <a:latin typeface="Cambria Math"/>
+                              <a:ea typeface="나눔고딕" pitchFamily="50" charset="-127"/>
+                            </a:rPr>
+                            <m:t>2</m:t>
+                          </m:r>
+                        </m:sub>
+                      </m:sSub>
+                    </m:oMath>
+                  </m:oMathPara>
+                </a14:m>
+                <a:endParaRPr lang="ko-KR" altLang="en-US" sz="1600" dirty="0">
+                  <a:solidFill>
+                    <a:srgbClr val="FF0000"/>
+                  </a:solidFill>
+                  <a:latin typeface="나눔고딕" pitchFamily="50" charset="-127"/>
+                  <a:ea typeface="나눔고딕" pitchFamily="50" charset="-127"/>
+                </a:endParaRPr>
+              </a:p>
+            </p:txBody>
+          </p:sp>
+        </mc:Choice>
+        <mc:Fallback xmlns="">
+          <p:sp>
+            <p:nvSpPr>
+              <p:cNvPr id="33" name="TextBox 32"/>
+              <p:cNvSpPr txBox="1">
+                <a:spLocks noRot="1" noChangeAspect="1" noMove="1" noResize="1" noEditPoints="1" noAdjustHandles="1" noChangeArrowheads="1" noChangeShapeType="1" noTextEdit="1"/>
+              </p:cNvSpPr>
+              <p:nvPr/>
+            </p:nvSpPr>
+            <p:spPr>
+              <a:xfrm>
+                <a:off x="4539946" y="1816249"/>
+                <a:ext cx="616579" cy="338554"/>
+              </a:xfrm>
+              <a:prstGeom prst="rect">
+                <a:avLst/>
+              </a:prstGeom>
+              <a:blipFill rotWithShape="1">
+                <a:blip r:embed="rId4"/>
+                <a:stretch>
+                  <a:fillRect/>
+                </a:stretch>
+              </a:blipFill>
+            </p:spPr>
+            <p:txBody>
+              <a:bodyPr/>
+              <a:lstStyle/>
+              <a:p>
+                <a:r>
+                  <a:rPr lang="ko-KR" altLang="en-US">
+                    <a:noFill/>
+                  </a:rPr>
+                  <a:t> </a:t>
+                </a:r>
+              </a:p>
+            </p:txBody>
+          </p:sp>
+        </mc:Fallback>
+      </mc:AlternateContent>
+      <mc:AlternateContent xmlns:mc="http://schemas.openxmlformats.org/markup-compatibility/2006" xmlns:a14="http://schemas.microsoft.com/office/drawing/2010/main">
+        <mc:Choice Requires="a14">
+          <p:sp>
+            <p:nvSpPr>
+              <p:cNvPr id="35" name="TextBox 34"/>
+              <p:cNvSpPr txBox="1"/>
+              <p:nvPr/>
+            </p:nvSpPr>
+            <p:spPr>
+              <a:xfrm>
+                <a:off x="2769914" y="2377738"/>
+                <a:ext cx="440955" cy="338554"/>
+              </a:xfrm>
+              <a:prstGeom prst="rect">
+                <a:avLst/>
+              </a:prstGeom>
+              <a:noFill/>
+            </p:spPr>
+            <p:txBody>
+              <a:bodyPr wrap="none" rtlCol="0">
+                <a:spAutoFit/>
+              </a:bodyPr>
+              <a:lstStyle/>
+              <a:p>
+                <a:pPr/>
+                <a14:m>
+                  <m:oMathPara xmlns:m="http://schemas.openxmlformats.org/officeDocument/2006/math">
+                    <m:oMathParaPr>
+                      <m:jc m:val="centerGroup"/>
+                    </m:oMathParaPr>
+                    <m:oMath xmlns:m="http://schemas.openxmlformats.org/officeDocument/2006/math">
+                      <m:sSub>
+                        <m:sSubPr>
+                          <m:ctrlPr>
+                            <a:rPr lang="en-US" altLang="ko-KR" sz="1600" b="0" i="1" smtClean="0">
+                              <a:solidFill>
+                                <a:schemeClr val="tx1"/>
+                              </a:solidFill>
+                              <a:latin typeface="Cambria Math" panose="02040503050406030204" pitchFamily="18" charset="0"/>
+                              <a:ea typeface="나눔고딕" pitchFamily="50" charset="-127"/>
+                            </a:rPr>
+                          </m:ctrlPr>
+                        </m:sSubPr>
+                        <m:e>
+                          <m:r>
+                            <a:rPr lang="en-US" altLang="ko-KR" sz="1600" b="0" i="1" smtClean="0">
+                              <a:solidFill>
+                                <a:schemeClr val="tx1"/>
+                              </a:solidFill>
+                              <a:latin typeface="Cambria Math"/>
+                              <a:ea typeface="나눔고딕" pitchFamily="50" charset="-127"/>
+                            </a:rPr>
+                            <m:t>𝜃</m:t>
+                          </m:r>
+                        </m:e>
+                        <m:sub>
+                          <m:r>
+                            <a:rPr lang="en-US" altLang="ko-KR" sz="1600" b="0" i="1" smtClean="0">
+                              <a:solidFill>
+                                <a:schemeClr val="tx1"/>
+                              </a:solidFill>
+                              <a:latin typeface="Cambria Math"/>
+                              <a:ea typeface="나눔고딕" pitchFamily="50" charset="-127"/>
+                            </a:rPr>
+                            <m:t>1</m:t>
+                          </m:r>
+                        </m:sub>
+                      </m:sSub>
+                    </m:oMath>
+                  </m:oMathPara>
+                </a14:m>
+                <a:endParaRPr lang="ko-KR" altLang="en-US" sz="1600" dirty="0">
+                  <a:solidFill>
+                    <a:schemeClr val="tx1"/>
+                  </a:solidFill>
+                  <a:latin typeface="나눔고딕" pitchFamily="50" charset="-127"/>
+                  <a:ea typeface="나눔고딕" pitchFamily="50" charset="-127"/>
+                </a:endParaRPr>
+              </a:p>
+            </p:txBody>
+          </p:sp>
+        </mc:Choice>
+        <mc:Fallback xmlns="">
+          <p:sp>
+            <p:nvSpPr>
+              <p:cNvPr id="35" name="TextBox 34"/>
+              <p:cNvSpPr txBox="1">
+                <a:spLocks noRot="1" noChangeAspect="1" noMove="1" noResize="1" noEditPoints="1" noAdjustHandles="1" noChangeArrowheads="1" noChangeShapeType="1" noTextEdit="1"/>
+              </p:cNvSpPr>
+              <p:nvPr/>
+            </p:nvSpPr>
+            <p:spPr>
+              <a:xfrm>
+                <a:off x="2769914" y="2377738"/>
+                <a:ext cx="440955" cy="338554"/>
+              </a:xfrm>
+              <a:prstGeom prst="rect">
+                <a:avLst/>
+              </a:prstGeom>
+              <a:blipFill rotWithShape="1">
+                <a:blip r:embed="rId5"/>
+                <a:stretch>
+                  <a:fillRect/>
+                </a:stretch>
+              </a:blipFill>
+            </p:spPr>
+            <p:txBody>
+              <a:bodyPr/>
+              <a:lstStyle/>
+              <a:p>
+                <a:r>
+                  <a:rPr lang="ko-KR" altLang="en-US">
+                    <a:noFill/>
+                  </a:rPr>
+                  <a:t> </a:t>
+                </a:r>
+              </a:p>
+            </p:txBody>
+          </p:sp>
+        </mc:Fallback>
+      </mc:AlternateContent>
+      <mc:AlternateContent xmlns:mc="http://schemas.openxmlformats.org/markup-compatibility/2006" xmlns:a14="http://schemas.microsoft.com/office/drawing/2010/main">
+        <mc:Choice Requires="a14">
+          <p:sp>
+            <p:nvSpPr>
+              <p:cNvPr id="36" name="TextBox 35"/>
+              <p:cNvSpPr txBox="1"/>
+              <p:nvPr/>
+            </p:nvSpPr>
+            <p:spPr>
+              <a:xfrm>
+                <a:off x="2365625" y="2151906"/>
+                <a:ext cx="445698" cy="338554"/>
+              </a:xfrm>
+              <a:prstGeom prst="rect">
+                <a:avLst/>
+              </a:prstGeom>
+              <a:noFill/>
+            </p:spPr>
+            <p:txBody>
+              <a:bodyPr wrap="none" rtlCol="0">
+                <a:spAutoFit/>
+              </a:bodyPr>
+              <a:lstStyle/>
+              <a:p>
+                <a:pPr/>
+                <a14:m>
+                  <m:oMathPara xmlns:m="http://schemas.openxmlformats.org/officeDocument/2006/math">
+                    <m:oMathParaPr>
+                      <m:jc m:val="centerGroup"/>
+                    </m:oMathParaPr>
+                    <m:oMath xmlns:m="http://schemas.openxmlformats.org/officeDocument/2006/math">
+                      <m:sSub>
+                        <m:sSubPr>
+                          <m:ctrlPr>
+                            <a:rPr lang="en-US" altLang="ko-KR" sz="1600" b="0" i="1" smtClean="0">
+                              <a:solidFill>
+                                <a:schemeClr val="tx1"/>
+                              </a:solidFill>
+                              <a:latin typeface="Cambria Math" panose="02040503050406030204" pitchFamily="18" charset="0"/>
+                              <a:ea typeface="나눔고딕" pitchFamily="50" charset="-127"/>
+                            </a:rPr>
+                          </m:ctrlPr>
+                        </m:sSubPr>
+                        <m:e>
+                          <m:r>
+                            <a:rPr lang="en-US" altLang="ko-KR" sz="1600" b="0" i="1" smtClean="0">
+                              <a:solidFill>
+                                <a:schemeClr val="tx1"/>
+                              </a:solidFill>
+                              <a:latin typeface="Cambria Math"/>
+                              <a:ea typeface="나눔고딕" pitchFamily="50" charset="-127"/>
+                            </a:rPr>
+                            <m:t>𝜃</m:t>
+                          </m:r>
+                        </m:e>
+                        <m:sub>
+                          <m:r>
+                            <a:rPr lang="en-US" altLang="ko-KR" sz="1600" b="0" i="1" smtClean="0">
+                              <a:solidFill>
+                                <a:schemeClr val="tx1"/>
+                              </a:solidFill>
+                              <a:latin typeface="Cambria Math"/>
+                              <a:ea typeface="나눔고딕" pitchFamily="50" charset="-127"/>
+                            </a:rPr>
+                            <m:t>2</m:t>
+                          </m:r>
+                        </m:sub>
+                      </m:sSub>
+                    </m:oMath>
+                  </m:oMathPara>
+                </a14:m>
+                <a:endParaRPr lang="ko-KR" altLang="en-US" sz="1600" dirty="0">
+                  <a:solidFill>
+                    <a:schemeClr val="tx1"/>
+                  </a:solidFill>
+                  <a:latin typeface="나눔고딕" pitchFamily="50" charset="-127"/>
+                  <a:ea typeface="나눔고딕" pitchFamily="50" charset="-127"/>
+                </a:endParaRPr>
+              </a:p>
+            </p:txBody>
+          </p:sp>
+        </mc:Choice>
+        <mc:Fallback xmlns="">
+          <p:sp>
+            <p:nvSpPr>
+              <p:cNvPr id="36" name="TextBox 35"/>
+              <p:cNvSpPr txBox="1">
+                <a:spLocks noRot="1" noChangeAspect="1" noMove="1" noResize="1" noEditPoints="1" noAdjustHandles="1" noChangeArrowheads="1" noChangeShapeType="1" noTextEdit="1"/>
+              </p:cNvSpPr>
+              <p:nvPr/>
+            </p:nvSpPr>
+            <p:spPr>
+              <a:xfrm>
+                <a:off x="2365625" y="2151906"/>
+                <a:ext cx="445698" cy="338554"/>
+              </a:xfrm>
+              <a:prstGeom prst="rect">
+                <a:avLst/>
+              </a:prstGeom>
+              <a:blipFill rotWithShape="1">
+                <a:blip r:embed="rId6"/>
+                <a:stretch>
+                  <a:fillRect/>
+                </a:stretch>
+              </a:blipFill>
+            </p:spPr>
+            <p:txBody>
+              <a:bodyPr/>
+              <a:lstStyle/>
+              <a:p>
+                <a:r>
+                  <a:rPr lang="ko-KR" altLang="en-US">
+                    <a:noFill/>
+                  </a:rPr>
+                  <a:t> </a:t>
+                </a:r>
+              </a:p>
+            </p:txBody>
+          </p:sp>
+        </mc:Fallback>
+      </mc:AlternateContent>
+      <mc:AlternateContent xmlns:mc="http://schemas.openxmlformats.org/markup-compatibility/2006" xmlns:a14="http://schemas.microsoft.com/office/drawing/2010/main">
+        <mc:Choice Requires="a14">
+          <p:sp>
+            <p:nvSpPr>
+              <p:cNvPr id="37" name="TextBox 36"/>
+              <p:cNvSpPr txBox="1"/>
+              <p:nvPr/>
+            </p:nvSpPr>
+            <p:spPr>
+              <a:xfrm>
+                <a:off x="6324147" y="2226350"/>
+                <a:ext cx="445698" cy="338554"/>
+              </a:xfrm>
+              <a:prstGeom prst="rect">
+                <a:avLst/>
+              </a:prstGeom>
+              <a:noFill/>
+            </p:spPr>
+            <p:txBody>
+              <a:bodyPr wrap="none" rtlCol="0">
+                <a:spAutoFit/>
+              </a:bodyPr>
+              <a:lstStyle/>
+              <a:p>
+                <a:pPr/>
+                <a14:m>
+                  <m:oMathPara xmlns:m="http://schemas.openxmlformats.org/officeDocument/2006/math">
+                    <m:oMathParaPr>
+                      <m:jc m:val="centerGroup"/>
+                    </m:oMathParaPr>
+                    <m:oMath xmlns:m="http://schemas.openxmlformats.org/officeDocument/2006/math">
+                      <m:sSub>
+                        <m:sSubPr>
+                          <m:ctrlPr>
+                            <a:rPr lang="en-US" altLang="ko-KR" sz="1600" b="0" i="1" smtClean="0">
+                              <a:solidFill>
+                                <a:srgbClr val="FF0000"/>
+                              </a:solidFill>
+                              <a:latin typeface="Cambria Math" panose="02040503050406030204" pitchFamily="18" charset="0"/>
+                              <a:ea typeface="나눔고딕" pitchFamily="50" charset="-127"/>
+                            </a:rPr>
+                          </m:ctrlPr>
+                        </m:sSubPr>
+                        <m:e>
+                          <m:r>
+                            <a:rPr lang="en-US" altLang="ko-KR" sz="1600" b="0" i="1" smtClean="0">
+                              <a:solidFill>
+                                <a:srgbClr val="FF0000"/>
+                              </a:solidFill>
+                              <a:latin typeface="Cambria Math"/>
+                              <a:ea typeface="나눔고딕" pitchFamily="50" charset="-127"/>
+                            </a:rPr>
+                            <m:t>𝜃</m:t>
+                          </m:r>
+                        </m:e>
+                        <m:sub>
+                          <m:r>
+                            <a:rPr lang="en-US" altLang="ko-KR" sz="1600" b="0" i="1" smtClean="0">
+                              <a:solidFill>
+                                <a:srgbClr val="FF0000"/>
+                              </a:solidFill>
+                              <a:latin typeface="Cambria Math"/>
+                              <a:ea typeface="나눔고딕" pitchFamily="50" charset="-127"/>
+                            </a:rPr>
+                            <m:t>3</m:t>
+                          </m:r>
+                        </m:sub>
+                      </m:sSub>
+                    </m:oMath>
+                  </m:oMathPara>
+                </a14:m>
+                <a:endParaRPr lang="ko-KR" altLang="en-US" sz="1600" dirty="0">
+                  <a:solidFill>
+                    <a:srgbClr val="FF0000"/>
+                  </a:solidFill>
+                  <a:latin typeface="나눔고딕" pitchFamily="50" charset="-127"/>
+                  <a:ea typeface="나눔고딕" pitchFamily="50" charset="-127"/>
+                </a:endParaRPr>
+              </a:p>
+            </p:txBody>
+          </p:sp>
+        </mc:Choice>
+        <mc:Fallback xmlns="">
+          <p:sp>
+            <p:nvSpPr>
+              <p:cNvPr id="37" name="TextBox 36"/>
+              <p:cNvSpPr txBox="1">
+                <a:spLocks noRot="1" noChangeAspect="1" noMove="1" noResize="1" noEditPoints="1" noAdjustHandles="1" noChangeArrowheads="1" noChangeShapeType="1" noTextEdit="1"/>
+              </p:cNvSpPr>
+              <p:nvPr/>
+            </p:nvSpPr>
+            <p:spPr>
+              <a:xfrm>
+                <a:off x="6324147" y="2226350"/>
+                <a:ext cx="445698" cy="338554"/>
+              </a:xfrm>
+              <a:prstGeom prst="rect">
+                <a:avLst/>
+              </a:prstGeom>
+              <a:blipFill rotWithShape="1">
+                <a:blip r:embed="rId7"/>
+                <a:stretch>
+                  <a:fillRect/>
+                </a:stretch>
+              </a:blipFill>
+            </p:spPr>
+            <p:txBody>
+              <a:bodyPr/>
+              <a:lstStyle/>
+              <a:p>
+                <a:r>
+                  <a:rPr lang="ko-KR" altLang="en-US">
+                    <a:noFill/>
+                  </a:rPr>
+                  <a:t> </a:t>
+                </a:r>
+              </a:p>
+            </p:txBody>
+          </p:sp>
+        </mc:Fallback>
+      </mc:AlternateContent>
+      <p:sp>
+        <p:nvSpPr>
+          <p:cNvPr id="2" name="Rectangle 1">
+            <a:extLst>
+              <a:ext uri="{FF2B5EF4-FFF2-40B4-BE49-F238E27FC236}">
+                <a16:creationId xmlns:a16="http://schemas.microsoft.com/office/drawing/2014/main" id="{D936ABE4-80B9-7A25-ED8F-B08989239973}"/>
+              </a:ext>
+            </a:extLst>
+          </p:cNvPr>
+          <p:cNvSpPr/>
+          <p:nvPr/>
+        </p:nvSpPr>
+        <p:spPr>
+          <a:xfrm>
+            <a:off x="1675478" y="501041"/>
+            <a:ext cx="720080" cy="360040"/>
+          </a:xfrm>
+          <a:prstGeom prst="rect">
+            <a:avLst/>
+          </a:prstGeom>
+          <a:solidFill>
+            <a:schemeClr val="bg1"/>
+          </a:solidFill>
+          <a:ln>
+            <a:noFill/>
+          </a:ln>
+        </p:spPr>
+        <p:style>
+          <a:lnRef idx="2">
+            <a:schemeClr val="accent1">
+              <a:shade val="50000"/>
+            </a:schemeClr>
+          </a:lnRef>
+          <a:fillRef idx="1">
+            <a:schemeClr val="accent1"/>
+          </a:fillRef>
+          <a:effectRef idx="0">
+            <a:schemeClr val="accent1"/>
+          </a:effectRef>
+          <a:fontRef idx="minor">
+            <a:schemeClr val="lt1"/>
+          </a:fontRef>
+        </p:style>
+        <p:txBody>
+          <a:bodyPr rtlCol="0" anchor="ctr"/>
+          <a:lstStyle/>
+          <a:p>
+            <a:pPr algn="ctr"/>
+            <a:endParaRPr lang="en-US"/>
+          </a:p>
+        </p:txBody>
+      </p:sp>
+      <p:sp>
+        <p:nvSpPr>
+          <p:cNvPr id="3" name="Rectangle 2">
+            <a:extLst>
+              <a:ext uri="{FF2B5EF4-FFF2-40B4-BE49-F238E27FC236}">
+                <a16:creationId xmlns:a16="http://schemas.microsoft.com/office/drawing/2014/main" id="{CFDDC0A8-F4F3-C874-37BC-04D5881BB4EB}"/>
+              </a:ext>
+            </a:extLst>
+          </p:cNvPr>
+          <p:cNvSpPr/>
+          <p:nvPr/>
+        </p:nvSpPr>
+        <p:spPr>
+          <a:xfrm>
+            <a:off x="3893444" y="2768369"/>
+            <a:ext cx="720080" cy="360040"/>
+          </a:xfrm>
+          <a:prstGeom prst="rect">
+            <a:avLst/>
+          </a:prstGeom>
+          <a:solidFill>
+            <a:schemeClr val="bg1"/>
+          </a:solidFill>
+          <a:ln>
+            <a:noFill/>
+          </a:ln>
+        </p:spPr>
+        <p:style>
+          <a:lnRef idx="2">
+            <a:schemeClr val="accent1">
+              <a:shade val="50000"/>
+            </a:schemeClr>
+          </a:lnRef>
+          <a:fillRef idx="1">
+            <a:schemeClr val="accent1"/>
+          </a:fillRef>
+          <a:effectRef idx="0">
+            <a:schemeClr val="accent1"/>
+          </a:effectRef>
+          <a:fontRef idx="minor">
+            <a:schemeClr val="lt1"/>
+          </a:fontRef>
+        </p:style>
+        <p:txBody>
+          <a:bodyPr rtlCol="0" anchor="ctr"/>
+          <a:lstStyle/>
+          <a:p>
+            <a:pPr algn="ctr"/>
+            <a:endParaRPr lang="en-US"/>
+          </a:p>
+        </p:txBody>
+      </p:sp>
+      <p:sp>
+        <p:nvSpPr>
+          <p:cNvPr id="4" name="TextBox 3">
+            <a:extLst>
+              <a:ext uri="{FF2B5EF4-FFF2-40B4-BE49-F238E27FC236}">
+                <a16:creationId xmlns:a16="http://schemas.microsoft.com/office/drawing/2014/main" id="{1CF23FB9-FB07-E9B9-F4BE-1AF8EF43381D}"/>
+              </a:ext>
+            </a:extLst>
+          </p:cNvPr>
+          <p:cNvSpPr txBox="1"/>
+          <p:nvPr/>
+        </p:nvSpPr>
+        <p:spPr>
+          <a:xfrm>
+            <a:off x="3717182" y="2747972"/>
+            <a:ext cx="910186" cy="307777"/>
+          </a:xfrm>
+          <a:prstGeom prst="rect">
+            <a:avLst/>
+          </a:prstGeom>
+          <a:noFill/>
+        </p:spPr>
+        <p:txBody>
+          <a:bodyPr wrap="none" rtlCol="0">
+            <a:spAutoFit/>
+          </a:bodyPr>
+          <a:lstStyle/>
+          <a:p>
+            <a:r>
+              <a:rPr lang="en-US" sz="1400" dirty="0"/>
+              <a:t>Real Axis</a:t>
+            </a:r>
+          </a:p>
+        </p:txBody>
+      </p:sp>
+      <p:sp>
+        <p:nvSpPr>
+          <p:cNvPr id="5" name="Rectangle 4">
+            <a:extLst>
+              <a:ext uri="{FF2B5EF4-FFF2-40B4-BE49-F238E27FC236}">
+                <a16:creationId xmlns:a16="http://schemas.microsoft.com/office/drawing/2014/main" id="{5D00B0AA-1A4E-5BE4-31EA-87466C72C638}"/>
+              </a:ext>
+            </a:extLst>
+          </p:cNvPr>
+          <p:cNvSpPr/>
+          <p:nvPr/>
+        </p:nvSpPr>
+        <p:spPr>
+          <a:xfrm>
+            <a:off x="2184452" y="547078"/>
+            <a:ext cx="720080" cy="360040"/>
+          </a:xfrm>
+          <a:prstGeom prst="rect">
+            <a:avLst/>
+          </a:prstGeom>
+          <a:solidFill>
+            <a:schemeClr val="bg1"/>
+          </a:solidFill>
+          <a:ln>
+            <a:noFill/>
+          </a:ln>
+        </p:spPr>
+        <p:style>
+          <a:lnRef idx="2">
+            <a:schemeClr val="accent1">
+              <a:shade val="50000"/>
+            </a:schemeClr>
+          </a:lnRef>
+          <a:fillRef idx="1">
+            <a:schemeClr val="accent1"/>
+          </a:fillRef>
+          <a:effectRef idx="0">
+            <a:schemeClr val="accent1"/>
+          </a:effectRef>
+          <a:fontRef idx="minor">
+            <a:schemeClr val="lt1"/>
+          </a:fontRef>
+        </p:style>
+        <p:txBody>
+          <a:bodyPr rtlCol="0" anchor="ctr"/>
+          <a:lstStyle/>
+          <a:p>
+            <a:pPr algn="ctr"/>
+            <a:endParaRPr lang="en-US"/>
+          </a:p>
+        </p:txBody>
+      </p:sp>
+      <p:sp>
+        <p:nvSpPr>
+          <p:cNvPr id="7" name="TextBox 6">
+            <a:extLst>
+              <a:ext uri="{FF2B5EF4-FFF2-40B4-BE49-F238E27FC236}">
+                <a16:creationId xmlns:a16="http://schemas.microsoft.com/office/drawing/2014/main" id="{A67AFFA6-E4C7-CABA-6A46-A240291CF9F1}"/>
+              </a:ext>
+            </a:extLst>
+          </p:cNvPr>
+          <p:cNvSpPr txBox="1"/>
+          <p:nvPr/>
+        </p:nvSpPr>
+        <p:spPr>
+          <a:xfrm>
+            <a:off x="1757764" y="606709"/>
+            <a:ext cx="1381917" cy="307777"/>
+          </a:xfrm>
+          <a:prstGeom prst="rect">
+            <a:avLst/>
+          </a:prstGeom>
+          <a:noFill/>
+        </p:spPr>
+        <p:txBody>
+          <a:bodyPr wrap="none" rtlCol="0">
+            <a:spAutoFit/>
+          </a:bodyPr>
+          <a:lstStyle/>
+          <a:p>
+            <a:r>
+              <a:rPr lang="en-US" sz="1400" dirty="0"/>
+              <a:t>Imaginary Axis</a:t>
+            </a:r>
+          </a:p>
+        </p:txBody>
+      </p:sp>
+      <p:sp>
+        <p:nvSpPr>
+          <p:cNvPr id="9" name="TextBox 8">
+            <a:extLst>
+              <a:ext uri="{FF2B5EF4-FFF2-40B4-BE49-F238E27FC236}">
+                <a16:creationId xmlns:a16="http://schemas.microsoft.com/office/drawing/2014/main" id="{77DBEBE6-A44D-CB9D-795A-DD03B478508B}"/>
+              </a:ext>
+            </a:extLst>
+          </p:cNvPr>
+          <p:cNvSpPr txBox="1"/>
+          <p:nvPr/>
+        </p:nvSpPr>
+        <p:spPr>
+          <a:xfrm>
+            <a:off x="7726815" y="2794139"/>
+            <a:ext cx="623889" cy="261610"/>
+          </a:xfrm>
+          <a:prstGeom prst="rect">
+            <a:avLst/>
+          </a:prstGeom>
+          <a:noFill/>
+        </p:spPr>
+        <p:txBody>
+          <a:bodyPr wrap="none" rtlCol="0">
+            <a:spAutoFit/>
+          </a:bodyPr>
+          <a:lstStyle/>
+          <a:p>
+            <a:r>
+              <a:rPr lang="ko-KR" altLang="en-US" sz="1100">
+                <a:latin typeface="나눔고딕" pitchFamily="50" charset="-127"/>
+                <a:ea typeface="나눔고딕" pitchFamily="50" charset="-127"/>
+              </a:rPr>
+              <a:t>실수 축</a:t>
+            </a:r>
+          </a:p>
+        </p:txBody>
+      </p:sp>
+      <p:sp>
+        <p:nvSpPr>
+          <p:cNvPr id="11" name="TextBox 10">
+            <a:extLst>
+              <a:ext uri="{FF2B5EF4-FFF2-40B4-BE49-F238E27FC236}">
+                <a16:creationId xmlns:a16="http://schemas.microsoft.com/office/drawing/2014/main" id="{D445931C-1054-3F1C-F13D-2657CA3D81DC}"/>
+              </a:ext>
+            </a:extLst>
+          </p:cNvPr>
+          <p:cNvSpPr txBox="1"/>
+          <p:nvPr/>
+        </p:nvSpPr>
+        <p:spPr>
+          <a:xfrm>
+            <a:off x="6051111" y="688767"/>
+            <a:ext cx="623889" cy="261610"/>
+          </a:xfrm>
+          <a:prstGeom prst="rect">
+            <a:avLst/>
+          </a:prstGeom>
+          <a:noFill/>
+        </p:spPr>
+        <p:txBody>
+          <a:bodyPr wrap="none" rtlCol="0">
+            <a:spAutoFit/>
+          </a:bodyPr>
+          <a:lstStyle/>
+          <a:p>
+            <a:r>
+              <a:rPr lang="ko-KR" altLang="en-US" sz="1100" dirty="0">
+                <a:latin typeface="나눔고딕" pitchFamily="50" charset="-127"/>
+                <a:ea typeface="나눔고딕" pitchFamily="50" charset="-127"/>
+              </a:rPr>
+              <a:t>허수 축</a:t>
+            </a:r>
+          </a:p>
+        </p:txBody>
+      </p:sp>
+      <p:sp>
+        <p:nvSpPr>
+          <p:cNvPr id="13" name="Rectangle 12">
+            <a:extLst>
+              <a:ext uri="{FF2B5EF4-FFF2-40B4-BE49-F238E27FC236}">
+                <a16:creationId xmlns:a16="http://schemas.microsoft.com/office/drawing/2014/main" id="{B9B9CA8A-98B1-EFE6-5D01-0E34E6D046A8}"/>
+              </a:ext>
+            </a:extLst>
+          </p:cNvPr>
+          <p:cNvSpPr/>
+          <p:nvPr/>
+        </p:nvSpPr>
+        <p:spPr>
+          <a:xfrm>
+            <a:off x="5568240" y="501041"/>
+            <a:ext cx="720080" cy="360040"/>
+          </a:xfrm>
+          <a:prstGeom prst="rect">
+            <a:avLst/>
+          </a:prstGeom>
+          <a:solidFill>
+            <a:schemeClr val="bg1"/>
+          </a:solidFill>
+          <a:ln>
+            <a:noFill/>
+          </a:ln>
+        </p:spPr>
+        <p:style>
+          <a:lnRef idx="2">
+            <a:schemeClr val="accent1">
+              <a:shade val="50000"/>
+            </a:schemeClr>
+          </a:lnRef>
+          <a:fillRef idx="1">
+            <a:schemeClr val="accent1"/>
+          </a:fillRef>
+          <a:effectRef idx="0">
+            <a:schemeClr val="accent1"/>
+          </a:effectRef>
+          <a:fontRef idx="minor">
+            <a:schemeClr val="lt1"/>
+          </a:fontRef>
+        </p:style>
+        <p:txBody>
+          <a:bodyPr rtlCol="0" anchor="ctr"/>
+          <a:lstStyle/>
+          <a:p>
+            <a:pPr algn="ctr"/>
+            <a:endParaRPr lang="en-US"/>
+          </a:p>
+        </p:txBody>
+      </p:sp>
+      <p:sp>
+        <p:nvSpPr>
+          <p:cNvPr id="14" name="Rectangle 13">
+            <a:extLst>
+              <a:ext uri="{FF2B5EF4-FFF2-40B4-BE49-F238E27FC236}">
+                <a16:creationId xmlns:a16="http://schemas.microsoft.com/office/drawing/2014/main" id="{8B1CEB43-EE29-6B98-F4FD-72FCE09E6A77}"/>
+              </a:ext>
+            </a:extLst>
+          </p:cNvPr>
+          <p:cNvSpPr/>
+          <p:nvPr/>
+        </p:nvSpPr>
+        <p:spPr>
+          <a:xfrm>
+            <a:off x="7786206" y="2768369"/>
+            <a:ext cx="720080" cy="360040"/>
+          </a:xfrm>
+          <a:prstGeom prst="rect">
+            <a:avLst/>
+          </a:prstGeom>
+          <a:solidFill>
+            <a:schemeClr val="bg1"/>
+          </a:solidFill>
+          <a:ln>
+            <a:noFill/>
+          </a:ln>
+        </p:spPr>
+        <p:style>
+          <a:lnRef idx="2">
+            <a:schemeClr val="accent1">
+              <a:shade val="50000"/>
+            </a:schemeClr>
+          </a:lnRef>
+          <a:fillRef idx="1">
+            <a:schemeClr val="accent1"/>
+          </a:fillRef>
+          <a:effectRef idx="0">
+            <a:schemeClr val="accent1"/>
+          </a:effectRef>
+          <a:fontRef idx="minor">
+            <a:schemeClr val="lt1"/>
+          </a:fontRef>
+        </p:style>
+        <p:txBody>
+          <a:bodyPr rtlCol="0" anchor="ctr"/>
+          <a:lstStyle/>
+          <a:p>
+            <a:pPr algn="ctr"/>
+            <a:endParaRPr lang="en-US"/>
+          </a:p>
+        </p:txBody>
+      </p:sp>
+      <p:sp>
+        <p:nvSpPr>
+          <p:cNvPr id="15" name="TextBox 14">
+            <a:extLst>
+              <a:ext uri="{FF2B5EF4-FFF2-40B4-BE49-F238E27FC236}">
+                <a16:creationId xmlns:a16="http://schemas.microsoft.com/office/drawing/2014/main" id="{56DB5A93-D03B-2E28-B9C2-6F2AA3E763D7}"/>
+              </a:ext>
+            </a:extLst>
+          </p:cNvPr>
+          <p:cNvSpPr txBox="1"/>
+          <p:nvPr/>
+        </p:nvSpPr>
+        <p:spPr>
+          <a:xfrm>
+            <a:off x="7609944" y="2747972"/>
+            <a:ext cx="910186" cy="307777"/>
+          </a:xfrm>
+          <a:prstGeom prst="rect">
+            <a:avLst/>
+          </a:prstGeom>
+          <a:noFill/>
+        </p:spPr>
+        <p:txBody>
+          <a:bodyPr wrap="none" rtlCol="0">
+            <a:spAutoFit/>
+          </a:bodyPr>
+          <a:lstStyle/>
+          <a:p>
+            <a:r>
+              <a:rPr lang="en-US" sz="1400" dirty="0"/>
+              <a:t>Real Axis</a:t>
+            </a:r>
+          </a:p>
+        </p:txBody>
+      </p:sp>
+      <p:sp>
+        <p:nvSpPr>
+          <p:cNvPr id="25" name="Rectangle 24">
+            <a:extLst>
+              <a:ext uri="{FF2B5EF4-FFF2-40B4-BE49-F238E27FC236}">
+                <a16:creationId xmlns:a16="http://schemas.microsoft.com/office/drawing/2014/main" id="{719D50C8-74F3-13BC-139B-AF76D093C8E2}"/>
+              </a:ext>
+            </a:extLst>
+          </p:cNvPr>
+          <p:cNvSpPr/>
+          <p:nvPr/>
+        </p:nvSpPr>
+        <p:spPr>
+          <a:xfrm>
+            <a:off x="6077214" y="547078"/>
+            <a:ext cx="720080" cy="360040"/>
+          </a:xfrm>
+          <a:prstGeom prst="rect">
+            <a:avLst/>
+          </a:prstGeom>
+          <a:solidFill>
+            <a:schemeClr val="bg1"/>
+          </a:solidFill>
+          <a:ln>
+            <a:noFill/>
+          </a:ln>
+        </p:spPr>
+        <p:style>
+          <a:lnRef idx="2">
+            <a:schemeClr val="accent1">
+              <a:shade val="50000"/>
+            </a:schemeClr>
+          </a:lnRef>
+          <a:fillRef idx="1">
+            <a:schemeClr val="accent1"/>
+          </a:fillRef>
+          <a:effectRef idx="0">
+            <a:schemeClr val="accent1"/>
+          </a:effectRef>
+          <a:fontRef idx="minor">
+            <a:schemeClr val="lt1"/>
+          </a:fontRef>
+        </p:style>
+        <p:txBody>
+          <a:bodyPr rtlCol="0" anchor="ctr"/>
+          <a:lstStyle/>
+          <a:p>
+            <a:pPr algn="ctr"/>
+            <a:endParaRPr lang="en-US"/>
+          </a:p>
+        </p:txBody>
+      </p:sp>
+      <p:sp>
+        <p:nvSpPr>
+          <p:cNvPr id="34" name="TextBox 33">
+            <a:extLst>
+              <a:ext uri="{FF2B5EF4-FFF2-40B4-BE49-F238E27FC236}">
+                <a16:creationId xmlns:a16="http://schemas.microsoft.com/office/drawing/2014/main" id="{0798EEE3-FEE2-D129-BA10-6947EDBCF4C5}"/>
+              </a:ext>
+            </a:extLst>
+          </p:cNvPr>
+          <p:cNvSpPr txBox="1"/>
+          <p:nvPr/>
+        </p:nvSpPr>
+        <p:spPr>
+          <a:xfrm>
+            <a:off x="5650526" y="606709"/>
+            <a:ext cx="1381917" cy="307777"/>
+          </a:xfrm>
+          <a:prstGeom prst="rect">
+            <a:avLst/>
+          </a:prstGeom>
+          <a:noFill/>
+        </p:spPr>
+        <p:txBody>
+          <a:bodyPr wrap="none" rtlCol="0">
+            <a:spAutoFit/>
+          </a:bodyPr>
+          <a:lstStyle/>
+          <a:p>
+            <a:r>
+              <a:rPr lang="en-US" sz="1400" dirty="0"/>
+              <a:t>Imaginary Axis</a:t>
+            </a:r>
+          </a:p>
+        </p:txBody>
+      </p:sp>
+    </p:spTree>
+    <p:extLst>
+      <p:ext uri="{BB962C8B-B14F-4D97-AF65-F5344CB8AC3E}">
+        <p14:creationId xmlns:p14="http://schemas.microsoft.com/office/powerpoint/2010/main" val="1163344040"/>
+      </p:ext>
+    </p:extLst>
+  </p:cSld>
+  <p:clrMapOvr>
+    <a:masterClrMapping/>
+  </p:clrMapOvr>
+</p:sld>
+</file>
+
+<file path=ppt/slides/slide2.xml><?xml version="1.0" encoding="utf-8"?>
+<p:sld xmlns:a="http://schemas.openxmlformats.org/drawingml/2006/main" xmlns:r="http://schemas.openxmlformats.org/officeDocument/2006/relationships" xmlns:p="http://schemas.openxmlformats.org/presentationml/2006/main">
+  <p:cSld>
+    <p:spTree>
+      <p:nvGrpSpPr>
+        <p:cNvPr id="1" name=""/>
+        <p:cNvGrpSpPr/>
+        <p:nvPr/>
+      </p:nvGrpSpPr>
+      <p:grpSpPr>
+        <a:xfrm>
+          <a:off x="0" y="0"/>
+          <a:ext cx="0" cy="0"/>
+          <a:chOff x="0" y="0"/>
+          <a:chExt cx="0" cy="0"/>
+        </a:xfrm>
+      </p:grpSpPr>
+      <p:pic>
+        <p:nvPicPr>
+          <p:cNvPr id="7" name="Picture 6">
+            <a:extLst>
+              <a:ext uri="{FF2B5EF4-FFF2-40B4-BE49-F238E27FC236}">
+                <a16:creationId xmlns:a16="http://schemas.microsoft.com/office/drawing/2014/main" id="{DA9170AA-CB5F-7CCA-FB8F-0ABAEC6FFFF3}"/>
+              </a:ext>
+            </a:extLst>
+          </p:cNvPr>
+          <p:cNvPicPr>
+            <a:picLocks noChangeAspect="1"/>
+          </p:cNvPicPr>
+          <p:nvPr/>
+        </p:nvPicPr>
+        <p:blipFill>
+          <a:blip r:embed="rId2"/>
+          <a:stretch>
+            <a:fillRect/>
+          </a:stretch>
+        </p:blipFill>
+        <p:spPr>
+          <a:xfrm>
+            <a:off x="0" y="457200"/>
+            <a:ext cx="9144000" cy="5943600"/>
+          </a:xfrm>
+          <a:prstGeom prst="rect">
+            <a:avLst/>
+          </a:prstGeom>
+        </p:spPr>
+      </p:pic>
+    </p:spTree>
+    <p:extLst>
+      <p:ext uri="{BB962C8B-B14F-4D97-AF65-F5344CB8AC3E}">
+        <p14:creationId xmlns:p14="http://schemas.microsoft.com/office/powerpoint/2010/main" val="83422429"/>
+      </p:ext>
+    </p:extLst>
+  </p:cSld>
+  <p:clrMapOvr>
+    <a:masterClrMapping/>
+  </p:clrMapOvr>
+</p:sld>
+</file>
+
+<file path=ppt/slides/slide3.xml><?xml version="1.0" encoding="utf-8"?>
+<p:sld xmlns:a="http://schemas.openxmlformats.org/drawingml/2006/main" xmlns:r="http://schemas.openxmlformats.org/officeDocument/2006/relationships" xmlns:p="http://schemas.openxmlformats.org/presentationml/2006/main">
+  <p:cSld>
+    <p:spTree>
+      <p:nvGrpSpPr>
+        <p:cNvPr id="1" name=""/>
+        <p:cNvGrpSpPr/>
+        <p:nvPr/>
+      </p:nvGrpSpPr>
+      <p:grpSpPr>
+        <a:xfrm>
+          <a:off x="0" y="0"/>
+          <a:ext cx="0" cy="0"/>
+          <a:chOff x="0" y="0"/>
+          <a:chExt cx="0" cy="0"/>
+        </a:xfrm>
+      </p:grpSpPr>
+      <p:pic>
+        <p:nvPicPr>
+          <p:cNvPr id="1026" name="Picture 2"/>
+          <p:cNvPicPr>
+            <a:picLocks noChangeAspect="1" noChangeArrowheads="1"/>
+          </p:cNvPicPr>
+          <p:nvPr/>
+        </p:nvPicPr>
+        <p:blipFill>
+          <a:blip r:embed="rId2">
+            <a:extLst>
+              <a:ext uri="{28A0092B-C50C-407E-A947-70E740481C1C}">
+                <a14:useLocalDpi xmlns:a14="http://schemas.microsoft.com/office/drawing/2010/main" val="0"/>
+              </a:ext>
+            </a:extLst>
+          </a:blip>
+          <a:srcRect/>
+          <a:stretch>
+            <a:fillRect/>
+          </a:stretch>
+        </p:blipFill>
+        <p:spPr bwMode="auto">
+          <a:xfrm>
+            <a:off x="-185738" y="338138"/>
+            <a:ext cx="9515476" cy="6181725"/>
+          </a:xfrm>
+          <a:prstGeom prst="rect">
+            <a:avLst/>
+          </a:prstGeom>
+          <a:noFill/>
+          <a:ln>
+            <a:noFill/>
+          </a:ln>
+          <a:effectLst/>
+          <a:extLst>
+            <a:ext uri="{909E8E84-426E-40DD-AFC4-6F175D3DCCD1}">
+              <a14:hiddenFill xmlns:a14="http://schemas.microsoft.com/office/drawing/2010/main">
+                <a:solidFill>
+                  <a:schemeClr val="accent1"/>
+                </a:solidFill>
+              </a14:hiddenFill>
+            </a:ext>
+            <a:ext uri="{91240B29-F687-4F45-9708-019B960494DF}">
+              <a14:hiddenLine xmlns:a14="http://schemas.microsoft.com/office/drawing/2010/main" w="9525">
+                <a:solidFill>
+                  <a:schemeClr val="tx1"/>
+                </a:solidFill>
+                <a:miter lim="800000"/>
+                <a:headEnd/>
+                <a:tailEnd/>
+              </a14:hiddenLine>
+            </a:ext>
+            <a:ext uri="{AF507438-7753-43E0-B8FC-AC1667EBCBE1}">
+              <a14:hiddenEffects xmlns:a14="http://schemas.microsoft.com/office/drawing/2010/main">
+                <a:effectLst>
+                  <a:outerShdw dist="35921" dir="2700000" algn="ctr" rotWithShape="0">
+                    <a:schemeClr val="bg2"/>
+                  </a:outerShdw>
+                </a:effectLst>
+              </a14:hiddenEffects>
+            </a:ext>
+          </a:extLst>
+        </p:spPr>
+      </p:pic>
+    </p:spTree>
+    <p:extLst>
+      <p:ext uri="{BB962C8B-B14F-4D97-AF65-F5344CB8AC3E}">
+        <p14:creationId xmlns:p14="http://schemas.microsoft.com/office/powerpoint/2010/main" val="2878860092"/>
+      </p:ext>
+    </p:extLst>
+  </p:cSld>
+  <p:clrMapOvr>
+    <a:masterClrMapping/>
+  </p:clrMapOvr>
+</p:sld>
+</file>
+
+<file path=ppt/slides/slide4.xml><?xml version="1.0" encoding="utf-8"?>
+<p:sld xmlns:a="http://schemas.openxmlformats.org/drawingml/2006/main" xmlns:r="http://schemas.openxmlformats.org/officeDocument/2006/relationships" xmlns:p="http://schemas.openxmlformats.org/presentationml/2006/main">
+  <p:cSld>
+    <p:spTree>
+      <p:nvGrpSpPr>
+        <p:cNvPr id="1" name=""/>
+        <p:cNvGrpSpPr/>
+        <p:nvPr/>
+      </p:nvGrpSpPr>
+      <p:grpSpPr>
+        <a:xfrm>
+          <a:off x="0" y="0"/>
+          <a:ext cx="0" cy="0"/>
+          <a:chOff x="0" y="0"/>
+          <a:chExt cx="0" cy="0"/>
+        </a:xfrm>
+      </p:grpSpPr>
+      <p:pic>
+        <p:nvPicPr>
+          <p:cNvPr id="7" name="Picture 6">
+            <a:extLst>
+              <a:ext uri="{FF2B5EF4-FFF2-40B4-BE49-F238E27FC236}">
+                <a16:creationId xmlns:a16="http://schemas.microsoft.com/office/drawing/2014/main" id="{0D012CFD-0B8A-2AFC-D4AA-57D916A85015}"/>
+              </a:ext>
+            </a:extLst>
+          </p:cNvPr>
+          <p:cNvPicPr>
+            <a:picLocks noChangeAspect="1"/>
+          </p:cNvPicPr>
+          <p:nvPr/>
+        </p:nvPicPr>
+        <p:blipFill>
+          <a:blip r:embed="rId2"/>
+          <a:stretch>
+            <a:fillRect/>
+          </a:stretch>
+        </p:blipFill>
+        <p:spPr>
+          <a:xfrm>
+            <a:off x="0" y="457200"/>
+            <a:ext cx="9144000" cy="5943600"/>
+          </a:xfrm>
+          <a:prstGeom prst="rect">
+            <a:avLst/>
+          </a:prstGeom>
+        </p:spPr>
+      </p:pic>
+    </p:spTree>
+    <p:extLst>
+      <p:ext uri="{BB962C8B-B14F-4D97-AF65-F5344CB8AC3E}">
+        <p14:creationId xmlns:p14="http://schemas.microsoft.com/office/powerpoint/2010/main" val="3545543510"/>
+      </p:ext>
+    </p:extLst>
+  </p:cSld>
+  <p:clrMapOvr>
+    <a:masterClrMapping/>
+  </p:clrMapOvr>
+</p:sld>
+</file>
+
+<file path=ppt/slides/slide5.xml><?xml version="1.0" encoding="utf-8"?>
+<p:sld xmlns:a="http://schemas.openxmlformats.org/drawingml/2006/main" xmlns:r="http://schemas.openxmlformats.org/officeDocument/2006/relationships" xmlns:p="http://schemas.openxmlformats.org/presentationml/2006/main">
+  <p:cSld>
+    <p:spTree>
+      <p:nvGrpSpPr>
+        <p:cNvPr id="1" name=""/>
+        <p:cNvGrpSpPr/>
+        <p:nvPr/>
+      </p:nvGrpSpPr>
+      <p:grpSpPr>
+        <a:xfrm>
+          <a:off x="0" y="0"/>
+          <a:ext cx="0" cy="0"/>
+          <a:chOff x="0" y="0"/>
+          <a:chExt cx="0" cy="0"/>
+        </a:xfrm>
+      </p:grpSpPr>
+      <p:pic>
+        <p:nvPicPr>
+          <p:cNvPr id="1026" name="Picture 2"/>
+          <p:cNvPicPr>
+            <a:picLocks noChangeAspect="1" noChangeArrowheads="1"/>
+          </p:cNvPicPr>
+          <p:nvPr/>
+        </p:nvPicPr>
+        <p:blipFill>
+          <a:blip r:embed="rId2">
+            <a:extLst>
+              <a:ext uri="{28A0092B-C50C-407E-A947-70E740481C1C}">
+                <a14:useLocalDpi xmlns:a14="http://schemas.microsoft.com/office/drawing/2010/main" val="0"/>
+              </a:ext>
+            </a:extLst>
+          </a:blip>
+          <a:srcRect/>
+          <a:stretch>
+            <a:fillRect/>
+          </a:stretch>
+        </p:blipFill>
+        <p:spPr bwMode="auto">
+          <a:xfrm>
+            <a:off x="-185738" y="338138"/>
+            <a:ext cx="9515476" cy="6181725"/>
+          </a:xfrm>
+          <a:prstGeom prst="rect">
+            <a:avLst/>
+          </a:prstGeom>
+          <a:noFill/>
+          <a:ln>
+            <a:noFill/>
+          </a:ln>
+          <a:effectLst/>
+          <a:extLst>
+            <a:ext uri="{909E8E84-426E-40DD-AFC4-6F175D3DCCD1}">
+              <a14:hiddenFill xmlns:a14="http://schemas.microsoft.com/office/drawing/2010/main">
+                <a:solidFill>
+                  <a:schemeClr val="accent1"/>
+                </a:solidFill>
+              </a14:hiddenFill>
+            </a:ext>
+            <a:ext uri="{91240B29-F687-4F45-9708-019B960494DF}">
+              <a14:hiddenLine xmlns:a14="http://schemas.microsoft.com/office/drawing/2010/main" w="9525">
+                <a:solidFill>
+                  <a:schemeClr val="tx1"/>
+                </a:solidFill>
+                <a:miter lim="800000"/>
+                <a:headEnd/>
+                <a:tailEnd/>
+              </a14:hiddenLine>
+            </a:ext>
+            <a:ext uri="{AF507438-7753-43E0-B8FC-AC1667EBCBE1}">
+              <a14:hiddenEffects xmlns:a14="http://schemas.microsoft.com/office/drawing/2010/main">
+                <a:effectLst>
+                  <a:outerShdw dist="35921" dir="2700000" algn="ctr" rotWithShape="0">
+                    <a:schemeClr val="bg2"/>
+                  </a:outerShdw>
+                </a:effectLst>
+              </a14:hiddenEffects>
+            </a:ext>
+          </a:extLst>
+        </p:spPr>
+      </p:pic>
+    </p:spTree>
+    <p:extLst>
+      <p:ext uri="{BB962C8B-B14F-4D97-AF65-F5344CB8AC3E}">
+        <p14:creationId xmlns:p14="http://schemas.microsoft.com/office/powerpoint/2010/main" val="2852822134"/>
+      </p:ext>
+    </p:extLst>
+  </p:cSld>
+  <p:clrMapOvr>
+    <a:masterClrMapping/>
+  </p:clrMapOvr>
+</p:sld>
+</file>
+
+<file path=ppt/slides/slide6.xml><?xml version="1.0" encoding="utf-8"?>
+<p:sld xmlns:a="http://schemas.openxmlformats.org/drawingml/2006/main" xmlns:r="http://schemas.openxmlformats.org/officeDocument/2006/relationships" xmlns:p="http://schemas.openxmlformats.org/presentationml/2006/main">
+  <p:cSld>
+    <p:spTree>
+      <p:nvGrpSpPr>
+        <p:cNvPr id="1" name=""/>
+        <p:cNvGrpSpPr/>
+        <p:nvPr/>
+      </p:nvGrpSpPr>
+      <p:grpSpPr>
+        <a:xfrm>
+          <a:off x="0" y="0"/>
+          <a:ext cx="0" cy="0"/>
+          <a:chOff x="0" y="0"/>
+          <a:chExt cx="0" cy="0"/>
+        </a:xfrm>
+      </p:grpSpPr>
+      <p:pic>
+        <p:nvPicPr>
+          <p:cNvPr id="1026" name="Picture 2"/>
+          <p:cNvPicPr>
+            <a:picLocks noChangeAspect="1" noChangeArrowheads="1"/>
+          </p:cNvPicPr>
+          <p:nvPr/>
+        </p:nvPicPr>
+        <p:blipFill>
+          <a:blip r:embed="rId2">
+            <a:extLst>
+              <a:ext uri="{28A0092B-C50C-407E-A947-70E740481C1C}">
+                <a14:useLocalDpi xmlns:a14="http://schemas.microsoft.com/office/drawing/2010/main" val="0"/>
+              </a:ext>
+            </a:extLst>
+          </a:blip>
+          <a:srcRect/>
+          <a:stretch>
+            <a:fillRect/>
+          </a:stretch>
+        </p:blipFill>
+        <p:spPr bwMode="auto">
+          <a:xfrm>
+            <a:off x="-185738" y="338138"/>
+            <a:ext cx="9515476" cy="6181725"/>
+          </a:xfrm>
+          <a:prstGeom prst="rect">
+            <a:avLst/>
+          </a:prstGeom>
+          <a:noFill/>
+          <a:ln>
+            <a:noFill/>
+          </a:ln>
+          <a:effectLst/>
+          <a:extLst>
+            <a:ext uri="{909E8E84-426E-40DD-AFC4-6F175D3DCCD1}">
+              <a14:hiddenFill xmlns:a14="http://schemas.microsoft.com/office/drawing/2010/main">
+                <a:solidFill>
+                  <a:schemeClr val="accent1"/>
+                </a:solidFill>
+              </a14:hiddenFill>
+            </a:ext>
+            <a:ext uri="{91240B29-F687-4F45-9708-019B960494DF}">
+              <a14:hiddenLine xmlns:a14="http://schemas.microsoft.com/office/drawing/2010/main" w="9525">
+                <a:solidFill>
+                  <a:schemeClr val="tx1"/>
+                </a:solidFill>
+                <a:miter lim="800000"/>
+                <a:headEnd/>
+                <a:tailEnd/>
+              </a14:hiddenLine>
+            </a:ext>
+            <a:ext uri="{AF507438-7753-43E0-B8FC-AC1667EBCBE1}">
+              <a14:hiddenEffects xmlns:a14="http://schemas.microsoft.com/office/drawing/2010/main">
+                <a:effectLst>
+                  <a:outerShdw dist="35921" dir="2700000" algn="ctr" rotWithShape="0">
+                    <a:schemeClr val="bg2"/>
+                  </a:outerShdw>
+                </a:effectLst>
+              </a14:hiddenEffects>
+            </a:ext>
+          </a:extLst>
+        </p:spPr>
+      </p:pic>
+    </p:spTree>
+    <p:extLst>
+      <p:ext uri="{BB962C8B-B14F-4D97-AF65-F5344CB8AC3E}">
+        <p14:creationId xmlns:p14="http://schemas.microsoft.com/office/powerpoint/2010/main" val="3686394017"/>
+      </p:ext>
+    </p:extLst>
+  </p:cSld>
+  <p:clrMapOvr>
+    <a:masterClrMapping/>
+  </p:clrMapOvr>
+</p:sld>
+</file>
+
+<file path=ppt/slides/slide7.xml><?xml version="1.0" encoding="utf-8"?>
+<p:sld xmlns:a="http://schemas.openxmlformats.org/drawingml/2006/main" xmlns:r="http://schemas.openxmlformats.org/officeDocument/2006/relationships" xmlns:p="http://schemas.openxmlformats.org/presentationml/2006/main">
+  <p:cSld>
+    <p:spTree>
+      <p:nvGrpSpPr>
+        <p:cNvPr id="1" name=""/>
+        <p:cNvGrpSpPr/>
+        <p:nvPr/>
+      </p:nvGrpSpPr>
+      <p:grpSpPr>
+        <a:xfrm>
+          <a:off x="0" y="0"/>
+          <a:ext cx="0" cy="0"/>
+          <a:chOff x="0" y="0"/>
+          <a:chExt cx="0" cy="0"/>
+        </a:xfrm>
+      </p:grpSpPr>
+      <p:pic>
+        <p:nvPicPr>
+          <p:cNvPr id="3" name="Picture 2">
+            <a:extLst>
+              <a:ext uri="{FF2B5EF4-FFF2-40B4-BE49-F238E27FC236}">
+                <a16:creationId xmlns:a16="http://schemas.microsoft.com/office/drawing/2014/main" id="{19138040-112C-BF51-86D1-8221266DE66F}"/>
+              </a:ext>
+            </a:extLst>
+          </p:cNvPr>
+          <p:cNvPicPr>
+            <a:picLocks noChangeAspect="1"/>
+          </p:cNvPicPr>
+          <p:nvPr/>
+        </p:nvPicPr>
+        <p:blipFill>
+          <a:blip r:embed="rId2"/>
+          <a:stretch>
+            <a:fillRect/>
+          </a:stretch>
+        </p:blipFill>
+        <p:spPr>
+          <a:xfrm>
+            <a:off x="0" y="457200"/>
+            <a:ext cx="9144000" cy="5943600"/>
+          </a:xfrm>
+          <a:prstGeom prst="rect">
+            <a:avLst/>
+          </a:prstGeom>
+        </p:spPr>
+      </p:pic>
+    </p:spTree>
+    <p:extLst>
+      <p:ext uri="{BB962C8B-B14F-4D97-AF65-F5344CB8AC3E}">
+        <p14:creationId xmlns:p14="http://schemas.microsoft.com/office/powerpoint/2010/main" val="3076976982"/>
+      </p:ext>
+    </p:extLst>
+  </p:cSld>
+  <p:clrMapOvr>
+    <a:masterClrMapping/>
+  </p:clrMapOvr>
+</p:sld>
+</file>
+
+<file path=ppt/slides/slide8.xml><?xml version="1.0" encoding="utf-8"?>
+<p:sld xmlns:a="http://schemas.openxmlformats.org/drawingml/2006/main" xmlns:r="http://schemas.openxmlformats.org/officeDocument/2006/relationships" xmlns:p="http://schemas.openxmlformats.org/presentationml/2006/main">
+  <p:cSld>
+    <p:spTree>
+      <p:nvGrpSpPr>
+        <p:cNvPr id="1" name=""/>
+        <p:cNvGrpSpPr/>
+        <p:nvPr/>
+      </p:nvGrpSpPr>
+      <p:grpSpPr>
+        <a:xfrm>
+          <a:off x="0" y="0"/>
+          <a:ext cx="0" cy="0"/>
+          <a:chOff x="0" y="0"/>
+          <a:chExt cx="0" cy="0"/>
+        </a:xfrm>
+      </p:grpSpPr>
+      <p:pic>
+        <p:nvPicPr>
+          <p:cNvPr id="1026" name="Picture 2"/>
+          <p:cNvPicPr>
+            <a:picLocks noChangeAspect="1" noChangeArrowheads="1"/>
+          </p:cNvPicPr>
+          <p:nvPr/>
+        </p:nvPicPr>
+        <p:blipFill>
+          <a:blip r:embed="rId2">
+            <a:extLst>
+              <a:ext uri="{28A0092B-C50C-407E-A947-70E740481C1C}">
+                <a14:useLocalDpi xmlns:a14="http://schemas.microsoft.com/office/drawing/2010/main" val="0"/>
+              </a:ext>
+            </a:extLst>
+          </a:blip>
+          <a:srcRect/>
+          <a:stretch>
+            <a:fillRect/>
+          </a:stretch>
+        </p:blipFill>
+        <p:spPr bwMode="auto">
+          <a:xfrm>
+            <a:off x="-185738" y="338137"/>
+            <a:ext cx="9515476" cy="6181725"/>
+          </a:xfrm>
+          <a:prstGeom prst="rect">
+            <a:avLst/>
+          </a:prstGeom>
+          <a:noFill/>
+          <a:ln>
+            <a:noFill/>
+          </a:ln>
+          <a:effectLst/>
+          <a:extLst>
+            <a:ext uri="{909E8E84-426E-40DD-AFC4-6F175D3DCCD1}">
+              <a14:hiddenFill xmlns:a14="http://schemas.microsoft.com/office/drawing/2010/main">
+                <a:solidFill>
+                  <a:schemeClr val="accent1"/>
+                </a:solidFill>
+              </a14:hiddenFill>
+            </a:ext>
+            <a:ext uri="{91240B29-F687-4F45-9708-019B960494DF}">
+              <a14:hiddenLine xmlns:a14="http://schemas.microsoft.com/office/drawing/2010/main" w="9525">
+                <a:solidFill>
+                  <a:schemeClr val="tx1"/>
+                </a:solidFill>
+                <a:miter lim="800000"/>
+                <a:headEnd/>
+                <a:tailEnd/>
+              </a14:hiddenLine>
+            </a:ext>
+            <a:ext uri="{AF507438-7753-43E0-B8FC-AC1667EBCBE1}">
+              <a14:hiddenEffects xmlns:a14="http://schemas.microsoft.com/office/drawing/2010/main">
+                <a:effectLst>
+                  <a:outerShdw dist="35921" dir="2700000" algn="ctr" rotWithShape="0">
+                    <a:schemeClr val="bg2"/>
+                  </a:outerShdw>
+                </a:effectLst>
+              </a14:hiddenEffects>
+            </a:ext>
+          </a:extLst>
+        </p:spPr>
+      </p:pic>
+      <p:sp>
+        <p:nvSpPr>
+          <p:cNvPr id="4" name="원호 3"/>
+          <p:cNvSpPr/>
+          <p:nvPr/>
+        </p:nvSpPr>
+        <p:spPr>
+          <a:xfrm rot="1003698">
+            <a:off x="2771206" y="1306216"/>
+            <a:ext cx="3975881" cy="4055796"/>
+          </a:xfrm>
+          <a:prstGeom prst="arc">
+            <a:avLst>
+              <a:gd name="adj1" fmla="val 18287702"/>
+              <a:gd name="adj2" fmla="val 19406499"/>
+            </a:avLst>
+          </a:prstGeom>
+          <a:ln w="76200">
+            <a:solidFill>
+              <a:schemeClr val="tx1">
+                <a:lumMod val="75000"/>
+                <a:lumOff val="25000"/>
+              </a:schemeClr>
+            </a:solidFill>
+            <a:headEnd type="triangle" w="med" len="med"/>
+            <a:tailEnd type="none" w="med" len="med"/>
+          </a:ln>
+        </p:spPr>
+        <p:style>
+          <a:lnRef idx="1">
+            <a:schemeClr val="accent1"/>
+          </a:lnRef>
+          <a:fillRef idx="0">
+            <a:schemeClr val="accent1"/>
+          </a:fillRef>
+          <a:effectRef idx="0">
+            <a:schemeClr val="accent1"/>
+          </a:effectRef>
+          <a:fontRef idx="minor">
+            <a:schemeClr val="tx1"/>
+          </a:fontRef>
+        </p:style>
+        <p:txBody>
+          <a:bodyPr rtlCol="0" anchor="ctr"/>
+          <a:lstStyle/>
+          <a:p>
+            <a:pPr algn="ctr"/>
+            <a:endParaRPr lang="ko-KR" altLang="en-US"/>
+          </a:p>
+        </p:txBody>
+      </p:sp>
+    </p:spTree>
+    <p:extLst>
+      <p:ext uri="{BB962C8B-B14F-4D97-AF65-F5344CB8AC3E}">
+        <p14:creationId xmlns:p14="http://schemas.microsoft.com/office/powerpoint/2010/main" val="3291891287"/>
+      </p:ext>
+    </p:extLst>
+  </p:cSld>
+  <p:clrMapOvr>
+    <a:masterClrMapping/>
+  </p:clrMapOvr>
+</p:sld>
+</file>
+
+<file path=ppt/slides/slide9.xml><?xml version="1.0" encoding="utf-8"?>
+<p:sld xmlns:a="http://schemas.openxmlformats.org/drawingml/2006/main" xmlns:r="http://schemas.openxmlformats.org/officeDocument/2006/relationships" xmlns:p="http://schemas.openxmlformats.org/presentationml/2006/main">
+  <p:cSld>
+    <p:spTree>
+      <p:nvGrpSpPr>
+        <p:cNvPr id="1" name=""/>
+        <p:cNvGrpSpPr/>
+        <p:nvPr/>
+      </p:nvGrpSpPr>
+      <p:grpSpPr>
+        <a:xfrm>
+          <a:off x="0" y="0"/>
+          <a:ext cx="0" cy="0"/>
+          <a:chOff x="0" y="0"/>
+          <a:chExt cx="0" cy="0"/>
+        </a:xfrm>
+      </p:grpSpPr>
+      <p:pic>
+        <p:nvPicPr>
+          <p:cNvPr id="1027" name="Picture 3"/>
+          <p:cNvPicPr>
+            <a:picLocks noChangeAspect="1" noChangeArrowheads="1"/>
+          </p:cNvPicPr>
+          <p:nvPr/>
+        </p:nvPicPr>
+        <p:blipFill>
+          <a:blip r:embed="rId2">
+            <a:extLst>
+              <a:ext uri="{28A0092B-C50C-407E-A947-70E740481C1C}">
+                <a14:useLocalDpi xmlns:a14="http://schemas.microsoft.com/office/drawing/2010/main" val="0"/>
+              </a:ext>
+            </a:extLst>
+          </a:blip>
+          <a:srcRect/>
+          <a:stretch>
+            <a:fillRect/>
+          </a:stretch>
+        </p:blipFill>
+        <p:spPr bwMode="auto">
+          <a:xfrm>
+            <a:off x="1624013" y="1766888"/>
+            <a:ext cx="5895975" cy="3324225"/>
+          </a:xfrm>
+          <a:prstGeom prst="rect">
+            <a:avLst/>
+          </a:prstGeom>
+          <a:noFill/>
+          <a:ln>
+            <a:noFill/>
+          </a:ln>
+          <a:effectLst/>
+          <a:extLst>
+            <a:ext uri="{909E8E84-426E-40DD-AFC4-6F175D3DCCD1}">
+              <a14:hiddenFill xmlns:a14="http://schemas.microsoft.com/office/drawing/2010/main">
+                <a:solidFill>
+                  <a:schemeClr val="accent1"/>
+                </a:solidFill>
+              </a14:hiddenFill>
+            </a:ext>
+            <a:ext uri="{91240B29-F687-4F45-9708-019B960494DF}">
+              <a14:hiddenLine xmlns:a14="http://schemas.microsoft.com/office/drawing/2010/main" w="9525">
+                <a:solidFill>
+                  <a:schemeClr val="tx1"/>
+                </a:solidFill>
+                <a:miter lim="800000"/>
+                <a:headEnd/>
+                <a:tailEnd/>
+              </a14:hiddenLine>
+            </a:ext>
+            <a:ext uri="{AF507438-7753-43E0-B8FC-AC1667EBCBE1}">
+              <a14:hiddenEffects xmlns:a14="http://schemas.microsoft.com/office/drawing/2010/main">
+                <a:effectLst>
+                  <a:outerShdw dist="35921" dir="2700000" algn="ctr" rotWithShape="0">
+                    <a:schemeClr val="bg2"/>
+                  </a:outerShdw>
+                </a:effectLst>
+              </a14:hiddenEffects>
+            </a:ext>
+          </a:extLst>
+        </p:spPr>
+      </p:pic>
+      <mc:AlternateContent xmlns:mc="http://schemas.openxmlformats.org/markup-compatibility/2006" xmlns:a14="http://schemas.microsoft.com/office/drawing/2010/main">
+        <mc:Choice Requires="a14">
+          <p:sp>
+            <p:nvSpPr>
+              <p:cNvPr id="4" name="TextBox 3"/>
+              <p:cNvSpPr txBox="1"/>
+              <p:nvPr/>
+            </p:nvSpPr>
+            <p:spPr>
+              <a:xfrm rot="19860000">
+                <a:off x="3989015" y="3063444"/>
+                <a:ext cx="1010469" cy="369332"/>
+              </a:xfrm>
+              <a:prstGeom prst="rect">
+                <a:avLst/>
+              </a:prstGeom>
+              <a:solidFill>
+                <a:schemeClr val="accent1"/>
+              </a:solidFill>
+            </p:spPr>
+            <p:txBody>
+              <a:bodyPr wrap="none" rtlCol="0">
+                <a:spAutoFit/>
+              </a:bodyPr>
+              <a:lstStyle/>
+              <a:p>
+                <a14:m>
+                  <m:oMath xmlns:m="http://schemas.openxmlformats.org/officeDocument/2006/math">
+                    <m:r>
+                      <a:rPr lang="en-US" altLang="ko-KR" b="0" i="1" smtClean="0">
+                        <a:solidFill>
+                          <a:schemeClr val="bg1"/>
+                        </a:solidFill>
+                        <a:latin typeface="Cambria Math"/>
+                      </a:rPr>
+                      <m:t>𝑟</m:t>
+                    </m:r>
+                  </m:oMath>
+                </a14:m>
+                <a:r>
+                  <a:rPr lang="ko-KR" altLang="en-US" dirty="0">
+                    <a:solidFill>
+                      <a:schemeClr val="bg1"/>
+                    </a:solidFill>
+                    <a:latin typeface="나눔고딕" pitchFamily="50" charset="-127"/>
+                    <a:ea typeface="나눔고딕" pitchFamily="50" charset="-127"/>
+                  </a:rPr>
+                  <a:t> </a:t>
+                </a:r>
+                <a:r>
+                  <a:rPr lang="en-US" altLang="ko-KR" dirty="0">
+                    <a:solidFill>
+                      <a:schemeClr val="bg1"/>
+                    </a:solidFill>
+                    <a:latin typeface="나눔고딕" pitchFamily="50" charset="-127"/>
+                    <a:ea typeface="나눔고딕" pitchFamily="50" charset="-127"/>
+                  </a:rPr>
+                  <a:t>= </a:t>
+                </a:r>
+                <a:r>
+                  <a:rPr lang="ko-KR" altLang="en-US" dirty="0">
+                    <a:solidFill>
+                      <a:schemeClr val="bg1"/>
+                    </a:solidFill>
+                    <a:latin typeface="나눔고딕" pitchFamily="50" charset="-127"/>
+                    <a:ea typeface="나눔고딕" pitchFamily="50" charset="-127"/>
+                  </a:rPr>
+                  <a:t>길이</a:t>
+                </a:r>
+              </a:p>
+            </p:txBody>
+          </p:sp>
+        </mc:Choice>
+        <mc:Fallback xmlns="">
+          <p:sp>
+            <p:nvSpPr>
+              <p:cNvPr id="4" name="TextBox 3"/>
+              <p:cNvSpPr txBox="1">
+                <a:spLocks noRot="1" noChangeAspect="1" noMove="1" noResize="1" noEditPoints="1" noAdjustHandles="1" noChangeArrowheads="1" noChangeShapeType="1" noTextEdit="1"/>
+              </p:cNvSpPr>
+              <p:nvPr/>
+            </p:nvSpPr>
+            <p:spPr>
+              <a:xfrm rot="19860000">
+                <a:off x="3989015" y="3063444"/>
+                <a:ext cx="1010469" cy="369332"/>
+              </a:xfrm>
+              <a:prstGeom prst="rect">
+                <a:avLst/>
+              </a:prstGeom>
+              <a:blipFill rotWithShape="1">
+                <a:blip r:embed="rId3"/>
+                <a:stretch>
+                  <a:fillRect t="-5970" r="-8000" b="-2239"/>
+                </a:stretch>
+              </a:blipFill>
+            </p:spPr>
+            <p:txBody>
+              <a:bodyPr/>
+              <a:lstStyle/>
+              <a:p>
+                <a:r>
+                  <a:rPr lang="ko-KR" altLang="en-US">
+                    <a:noFill/>
+                  </a:rPr>
+                  <a:t> </a:t>
+                </a:r>
+              </a:p>
+            </p:txBody>
+          </p:sp>
+        </mc:Fallback>
+      </mc:AlternateContent>
+      <mc:AlternateContent xmlns:mc="http://schemas.openxmlformats.org/markup-compatibility/2006" xmlns:a14="http://schemas.microsoft.com/office/drawing/2010/main">
+        <mc:Choice Requires="a14">
+          <p:sp>
+            <p:nvSpPr>
+              <p:cNvPr id="6" name="TextBox 5"/>
+              <p:cNvSpPr txBox="1"/>
+              <p:nvPr/>
+            </p:nvSpPr>
+            <p:spPr>
+              <a:xfrm>
+                <a:off x="3635896" y="4055489"/>
+                <a:ext cx="1816844" cy="369332"/>
+              </a:xfrm>
+              <a:prstGeom prst="rect">
+                <a:avLst/>
+              </a:prstGeom>
+              <a:solidFill>
+                <a:schemeClr val="accent1"/>
+              </a:solidFill>
+            </p:spPr>
+            <p:txBody>
+              <a:bodyPr wrap="none" rtlCol="0">
+                <a:spAutoFit/>
+              </a:bodyPr>
+              <a:lstStyle/>
+              <a:p>
+                <a14:m>
+                  <m:oMath xmlns:m="http://schemas.openxmlformats.org/officeDocument/2006/math">
+                    <m:r>
+                      <a:rPr lang="en-US" altLang="ko-KR" b="0" i="1" smtClean="0">
+                        <a:solidFill>
+                          <a:schemeClr val="bg1"/>
+                        </a:solidFill>
+                        <a:latin typeface="Cambria Math"/>
+                      </a:rPr>
+                      <m:t>𝜃</m:t>
+                    </m:r>
+                  </m:oMath>
+                </a14:m>
+                <a:r>
+                  <a:rPr lang="ko-KR" altLang="en-US" dirty="0">
+                    <a:solidFill>
+                      <a:schemeClr val="bg1"/>
+                    </a:solidFill>
+                    <a:latin typeface="나눔고딕" pitchFamily="50" charset="-127"/>
+                    <a:ea typeface="나눔고딕" pitchFamily="50" charset="-127"/>
+                  </a:rPr>
+                  <a:t> </a:t>
+                </a:r>
+                <a:r>
+                  <a:rPr lang="en-US" altLang="ko-KR" dirty="0">
+                    <a:solidFill>
+                      <a:schemeClr val="bg1"/>
+                    </a:solidFill>
+                    <a:latin typeface="나눔고딕" pitchFamily="50" charset="-127"/>
+                    <a:ea typeface="나눔고딕" pitchFamily="50" charset="-127"/>
+                  </a:rPr>
+                  <a:t>= </a:t>
+                </a:r>
+                <a:r>
+                  <a:rPr lang="ko-KR" altLang="en-US" dirty="0">
+                    <a:solidFill>
+                      <a:schemeClr val="bg1"/>
+                    </a:solidFill>
+                    <a:latin typeface="나눔고딕" pitchFamily="50" charset="-127"/>
+                    <a:ea typeface="나눔고딕" pitchFamily="50" charset="-127"/>
+                  </a:rPr>
+                  <a:t>각도 </a:t>
+                </a:r>
+                <a:r>
+                  <a:rPr lang="en-US" altLang="ko-KR" dirty="0">
+                    <a:solidFill>
+                      <a:schemeClr val="bg1"/>
+                    </a:solidFill>
+                    <a:latin typeface="나눔고딕" pitchFamily="50" charset="-127"/>
+                    <a:ea typeface="나눔고딕" pitchFamily="50" charset="-127"/>
+                  </a:rPr>
+                  <a:t>or </a:t>
+                </a:r>
+                <a:r>
+                  <a:rPr lang="ko-KR" altLang="en-US" dirty="0">
+                    <a:solidFill>
+                      <a:schemeClr val="bg1"/>
+                    </a:solidFill>
+                    <a:latin typeface="나눔고딕" pitchFamily="50" charset="-127"/>
+                    <a:ea typeface="나눔고딕" pitchFamily="50" charset="-127"/>
+                  </a:rPr>
+                  <a:t>방향</a:t>
+                </a:r>
+              </a:p>
+            </p:txBody>
+          </p:sp>
+        </mc:Choice>
+        <mc:Fallback xmlns="">
+          <p:sp>
+            <p:nvSpPr>
+              <p:cNvPr id="6" name="TextBox 5"/>
+              <p:cNvSpPr txBox="1">
+                <a:spLocks noRot="1" noChangeAspect="1" noMove="1" noResize="1" noEditPoints="1" noAdjustHandles="1" noChangeArrowheads="1" noChangeShapeType="1" noTextEdit="1"/>
+              </p:cNvSpPr>
+              <p:nvPr/>
+            </p:nvSpPr>
+            <p:spPr>
+              <a:xfrm>
+                <a:off x="3635896" y="4055489"/>
+                <a:ext cx="1816844" cy="369332"/>
+              </a:xfrm>
+              <a:prstGeom prst="rect">
+                <a:avLst/>
+              </a:prstGeom>
+              <a:blipFill rotWithShape="1">
+                <a:blip r:embed="rId4"/>
+                <a:stretch>
+                  <a:fillRect t="-8197" r="-2685" b="-24590"/>
+                </a:stretch>
+              </a:blipFill>
+            </p:spPr>
+            <p:txBody>
+              <a:bodyPr/>
+              <a:lstStyle/>
+              <a:p>
+                <a:r>
+                  <a:rPr lang="ko-KR" altLang="en-US">
+                    <a:noFill/>
+                  </a:rPr>
+                  <a:t> </a:t>
+                </a:r>
+              </a:p>
+            </p:txBody>
+          </p:sp>
+        </mc:Fallback>
+      </mc:AlternateContent>
+      <p:sp>
+        <p:nvSpPr>
+          <p:cNvPr id="5" name="원호 4"/>
+          <p:cNvSpPr/>
+          <p:nvPr/>
+        </p:nvSpPr>
+        <p:spPr>
+          <a:xfrm>
+            <a:off x="1839464" y="3654566"/>
+            <a:ext cx="1656184" cy="1656184"/>
+          </a:xfrm>
+          <a:prstGeom prst="arc">
+            <a:avLst>
+              <a:gd name="adj1" fmla="val 20041085"/>
+              <a:gd name="adj2" fmla="val 21482768"/>
+            </a:avLst>
+          </a:prstGeom>
+          <a:ln w="19050">
+            <a:solidFill>
+              <a:schemeClr val="tx1"/>
+            </a:solidFill>
+            <a:prstDash val="sysDash"/>
+          </a:ln>
+        </p:spPr>
+        <p:style>
+          <a:lnRef idx="1">
+            <a:schemeClr val="accent1"/>
+          </a:lnRef>
+          <a:fillRef idx="0">
+            <a:schemeClr val="accent1"/>
+          </a:fillRef>
+          <a:effectRef idx="0">
+            <a:schemeClr val="accent1"/>
+          </a:effectRef>
+          <a:fontRef idx="minor">
+            <a:schemeClr val="tx1"/>
+          </a:fontRef>
+        </p:style>
+        <p:txBody>
+          <a:bodyPr rtlCol="0" anchor="ctr"/>
+          <a:lstStyle/>
+          <a:p>
+            <a:pPr algn="ctr"/>
+            <a:endParaRPr lang="ko-KR" altLang="en-US"/>
+          </a:p>
+        </p:txBody>
+      </p:sp>
+    </p:spTree>
+    <p:extLst>
+      <p:ext uri="{BB962C8B-B14F-4D97-AF65-F5344CB8AC3E}">
+        <p14:creationId xmlns:p14="http://schemas.microsoft.com/office/powerpoint/2010/main" val="222064999"/>
       </p:ext>
     </p:extLst>
   </p:cSld>
